--- a/generalforsamling/21H/Generalforsamling H2021.pptx
+++ b/generalforsamling/21H/Generalforsamling H2021.pptx
@@ -5,7 +5,7 @@
     <p:sldMasterId id="2147483659" r:id="rId1"/>
   </p:sldMasterIdLst>
   <p:notesMasterIdLst>
-    <p:notesMasterId r:id="rId26"/>
+    <p:notesMasterId r:id="rId45"/>
   </p:notesMasterIdLst>
   <p:sldIdLst>
     <p:sldId id="256" r:id="rId2"/>
@@ -19,38 +19,57 @@
     <p:sldId id="264" r:id="rId10"/>
     <p:sldId id="265" r:id="rId11"/>
     <p:sldId id="266" r:id="rId12"/>
-    <p:sldId id="267" r:id="rId13"/>
-    <p:sldId id="268" r:id="rId14"/>
-    <p:sldId id="275" r:id="rId15"/>
-    <p:sldId id="276" r:id="rId16"/>
-    <p:sldId id="277" r:id="rId17"/>
-    <p:sldId id="278" r:id="rId18"/>
-    <p:sldId id="279" r:id="rId19"/>
-    <p:sldId id="280" r:id="rId20"/>
-    <p:sldId id="281" r:id="rId21"/>
-    <p:sldId id="282" r:id="rId22"/>
-    <p:sldId id="283" r:id="rId23"/>
-    <p:sldId id="284" r:id="rId24"/>
-    <p:sldId id="285" r:id="rId25"/>
+    <p:sldId id="286" r:id="rId13"/>
+    <p:sldId id="275" r:id="rId14"/>
+    <p:sldId id="276" r:id="rId15"/>
+    <p:sldId id="277" r:id="rId16"/>
+    <p:sldId id="309" r:id="rId17"/>
+    <p:sldId id="302" r:id="rId18"/>
+    <p:sldId id="288" r:id="rId19"/>
+    <p:sldId id="287" r:id="rId20"/>
+    <p:sldId id="289" r:id="rId21"/>
+    <p:sldId id="290" r:id="rId22"/>
+    <p:sldId id="291" r:id="rId23"/>
+    <p:sldId id="292" r:id="rId24"/>
+    <p:sldId id="278" r:id="rId25"/>
+    <p:sldId id="303" r:id="rId26"/>
+    <p:sldId id="293" r:id="rId27"/>
+    <p:sldId id="294" r:id="rId28"/>
+    <p:sldId id="295" r:id="rId29"/>
+    <p:sldId id="296" r:id="rId30"/>
+    <p:sldId id="297" r:id="rId31"/>
+    <p:sldId id="298" r:id="rId32"/>
+    <p:sldId id="299" r:id="rId33"/>
+    <p:sldId id="300" r:id="rId34"/>
+    <p:sldId id="301" r:id="rId35"/>
+    <p:sldId id="279" r:id="rId36"/>
+    <p:sldId id="280" r:id="rId37"/>
+    <p:sldId id="281" r:id="rId38"/>
+    <p:sldId id="304" r:id="rId39"/>
+    <p:sldId id="306" r:id="rId40"/>
+    <p:sldId id="307" r:id="rId41"/>
+    <p:sldId id="308" r:id="rId42"/>
+    <p:sldId id="284" r:id="rId43"/>
+    <p:sldId id="285" r:id="rId44"/>
   </p:sldIdLst>
   <p:sldSz cx="9144000" cy="5143500" type="screen16x9"/>
   <p:notesSz cx="6858000" cy="9144000"/>
   <p:embeddedFontLst>
     <p:embeddedFont>
       <p:font typeface="Average" panose="020B0604020202020204" charset="0"/>
-      <p:regular r:id="rId27"/>
+      <p:regular r:id="rId46"/>
     </p:embeddedFont>
     <p:embeddedFont>
       <p:font typeface="Oswald" panose="00000500000000000000" pitchFamily="2" charset="0"/>
-      <p:regular r:id="rId28"/>
-      <p:bold r:id="rId29"/>
+      <p:regular r:id="rId47"/>
+      <p:bold r:id="rId48"/>
     </p:embeddedFont>
     <p:embeddedFont>
       <p:font typeface="Roboto" panose="02000000000000000000" pitchFamily="2" charset="0"/>
-      <p:regular r:id="rId30"/>
-      <p:bold r:id="rId31"/>
-      <p:italic r:id="rId32"/>
-      <p:boldItalic r:id="rId33"/>
+      <p:regular r:id="rId49"/>
+      <p:bold r:id="rId50"/>
+      <p:italic r:id="rId51"/>
+      <p:boldItalic r:id="rId52"/>
     </p:embeddedFont>
   </p:embeddedFontLst>
   <p:defaultTextStyle>
@@ -311,13 +330,752 @@
 <file path=ppt/revisionInfo.xml><?xml version="1.0" encoding="utf-8"?>
 <p1510:revInfo xmlns:a="http://schemas.openxmlformats.org/drawingml/2006/main" xmlns:r="http://schemas.openxmlformats.org/officeDocument/2006/relationships" xmlns:p1510="http://schemas.microsoft.com/office/powerpoint/2015/10/main">
   <p1510:revLst>
+    <p1510:client id="{6D5344D0-F072-402D-9CCA-09F97173F4E8}" v="359" dt="2021-11-10T15:32:56.052"/>
     <p1510:client id="{7F680326-D90B-4589-BB7E-ECA3FFDF8DF7}" v="98" dt="2021-11-09T20:59:54.686"/>
+    <p1510:client id="{BDE0C896-86BF-4D05-B3CA-9FF427C0BB6B}" v="1514" dt="2021-11-10T15:47:17.962"/>
   </p1510:revLst>
 </p1510:revInfo>
 </file>
 
 <file path=ppt/changesInfos/changesInfo1.xml><?xml version="1.0" encoding="utf-8"?>
 <pc:chgInfo xmlns:a="http://schemas.openxmlformats.org/drawingml/2006/main" xmlns:r="http://schemas.openxmlformats.org/officeDocument/2006/relationships" xmlns:ac="http://schemas.microsoft.com/office/drawing/2013/main/command" xmlns:pc="http://schemas.microsoft.com/office/powerpoint/2013/main/command">
+  <pc:docChgLst>
+    <pc:chgData name="Gjestebruker" userId="S::urn:spo:anon#a7866cdca8654b5e0a4bb4141d513f7a478f10b2ee880f1b25c03d84d36d322d::" providerId="AD" clId="Web-{BDE0C896-86BF-4D05-B3CA-9FF427C0BB6B}"/>
+    <pc:docChg chg="addSld delSld modSld">
+      <pc:chgData name="Gjestebruker" userId="S::urn:spo:anon#a7866cdca8654b5e0a4bb4141d513f7a478f10b2ee880f1b25c03d84d36d322d::" providerId="AD" clId="Web-{BDE0C896-86BF-4D05-B3CA-9FF427C0BB6B}" dt="2021-11-10T15:47:17.962" v="1491" actId="20577"/>
+      <pc:docMkLst>
+        <pc:docMk/>
+      </pc:docMkLst>
+      <pc:sldChg chg="modSp new">
+        <pc:chgData name="Gjestebruker" userId="S::urn:spo:anon#a7866cdca8654b5e0a4bb4141d513f7a478f10b2ee880f1b25c03d84d36d322d::" providerId="AD" clId="Web-{BDE0C896-86BF-4D05-B3CA-9FF427C0BB6B}" dt="2021-11-10T15:41:00.579" v="1300" actId="20577"/>
+        <pc:sldMkLst>
+          <pc:docMk/>
+          <pc:sldMk cId="3148004758" sldId="287"/>
+        </pc:sldMkLst>
+        <pc:spChg chg="mod">
+          <ac:chgData name="Gjestebruker" userId="S::urn:spo:anon#a7866cdca8654b5e0a4bb4141d513f7a478f10b2ee880f1b25c03d84d36d322d::" providerId="AD" clId="Web-{BDE0C896-86BF-4D05-B3CA-9FF427C0BB6B}" dt="2021-11-10T15:18:50.730" v="676" actId="20577"/>
+          <ac:spMkLst>
+            <pc:docMk/>
+            <pc:sldMk cId="3148004758" sldId="287"/>
+            <ac:spMk id="2" creationId="{84968664-4C5F-42E5-959A-60A5325C2AF6}"/>
+          </ac:spMkLst>
+        </pc:spChg>
+        <pc:spChg chg="mod">
+          <ac:chgData name="Gjestebruker" userId="S::urn:spo:anon#a7866cdca8654b5e0a4bb4141d513f7a478f10b2ee880f1b25c03d84d36d322d::" providerId="AD" clId="Web-{BDE0C896-86BF-4D05-B3CA-9FF427C0BB6B}" dt="2021-11-10T15:41:00.579" v="1300" actId="20577"/>
+          <ac:spMkLst>
+            <pc:docMk/>
+            <pc:sldMk cId="3148004758" sldId="287"/>
+            <ac:spMk id="3" creationId="{276B50EA-7AEF-4FCF-96F2-08E821C93DD1}"/>
+          </ac:spMkLst>
+        </pc:spChg>
+      </pc:sldChg>
+      <pc:sldChg chg="delSp modSp new">
+        <pc:chgData name="Gjestebruker" userId="S::urn:spo:anon#a7866cdca8654b5e0a4bb4141d513f7a478f10b2ee880f1b25c03d84d36d322d::" providerId="AD" clId="Web-{BDE0C896-86BF-4D05-B3CA-9FF427C0BB6B}" dt="2021-11-10T15:09:09.115" v="130" actId="20577"/>
+        <pc:sldMkLst>
+          <pc:docMk/>
+          <pc:sldMk cId="2057716477" sldId="288"/>
+        </pc:sldMkLst>
+        <pc:spChg chg="mod">
+          <ac:chgData name="Gjestebruker" userId="S::urn:spo:anon#a7866cdca8654b5e0a4bb4141d513f7a478f10b2ee880f1b25c03d84d36d322d::" providerId="AD" clId="Web-{BDE0C896-86BF-4D05-B3CA-9FF427C0BB6B}" dt="2021-11-10T15:09:09.115" v="130" actId="20577"/>
+          <ac:spMkLst>
+            <pc:docMk/>
+            <pc:sldMk cId="2057716477" sldId="288"/>
+            <ac:spMk id="2" creationId="{E43C4244-87AF-47E5-BD4F-3748F079A354}"/>
+          </ac:spMkLst>
+        </pc:spChg>
+        <pc:spChg chg="del mod">
+          <ac:chgData name="Gjestebruker" userId="S::urn:spo:anon#a7866cdca8654b5e0a4bb4141d513f7a478f10b2ee880f1b25c03d84d36d322d::" providerId="AD" clId="Web-{BDE0C896-86BF-4D05-B3CA-9FF427C0BB6B}" dt="2021-11-10T15:05:34.477" v="4"/>
+          <ac:spMkLst>
+            <pc:docMk/>
+            <pc:sldMk cId="2057716477" sldId="288"/>
+            <ac:spMk id="3" creationId="{9FF9F9F8-CF44-4BF0-9A48-19A7C37BBF81}"/>
+          </ac:spMkLst>
+        </pc:spChg>
+      </pc:sldChg>
+      <pc:sldChg chg="modSp new">
+        <pc:chgData name="Gjestebruker" userId="S::urn:spo:anon#a7866cdca8654b5e0a4bb4141d513f7a478f10b2ee880f1b25c03d84d36d322d::" providerId="AD" clId="Web-{BDE0C896-86BF-4D05-B3CA-9FF427C0BB6B}" dt="2021-11-10T15:41:42.894" v="1302" actId="1076"/>
+        <pc:sldMkLst>
+          <pc:docMk/>
+          <pc:sldMk cId="3067305477" sldId="289"/>
+        </pc:sldMkLst>
+        <pc:spChg chg="mod">
+          <ac:chgData name="Gjestebruker" userId="S::urn:spo:anon#a7866cdca8654b5e0a4bb4141d513f7a478f10b2ee880f1b25c03d84d36d322d::" providerId="AD" clId="Web-{BDE0C896-86BF-4D05-B3CA-9FF427C0BB6B}" dt="2021-11-10T15:08:13.393" v="74" actId="20577"/>
+          <ac:spMkLst>
+            <pc:docMk/>
+            <pc:sldMk cId="3067305477" sldId="289"/>
+            <ac:spMk id="2" creationId="{A46583A3-5286-4391-9A18-68C19A0AFD7D}"/>
+          </ac:spMkLst>
+        </pc:spChg>
+        <pc:spChg chg="mod">
+          <ac:chgData name="Gjestebruker" userId="S::urn:spo:anon#a7866cdca8654b5e0a4bb4141d513f7a478f10b2ee880f1b25c03d84d36d322d::" providerId="AD" clId="Web-{BDE0C896-86BF-4D05-B3CA-9FF427C0BB6B}" dt="2021-11-10T15:41:42.894" v="1302" actId="1076"/>
+          <ac:spMkLst>
+            <pc:docMk/>
+            <pc:sldMk cId="3067305477" sldId="289"/>
+            <ac:spMk id="3" creationId="{196A78A9-689C-4E35-9EEE-63E1E0A39D98}"/>
+          </ac:spMkLst>
+        </pc:spChg>
+      </pc:sldChg>
+      <pc:sldChg chg="modSp new">
+        <pc:chgData name="Gjestebruker" userId="S::urn:spo:anon#a7866cdca8654b5e0a4bb4141d513f7a478f10b2ee880f1b25c03d84d36d322d::" providerId="AD" clId="Web-{BDE0C896-86BF-4D05-B3CA-9FF427C0BB6B}" dt="2021-11-10T15:27:12.152" v="1149" actId="20577"/>
+        <pc:sldMkLst>
+          <pc:docMk/>
+          <pc:sldMk cId="794052908" sldId="290"/>
+        </pc:sldMkLst>
+        <pc:spChg chg="mod">
+          <ac:chgData name="Gjestebruker" userId="S::urn:spo:anon#a7866cdca8654b5e0a4bb4141d513f7a478f10b2ee880f1b25c03d84d36d322d::" providerId="AD" clId="Web-{BDE0C896-86BF-4D05-B3CA-9FF427C0BB6B}" dt="2021-11-10T15:08:28.285" v="92" actId="20577"/>
+          <ac:spMkLst>
+            <pc:docMk/>
+            <pc:sldMk cId="794052908" sldId="290"/>
+            <ac:spMk id="2" creationId="{C40E3C94-B455-48AD-944E-9B84E2598693}"/>
+          </ac:spMkLst>
+        </pc:spChg>
+        <pc:spChg chg="mod">
+          <ac:chgData name="Gjestebruker" userId="S::urn:spo:anon#a7866cdca8654b5e0a4bb4141d513f7a478f10b2ee880f1b25c03d84d36d322d::" providerId="AD" clId="Web-{BDE0C896-86BF-4D05-B3CA-9FF427C0BB6B}" dt="2021-11-10T15:27:12.152" v="1149" actId="20577"/>
+          <ac:spMkLst>
+            <pc:docMk/>
+            <pc:sldMk cId="794052908" sldId="290"/>
+            <ac:spMk id="3" creationId="{A6D3E248-1491-40A5-963D-705958D3CD2B}"/>
+          </ac:spMkLst>
+        </pc:spChg>
+      </pc:sldChg>
+      <pc:sldChg chg="modSp new">
+        <pc:chgData name="Gjestebruker" userId="S::urn:spo:anon#a7866cdca8654b5e0a4bb4141d513f7a478f10b2ee880f1b25c03d84d36d322d::" providerId="AD" clId="Web-{BDE0C896-86BF-4D05-B3CA-9FF427C0BB6B}" dt="2021-11-10T15:42:04.036" v="1304" actId="1076"/>
+        <pc:sldMkLst>
+          <pc:docMk/>
+          <pc:sldMk cId="2905854370" sldId="291"/>
+        </pc:sldMkLst>
+        <pc:spChg chg="mod">
+          <ac:chgData name="Gjestebruker" userId="S::urn:spo:anon#a7866cdca8654b5e0a4bb4141d513f7a478f10b2ee880f1b25c03d84d36d322d::" providerId="AD" clId="Web-{BDE0C896-86BF-4D05-B3CA-9FF427C0BB6B}" dt="2021-11-10T15:08:33.097" v="102" actId="20577"/>
+          <ac:spMkLst>
+            <pc:docMk/>
+            <pc:sldMk cId="2905854370" sldId="291"/>
+            <ac:spMk id="2" creationId="{6E0FE82A-FE8A-4ACE-95F8-5FE505B3B000}"/>
+          </ac:spMkLst>
+        </pc:spChg>
+        <pc:spChg chg="mod">
+          <ac:chgData name="Gjestebruker" userId="S::urn:spo:anon#a7866cdca8654b5e0a4bb4141d513f7a478f10b2ee880f1b25c03d84d36d322d::" providerId="AD" clId="Web-{BDE0C896-86BF-4D05-B3CA-9FF427C0BB6B}" dt="2021-11-10T15:42:04.036" v="1304" actId="1076"/>
+          <ac:spMkLst>
+            <pc:docMk/>
+            <pc:sldMk cId="2905854370" sldId="291"/>
+            <ac:spMk id="3" creationId="{9308ABA1-A29A-4E32-8F81-F9C37FF4AE5E}"/>
+          </ac:spMkLst>
+        </pc:spChg>
+      </pc:sldChg>
+      <pc:sldChg chg="new del">
+        <pc:chgData name="Gjestebruker" userId="S::urn:spo:anon#a7866cdca8654b5e0a4bb4141d513f7a478f10b2ee880f1b25c03d84d36d322d::" providerId="AD" clId="Web-{BDE0C896-86BF-4D05-B3CA-9FF427C0BB6B}" dt="2021-11-10T15:08:38.410" v="104"/>
+        <pc:sldMkLst>
+          <pc:docMk/>
+          <pc:sldMk cId="888146896" sldId="292"/>
+        </pc:sldMkLst>
+      </pc:sldChg>
+      <pc:sldChg chg="modSp new">
+        <pc:chgData name="Gjestebruker" userId="S::urn:spo:anon#a7866cdca8654b5e0a4bb4141d513f7a478f10b2ee880f1b25c03d84d36d322d::" providerId="AD" clId="Web-{BDE0C896-86BF-4D05-B3CA-9FF427C0BB6B}" dt="2021-11-10T15:42:39.351" v="1315" actId="20577"/>
+        <pc:sldMkLst>
+          <pc:docMk/>
+          <pc:sldMk cId="2175780814" sldId="292"/>
+        </pc:sldMkLst>
+        <pc:spChg chg="mod">
+          <ac:chgData name="Gjestebruker" userId="S::urn:spo:anon#a7866cdca8654b5e0a4bb4141d513f7a478f10b2ee880f1b25c03d84d36d322d::" providerId="AD" clId="Web-{BDE0C896-86BF-4D05-B3CA-9FF427C0BB6B}" dt="2021-11-10T15:09:42.617" v="135" actId="20577"/>
+          <ac:spMkLst>
+            <pc:docMk/>
+            <pc:sldMk cId="2175780814" sldId="292"/>
+            <ac:spMk id="2" creationId="{E381FFE6-337C-4C02-A597-E8336A5C5BBE}"/>
+          </ac:spMkLst>
+        </pc:spChg>
+        <pc:spChg chg="mod">
+          <ac:chgData name="Gjestebruker" userId="S::urn:spo:anon#a7866cdca8654b5e0a4bb4141d513f7a478f10b2ee880f1b25c03d84d36d322d::" providerId="AD" clId="Web-{BDE0C896-86BF-4D05-B3CA-9FF427C0BB6B}" dt="2021-11-10T15:42:39.351" v="1315" actId="20577"/>
+          <ac:spMkLst>
+            <pc:docMk/>
+            <pc:sldMk cId="2175780814" sldId="292"/>
+            <ac:spMk id="3" creationId="{1DD3B372-FB37-4CB7-B41E-98942A82A645}"/>
+          </ac:spMkLst>
+        </pc:spChg>
+      </pc:sldChg>
+      <pc:sldChg chg="modSp new">
+        <pc:chgData name="Gjestebruker" userId="S::urn:spo:anon#a7866cdca8654b5e0a4bb4141d513f7a478f10b2ee880f1b25c03d84d36d322d::" providerId="AD" clId="Web-{BDE0C896-86BF-4D05-B3CA-9FF427C0BB6B}" dt="2021-11-10T15:45:29.361" v="1428" actId="20577"/>
+        <pc:sldMkLst>
+          <pc:docMk/>
+          <pc:sldMk cId="3472435525" sldId="293"/>
+        </pc:sldMkLst>
+        <pc:spChg chg="mod">
+          <ac:chgData name="Gjestebruker" userId="S::urn:spo:anon#a7866cdca8654b5e0a4bb4141d513f7a478f10b2ee880f1b25c03d84d36d322d::" providerId="AD" clId="Web-{BDE0C896-86BF-4D05-B3CA-9FF427C0BB6B}" dt="2021-11-10T15:30:19.554" v="1179"/>
+          <ac:spMkLst>
+            <pc:docMk/>
+            <pc:sldMk cId="3472435525" sldId="293"/>
+            <ac:spMk id="2" creationId="{4B535DA4-12ED-49CF-9E12-36C41DD82E55}"/>
+          </ac:spMkLst>
+        </pc:spChg>
+        <pc:spChg chg="mod">
+          <ac:chgData name="Gjestebruker" userId="S::urn:spo:anon#a7866cdca8654b5e0a4bb4141d513f7a478f10b2ee880f1b25c03d84d36d322d::" providerId="AD" clId="Web-{BDE0C896-86BF-4D05-B3CA-9FF427C0BB6B}" dt="2021-11-10T15:45:29.361" v="1428" actId="20577"/>
+          <ac:spMkLst>
+            <pc:docMk/>
+            <pc:sldMk cId="3472435525" sldId="293"/>
+            <ac:spMk id="3" creationId="{FA8F8FB8-DE75-419E-B7EF-3DE5FFA913C5}"/>
+          </ac:spMkLst>
+        </pc:spChg>
+      </pc:sldChg>
+      <pc:sldChg chg="modSp new">
+        <pc:chgData name="Gjestebruker" userId="S::urn:spo:anon#a7866cdca8654b5e0a4bb4141d513f7a478f10b2ee880f1b25c03d84d36d322d::" providerId="AD" clId="Web-{BDE0C896-86BF-4D05-B3CA-9FF427C0BB6B}" dt="2021-11-10T15:47:17.962" v="1491" actId="20577"/>
+        <pc:sldMkLst>
+          <pc:docMk/>
+          <pc:sldMk cId="2052741389" sldId="294"/>
+        </pc:sldMkLst>
+        <pc:spChg chg="mod">
+          <ac:chgData name="Gjestebruker" userId="S::urn:spo:anon#a7866cdca8654b5e0a4bb4141d513f7a478f10b2ee880f1b25c03d84d36d322d::" providerId="AD" clId="Web-{BDE0C896-86BF-4D05-B3CA-9FF427C0BB6B}" dt="2021-11-10T15:10:38.918" v="158" actId="20577"/>
+          <ac:spMkLst>
+            <pc:docMk/>
+            <pc:sldMk cId="2052741389" sldId="294"/>
+            <ac:spMk id="2" creationId="{BF8DE96B-6840-4126-8279-D885301A3760}"/>
+          </ac:spMkLst>
+        </pc:spChg>
+        <pc:spChg chg="mod">
+          <ac:chgData name="Gjestebruker" userId="S::urn:spo:anon#a7866cdca8654b5e0a4bb4141d513f7a478f10b2ee880f1b25c03d84d36d322d::" providerId="AD" clId="Web-{BDE0C896-86BF-4D05-B3CA-9FF427C0BB6B}" dt="2021-11-10T15:47:17.962" v="1491" actId="20577"/>
+          <ac:spMkLst>
+            <pc:docMk/>
+            <pc:sldMk cId="2052741389" sldId="294"/>
+            <ac:spMk id="3" creationId="{51BA7FEC-1E2F-465C-9C74-8B5929754BFA}"/>
+          </ac:spMkLst>
+        </pc:spChg>
+      </pc:sldChg>
+      <pc:sldChg chg="modSp new">
+        <pc:chgData name="Gjestebruker" userId="S::urn:spo:anon#a7866cdca8654b5e0a4bb4141d513f7a478f10b2ee880f1b25c03d84d36d322d::" providerId="AD" clId="Web-{BDE0C896-86BF-4D05-B3CA-9FF427C0BB6B}" dt="2021-11-10T15:31:29.262" v="1189" actId="20577"/>
+        <pc:sldMkLst>
+          <pc:docMk/>
+          <pc:sldMk cId="3738315346" sldId="295"/>
+        </pc:sldMkLst>
+        <pc:spChg chg="mod">
+          <ac:chgData name="Gjestebruker" userId="S::urn:spo:anon#a7866cdca8654b5e0a4bb4141d513f7a478f10b2ee880f1b25c03d84d36d322d::" providerId="AD" clId="Web-{BDE0C896-86BF-4D05-B3CA-9FF427C0BB6B}" dt="2021-11-10T15:10:55.388" v="166" actId="20577"/>
+          <ac:spMkLst>
+            <pc:docMk/>
+            <pc:sldMk cId="3738315346" sldId="295"/>
+            <ac:spMk id="2" creationId="{C9EE77E9-57C9-4673-A0FB-E6F2F2FE7B8E}"/>
+          </ac:spMkLst>
+        </pc:spChg>
+        <pc:spChg chg="mod">
+          <ac:chgData name="Gjestebruker" userId="S::urn:spo:anon#a7866cdca8654b5e0a4bb4141d513f7a478f10b2ee880f1b25c03d84d36d322d::" providerId="AD" clId="Web-{BDE0C896-86BF-4D05-B3CA-9FF427C0BB6B}" dt="2021-11-10T15:31:29.262" v="1189" actId="20577"/>
+          <ac:spMkLst>
+            <pc:docMk/>
+            <pc:sldMk cId="3738315346" sldId="295"/>
+            <ac:spMk id="3" creationId="{13C465EB-3291-41D4-82D1-AB4C589B7390}"/>
+          </ac:spMkLst>
+        </pc:spChg>
+      </pc:sldChg>
+      <pc:sldChg chg="modSp new">
+        <pc:chgData name="Gjestebruker" userId="S::urn:spo:anon#a7866cdca8654b5e0a4bb4141d513f7a478f10b2ee880f1b25c03d84d36d322d::" providerId="AD" clId="Web-{BDE0C896-86BF-4D05-B3CA-9FF427C0BB6B}" dt="2021-11-10T15:11:23.702" v="179" actId="20577"/>
+        <pc:sldMkLst>
+          <pc:docMk/>
+          <pc:sldMk cId="1649385506" sldId="296"/>
+        </pc:sldMkLst>
+        <pc:spChg chg="mod">
+          <ac:chgData name="Gjestebruker" userId="S::urn:spo:anon#a7866cdca8654b5e0a4bb4141d513f7a478f10b2ee880f1b25c03d84d36d322d::" providerId="AD" clId="Web-{BDE0C896-86BF-4D05-B3CA-9FF427C0BB6B}" dt="2021-11-10T15:11:23.702" v="179" actId="20577"/>
+          <ac:spMkLst>
+            <pc:docMk/>
+            <pc:sldMk cId="1649385506" sldId="296"/>
+            <ac:spMk id="2" creationId="{B4672B71-EFC4-489E-8B95-2E54C6B10817}"/>
+          </ac:spMkLst>
+        </pc:spChg>
+      </pc:sldChg>
+      <pc:sldChg chg="modSp new">
+        <pc:chgData name="Gjestebruker" userId="S::urn:spo:anon#a7866cdca8654b5e0a4bb4141d513f7a478f10b2ee880f1b25c03d84d36d322d::" providerId="AD" clId="Web-{BDE0C896-86BF-4D05-B3CA-9FF427C0BB6B}" dt="2021-11-10T15:33:42.958" v="1191" actId="20577"/>
+        <pc:sldMkLst>
+          <pc:docMk/>
+          <pc:sldMk cId="1745298555" sldId="297"/>
+        </pc:sldMkLst>
+        <pc:spChg chg="mod">
+          <ac:chgData name="Gjestebruker" userId="S::urn:spo:anon#a7866cdca8654b5e0a4bb4141d513f7a478f10b2ee880f1b25c03d84d36d322d::" providerId="AD" clId="Web-{BDE0C896-86BF-4D05-B3CA-9FF427C0BB6B}" dt="2021-11-10T15:11:33.390" v="191" actId="20577"/>
+          <ac:spMkLst>
+            <pc:docMk/>
+            <pc:sldMk cId="1745298555" sldId="297"/>
+            <ac:spMk id="2" creationId="{52761FFB-42F0-4EA5-B18A-F14C10884E37}"/>
+          </ac:spMkLst>
+        </pc:spChg>
+        <pc:spChg chg="mod">
+          <ac:chgData name="Gjestebruker" userId="S::urn:spo:anon#a7866cdca8654b5e0a4bb4141d513f7a478f10b2ee880f1b25c03d84d36d322d::" providerId="AD" clId="Web-{BDE0C896-86BF-4D05-B3CA-9FF427C0BB6B}" dt="2021-11-10T15:33:42.958" v="1191" actId="20577"/>
+          <ac:spMkLst>
+            <pc:docMk/>
+            <pc:sldMk cId="1745298555" sldId="297"/>
+            <ac:spMk id="3" creationId="{E6E1DA44-8ACF-4AA6-A137-2B3352CFE273}"/>
+          </ac:spMkLst>
+        </pc:spChg>
+      </pc:sldChg>
+      <pc:sldChg chg="modSp new">
+        <pc:chgData name="Gjestebruker" userId="S::urn:spo:anon#a7866cdca8654b5e0a4bb4141d513f7a478f10b2ee880f1b25c03d84d36d322d::" providerId="AD" clId="Web-{BDE0C896-86BF-4D05-B3CA-9FF427C0BB6B}" dt="2021-11-10T15:34:42.243" v="1195" actId="20577"/>
+        <pc:sldMkLst>
+          <pc:docMk/>
+          <pc:sldMk cId="1620576335" sldId="298"/>
+        </pc:sldMkLst>
+        <pc:spChg chg="mod">
+          <ac:chgData name="Gjestebruker" userId="S::urn:spo:anon#a7866cdca8654b5e0a4bb4141d513f7a478f10b2ee880f1b25c03d84d36d322d::" providerId="AD" clId="Web-{BDE0C896-86BF-4D05-B3CA-9FF427C0BB6B}" dt="2021-11-10T15:11:47.125" v="212" actId="20577"/>
+          <ac:spMkLst>
+            <pc:docMk/>
+            <pc:sldMk cId="1620576335" sldId="298"/>
+            <ac:spMk id="2" creationId="{1396CE55-E954-44F8-A683-F219EEF46974}"/>
+          </ac:spMkLst>
+        </pc:spChg>
+        <pc:spChg chg="mod">
+          <ac:chgData name="Gjestebruker" userId="S::urn:spo:anon#a7866cdca8654b5e0a4bb4141d513f7a478f10b2ee880f1b25c03d84d36d322d::" providerId="AD" clId="Web-{BDE0C896-86BF-4D05-B3CA-9FF427C0BB6B}" dt="2021-11-10T15:34:42.243" v="1195" actId="20577"/>
+          <ac:spMkLst>
+            <pc:docMk/>
+            <pc:sldMk cId="1620576335" sldId="298"/>
+            <ac:spMk id="3" creationId="{52B122C9-6373-48E7-B863-900D05B49939}"/>
+          </ac:spMkLst>
+        </pc:spChg>
+      </pc:sldChg>
+      <pc:sldChg chg="modSp new">
+        <pc:chgData name="Gjestebruker" userId="S::urn:spo:anon#a7866cdca8654b5e0a4bb4141d513f7a478f10b2ee880f1b25c03d84d36d322d::" providerId="AD" clId="Web-{BDE0C896-86BF-4D05-B3CA-9FF427C0BB6B}" dt="2021-11-10T15:35:02.431" v="1197" actId="20577"/>
+        <pc:sldMkLst>
+          <pc:docMk/>
+          <pc:sldMk cId="1272612646" sldId="299"/>
+        </pc:sldMkLst>
+        <pc:spChg chg="mod">
+          <ac:chgData name="Gjestebruker" userId="S::urn:spo:anon#a7866cdca8654b5e0a4bb4141d513f7a478f10b2ee880f1b25c03d84d36d322d::" providerId="AD" clId="Web-{BDE0C896-86BF-4D05-B3CA-9FF427C0BB6B}" dt="2021-11-10T15:11:57.938" v="226" actId="20577"/>
+          <ac:spMkLst>
+            <pc:docMk/>
+            <pc:sldMk cId="1272612646" sldId="299"/>
+            <ac:spMk id="2" creationId="{305379D4-9553-4F91-B522-ABC353E90F21}"/>
+          </ac:spMkLst>
+        </pc:spChg>
+        <pc:spChg chg="mod">
+          <ac:chgData name="Gjestebruker" userId="S::urn:spo:anon#a7866cdca8654b5e0a4bb4141d513f7a478f10b2ee880f1b25c03d84d36d322d::" providerId="AD" clId="Web-{BDE0C896-86BF-4D05-B3CA-9FF427C0BB6B}" dt="2021-11-10T15:35:02.431" v="1197" actId="20577"/>
+          <ac:spMkLst>
+            <pc:docMk/>
+            <pc:sldMk cId="1272612646" sldId="299"/>
+            <ac:spMk id="3" creationId="{FD8B1F7B-ACF3-41D4-9384-8747931D45B5}"/>
+          </ac:spMkLst>
+        </pc:spChg>
+      </pc:sldChg>
+      <pc:sldChg chg="modSp new">
+        <pc:chgData name="Gjestebruker" userId="S::urn:spo:anon#a7866cdca8654b5e0a4bb4141d513f7a478f10b2ee880f1b25c03d84d36d322d::" providerId="AD" clId="Web-{BDE0C896-86BF-4D05-B3CA-9FF427C0BB6B}" dt="2021-11-10T15:35:21.823" v="1200" actId="20577"/>
+        <pc:sldMkLst>
+          <pc:docMk/>
+          <pc:sldMk cId="4272981795" sldId="300"/>
+        </pc:sldMkLst>
+        <pc:spChg chg="mod">
+          <ac:chgData name="Gjestebruker" userId="S::urn:spo:anon#a7866cdca8654b5e0a4bb4141d513f7a478f10b2ee880f1b25c03d84d36d322d::" providerId="AD" clId="Web-{BDE0C896-86BF-4D05-B3CA-9FF427C0BB6B}" dt="2021-11-10T15:12:08.564" v="232" actId="20577"/>
+          <ac:spMkLst>
+            <pc:docMk/>
+            <pc:sldMk cId="4272981795" sldId="300"/>
+            <ac:spMk id="2" creationId="{D29A6DBF-386F-410D-B90A-8525165CCA12}"/>
+          </ac:spMkLst>
+        </pc:spChg>
+        <pc:spChg chg="mod">
+          <ac:chgData name="Gjestebruker" userId="S::urn:spo:anon#a7866cdca8654b5e0a4bb4141d513f7a478f10b2ee880f1b25c03d84d36d322d::" providerId="AD" clId="Web-{BDE0C896-86BF-4D05-B3CA-9FF427C0BB6B}" dt="2021-11-10T15:35:21.823" v="1200" actId="20577"/>
+          <ac:spMkLst>
+            <pc:docMk/>
+            <pc:sldMk cId="4272981795" sldId="300"/>
+            <ac:spMk id="3" creationId="{23070024-90BB-4EE5-8AAE-B4BA47A35561}"/>
+          </ac:spMkLst>
+        </pc:spChg>
+      </pc:sldChg>
+      <pc:sldChg chg="modSp new">
+        <pc:chgData name="Gjestebruker" userId="S::urn:spo:anon#a7866cdca8654b5e0a4bb4141d513f7a478f10b2ee880f1b25c03d84d36d322d::" providerId="AD" clId="Web-{BDE0C896-86BF-4D05-B3CA-9FF427C0BB6B}" dt="2021-11-10T15:35:49.622" v="1203" actId="20577"/>
+        <pc:sldMkLst>
+          <pc:docMk/>
+          <pc:sldMk cId="1460864720" sldId="301"/>
+        </pc:sldMkLst>
+        <pc:spChg chg="mod">
+          <ac:chgData name="Gjestebruker" userId="S::urn:spo:anon#a7866cdca8654b5e0a4bb4141d513f7a478f10b2ee880f1b25c03d84d36d322d::" providerId="AD" clId="Web-{BDE0C896-86BF-4D05-B3CA-9FF427C0BB6B}" dt="2021-11-10T15:12:26.143" v="248" actId="20577"/>
+          <ac:spMkLst>
+            <pc:docMk/>
+            <pc:sldMk cId="1460864720" sldId="301"/>
+            <ac:spMk id="2" creationId="{37ED4EE4-56A5-48D8-9E31-001C33CFE1FA}"/>
+          </ac:spMkLst>
+        </pc:spChg>
+        <pc:spChg chg="mod">
+          <ac:chgData name="Gjestebruker" userId="S::urn:spo:anon#a7866cdca8654b5e0a4bb4141d513f7a478f10b2ee880f1b25c03d84d36d322d::" providerId="AD" clId="Web-{BDE0C896-86BF-4D05-B3CA-9FF427C0BB6B}" dt="2021-11-10T15:35:49.622" v="1203" actId="20577"/>
+          <ac:spMkLst>
+            <pc:docMk/>
+            <pc:sldMk cId="1460864720" sldId="301"/>
+            <ac:spMk id="3" creationId="{F0399D48-606E-46BF-8E28-EA5E8419DB88}"/>
+          </ac:spMkLst>
+        </pc:spChg>
+      </pc:sldChg>
+      <pc:sldChg chg="modSp new">
+        <pc:chgData name="Gjestebruker" userId="S::urn:spo:anon#a7866cdca8654b5e0a4bb4141d513f7a478f10b2ee880f1b25c03d84d36d322d::" providerId="AD" clId="Web-{BDE0C896-86BF-4D05-B3CA-9FF427C0BB6B}" dt="2021-11-10T15:39:36.292" v="1223" actId="20577"/>
+        <pc:sldMkLst>
+          <pc:docMk/>
+          <pc:sldMk cId="2540969315" sldId="302"/>
+        </pc:sldMkLst>
+        <pc:spChg chg="mod">
+          <ac:chgData name="Gjestebruker" userId="S::urn:spo:anon#a7866cdca8654b5e0a4bb4141d513f7a478f10b2ee880f1b25c03d84d36d322d::" providerId="AD" clId="Web-{BDE0C896-86BF-4D05-B3CA-9FF427C0BB6B}" dt="2021-11-10T15:14:25.276" v="300" actId="20577"/>
+          <ac:spMkLst>
+            <pc:docMk/>
+            <pc:sldMk cId="2540969315" sldId="302"/>
+            <ac:spMk id="2" creationId="{D7ABAB5E-AFC0-4B8C-BEC7-5E02BC71F44D}"/>
+          </ac:spMkLst>
+        </pc:spChg>
+        <pc:spChg chg="mod">
+          <ac:chgData name="Gjestebruker" userId="S::urn:spo:anon#a7866cdca8654b5e0a4bb4141d513f7a478f10b2ee880f1b25c03d84d36d322d::" providerId="AD" clId="Web-{BDE0C896-86BF-4D05-B3CA-9FF427C0BB6B}" dt="2021-11-10T15:39:36.292" v="1223" actId="20577"/>
+          <ac:spMkLst>
+            <pc:docMk/>
+            <pc:sldMk cId="2540969315" sldId="302"/>
+            <ac:spMk id="3" creationId="{607D9802-3099-4460-BB6A-5B52CC2D2A83}"/>
+          </ac:spMkLst>
+        </pc:spChg>
+      </pc:sldChg>
+      <pc:sldChg chg="modSp new">
+        <pc:chgData name="Gjestebruker" userId="S::urn:spo:anon#a7866cdca8654b5e0a4bb4141d513f7a478f10b2ee880f1b25c03d84d36d322d::" providerId="AD" clId="Web-{BDE0C896-86BF-4D05-B3CA-9FF427C0BB6B}" dt="2021-11-10T15:43:14.181" v="1318" actId="20577"/>
+        <pc:sldMkLst>
+          <pc:docMk/>
+          <pc:sldMk cId="3814697543" sldId="303"/>
+        </pc:sldMkLst>
+        <pc:spChg chg="mod">
+          <ac:chgData name="Gjestebruker" userId="S::urn:spo:anon#a7866cdca8654b5e0a4bb4141d513f7a478f10b2ee880f1b25c03d84d36d322d::" providerId="AD" clId="Web-{BDE0C896-86BF-4D05-B3CA-9FF427C0BB6B}" dt="2021-11-10T15:15:18.873" v="327" actId="20577"/>
+          <ac:spMkLst>
+            <pc:docMk/>
+            <pc:sldMk cId="3814697543" sldId="303"/>
+            <ac:spMk id="2" creationId="{0F87AD55-CD18-412E-AA2F-30BB430B0153}"/>
+          </ac:spMkLst>
+        </pc:spChg>
+        <pc:spChg chg="mod">
+          <ac:chgData name="Gjestebruker" userId="S::urn:spo:anon#a7866cdca8654b5e0a4bb4141d513f7a478f10b2ee880f1b25c03d84d36d322d::" providerId="AD" clId="Web-{BDE0C896-86BF-4D05-B3CA-9FF427C0BB6B}" dt="2021-11-10T15:43:14.181" v="1318" actId="20577"/>
+          <ac:spMkLst>
+            <pc:docMk/>
+            <pc:sldMk cId="3814697543" sldId="303"/>
+            <ac:spMk id="3" creationId="{EFB0F7D0-8B7E-4BE3-AAB4-FA47BFC3A2E7}"/>
+          </ac:spMkLst>
+        </pc:spChg>
+      </pc:sldChg>
+      <pc:sldChg chg="modSp new">
+        <pc:chgData name="Gjestebruker" userId="S::urn:spo:anon#a7866cdca8654b5e0a4bb4141d513f7a478f10b2ee880f1b25c03d84d36d322d::" providerId="AD" clId="Web-{BDE0C896-86BF-4D05-B3CA-9FF427C0BB6B}" dt="2021-11-10T15:20:06.219" v="743" actId="20577"/>
+        <pc:sldMkLst>
+          <pc:docMk/>
+          <pc:sldMk cId="56019883" sldId="305"/>
+        </pc:sldMkLst>
+        <pc:spChg chg="mod">
+          <ac:chgData name="Gjestebruker" userId="S::urn:spo:anon#a7866cdca8654b5e0a4bb4141d513f7a478f10b2ee880f1b25c03d84d36d322d::" providerId="AD" clId="Web-{BDE0C896-86BF-4D05-B3CA-9FF427C0BB6B}" dt="2021-11-10T15:20:06.219" v="743" actId="20577"/>
+          <ac:spMkLst>
+            <pc:docMk/>
+            <pc:sldMk cId="56019883" sldId="305"/>
+            <ac:spMk id="2" creationId="{34A1844A-5DB1-4765-8C7B-1565AE07D230}"/>
+          </ac:spMkLst>
+        </pc:spChg>
+      </pc:sldChg>
+      <pc:sldChg chg="modSp">
+        <pc:chgData name="Gjestebruker" userId="S::urn:spo:anon#a7866cdca8654b5e0a4bb4141d513f7a478f10b2ee880f1b25c03d84d36d322d::" providerId="AD" clId="Web-{BDE0C896-86BF-4D05-B3CA-9FF427C0BB6B}" dt="2021-11-10T15:38:35.632" v="1213" actId="1076"/>
+        <pc:sldMkLst>
+          <pc:docMk/>
+          <pc:sldMk cId="3086758528" sldId="309"/>
+        </pc:sldMkLst>
+        <pc:spChg chg="mod">
+          <ac:chgData name="Gjestebruker" userId="S::urn:spo:anon#a7866cdca8654b5e0a4bb4141d513f7a478f10b2ee880f1b25c03d84d36d322d::" providerId="AD" clId="Web-{BDE0C896-86BF-4D05-B3CA-9FF427C0BB6B}" dt="2021-11-10T15:38:35.632" v="1213" actId="1076"/>
+          <ac:spMkLst>
+            <pc:docMk/>
+            <pc:sldMk cId="3086758528" sldId="309"/>
+            <ac:spMk id="179" creationId="{00000000-0000-0000-0000-000000000000}"/>
+          </ac:spMkLst>
+        </pc:spChg>
+      </pc:sldChg>
+    </pc:docChg>
+  </pc:docChgLst>
+  <pc:docChgLst>
+    <pc:chgData name="Peter Hjelle Petersen-Øverleir" userId="75e6a86c-2ff7-48bd-a545-c00c7cd58f36" providerId="ADAL" clId="{6D5344D0-F072-402D-9CCA-09F97173F4E8}"/>
+    <pc:docChg chg="undo redo custSel addSld delSld modSld sldOrd">
+      <pc:chgData name="Peter Hjelle Petersen-Øverleir" userId="75e6a86c-2ff7-48bd-a545-c00c7cd58f36" providerId="ADAL" clId="{6D5344D0-F072-402D-9CCA-09F97173F4E8}" dt="2021-11-10T15:32:56.052" v="418" actId="20577"/>
+      <pc:docMkLst>
+        <pc:docMk/>
+      </pc:docMkLst>
+      <pc:sldChg chg="add del">
+        <pc:chgData name="Peter Hjelle Petersen-Øverleir" userId="75e6a86c-2ff7-48bd-a545-c00c7cd58f36" providerId="ADAL" clId="{6D5344D0-F072-402D-9CCA-09F97173F4E8}" dt="2021-11-10T15:00:36.643" v="24" actId="2696"/>
+        <pc:sldMkLst>
+          <pc:docMk/>
+          <pc:sldMk cId="0" sldId="267"/>
+        </pc:sldMkLst>
+      </pc:sldChg>
+      <pc:sldChg chg="del">
+        <pc:chgData name="Peter Hjelle Petersen-Øverleir" userId="75e6a86c-2ff7-48bd-a545-c00c7cd58f36" providerId="ADAL" clId="{6D5344D0-F072-402D-9CCA-09F97173F4E8}" dt="2021-11-10T14:58:59.174" v="0" actId="2696"/>
+        <pc:sldMkLst>
+          <pc:docMk/>
+          <pc:sldMk cId="0" sldId="268"/>
+        </pc:sldMkLst>
+      </pc:sldChg>
+      <pc:sldChg chg="modSp mod">
+        <pc:chgData name="Peter Hjelle Petersen-Øverleir" userId="75e6a86c-2ff7-48bd-a545-c00c7cd58f36" providerId="ADAL" clId="{6D5344D0-F072-402D-9CCA-09F97173F4E8}" dt="2021-11-10T14:59:08.036" v="1" actId="255"/>
+        <pc:sldMkLst>
+          <pc:docMk/>
+          <pc:sldMk cId="0" sldId="275"/>
+        </pc:sldMkLst>
+        <pc:spChg chg="mod">
+          <ac:chgData name="Peter Hjelle Petersen-Øverleir" userId="75e6a86c-2ff7-48bd-a545-c00c7cd58f36" providerId="ADAL" clId="{6D5344D0-F072-402D-9CCA-09F97173F4E8}" dt="2021-11-10T14:59:08.036" v="1" actId="255"/>
+          <ac:spMkLst>
+            <pc:docMk/>
+            <pc:sldMk cId="0" sldId="275"/>
+            <ac:spMk id="168" creationId="{00000000-0000-0000-0000-000000000000}"/>
+          </ac:spMkLst>
+        </pc:spChg>
+      </pc:sldChg>
+      <pc:sldChg chg="addSp modSp mod modClrScheme chgLayout">
+        <pc:chgData name="Peter Hjelle Petersen-Øverleir" userId="75e6a86c-2ff7-48bd-a545-c00c7cd58f36" providerId="ADAL" clId="{6D5344D0-F072-402D-9CCA-09F97173F4E8}" dt="2021-11-10T15:32:56.052" v="418" actId="20577"/>
+        <pc:sldMkLst>
+          <pc:docMk/>
+          <pc:sldMk cId="0" sldId="277"/>
+        </pc:sldMkLst>
+        <pc:spChg chg="add mod ord">
+          <ac:chgData name="Peter Hjelle Petersen-Øverleir" userId="75e6a86c-2ff7-48bd-a545-c00c7cd58f36" providerId="ADAL" clId="{6D5344D0-F072-402D-9CCA-09F97173F4E8}" dt="2021-11-10T15:32:30.851" v="398" actId="207"/>
+          <ac:spMkLst>
+            <pc:docMk/>
+            <pc:sldMk cId="0" sldId="277"/>
+            <ac:spMk id="2" creationId="{100D2DAE-0B45-4D2D-90F0-270392E79813}"/>
+          </ac:spMkLst>
+        </pc:spChg>
+        <pc:spChg chg="mod ord">
+          <ac:chgData name="Peter Hjelle Petersen-Øverleir" userId="75e6a86c-2ff7-48bd-a545-c00c7cd58f36" providerId="ADAL" clId="{6D5344D0-F072-402D-9CCA-09F97173F4E8}" dt="2021-11-10T15:32:56.052" v="418" actId="20577"/>
+          <ac:spMkLst>
+            <pc:docMk/>
+            <pc:sldMk cId="0" sldId="277"/>
+            <ac:spMk id="178" creationId="{00000000-0000-0000-0000-000000000000}"/>
+          </ac:spMkLst>
+        </pc:spChg>
+        <pc:spChg chg="mod ord">
+          <ac:chgData name="Peter Hjelle Petersen-Øverleir" userId="75e6a86c-2ff7-48bd-a545-c00c7cd58f36" providerId="ADAL" clId="{6D5344D0-F072-402D-9CCA-09F97173F4E8}" dt="2021-11-10T15:32:30.851" v="398" actId="207"/>
+          <ac:spMkLst>
+            <pc:docMk/>
+            <pc:sldMk cId="0" sldId="277"/>
+            <ac:spMk id="179" creationId="{00000000-0000-0000-0000-000000000000}"/>
+          </ac:spMkLst>
+        </pc:spChg>
+      </pc:sldChg>
+      <pc:sldChg chg="ord">
+        <pc:chgData name="Peter Hjelle Petersen-Øverleir" userId="75e6a86c-2ff7-48bd-a545-c00c7cd58f36" providerId="ADAL" clId="{6D5344D0-F072-402D-9CCA-09F97173F4E8}" dt="2021-11-10T15:28:14.202" v="230"/>
+        <pc:sldMkLst>
+          <pc:docMk/>
+          <pc:sldMk cId="0" sldId="278"/>
+        </pc:sldMkLst>
+      </pc:sldChg>
+      <pc:sldChg chg="modSp mod">
+        <pc:chgData name="Peter Hjelle Petersen-Øverleir" userId="75e6a86c-2ff7-48bd-a545-c00c7cd58f36" providerId="ADAL" clId="{6D5344D0-F072-402D-9CCA-09F97173F4E8}" dt="2021-11-10T15:17:50.216" v="103" actId="20577"/>
+        <pc:sldMkLst>
+          <pc:docMk/>
+          <pc:sldMk cId="0" sldId="280"/>
+        </pc:sldMkLst>
+        <pc:spChg chg="mod">
+          <ac:chgData name="Peter Hjelle Petersen-Øverleir" userId="75e6a86c-2ff7-48bd-a545-c00c7cd58f36" providerId="ADAL" clId="{6D5344D0-F072-402D-9CCA-09F97173F4E8}" dt="2021-11-10T15:17:30.580" v="90" actId="20577"/>
+          <ac:spMkLst>
+            <pc:docMk/>
+            <pc:sldMk cId="0" sldId="280"/>
+            <ac:spMk id="195" creationId="{00000000-0000-0000-0000-000000000000}"/>
+          </ac:spMkLst>
+        </pc:spChg>
+        <pc:spChg chg="mod">
+          <ac:chgData name="Peter Hjelle Petersen-Øverleir" userId="75e6a86c-2ff7-48bd-a545-c00c7cd58f36" providerId="ADAL" clId="{6D5344D0-F072-402D-9CCA-09F97173F4E8}" dt="2021-11-10T15:17:50.216" v="103" actId="20577"/>
+          <ac:spMkLst>
+            <pc:docMk/>
+            <pc:sldMk cId="0" sldId="280"/>
+            <ac:spMk id="196" creationId="{00000000-0000-0000-0000-000000000000}"/>
+          </ac:spMkLst>
+        </pc:spChg>
+      </pc:sldChg>
+      <pc:sldChg chg="modSp mod">
+        <pc:chgData name="Peter Hjelle Petersen-Øverleir" userId="75e6a86c-2ff7-48bd-a545-c00c7cd58f36" providerId="ADAL" clId="{6D5344D0-F072-402D-9CCA-09F97173F4E8}" dt="2021-11-10T15:19:12.781" v="154" actId="207"/>
+        <pc:sldMkLst>
+          <pc:docMk/>
+          <pc:sldMk cId="0" sldId="281"/>
+        </pc:sldMkLst>
+        <pc:spChg chg="mod">
+          <ac:chgData name="Peter Hjelle Petersen-Øverleir" userId="75e6a86c-2ff7-48bd-a545-c00c7cd58f36" providerId="ADAL" clId="{6D5344D0-F072-402D-9CCA-09F97173F4E8}" dt="2021-11-10T15:18:37.586" v="142" actId="20577"/>
+          <ac:spMkLst>
+            <pc:docMk/>
+            <pc:sldMk cId="0" sldId="281"/>
+            <ac:spMk id="201" creationId="{00000000-0000-0000-0000-000000000000}"/>
+          </ac:spMkLst>
+        </pc:spChg>
+        <pc:spChg chg="mod">
+          <ac:chgData name="Peter Hjelle Petersen-Øverleir" userId="75e6a86c-2ff7-48bd-a545-c00c7cd58f36" providerId="ADAL" clId="{6D5344D0-F072-402D-9CCA-09F97173F4E8}" dt="2021-11-10T15:19:12.781" v="154" actId="207"/>
+          <ac:spMkLst>
+            <pc:docMk/>
+            <pc:sldMk cId="0" sldId="281"/>
+            <ac:spMk id="202" creationId="{00000000-0000-0000-0000-000000000000}"/>
+          </ac:spMkLst>
+        </pc:spChg>
+      </pc:sldChg>
+      <pc:sldChg chg="del">
+        <pc:chgData name="Peter Hjelle Petersen-Øverleir" userId="75e6a86c-2ff7-48bd-a545-c00c7cd58f36" providerId="ADAL" clId="{6D5344D0-F072-402D-9CCA-09F97173F4E8}" dt="2021-11-10T15:24:28.982" v="226" actId="2696"/>
+        <pc:sldMkLst>
+          <pc:docMk/>
+          <pc:sldMk cId="0" sldId="282"/>
+        </pc:sldMkLst>
+      </pc:sldChg>
+      <pc:sldChg chg="del">
+        <pc:chgData name="Peter Hjelle Petersen-Øverleir" userId="75e6a86c-2ff7-48bd-a545-c00c7cd58f36" providerId="ADAL" clId="{6D5344D0-F072-402D-9CCA-09F97173F4E8}" dt="2021-11-10T15:24:31.772" v="227" actId="2696"/>
+        <pc:sldMkLst>
+          <pc:docMk/>
+          <pc:sldMk cId="0" sldId="283"/>
+        </pc:sldMkLst>
+      </pc:sldChg>
+      <pc:sldChg chg="modSp add mod">
+        <pc:chgData name="Peter Hjelle Petersen-Øverleir" userId="75e6a86c-2ff7-48bd-a545-c00c7cd58f36" providerId="ADAL" clId="{6D5344D0-F072-402D-9CCA-09F97173F4E8}" dt="2021-11-10T14:59:43.292" v="6" actId="20577"/>
+        <pc:sldMkLst>
+          <pc:docMk/>
+          <pc:sldMk cId="2713644708" sldId="286"/>
+        </pc:sldMkLst>
+        <pc:spChg chg="mod">
+          <ac:chgData name="Peter Hjelle Petersen-Øverleir" userId="75e6a86c-2ff7-48bd-a545-c00c7cd58f36" providerId="ADAL" clId="{6D5344D0-F072-402D-9CCA-09F97173F4E8}" dt="2021-11-10T14:59:43.292" v="6" actId="20577"/>
+          <ac:spMkLst>
+            <pc:docMk/>
+            <pc:sldMk cId="2713644708" sldId="286"/>
+            <ac:spMk id="113" creationId="{00000000-0000-0000-0000-000000000000}"/>
+          </ac:spMkLst>
+        </pc:spChg>
+      </pc:sldChg>
+      <pc:sldChg chg="ord">
+        <pc:chgData name="Peter Hjelle Petersen-Øverleir" userId="75e6a86c-2ff7-48bd-a545-c00c7cd58f36" providerId="ADAL" clId="{6D5344D0-F072-402D-9CCA-09F97173F4E8}" dt="2021-11-10T15:28:19.742" v="234"/>
+        <pc:sldMkLst>
+          <pc:docMk/>
+          <pc:sldMk cId="3148004758" sldId="287"/>
+        </pc:sldMkLst>
+      </pc:sldChg>
+      <pc:sldChg chg="ord">
+        <pc:chgData name="Peter Hjelle Petersen-Øverleir" userId="75e6a86c-2ff7-48bd-a545-c00c7cd58f36" providerId="ADAL" clId="{6D5344D0-F072-402D-9CCA-09F97173F4E8}" dt="2021-11-10T15:28:42.136" v="238"/>
+        <pc:sldMkLst>
+          <pc:docMk/>
+          <pc:sldMk cId="2057716477" sldId="288"/>
+        </pc:sldMkLst>
+      </pc:sldChg>
+      <pc:sldChg chg="modSp mod">
+        <pc:chgData name="Peter Hjelle Petersen-Øverleir" userId="75e6a86c-2ff7-48bd-a545-c00c7cd58f36" providerId="ADAL" clId="{6D5344D0-F072-402D-9CCA-09F97173F4E8}" dt="2021-11-10T15:30:15.068" v="301" actId="20577"/>
+        <pc:sldMkLst>
+          <pc:docMk/>
+          <pc:sldMk cId="3472435525" sldId="293"/>
+        </pc:sldMkLst>
+        <pc:spChg chg="mod">
+          <ac:chgData name="Peter Hjelle Petersen-Øverleir" userId="75e6a86c-2ff7-48bd-a545-c00c7cd58f36" providerId="ADAL" clId="{6D5344D0-F072-402D-9CCA-09F97173F4E8}" dt="2021-11-10T15:30:15.068" v="301" actId="20577"/>
+          <ac:spMkLst>
+            <pc:docMk/>
+            <pc:sldMk cId="3472435525" sldId="293"/>
+            <ac:spMk id="3" creationId="{FA8F8FB8-DE75-419E-B7EF-3DE5FFA913C5}"/>
+          </ac:spMkLst>
+        </pc:spChg>
+      </pc:sldChg>
+      <pc:sldChg chg="ord">
+        <pc:chgData name="Peter Hjelle Petersen-Øverleir" userId="75e6a86c-2ff7-48bd-a545-c00c7cd58f36" providerId="ADAL" clId="{6D5344D0-F072-402D-9CCA-09F97173F4E8}" dt="2021-11-10T15:28:23.728" v="236"/>
+        <pc:sldMkLst>
+          <pc:docMk/>
+          <pc:sldMk cId="3814697543" sldId="303"/>
+        </pc:sldMkLst>
+      </pc:sldChg>
+      <pc:sldChg chg="modSp add mod">
+        <pc:chgData name="Peter Hjelle Petersen-Øverleir" userId="75e6a86c-2ff7-48bd-a545-c00c7cd58f36" providerId="ADAL" clId="{6D5344D0-F072-402D-9CCA-09F97173F4E8}" dt="2021-11-10T15:19:59.564" v="165" actId="20577"/>
+        <pc:sldMkLst>
+          <pc:docMk/>
+          <pc:sldMk cId="1481474307" sldId="304"/>
+        </pc:sldMkLst>
+        <pc:spChg chg="mod">
+          <ac:chgData name="Peter Hjelle Petersen-Øverleir" userId="75e6a86c-2ff7-48bd-a545-c00c7cd58f36" providerId="ADAL" clId="{6D5344D0-F072-402D-9CCA-09F97173F4E8}" dt="2021-11-10T15:19:26.340" v="157" actId="20577"/>
+          <ac:spMkLst>
+            <pc:docMk/>
+            <pc:sldMk cId="1481474307" sldId="304"/>
+            <ac:spMk id="201" creationId="{00000000-0000-0000-0000-000000000000}"/>
+          </ac:spMkLst>
+        </pc:spChg>
+        <pc:spChg chg="mod">
+          <ac:chgData name="Peter Hjelle Petersen-Øverleir" userId="75e6a86c-2ff7-48bd-a545-c00c7cd58f36" providerId="ADAL" clId="{6D5344D0-F072-402D-9CCA-09F97173F4E8}" dt="2021-11-10T15:19:59.564" v="165" actId="20577"/>
+          <ac:spMkLst>
+            <pc:docMk/>
+            <pc:sldMk cId="1481474307" sldId="304"/>
+            <ac:spMk id="202" creationId="{00000000-0000-0000-0000-000000000000}"/>
+          </ac:spMkLst>
+        </pc:spChg>
+      </pc:sldChg>
+      <pc:sldChg chg="del">
+        <pc:chgData name="Peter Hjelle Petersen-Øverleir" userId="75e6a86c-2ff7-48bd-a545-c00c7cd58f36" providerId="ADAL" clId="{6D5344D0-F072-402D-9CCA-09F97173F4E8}" dt="2021-11-10T15:26:09.044" v="228" actId="2696"/>
+        <pc:sldMkLst>
+          <pc:docMk/>
+          <pc:sldMk cId="56019883" sldId="305"/>
+        </pc:sldMkLst>
+      </pc:sldChg>
+      <pc:sldChg chg="modSp add mod">
+        <pc:chgData name="Peter Hjelle Petersen-Øverleir" userId="75e6a86c-2ff7-48bd-a545-c00c7cd58f36" providerId="ADAL" clId="{6D5344D0-F072-402D-9CCA-09F97173F4E8}" dt="2021-11-10T15:22:08.408" v="192" actId="207"/>
+        <pc:sldMkLst>
+          <pc:docMk/>
+          <pc:sldMk cId="2150983048" sldId="306"/>
+        </pc:sldMkLst>
+        <pc:spChg chg="mod">
+          <ac:chgData name="Peter Hjelle Petersen-Øverleir" userId="75e6a86c-2ff7-48bd-a545-c00c7cd58f36" providerId="ADAL" clId="{6D5344D0-F072-402D-9CCA-09F97173F4E8}" dt="2021-11-10T15:20:30.713" v="173" actId="20577"/>
+          <ac:spMkLst>
+            <pc:docMk/>
+            <pc:sldMk cId="2150983048" sldId="306"/>
+            <ac:spMk id="201" creationId="{00000000-0000-0000-0000-000000000000}"/>
+          </ac:spMkLst>
+        </pc:spChg>
+        <pc:spChg chg="mod">
+          <ac:chgData name="Peter Hjelle Petersen-Øverleir" userId="75e6a86c-2ff7-48bd-a545-c00c7cd58f36" providerId="ADAL" clId="{6D5344D0-F072-402D-9CCA-09F97173F4E8}" dt="2021-11-10T15:22:08.408" v="192" actId="207"/>
+          <ac:spMkLst>
+            <pc:docMk/>
+            <pc:sldMk cId="2150983048" sldId="306"/>
+            <ac:spMk id="202" creationId="{00000000-0000-0000-0000-000000000000}"/>
+          </ac:spMkLst>
+        </pc:spChg>
+      </pc:sldChg>
+      <pc:sldChg chg="modSp add mod">
+        <pc:chgData name="Peter Hjelle Petersen-Øverleir" userId="75e6a86c-2ff7-48bd-a545-c00c7cd58f36" providerId="ADAL" clId="{6D5344D0-F072-402D-9CCA-09F97173F4E8}" dt="2021-11-10T15:22:46.959" v="201" actId="6549"/>
+        <pc:sldMkLst>
+          <pc:docMk/>
+          <pc:sldMk cId="1671298673" sldId="307"/>
+        </pc:sldMkLst>
+        <pc:spChg chg="mod">
+          <ac:chgData name="Peter Hjelle Petersen-Øverleir" userId="75e6a86c-2ff7-48bd-a545-c00c7cd58f36" providerId="ADAL" clId="{6D5344D0-F072-402D-9CCA-09F97173F4E8}" dt="2021-11-10T15:22:26.369" v="195" actId="20577"/>
+          <ac:spMkLst>
+            <pc:docMk/>
+            <pc:sldMk cId="1671298673" sldId="307"/>
+            <ac:spMk id="201" creationId="{00000000-0000-0000-0000-000000000000}"/>
+          </ac:spMkLst>
+        </pc:spChg>
+        <pc:spChg chg="mod">
+          <ac:chgData name="Peter Hjelle Petersen-Øverleir" userId="75e6a86c-2ff7-48bd-a545-c00c7cd58f36" providerId="ADAL" clId="{6D5344D0-F072-402D-9CCA-09F97173F4E8}" dt="2021-11-10T15:22:46.959" v="201" actId="6549"/>
+          <ac:spMkLst>
+            <pc:docMk/>
+            <pc:sldMk cId="1671298673" sldId="307"/>
+            <ac:spMk id="202" creationId="{00000000-0000-0000-0000-000000000000}"/>
+          </ac:spMkLst>
+        </pc:spChg>
+      </pc:sldChg>
+      <pc:sldChg chg="modSp add mod">
+        <pc:chgData name="Peter Hjelle Petersen-Øverleir" userId="75e6a86c-2ff7-48bd-a545-c00c7cd58f36" providerId="ADAL" clId="{6D5344D0-F072-402D-9CCA-09F97173F4E8}" dt="2021-11-10T15:24:13.097" v="225" actId="20577"/>
+        <pc:sldMkLst>
+          <pc:docMk/>
+          <pc:sldMk cId="1294784369" sldId="308"/>
+        </pc:sldMkLst>
+        <pc:spChg chg="mod">
+          <ac:chgData name="Peter Hjelle Petersen-Øverleir" userId="75e6a86c-2ff7-48bd-a545-c00c7cd58f36" providerId="ADAL" clId="{6D5344D0-F072-402D-9CCA-09F97173F4E8}" dt="2021-11-10T15:22:59.692" v="204" actId="20577"/>
+          <ac:spMkLst>
+            <pc:docMk/>
+            <pc:sldMk cId="1294784369" sldId="308"/>
+            <ac:spMk id="201" creationId="{00000000-0000-0000-0000-000000000000}"/>
+          </ac:spMkLst>
+        </pc:spChg>
+        <pc:spChg chg="mod">
+          <ac:chgData name="Peter Hjelle Petersen-Øverleir" userId="75e6a86c-2ff7-48bd-a545-c00c7cd58f36" providerId="ADAL" clId="{6D5344D0-F072-402D-9CCA-09F97173F4E8}" dt="2021-11-10T15:24:13.097" v="225" actId="20577"/>
+          <ac:spMkLst>
+            <pc:docMk/>
+            <pc:sldMk cId="1294784369" sldId="308"/>
+            <ac:spMk id="202" creationId="{00000000-0000-0000-0000-000000000000}"/>
+          </ac:spMkLst>
+        </pc:spChg>
+      </pc:sldChg>
+      <pc:sldChg chg="add">
+        <pc:chgData name="Peter Hjelle Petersen-Øverleir" userId="75e6a86c-2ff7-48bd-a545-c00c7cd58f36" providerId="ADAL" clId="{6D5344D0-F072-402D-9CCA-09F97173F4E8}" dt="2021-11-10T15:31:03.829" v="330" actId="2890"/>
+        <pc:sldMkLst>
+          <pc:docMk/>
+          <pc:sldMk cId="3086758528" sldId="309"/>
+        </pc:sldMkLst>
+      </pc:sldChg>
+      <pc:sldChg chg="modSp add del mod ord">
+        <pc:chgData name="Peter Hjelle Petersen-Øverleir" userId="75e6a86c-2ff7-48bd-a545-c00c7cd58f36" providerId="ADAL" clId="{6D5344D0-F072-402D-9CCA-09F97173F4E8}" dt="2021-11-10T15:30:50.068" v="329" actId="2696"/>
+        <pc:sldMkLst>
+          <pc:docMk/>
+          <pc:sldMk cId="3795063506" sldId="309"/>
+        </pc:sldMkLst>
+        <pc:spChg chg="mod">
+          <ac:chgData name="Peter Hjelle Petersen-Øverleir" userId="75e6a86c-2ff7-48bd-a545-c00c7cd58f36" providerId="ADAL" clId="{6D5344D0-F072-402D-9CCA-09F97173F4E8}" dt="2021-11-10T15:30:45.690" v="328" actId="20577"/>
+          <ac:spMkLst>
+            <pc:docMk/>
+            <pc:sldMk cId="3795063506" sldId="309"/>
+            <ac:spMk id="184" creationId="{00000000-0000-0000-0000-000000000000}"/>
+          </ac:spMkLst>
+        </pc:spChg>
+      </pc:sldChg>
+    </pc:docChg>
+  </pc:docChgLst>
   <pc:docChgLst>
     <pc:chgData name="Peter Hjelle Petersen-Øverleir" userId="75e6a86c-2ff7-48bd-a545-c00c7cd58f36" providerId="ADAL" clId="{7F680326-D90B-4589-BB7E-ECA3FFDF8DF7}"/>
     <pc:docChg chg="custSel delSld modSld">
@@ -1470,7 +2228,7 @@
   <p:cSld>
     <p:spTree>
       <p:nvGrpSpPr>
-        <p:cNvPr id="1" name="Shape 115"/>
+        <p:cNvPr id="1" name="Shape 109"/>
         <p:cNvGrpSpPr/>
         <p:nvPr/>
       </p:nvGrpSpPr>
@@ -1484,111 +2242,7 @@
       </p:grpSpPr>
       <p:sp>
         <p:nvSpPr>
-          <p:cNvPr id="116" name="Google Shape;116;g5858ebce94_0_82:notes"/>
-          <p:cNvSpPr>
-            <a:spLocks noGrp="1" noRot="1" noChangeAspect="1"/>
-          </p:cNvSpPr>
-          <p:nvPr>
-            <p:ph type="sldImg" idx="2"/>
-          </p:nvPr>
-        </p:nvSpPr>
-        <p:spPr>
-          <a:xfrm>
-            <a:off x="381300" y="685800"/>
-            <a:ext cx="6096000" cy="3429000"/>
-          </a:xfrm>
-          <a:custGeom>
-            <a:avLst/>
-            <a:gdLst/>
-            <a:ahLst/>
-            <a:cxnLst/>
-            <a:rect l="l" t="t" r="r" b="b"/>
-            <a:pathLst>
-              <a:path w="120000" h="120000" extrusionOk="0">
-                <a:moveTo>
-                  <a:pt x="0" y="0"/>
-                </a:moveTo>
-                <a:lnTo>
-                  <a:pt x="120000" y="0"/>
-                </a:lnTo>
-                <a:lnTo>
-                  <a:pt x="120000" y="120000"/>
-                </a:lnTo>
-                <a:lnTo>
-                  <a:pt x="0" y="120000"/>
-                </a:lnTo>
-                <a:close/>
-              </a:path>
-            </a:pathLst>
-          </a:custGeom>
-        </p:spPr>
-      </p:sp>
-      <p:sp>
-        <p:nvSpPr>
-          <p:cNvPr id="117" name="Google Shape;117;g5858ebce94_0_82:notes"/>
-          <p:cNvSpPr txBox="1">
-            <a:spLocks noGrp="1"/>
-          </p:cNvSpPr>
-          <p:nvPr>
-            <p:ph type="body" idx="1"/>
-          </p:nvPr>
-        </p:nvSpPr>
-        <p:spPr>
-          <a:xfrm>
-            <a:off x="685800" y="4343400"/>
-            <a:ext cx="5486400" cy="4114800"/>
-          </a:xfrm>
-          <a:prstGeom prst="rect">
-            <a:avLst/>
-          </a:prstGeom>
-        </p:spPr>
-        <p:txBody>
-          <a:bodyPr spcFirstLastPara="1" wrap="square" lIns="91425" tIns="91425" rIns="91425" bIns="91425" anchor="t" anchorCtr="0">
-            <a:noAutofit/>
-          </a:bodyPr>
-          <a:lstStyle/>
-          <a:p>
-            <a:pPr marL="0" lvl="0" indent="0" algn="l" rtl="0">
-              <a:spcBef>
-                <a:spcPts val="0"/>
-              </a:spcBef>
-              <a:spcAft>
-                <a:spcPts val="0"/>
-              </a:spcAft>
-              <a:buNone/>
-            </a:pPr>
-            <a:endParaRPr dirty="0"/>
-          </a:p>
-        </p:txBody>
-      </p:sp>
-    </p:spTree>
-  </p:cSld>
-  <p:clrMapOvr>
-    <a:masterClrMapping/>
-  </p:clrMapOvr>
-</p:notes>
-</file>
-
-<file path=ppt/notesSlides/notesSlide13.xml><?xml version="1.0" encoding="utf-8"?>
-<p:notes xmlns:a="http://schemas.openxmlformats.org/drawingml/2006/main" xmlns:r="http://schemas.openxmlformats.org/officeDocument/2006/relationships" xmlns:p="http://schemas.openxmlformats.org/presentationml/2006/main" showMasterSp="0" showMasterPhAnim="0">
-  <p:cSld>
-    <p:spTree>
-      <p:nvGrpSpPr>
-        <p:cNvPr id="1" name="Shape 120"/>
-        <p:cNvGrpSpPr/>
-        <p:nvPr/>
-      </p:nvGrpSpPr>
-      <p:grpSpPr>
-        <a:xfrm>
-          <a:off x="0" y="0"/>
-          <a:ext cx="0" cy="0"/>
-          <a:chOff x="0" y="0"/>
-          <a:chExt cx="0" cy="0"/>
-        </a:xfrm>
-      </p:grpSpPr>
-      <p:sp>
-        <p:nvSpPr>
-          <p:cNvPr id="121" name="Google Shape;121;g585579b7b9_0_42:notes"/>
+          <p:cNvPr id="110" name="Google Shape;110;g5858ebce94_0_91:notes"/>
           <p:cNvSpPr>
             <a:spLocks noGrp="1" noRot="1" noChangeAspect="1"/>
           </p:cNvSpPr>
@@ -1629,7 +2283,7 @@
       </p:sp>
       <p:sp>
         <p:nvSpPr>
-          <p:cNvPr id="122" name="Google Shape;122;g585579b7b9_0_42:notes"/>
+          <p:cNvPr id="111" name="Google Shape;111;g5858ebce94_0_91:notes"/>
           <p:cNvSpPr txBox="1">
             <a:spLocks noGrp="1"/>
           </p:cNvSpPr>
@@ -1666,6 +2320,11 @@
         </p:txBody>
       </p:sp>
     </p:spTree>
+    <p:extLst>
+      <p:ext uri="{BB962C8B-B14F-4D97-AF65-F5344CB8AC3E}">
+        <p14:creationId xmlns:p14="http://schemas.microsoft.com/office/powerpoint/2010/main" val="3240876921"/>
+      </p:ext>
+    </p:extLst>
   </p:cSld>
   <p:clrMapOvr>
     <a:masterClrMapping/>
@@ -1673,7 +2332,7 @@
 </p:notes>
 </file>
 
-<file path=ppt/notesSlides/notesSlide14.xml><?xml version="1.0" encoding="utf-8"?>
+<file path=ppt/notesSlides/notesSlide13.xml><?xml version="1.0" encoding="utf-8"?>
 <p:notes xmlns:a="http://schemas.openxmlformats.org/drawingml/2006/main" xmlns:r="http://schemas.openxmlformats.org/officeDocument/2006/relationships" xmlns:p="http://schemas.openxmlformats.org/presentationml/2006/main" showMasterSp="0" showMasterPhAnim="0">
   <p:cSld>
     <p:spTree>
@@ -1777,7 +2436,7 @@
 </p:notes>
 </file>
 
-<file path=ppt/notesSlides/notesSlide15.xml><?xml version="1.0" encoding="utf-8"?>
+<file path=ppt/notesSlides/notesSlide14.xml><?xml version="1.0" encoding="utf-8"?>
 <p:notes xmlns:a="http://schemas.openxmlformats.org/drawingml/2006/main" xmlns:r="http://schemas.openxmlformats.org/officeDocument/2006/relationships" xmlns:p="http://schemas.openxmlformats.org/presentationml/2006/main" showMasterSp="0" showMasterPhAnim="0">
   <p:cSld>
     <p:spTree>
@@ -1838,6 +2497,110 @@
       <p:sp>
         <p:nvSpPr>
           <p:cNvPr id="171" name="Google Shape;171;g5858ebce94_0_100:notes"/>
+          <p:cNvSpPr txBox="1">
+            <a:spLocks noGrp="1"/>
+          </p:cNvSpPr>
+          <p:nvPr>
+            <p:ph type="body" idx="1"/>
+          </p:nvPr>
+        </p:nvSpPr>
+        <p:spPr>
+          <a:xfrm>
+            <a:off x="685800" y="4343400"/>
+            <a:ext cx="5486400" cy="4114800"/>
+          </a:xfrm>
+          <a:prstGeom prst="rect">
+            <a:avLst/>
+          </a:prstGeom>
+        </p:spPr>
+        <p:txBody>
+          <a:bodyPr spcFirstLastPara="1" wrap="square" lIns="91425" tIns="91425" rIns="91425" bIns="91425" anchor="t" anchorCtr="0">
+            <a:noAutofit/>
+          </a:bodyPr>
+          <a:lstStyle/>
+          <a:p>
+            <a:pPr marL="0" lvl="0" indent="0" algn="l" rtl="0">
+              <a:spcBef>
+                <a:spcPts val="0"/>
+              </a:spcBef>
+              <a:spcAft>
+                <a:spcPts val="0"/>
+              </a:spcAft>
+              <a:buNone/>
+            </a:pPr>
+            <a:endParaRPr dirty="0"/>
+          </a:p>
+        </p:txBody>
+      </p:sp>
+    </p:spTree>
+  </p:cSld>
+  <p:clrMapOvr>
+    <a:masterClrMapping/>
+  </p:clrMapOvr>
+</p:notes>
+</file>
+
+<file path=ppt/notesSlides/notesSlide15.xml><?xml version="1.0" encoding="utf-8"?>
+<p:notes xmlns:a="http://schemas.openxmlformats.org/drawingml/2006/main" xmlns:r="http://schemas.openxmlformats.org/officeDocument/2006/relationships" xmlns:p="http://schemas.openxmlformats.org/presentationml/2006/main" showMasterSp="0" showMasterPhAnim="0">
+  <p:cSld>
+    <p:spTree>
+      <p:nvGrpSpPr>
+        <p:cNvPr id="1" name="Shape 174"/>
+        <p:cNvGrpSpPr/>
+        <p:nvPr/>
+      </p:nvGrpSpPr>
+      <p:grpSpPr>
+        <a:xfrm>
+          <a:off x="0" y="0"/>
+          <a:ext cx="0" cy="0"/>
+          <a:chOff x="0" y="0"/>
+          <a:chExt cx="0" cy="0"/>
+        </a:xfrm>
+      </p:grpSpPr>
+      <p:sp>
+        <p:nvSpPr>
+          <p:cNvPr id="175" name="Google Shape;175;g5858ebce94_0_104:notes"/>
+          <p:cNvSpPr>
+            <a:spLocks noGrp="1" noRot="1" noChangeAspect="1"/>
+          </p:cNvSpPr>
+          <p:nvPr>
+            <p:ph type="sldImg" idx="2"/>
+          </p:nvPr>
+        </p:nvSpPr>
+        <p:spPr>
+          <a:xfrm>
+            <a:off x="381000" y="685800"/>
+            <a:ext cx="6096000" cy="3429000"/>
+          </a:xfrm>
+          <a:custGeom>
+            <a:avLst/>
+            <a:gdLst/>
+            <a:ahLst/>
+            <a:cxnLst/>
+            <a:rect l="l" t="t" r="r" b="b"/>
+            <a:pathLst>
+              <a:path w="120000" h="120000" extrusionOk="0">
+                <a:moveTo>
+                  <a:pt x="0" y="0"/>
+                </a:moveTo>
+                <a:lnTo>
+                  <a:pt x="120000" y="0"/>
+                </a:lnTo>
+                <a:lnTo>
+                  <a:pt x="120000" y="120000"/>
+                </a:lnTo>
+                <a:lnTo>
+                  <a:pt x="0" y="120000"/>
+                </a:lnTo>
+                <a:close/>
+              </a:path>
+            </a:pathLst>
+          </a:custGeom>
+        </p:spPr>
+      </p:sp>
+      <p:sp>
+        <p:nvSpPr>
+          <p:cNvPr id="176" name="Google Shape;176;g5858ebce94_0_104:notes"/>
           <p:cNvSpPr txBox="1">
             <a:spLocks noGrp="1"/>
           </p:cNvSpPr>
@@ -1978,6 +2741,11 @@
         </p:txBody>
       </p:sp>
     </p:spTree>
+    <p:extLst>
+      <p:ext uri="{BB962C8B-B14F-4D97-AF65-F5344CB8AC3E}">
+        <p14:creationId xmlns:p14="http://schemas.microsoft.com/office/powerpoint/2010/main" val="764553524"/>
+      </p:ext>
+    </p:extLst>
   </p:cSld>
   <p:clrMapOvr>
     <a:masterClrMapping/>
@@ -2430,7 +3198,7 @@
         </p:nvSpPr>
         <p:spPr>
           <a:xfrm>
-            <a:off x="381300" y="685800"/>
+            <a:off x="381000" y="685800"/>
             <a:ext cx="6096000" cy="3429000"/>
           </a:xfrm>
           <a:custGeom>
@@ -2510,7 +3278,7 @@
   <p:cSld>
     <p:spTree>
       <p:nvGrpSpPr>
-        <p:cNvPr id="1" name="Shape 203"/>
+        <p:cNvPr id="1" name="Shape 197"/>
         <p:cNvGrpSpPr/>
         <p:nvPr/>
       </p:nvGrpSpPr>
@@ -2524,7 +3292,7 @@
       </p:grpSpPr>
       <p:sp>
         <p:nvSpPr>
-          <p:cNvPr id="204" name="Google Shape;204;g5858ebce94_0_141:notes"/>
+          <p:cNvPr id="198" name="Google Shape;198;g5858ebce94_0_135:notes"/>
           <p:cNvSpPr>
             <a:spLocks noGrp="1" noRot="1" noChangeAspect="1"/>
           </p:cNvSpPr>
@@ -2534,7 +3302,7 @@
         </p:nvSpPr>
         <p:spPr>
           <a:xfrm>
-            <a:off x="381300" y="685800"/>
+            <a:off x="381000" y="685800"/>
             <a:ext cx="6096000" cy="3429000"/>
           </a:xfrm>
           <a:custGeom>
@@ -2565,7 +3333,7 @@
       </p:sp>
       <p:sp>
         <p:nvSpPr>
-          <p:cNvPr id="205" name="Google Shape;205;g5858ebce94_0_141:notes"/>
+          <p:cNvPr id="199" name="Google Shape;199;g5858ebce94_0_135:notes"/>
           <p:cNvSpPr txBox="1">
             <a:spLocks noGrp="1"/>
           </p:cNvSpPr>
@@ -2602,6 +3370,11 @@
         </p:txBody>
       </p:sp>
     </p:spTree>
+    <p:extLst>
+      <p:ext uri="{BB962C8B-B14F-4D97-AF65-F5344CB8AC3E}">
+        <p14:creationId xmlns:p14="http://schemas.microsoft.com/office/powerpoint/2010/main" val="1041331313"/>
+      </p:ext>
+    </p:extLst>
   </p:cSld>
   <p:clrMapOvr>
     <a:masterClrMapping/>
@@ -2614,7 +3387,7 @@
   <p:cSld>
     <p:spTree>
       <p:nvGrpSpPr>
-        <p:cNvPr id="1" name="Shape 209"/>
+        <p:cNvPr id="1" name="Shape 197"/>
         <p:cNvGrpSpPr/>
         <p:nvPr/>
       </p:nvGrpSpPr>
@@ -2628,7 +3401,7 @@
       </p:grpSpPr>
       <p:sp>
         <p:nvSpPr>
-          <p:cNvPr id="210" name="Google Shape;210;g5858ebce94_0_146:notes"/>
+          <p:cNvPr id="198" name="Google Shape;198;g5858ebce94_0_135:notes"/>
           <p:cNvSpPr>
             <a:spLocks noGrp="1" noRot="1" noChangeAspect="1"/>
           </p:cNvSpPr>
@@ -2638,7 +3411,7 @@
         </p:nvSpPr>
         <p:spPr>
           <a:xfrm>
-            <a:off x="381300" y="685800"/>
+            <a:off x="381000" y="685800"/>
             <a:ext cx="6096000" cy="3429000"/>
           </a:xfrm>
           <a:custGeom>
@@ -2669,7 +3442,7 @@
       </p:sp>
       <p:sp>
         <p:nvSpPr>
-          <p:cNvPr id="211" name="Google Shape;211;g5858ebce94_0_146:notes"/>
+          <p:cNvPr id="199" name="Google Shape;199;g5858ebce94_0_135:notes"/>
           <p:cNvSpPr txBox="1">
             <a:spLocks noGrp="1"/>
           </p:cNvSpPr>
@@ -2706,6 +3479,11 @@
         </p:txBody>
       </p:sp>
     </p:spTree>
+    <p:extLst>
+      <p:ext uri="{BB962C8B-B14F-4D97-AF65-F5344CB8AC3E}">
+        <p14:creationId xmlns:p14="http://schemas.microsoft.com/office/powerpoint/2010/main" val="43209962"/>
+      </p:ext>
+    </p:extLst>
   </p:cSld>
   <p:clrMapOvr>
     <a:masterClrMapping/>
@@ -2714,6 +3492,224 @@
 </file>
 
 <file path=ppt/notesSlides/notesSlide23.xml><?xml version="1.0" encoding="utf-8"?>
+<p:notes xmlns:a="http://schemas.openxmlformats.org/drawingml/2006/main" xmlns:r="http://schemas.openxmlformats.org/officeDocument/2006/relationships" xmlns:p="http://schemas.openxmlformats.org/presentationml/2006/main" showMasterSp="0" showMasterPhAnim="0">
+  <p:cSld>
+    <p:spTree>
+      <p:nvGrpSpPr>
+        <p:cNvPr id="1" name="Shape 197"/>
+        <p:cNvGrpSpPr/>
+        <p:nvPr/>
+      </p:nvGrpSpPr>
+      <p:grpSpPr>
+        <a:xfrm>
+          <a:off x="0" y="0"/>
+          <a:ext cx="0" cy="0"/>
+          <a:chOff x="0" y="0"/>
+          <a:chExt cx="0" cy="0"/>
+        </a:xfrm>
+      </p:grpSpPr>
+      <p:sp>
+        <p:nvSpPr>
+          <p:cNvPr id="198" name="Google Shape;198;g5858ebce94_0_135:notes"/>
+          <p:cNvSpPr>
+            <a:spLocks noGrp="1" noRot="1" noChangeAspect="1"/>
+          </p:cNvSpPr>
+          <p:nvPr>
+            <p:ph type="sldImg" idx="2"/>
+          </p:nvPr>
+        </p:nvSpPr>
+        <p:spPr>
+          <a:xfrm>
+            <a:off x="381000" y="685800"/>
+            <a:ext cx="6096000" cy="3429000"/>
+          </a:xfrm>
+          <a:custGeom>
+            <a:avLst/>
+            <a:gdLst/>
+            <a:ahLst/>
+            <a:cxnLst/>
+            <a:rect l="l" t="t" r="r" b="b"/>
+            <a:pathLst>
+              <a:path w="120000" h="120000" extrusionOk="0">
+                <a:moveTo>
+                  <a:pt x="0" y="0"/>
+                </a:moveTo>
+                <a:lnTo>
+                  <a:pt x="120000" y="0"/>
+                </a:lnTo>
+                <a:lnTo>
+                  <a:pt x="120000" y="120000"/>
+                </a:lnTo>
+                <a:lnTo>
+                  <a:pt x="0" y="120000"/>
+                </a:lnTo>
+                <a:close/>
+              </a:path>
+            </a:pathLst>
+          </a:custGeom>
+        </p:spPr>
+      </p:sp>
+      <p:sp>
+        <p:nvSpPr>
+          <p:cNvPr id="199" name="Google Shape;199;g5858ebce94_0_135:notes"/>
+          <p:cNvSpPr txBox="1">
+            <a:spLocks noGrp="1"/>
+          </p:cNvSpPr>
+          <p:nvPr>
+            <p:ph type="body" idx="1"/>
+          </p:nvPr>
+        </p:nvSpPr>
+        <p:spPr>
+          <a:xfrm>
+            <a:off x="685800" y="4343400"/>
+            <a:ext cx="5486400" cy="4114800"/>
+          </a:xfrm>
+          <a:prstGeom prst="rect">
+            <a:avLst/>
+          </a:prstGeom>
+        </p:spPr>
+        <p:txBody>
+          <a:bodyPr spcFirstLastPara="1" wrap="square" lIns="91425" tIns="91425" rIns="91425" bIns="91425" anchor="t" anchorCtr="0">
+            <a:noAutofit/>
+          </a:bodyPr>
+          <a:lstStyle/>
+          <a:p>
+            <a:pPr marL="0" lvl="0" indent="0" algn="l" rtl="0">
+              <a:spcBef>
+                <a:spcPts val="0"/>
+              </a:spcBef>
+              <a:spcAft>
+                <a:spcPts val="0"/>
+              </a:spcAft>
+              <a:buNone/>
+            </a:pPr>
+            <a:endParaRPr dirty="0"/>
+          </a:p>
+        </p:txBody>
+      </p:sp>
+    </p:spTree>
+    <p:extLst>
+      <p:ext uri="{BB962C8B-B14F-4D97-AF65-F5344CB8AC3E}">
+        <p14:creationId xmlns:p14="http://schemas.microsoft.com/office/powerpoint/2010/main" val="1020540561"/>
+      </p:ext>
+    </p:extLst>
+  </p:cSld>
+  <p:clrMapOvr>
+    <a:masterClrMapping/>
+  </p:clrMapOvr>
+</p:notes>
+</file>
+
+<file path=ppt/notesSlides/notesSlide24.xml><?xml version="1.0" encoding="utf-8"?>
+<p:notes xmlns:a="http://schemas.openxmlformats.org/drawingml/2006/main" xmlns:r="http://schemas.openxmlformats.org/officeDocument/2006/relationships" xmlns:p="http://schemas.openxmlformats.org/presentationml/2006/main" showMasterSp="0" showMasterPhAnim="0">
+  <p:cSld>
+    <p:spTree>
+      <p:nvGrpSpPr>
+        <p:cNvPr id="1" name="Shape 197"/>
+        <p:cNvGrpSpPr/>
+        <p:nvPr/>
+      </p:nvGrpSpPr>
+      <p:grpSpPr>
+        <a:xfrm>
+          <a:off x="0" y="0"/>
+          <a:ext cx="0" cy="0"/>
+          <a:chOff x="0" y="0"/>
+          <a:chExt cx="0" cy="0"/>
+        </a:xfrm>
+      </p:grpSpPr>
+      <p:sp>
+        <p:nvSpPr>
+          <p:cNvPr id="198" name="Google Shape;198;g5858ebce94_0_135:notes"/>
+          <p:cNvSpPr>
+            <a:spLocks noGrp="1" noRot="1" noChangeAspect="1"/>
+          </p:cNvSpPr>
+          <p:nvPr>
+            <p:ph type="sldImg" idx="2"/>
+          </p:nvPr>
+        </p:nvSpPr>
+        <p:spPr>
+          <a:xfrm>
+            <a:off x="381000" y="685800"/>
+            <a:ext cx="6096000" cy="3429000"/>
+          </a:xfrm>
+          <a:custGeom>
+            <a:avLst/>
+            <a:gdLst/>
+            <a:ahLst/>
+            <a:cxnLst/>
+            <a:rect l="l" t="t" r="r" b="b"/>
+            <a:pathLst>
+              <a:path w="120000" h="120000" extrusionOk="0">
+                <a:moveTo>
+                  <a:pt x="0" y="0"/>
+                </a:moveTo>
+                <a:lnTo>
+                  <a:pt x="120000" y="0"/>
+                </a:lnTo>
+                <a:lnTo>
+                  <a:pt x="120000" y="120000"/>
+                </a:lnTo>
+                <a:lnTo>
+                  <a:pt x="0" y="120000"/>
+                </a:lnTo>
+                <a:close/>
+              </a:path>
+            </a:pathLst>
+          </a:custGeom>
+        </p:spPr>
+      </p:sp>
+      <p:sp>
+        <p:nvSpPr>
+          <p:cNvPr id="199" name="Google Shape;199;g5858ebce94_0_135:notes"/>
+          <p:cNvSpPr txBox="1">
+            <a:spLocks noGrp="1"/>
+          </p:cNvSpPr>
+          <p:nvPr>
+            <p:ph type="body" idx="1"/>
+          </p:nvPr>
+        </p:nvSpPr>
+        <p:spPr>
+          <a:xfrm>
+            <a:off x="685800" y="4343400"/>
+            <a:ext cx="5486400" cy="4114800"/>
+          </a:xfrm>
+          <a:prstGeom prst="rect">
+            <a:avLst/>
+          </a:prstGeom>
+        </p:spPr>
+        <p:txBody>
+          <a:bodyPr spcFirstLastPara="1" wrap="square" lIns="91425" tIns="91425" rIns="91425" bIns="91425" anchor="t" anchorCtr="0">
+            <a:noAutofit/>
+          </a:bodyPr>
+          <a:lstStyle/>
+          <a:p>
+            <a:pPr marL="0" lvl="0" indent="0" algn="l" rtl="0">
+              <a:spcBef>
+                <a:spcPts val="0"/>
+              </a:spcBef>
+              <a:spcAft>
+                <a:spcPts val="0"/>
+              </a:spcAft>
+              <a:buNone/>
+            </a:pPr>
+            <a:endParaRPr dirty="0"/>
+          </a:p>
+        </p:txBody>
+      </p:sp>
+    </p:spTree>
+    <p:extLst>
+      <p:ext uri="{BB962C8B-B14F-4D97-AF65-F5344CB8AC3E}">
+        <p14:creationId xmlns:p14="http://schemas.microsoft.com/office/powerpoint/2010/main" val="3603789672"/>
+      </p:ext>
+    </p:extLst>
+  </p:cSld>
+  <p:clrMapOvr>
+    <a:masterClrMapping/>
+  </p:clrMapOvr>
+</p:notes>
+</file>
+
+<file path=ppt/notesSlides/notesSlide25.xml><?xml version="1.0" encoding="utf-8"?>
 <p:notes xmlns:a="http://schemas.openxmlformats.org/drawingml/2006/main" xmlns:r="http://schemas.openxmlformats.org/officeDocument/2006/relationships" xmlns:p="http://schemas.openxmlformats.org/presentationml/2006/main" showMasterSp="0" showMasterPhAnim="0">
   <p:cSld>
     <p:spTree>
@@ -2817,7 +3813,7 @@
 </p:notes>
 </file>
 
-<file path=ppt/notesSlides/notesSlide24.xml><?xml version="1.0" encoding="utf-8"?>
+<file path=ppt/notesSlides/notesSlide26.xml><?xml version="1.0" encoding="utf-8"?>
 <p:notes xmlns:a="http://schemas.openxmlformats.org/drawingml/2006/main" xmlns:r="http://schemas.openxmlformats.org/officeDocument/2006/relationships" xmlns:p="http://schemas.openxmlformats.org/presentationml/2006/main" showMasterSp="0" showMasterPhAnim="0">
   <p:cSld>
     <p:spTree>
@@ -12232,7 +13228,7 @@
   <p:cSld>
     <p:spTree>
       <p:nvGrpSpPr>
-        <p:cNvPr id="1" name="Shape 118"/>
+        <p:cNvPr id="1" name="Shape 112"/>
         <p:cNvGrpSpPr/>
         <p:nvPr/>
       </p:nvGrpSpPr>
@@ -12246,74 +13242,7 @@
       </p:grpSpPr>
       <p:sp>
         <p:nvSpPr>
-          <p:cNvPr id="119" name="Google Shape;119;p24"/>
-          <p:cNvSpPr txBox="1">
-            <a:spLocks noGrp="1"/>
-          </p:cNvSpPr>
-          <p:nvPr>
-            <p:ph type="title"/>
-          </p:nvPr>
-        </p:nvSpPr>
-        <p:spPr>
-          <a:xfrm>
-            <a:off x="490250" y="526350"/>
-            <a:ext cx="6227100" cy="4090800"/>
-          </a:xfrm>
-          <a:prstGeom prst="rect">
-            <a:avLst/>
-          </a:prstGeom>
-        </p:spPr>
-        <p:txBody>
-          <a:bodyPr spcFirstLastPara="1" wrap="square" lIns="91425" tIns="91425" rIns="91425" bIns="91425" anchor="ctr" anchorCtr="0">
-            <a:noAutofit/>
-          </a:bodyPr>
-          <a:lstStyle/>
-          <a:p>
-            <a:pPr marL="0" lvl="0" indent="0" algn="l" rtl="0">
-              <a:spcBef>
-                <a:spcPts val="0"/>
-              </a:spcBef>
-              <a:spcAft>
-                <a:spcPts val="0"/>
-              </a:spcAft>
-              <a:buNone/>
-            </a:pPr>
-            <a:r>
-              <a:rPr lang="en-GB" dirty="0"/>
-              <a:t>State of the Economy</a:t>
-            </a:r>
-            <a:endParaRPr dirty="0"/>
-          </a:p>
-        </p:txBody>
-      </p:sp>
-    </p:spTree>
-  </p:cSld>
-  <p:clrMapOvr>
-    <a:masterClrMapping/>
-  </p:clrMapOvr>
-</p:sld>
-</file>
-
-<file path=ppt/slides/slide13.xml><?xml version="1.0" encoding="utf-8"?>
-<p:sld xmlns:a="http://schemas.openxmlformats.org/drawingml/2006/main" xmlns:r="http://schemas.openxmlformats.org/officeDocument/2006/relationships" xmlns:p="http://schemas.openxmlformats.org/presentationml/2006/main">
-  <p:cSld>
-    <p:spTree>
-      <p:nvGrpSpPr>
-        <p:cNvPr id="1" name="Shape 123"/>
-        <p:cNvGrpSpPr/>
-        <p:nvPr/>
-      </p:nvGrpSpPr>
-      <p:grpSpPr>
-        <a:xfrm>
-          <a:off x="0" y="0"/>
-          <a:ext cx="0" cy="0"/>
-          <a:chOff x="0" y="0"/>
-          <a:chExt cx="0" cy="0"/>
-        </a:xfrm>
-      </p:grpSpPr>
-      <p:sp>
-        <p:nvSpPr>
-          <p:cNvPr id="124" name="Google Shape;124;p25"/>
+          <p:cNvPr id="113" name="Google Shape;113;p23"/>
           <p:cNvSpPr txBox="1">
             <a:spLocks noGrp="1"/>
           </p:cNvSpPr>
@@ -12347,19 +13276,14 @@
             </a:pPr>
             <a:r>
               <a:rPr lang="nb-NO" dirty="0"/>
-              <a:t>Innledning</a:t>
-            </a:r>
-            <a:r>
-              <a:rPr lang="en-GB" dirty="0"/>
-              <a:t>	</a:t>
-            </a:r>
-            <a:endParaRPr dirty="0"/>
+              <a:t>Kasserer orienterer om økonomi</a:t>
+            </a:r>
           </a:p>
         </p:txBody>
       </p:sp>
       <p:sp>
         <p:nvSpPr>
-          <p:cNvPr id="125" name="Google Shape;125;p25"/>
+          <p:cNvPr id="114" name="Google Shape;114;p23"/>
           <p:cNvSpPr txBox="1">
             <a:spLocks noGrp="1"/>
           </p:cNvSpPr>
@@ -12382,553 +13306,33 @@
           </a:bodyPr>
           <a:lstStyle/>
           <a:p>
-            <a:pPr marL="457200" lvl="0" indent="-342900" algn="l" rtl="0">
-              <a:spcBef>
-                <a:spcPts val="0"/>
-              </a:spcBef>
-              <a:spcAft>
-                <a:spcPts val="0"/>
-              </a:spcAft>
-              <a:buSzPts val="1800"/>
-              <a:buChar char="●"/>
-            </a:pPr>
-            <a:r>
-              <a:rPr lang="nb-NO" dirty="0"/>
-              <a:t>Intet</a:t>
-            </a:r>
-            <a:r>
-              <a:rPr lang="en-GB" dirty="0"/>
-              <a:t> </a:t>
-            </a:r>
-            <a:r>
-              <a:rPr lang="nb-NO" dirty="0"/>
-              <a:t>regnskap</a:t>
-            </a:r>
-            <a:r>
-              <a:rPr lang="en-GB" dirty="0"/>
-              <a:t> for </a:t>
-            </a:r>
-            <a:r>
-              <a:rPr lang="nb-NO" dirty="0"/>
-              <a:t>behandling</a:t>
-            </a:r>
-          </a:p>
-          <a:p>
-            <a:pPr marL="914400" lvl="1" indent="-317500" algn="l" rtl="0">
-              <a:spcBef>
-                <a:spcPts val="0"/>
-              </a:spcBef>
-              <a:spcAft>
-                <a:spcPts val="0"/>
-              </a:spcAft>
-              <a:buSzPts val="1400"/>
-              <a:buChar char="○"/>
-            </a:pPr>
-            <a:r>
-              <a:rPr lang="en-GB" dirty="0"/>
-              <a:t>“Et </a:t>
-            </a:r>
-            <a:r>
-              <a:rPr lang="nb-NO" dirty="0"/>
-              <a:t>uferdig</a:t>
-            </a:r>
-            <a:r>
-              <a:rPr lang="en-GB" dirty="0"/>
-              <a:t> </a:t>
-            </a:r>
-            <a:r>
-              <a:rPr lang="nb-NO" dirty="0"/>
-              <a:t>regnskap</a:t>
-            </a:r>
-            <a:r>
-              <a:rPr lang="en-GB" dirty="0"/>
-              <a:t> </a:t>
-            </a:r>
-            <a:r>
-              <a:rPr lang="nb-NO" dirty="0"/>
-              <a:t>sier</a:t>
-            </a:r>
-            <a:r>
-              <a:rPr lang="en-GB" dirty="0"/>
-              <a:t> absolutt ingenting” - (parafrasert Henrik Steen genfors H18)</a:t>
-            </a:r>
-            <a:endParaRPr dirty="0"/>
-          </a:p>
-          <a:p>
-            <a:pPr marL="457200" lvl="0" indent="-342900" algn="l" rtl="0">
-              <a:spcBef>
-                <a:spcPts val="1000"/>
-              </a:spcBef>
-              <a:spcAft>
-                <a:spcPts val="0"/>
-              </a:spcAft>
-              <a:buSzPts val="1800"/>
-              <a:buChar char="●"/>
-            </a:pPr>
-            <a:r>
-              <a:rPr lang="en-GB" dirty="0"/>
-              <a:t>Intet budsjett for behandling</a:t>
-            </a:r>
-            <a:endParaRPr dirty="0"/>
-          </a:p>
-          <a:p>
-            <a:pPr marL="914400" lvl="1" indent="-317500" algn="l" rtl="0">
-              <a:spcBef>
-                <a:spcPts val="0"/>
-              </a:spcBef>
-              <a:spcAft>
-                <a:spcPts val="0"/>
-              </a:spcAft>
-              <a:buSzPts val="1400"/>
-              <a:buChar char="○"/>
-            </a:pPr>
-            <a:r>
-              <a:rPr lang="en-GB" dirty="0"/>
-              <a:t>Uten ferdigstilt regnskap har vi ikke tilstrekkelig grunnlag for budsjett</a:t>
-            </a:r>
-            <a:endParaRPr dirty="0"/>
-          </a:p>
-          <a:p>
-            <a:pPr marL="914400" lvl="1" indent="-317500" algn="l" rtl="0">
-              <a:spcBef>
-                <a:spcPts val="0"/>
-              </a:spcBef>
-              <a:spcAft>
-                <a:spcPts val="0"/>
-              </a:spcAft>
-              <a:buSzPts val="1400"/>
-              <a:buChar char="○"/>
-            </a:pPr>
-            <a:r>
-              <a:rPr lang="en-GB" dirty="0"/>
-              <a:t>Drift går videre som vanlig</a:t>
-            </a:r>
-            <a:endParaRPr dirty="0"/>
-          </a:p>
-          <a:p>
-            <a:pPr marL="914400" lvl="1" indent="-317500" algn="l" rtl="0">
-              <a:spcBef>
-                <a:spcPts val="0"/>
-              </a:spcBef>
-              <a:spcAft>
-                <a:spcPts val="0"/>
-              </a:spcAft>
-              <a:buSzPts val="1400"/>
-              <a:buChar char="○"/>
-            </a:pPr>
-            <a:r>
-              <a:rPr lang="en-GB" dirty="0"/>
-              <a:t>Innkjøp av espressomaskin</a:t>
-            </a:r>
+            <a:pPr marL="0" lvl="0" indent="0" algn="l" rtl="0">
+              <a:spcBef>
+                <a:spcPts val="0"/>
+              </a:spcBef>
+              <a:spcAft>
+                <a:spcPts val="0"/>
+              </a:spcAft>
+              <a:buNone/>
+            </a:pPr>
             <a:endParaRPr dirty="0"/>
           </a:p>
         </p:txBody>
       </p:sp>
     </p:spTree>
+    <p:extLst>
+      <p:ext uri="{BB962C8B-B14F-4D97-AF65-F5344CB8AC3E}">
+        <p14:creationId xmlns:p14="http://schemas.microsoft.com/office/powerpoint/2010/main" val="2713644708"/>
+      </p:ext>
+    </p:extLst>
   </p:cSld>
   <p:clrMapOvr>
     <a:masterClrMapping/>
   </p:clrMapOvr>
-  <p:timing>
-    <p:tnLst>
-      <p:par>
-        <p:cTn id="1" dur="indefinite" restart="never" nodeType="tmRoot">
-          <p:childTnLst>
-            <p:seq concurrent="1" nextAc="seek">
-              <p:cTn id="2" dur="indefinite" nodeType="mainSeq">
-                <p:childTnLst>
-                  <p:par>
-                    <p:cTn id="3" fill="hold">
-                      <p:stCondLst>
-                        <p:cond delay="indefinite"/>
-                      </p:stCondLst>
-                      <p:childTnLst>
-                        <p:par>
-                          <p:cTn id="4" fill="hold">
-                            <p:stCondLst>
-                              <p:cond delay="0"/>
-                            </p:stCondLst>
-                            <p:childTnLst>
-                              <p:par>
-                                <p:cTn id="5" presetID="10" presetClass="entr" presetSubtype="0" fill="hold" nodeType="clickEffect">
-                                  <p:stCondLst>
-                                    <p:cond delay="0"/>
-                                  </p:stCondLst>
-                                  <p:childTnLst>
-                                    <p:set>
-                                      <p:cBhvr>
-                                        <p:cTn id="6" dur="1" fill="hold">
-                                          <p:stCondLst>
-                                            <p:cond delay="0"/>
-                                          </p:stCondLst>
-                                        </p:cTn>
-                                        <p:tgtEl>
-                                          <p:spTgt spid="125">
-                                            <p:txEl>
-                                              <p:pRg st="0" end="0"/>
-                                            </p:txEl>
-                                          </p:spTgt>
-                                        </p:tgtEl>
-                                        <p:attrNameLst>
-                                          <p:attrName>style.visibility</p:attrName>
-                                        </p:attrNameLst>
-                                      </p:cBhvr>
-                                      <p:to>
-                                        <p:strVal val="visible"/>
-                                      </p:to>
-                                    </p:set>
-                                    <p:animEffect transition="in" filter="fade">
-                                      <p:cBhvr>
-                                        <p:cTn id="7" dur="500"/>
-                                        <p:tgtEl>
-                                          <p:spTgt spid="125">
-                                            <p:txEl>
-                                              <p:pRg st="0" end="0"/>
-                                            </p:txEl>
-                                          </p:spTgt>
-                                        </p:tgtEl>
-                                      </p:cBhvr>
-                                    </p:animEffect>
-                                  </p:childTnLst>
-                                </p:cTn>
-                              </p:par>
-                            </p:childTnLst>
-                          </p:cTn>
-                        </p:par>
-                      </p:childTnLst>
-                    </p:cTn>
-                  </p:par>
-                  <p:par>
-                    <p:cTn id="8" fill="hold">
-                      <p:stCondLst>
-                        <p:cond delay="indefinite"/>
-                      </p:stCondLst>
-                      <p:childTnLst>
-                        <p:par>
-                          <p:cTn id="9" fill="hold">
-                            <p:stCondLst>
-                              <p:cond delay="0"/>
-                            </p:stCondLst>
-                            <p:childTnLst>
-                              <p:par>
-                                <p:cTn id="10" presetID="10" presetClass="entr" presetSubtype="0" fill="hold" nodeType="clickEffect">
-                                  <p:stCondLst>
-                                    <p:cond delay="0"/>
-                                  </p:stCondLst>
-                                  <p:childTnLst>
-                                    <p:set>
-                                      <p:cBhvr>
-                                        <p:cTn id="11" dur="1" fill="hold">
-                                          <p:stCondLst>
-                                            <p:cond delay="0"/>
-                                          </p:stCondLst>
-                                        </p:cTn>
-                                        <p:tgtEl>
-                                          <p:spTgt spid="125">
-                                            <p:txEl>
-                                              <p:pRg st="1" end="1"/>
-                                            </p:txEl>
-                                          </p:spTgt>
-                                        </p:tgtEl>
-                                        <p:attrNameLst>
-                                          <p:attrName>style.visibility</p:attrName>
-                                        </p:attrNameLst>
-                                      </p:cBhvr>
-                                      <p:to>
-                                        <p:strVal val="visible"/>
-                                      </p:to>
-                                    </p:set>
-                                    <p:animEffect transition="in" filter="fade">
-                                      <p:cBhvr>
-                                        <p:cTn id="12" dur="500"/>
-                                        <p:tgtEl>
-                                          <p:spTgt spid="125">
-                                            <p:txEl>
-                                              <p:pRg st="1" end="1"/>
-                                            </p:txEl>
-                                          </p:spTgt>
-                                        </p:tgtEl>
-                                      </p:cBhvr>
-                                    </p:animEffect>
-                                  </p:childTnLst>
-                                </p:cTn>
-                              </p:par>
-                            </p:childTnLst>
-                          </p:cTn>
-                        </p:par>
-                      </p:childTnLst>
-                    </p:cTn>
-                  </p:par>
-                  <p:par>
-                    <p:cTn id="13" fill="hold">
-                      <p:stCondLst>
-                        <p:cond delay="indefinite"/>
-                      </p:stCondLst>
-                      <p:childTnLst>
-                        <p:par>
-                          <p:cTn id="14" fill="hold">
-                            <p:stCondLst>
-                              <p:cond delay="0"/>
-                            </p:stCondLst>
-                            <p:childTnLst>
-                              <p:par>
-                                <p:cTn id="15" presetID="10" presetClass="entr" presetSubtype="0" fill="hold" nodeType="clickEffect">
-                                  <p:stCondLst>
-                                    <p:cond delay="0"/>
-                                  </p:stCondLst>
-                                  <p:childTnLst>
-                                    <p:set>
-                                      <p:cBhvr>
-                                        <p:cTn id="16" dur="1" fill="hold">
-                                          <p:stCondLst>
-                                            <p:cond delay="0"/>
-                                          </p:stCondLst>
-                                        </p:cTn>
-                                        <p:tgtEl>
-                                          <p:spTgt spid="125">
-                                            <p:txEl>
-                                              <p:pRg st="2" end="2"/>
-                                            </p:txEl>
-                                          </p:spTgt>
-                                        </p:tgtEl>
-                                        <p:attrNameLst>
-                                          <p:attrName>style.visibility</p:attrName>
-                                        </p:attrNameLst>
-                                      </p:cBhvr>
-                                      <p:to>
-                                        <p:strVal val="visible"/>
-                                      </p:to>
-                                    </p:set>
-                                    <p:animEffect transition="in" filter="fade">
-                                      <p:cBhvr>
-                                        <p:cTn id="17" dur="500"/>
-                                        <p:tgtEl>
-                                          <p:spTgt spid="125">
-                                            <p:txEl>
-                                              <p:pRg st="2" end="2"/>
-                                            </p:txEl>
-                                          </p:spTgt>
-                                        </p:tgtEl>
-                                      </p:cBhvr>
-                                    </p:animEffect>
-                                  </p:childTnLst>
-                                </p:cTn>
-                              </p:par>
-                            </p:childTnLst>
-                          </p:cTn>
-                        </p:par>
-                      </p:childTnLst>
-                    </p:cTn>
-                  </p:par>
-                  <p:par>
-                    <p:cTn id="18" fill="hold">
-                      <p:stCondLst>
-                        <p:cond delay="indefinite"/>
-                      </p:stCondLst>
-                      <p:childTnLst>
-                        <p:par>
-                          <p:cTn id="19" fill="hold">
-                            <p:stCondLst>
-                              <p:cond delay="0"/>
-                            </p:stCondLst>
-                            <p:childTnLst>
-                              <p:par>
-                                <p:cTn id="20" presetID="10" presetClass="entr" presetSubtype="0" fill="hold" nodeType="clickEffect">
-                                  <p:stCondLst>
-                                    <p:cond delay="0"/>
-                                  </p:stCondLst>
-                                  <p:childTnLst>
-                                    <p:set>
-                                      <p:cBhvr>
-                                        <p:cTn id="21" dur="1" fill="hold">
-                                          <p:stCondLst>
-                                            <p:cond delay="0"/>
-                                          </p:stCondLst>
-                                        </p:cTn>
-                                        <p:tgtEl>
-                                          <p:spTgt spid="125">
-                                            <p:txEl>
-                                              <p:pRg st="3" end="3"/>
-                                            </p:txEl>
-                                          </p:spTgt>
-                                        </p:tgtEl>
-                                        <p:attrNameLst>
-                                          <p:attrName>style.visibility</p:attrName>
-                                        </p:attrNameLst>
-                                      </p:cBhvr>
-                                      <p:to>
-                                        <p:strVal val="visible"/>
-                                      </p:to>
-                                    </p:set>
-                                    <p:animEffect transition="in" filter="fade">
-                                      <p:cBhvr>
-                                        <p:cTn id="22" dur="500"/>
-                                        <p:tgtEl>
-                                          <p:spTgt spid="125">
-                                            <p:txEl>
-                                              <p:pRg st="3" end="3"/>
-                                            </p:txEl>
-                                          </p:spTgt>
-                                        </p:tgtEl>
-                                      </p:cBhvr>
-                                    </p:animEffect>
-                                  </p:childTnLst>
-                                </p:cTn>
-                              </p:par>
-                            </p:childTnLst>
-                          </p:cTn>
-                        </p:par>
-                      </p:childTnLst>
-                    </p:cTn>
-                  </p:par>
-                  <p:par>
-                    <p:cTn id="23" fill="hold">
-                      <p:stCondLst>
-                        <p:cond delay="indefinite"/>
-                      </p:stCondLst>
-                      <p:childTnLst>
-                        <p:par>
-                          <p:cTn id="24" fill="hold">
-                            <p:stCondLst>
-                              <p:cond delay="0"/>
-                            </p:stCondLst>
-                            <p:childTnLst>
-                              <p:par>
-                                <p:cTn id="25" presetID="10" presetClass="entr" presetSubtype="0" fill="hold" nodeType="clickEffect">
-                                  <p:stCondLst>
-                                    <p:cond delay="0"/>
-                                  </p:stCondLst>
-                                  <p:childTnLst>
-                                    <p:set>
-                                      <p:cBhvr>
-                                        <p:cTn id="26" dur="1" fill="hold">
-                                          <p:stCondLst>
-                                            <p:cond delay="0"/>
-                                          </p:stCondLst>
-                                        </p:cTn>
-                                        <p:tgtEl>
-                                          <p:spTgt spid="125">
-                                            <p:txEl>
-                                              <p:pRg st="4" end="4"/>
-                                            </p:txEl>
-                                          </p:spTgt>
-                                        </p:tgtEl>
-                                        <p:attrNameLst>
-                                          <p:attrName>style.visibility</p:attrName>
-                                        </p:attrNameLst>
-                                      </p:cBhvr>
-                                      <p:to>
-                                        <p:strVal val="visible"/>
-                                      </p:to>
-                                    </p:set>
-                                    <p:animEffect transition="in" filter="fade">
-                                      <p:cBhvr>
-                                        <p:cTn id="27" dur="500"/>
-                                        <p:tgtEl>
-                                          <p:spTgt spid="125">
-                                            <p:txEl>
-                                              <p:pRg st="4" end="4"/>
-                                            </p:txEl>
-                                          </p:spTgt>
-                                        </p:tgtEl>
-                                      </p:cBhvr>
-                                    </p:animEffect>
-                                  </p:childTnLst>
-                                </p:cTn>
-                              </p:par>
-                            </p:childTnLst>
-                          </p:cTn>
-                        </p:par>
-                      </p:childTnLst>
-                    </p:cTn>
-                  </p:par>
-                  <p:par>
-                    <p:cTn id="28" fill="hold">
-                      <p:stCondLst>
-                        <p:cond delay="indefinite"/>
-                      </p:stCondLst>
-                      <p:childTnLst>
-                        <p:par>
-                          <p:cTn id="29" fill="hold">
-                            <p:stCondLst>
-                              <p:cond delay="0"/>
-                            </p:stCondLst>
-                            <p:childTnLst>
-                              <p:par>
-                                <p:cTn id="30" presetID="10" presetClass="entr" presetSubtype="0" fill="hold" nodeType="clickEffect">
-                                  <p:stCondLst>
-                                    <p:cond delay="0"/>
-                                  </p:stCondLst>
-                                  <p:childTnLst>
-                                    <p:set>
-                                      <p:cBhvr>
-                                        <p:cTn id="31" dur="1" fill="hold">
-                                          <p:stCondLst>
-                                            <p:cond delay="0"/>
-                                          </p:stCondLst>
-                                        </p:cTn>
-                                        <p:tgtEl>
-                                          <p:spTgt spid="125">
-                                            <p:txEl>
-                                              <p:pRg st="5" end="5"/>
-                                            </p:txEl>
-                                          </p:spTgt>
-                                        </p:tgtEl>
-                                        <p:attrNameLst>
-                                          <p:attrName>style.visibility</p:attrName>
-                                        </p:attrNameLst>
-                                      </p:cBhvr>
-                                      <p:to>
-                                        <p:strVal val="visible"/>
-                                      </p:to>
-                                    </p:set>
-                                    <p:animEffect transition="in" filter="fade">
-                                      <p:cBhvr>
-                                        <p:cTn id="32" dur="500"/>
-                                        <p:tgtEl>
-                                          <p:spTgt spid="125">
-                                            <p:txEl>
-                                              <p:pRg st="5" end="5"/>
-                                            </p:txEl>
-                                          </p:spTgt>
-                                        </p:tgtEl>
-                                      </p:cBhvr>
-                                    </p:animEffect>
-                                  </p:childTnLst>
-                                </p:cTn>
-                              </p:par>
-                            </p:childTnLst>
-                          </p:cTn>
-                        </p:par>
-                      </p:childTnLst>
-                    </p:cTn>
-                  </p:par>
-                </p:childTnLst>
-              </p:cTn>
-              <p:prevCondLst>
-                <p:cond evt="onPrev" delay="0">
-                  <p:tgtEl>
-                    <p:sldTgt/>
-                  </p:tgtEl>
-                </p:cond>
-              </p:prevCondLst>
-              <p:nextCondLst>
-                <p:cond evt="onNext" delay="0">
-                  <p:tgtEl>
-                    <p:sldTgt/>
-                  </p:tgtEl>
-                </p:cond>
-              </p:nextCondLst>
-            </p:seq>
-          </p:childTnLst>
-        </p:cTn>
-      </p:par>
-    </p:tnLst>
-  </p:timing>
 </p:sld>
 </file>
 
-<file path=ppt/slides/slide14.xml><?xml version="1.0" encoding="utf-8"?>
+<file path=ppt/slides/slide13.xml><?xml version="1.0" encoding="utf-8"?>
 <p:sld xmlns:a="http://schemas.openxmlformats.org/drawingml/2006/main" xmlns:r="http://schemas.openxmlformats.org/officeDocument/2006/relationships" xmlns:p="http://schemas.openxmlformats.org/presentationml/2006/main">
   <p:cSld>
     <p:spTree>
@@ -12980,7 +13384,7 @@
               <a:buNone/>
             </a:pPr>
             <a:r>
-              <a:rPr lang="nb-NO" dirty="0"/>
+              <a:rPr lang="nb-NO" sz="4500" dirty="0"/>
               <a:t>Kontingentfastsettelse</a:t>
             </a:r>
           </a:p>
@@ -12994,7 +13398,7 @@
 </p:sld>
 </file>
 
-<file path=ppt/slides/slide15.xml><?xml version="1.0" encoding="utf-8"?>
+<file path=ppt/slides/slide14.xml><?xml version="1.0" encoding="utf-8"?>
 <p:sld xmlns:a="http://schemas.openxmlformats.org/drawingml/2006/main" xmlns:r="http://schemas.openxmlformats.org/officeDocument/2006/relationships" xmlns:p="http://schemas.openxmlformats.org/presentationml/2006/main">
   <p:cSld>
     <p:spTree>
@@ -13049,6 +13453,486 @@
               <a:rPr lang="nb-NO" dirty="0"/>
               <a:t>Valg</a:t>
             </a:r>
+          </a:p>
+        </p:txBody>
+      </p:sp>
+    </p:spTree>
+  </p:cSld>
+  <p:clrMapOvr>
+    <a:masterClrMapping/>
+  </p:clrMapOvr>
+</p:sld>
+</file>
+
+<file path=ppt/slides/slide15.xml><?xml version="1.0" encoding="utf-8"?>
+<p:sld xmlns:a="http://schemas.openxmlformats.org/drawingml/2006/main" xmlns:r="http://schemas.openxmlformats.org/officeDocument/2006/relationships" xmlns:p="http://schemas.openxmlformats.org/presentationml/2006/main">
+  <p:cSld>
+    <p:spTree>
+      <p:nvGrpSpPr>
+        <p:cNvPr id="1" name="Shape 177"/>
+        <p:cNvGrpSpPr/>
+        <p:nvPr/>
+      </p:nvGrpSpPr>
+      <p:grpSpPr>
+        <a:xfrm>
+          <a:off x="0" y="0"/>
+          <a:ext cx="0" cy="0"/>
+          <a:chOff x="0" y="0"/>
+          <a:chExt cx="0" cy="0"/>
+        </a:xfrm>
+      </p:grpSpPr>
+      <p:sp>
+        <p:nvSpPr>
+          <p:cNvPr id="178" name="Google Shape;178;p34"/>
+          <p:cNvSpPr txBox="1">
+            <a:spLocks noGrp="1"/>
+          </p:cNvSpPr>
+          <p:nvPr>
+            <p:ph type="title"/>
+          </p:nvPr>
+        </p:nvSpPr>
+        <p:spPr>
+          <a:prstGeom prst="rect">
+            <a:avLst/>
+          </a:prstGeom>
+        </p:spPr>
+        <p:txBody>
+          <a:bodyPr spcFirstLastPara="1" wrap="square" lIns="91425" tIns="91425" rIns="91425" bIns="91425" anchor="t" anchorCtr="0">
+            <a:noAutofit/>
+          </a:bodyPr>
+          <a:lstStyle/>
+          <a:p>
+            <a:pPr marL="0" lvl="0" indent="0" algn="l" rtl="0">
+              <a:spcBef>
+                <a:spcPts val="0"/>
+              </a:spcBef>
+              <a:spcAft>
+                <a:spcPts val="0"/>
+              </a:spcAft>
+              <a:buNone/>
+            </a:pPr>
+            <a:r>
+              <a:rPr lang="nb-NO" dirty="0">
+                <a:solidFill>
+                  <a:schemeClr val="tx1"/>
+                </a:solidFill>
+              </a:rPr>
+              <a:t>Oversikt over verv oppe til valg</a:t>
+            </a:r>
+          </a:p>
+        </p:txBody>
+      </p:sp>
+      <p:sp>
+        <p:nvSpPr>
+          <p:cNvPr id="179" name="Google Shape;179;p34"/>
+          <p:cNvSpPr txBox="1">
+            <a:spLocks noGrp="1"/>
+          </p:cNvSpPr>
+          <p:nvPr>
+            <p:ph type="body" idx="1"/>
+          </p:nvPr>
+        </p:nvSpPr>
+        <p:spPr>
+          <a:prstGeom prst="rect">
+            <a:avLst/>
+          </a:prstGeom>
+        </p:spPr>
+        <p:txBody>
+          <a:bodyPr spcFirstLastPara="1" wrap="square" lIns="91425" tIns="91425" rIns="91425" bIns="91425" anchor="t" anchorCtr="0">
+            <a:noAutofit/>
+          </a:bodyPr>
+          <a:lstStyle/>
+          <a:p>
+            <a:pPr marL="114300" lvl="0" indent="0" algn="l" rtl="0">
+              <a:spcBef>
+                <a:spcPts val="0"/>
+              </a:spcBef>
+              <a:spcAft>
+                <a:spcPts val="0"/>
+              </a:spcAft>
+              <a:buSzPts val="1800"/>
+              <a:buNone/>
+            </a:pPr>
+            <a:r>
+              <a:rPr lang="nb-NO" sz="2000">
+                <a:solidFill>
+                  <a:schemeClr val="tx1"/>
+                </a:solidFill>
+              </a:rPr>
+              <a:t>Hovedstyret</a:t>
+            </a:r>
+            <a:endParaRPr lang="nb-NO">
+              <a:solidFill>
+                <a:schemeClr val="tx1"/>
+              </a:solidFill>
+            </a:endParaRPr>
+          </a:p>
+          <a:p>
+            <a:pPr marL="457200" lvl="0" indent="-342900" algn="l" rtl="0">
+              <a:spcBef>
+                <a:spcPts val="0"/>
+              </a:spcBef>
+              <a:spcAft>
+                <a:spcPts val="0"/>
+              </a:spcAft>
+              <a:buSzPts val="1800"/>
+              <a:buChar char="●"/>
+            </a:pPr>
+            <a:r>
+              <a:rPr lang="nb-NO">
+                <a:solidFill>
+                  <a:schemeClr val="tx1"/>
+                </a:solidFill>
+              </a:rPr>
+              <a:t>Kjellermogul</a:t>
+            </a:r>
+            <a:endParaRPr lang="nb-NO" dirty="0">
+              <a:solidFill>
+                <a:schemeClr val="tx1"/>
+              </a:solidFill>
+            </a:endParaRPr>
+          </a:p>
+          <a:p>
+            <a:pPr marL="457200" lvl="0" indent="-342900" algn="l" rtl="0">
+              <a:spcBef>
+                <a:spcPts val="0"/>
+              </a:spcBef>
+              <a:spcAft>
+                <a:spcPts val="0"/>
+              </a:spcAft>
+              <a:buSzPts val="1800"/>
+              <a:buChar char="●"/>
+            </a:pPr>
+            <a:r>
+              <a:rPr lang="nb-NO" dirty="0">
+                <a:solidFill>
+                  <a:schemeClr val="tx1"/>
+                </a:solidFill>
+              </a:rPr>
+              <a:t>Arrangementssjef</a:t>
+            </a:r>
+          </a:p>
+          <a:p>
+            <a:pPr marL="457200" lvl="0" indent="-342900" algn="l" rtl="0">
+              <a:spcBef>
+                <a:spcPts val="0"/>
+              </a:spcBef>
+              <a:spcAft>
+                <a:spcPts val="0"/>
+              </a:spcAft>
+              <a:buSzPts val="1800"/>
+              <a:buChar char="●"/>
+            </a:pPr>
+            <a:r>
+              <a:rPr lang="nb-NO" dirty="0">
+                <a:solidFill>
+                  <a:schemeClr val="tx1"/>
+                </a:solidFill>
+              </a:rPr>
+              <a:t>Rekruteringsansvarlig</a:t>
+            </a:r>
+          </a:p>
+          <a:p>
+            <a:pPr marL="457200" lvl="0" indent="-342900" algn="l" rtl="0">
+              <a:spcBef>
+                <a:spcPts val="0"/>
+              </a:spcBef>
+              <a:spcAft>
+                <a:spcPts val="0"/>
+              </a:spcAft>
+              <a:buSzPts val="1800"/>
+              <a:buChar char="●"/>
+            </a:pPr>
+            <a:r>
+              <a:rPr lang="nb-NO" dirty="0">
+                <a:solidFill>
+                  <a:schemeClr val="tx1"/>
+                </a:solidFill>
+              </a:rPr>
+              <a:t>Promoteringssjef</a:t>
+            </a:r>
+          </a:p>
+          <a:p>
+            <a:pPr marL="457200" lvl="0" indent="-342900" algn="l" rtl="0">
+              <a:spcBef>
+                <a:spcPts val="0"/>
+              </a:spcBef>
+              <a:spcAft>
+                <a:spcPts val="0"/>
+              </a:spcAft>
+              <a:buSzPts val="1800"/>
+              <a:buChar char="●"/>
+            </a:pPr>
+            <a:r>
+              <a:rPr lang="en-GB" dirty="0">
+                <a:solidFill>
+                  <a:schemeClr val="tx1"/>
+                </a:solidFill>
+              </a:rPr>
+              <a:t>X-</a:t>
+            </a:r>
+            <a:r>
+              <a:rPr lang="nb-NO" dirty="0">
+                <a:solidFill>
+                  <a:schemeClr val="tx1"/>
+                </a:solidFill>
+              </a:rPr>
+              <a:t>sjef</a:t>
+            </a:r>
+          </a:p>
+        </p:txBody>
+      </p:sp>
+      <p:sp>
+        <p:nvSpPr>
+          <p:cNvPr id="2" name="Plassholder for tekst 1">
+            <a:extLst>
+              <a:ext uri="{FF2B5EF4-FFF2-40B4-BE49-F238E27FC236}">
+                <a16:creationId xmlns:a16="http://schemas.microsoft.com/office/drawing/2014/main" id="{100D2DAE-0B45-4D2D-90F0-270392E79813}"/>
+              </a:ext>
+            </a:extLst>
+          </p:cNvPr>
+          <p:cNvSpPr>
+            <a:spLocks noGrp="1"/>
+          </p:cNvSpPr>
+          <p:nvPr>
+            <p:ph type="body" idx="2"/>
+          </p:nvPr>
+        </p:nvSpPr>
+        <p:spPr/>
+        <p:txBody>
+          <a:bodyPr/>
+          <a:lstStyle/>
+          <a:p>
+            <a:pPr marL="139700" indent="0">
+              <a:buNone/>
+            </a:pPr>
+            <a:r>
+              <a:rPr lang="en-GB" sz="1800" dirty="0" err="1">
+                <a:solidFill>
+                  <a:schemeClr val="tx1"/>
+                </a:solidFill>
+              </a:rPr>
+              <a:t>Kjellerstyret</a:t>
+            </a:r>
+            <a:endParaRPr lang="en-GB" sz="1800" dirty="0">
+              <a:solidFill>
+                <a:schemeClr val="tx1"/>
+              </a:solidFill>
+            </a:endParaRPr>
+          </a:p>
+          <a:p>
+            <a:pPr marL="457200" lvl="0" indent="-342900" algn="l" rtl="0">
+              <a:spcBef>
+                <a:spcPts val="0"/>
+              </a:spcBef>
+              <a:spcAft>
+                <a:spcPts val="0"/>
+              </a:spcAft>
+              <a:buSzPts val="1800"/>
+              <a:buChar char="●"/>
+            </a:pPr>
+            <a:r>
+              <a:rPr lang="nb-NO" dirty="0">
+                <a:solidFill>
+                  <a:schemeClr val="tx1"/>
+                </a:solidFill>
+              </a:rPr>
+              <a:t>Kjellernestleder</a:t>
+            </a:r>
+          </a:p>
+          <a:p>
+            <a:pPr marL="457200" lvl="0" indent="-342900" algn="l" rtl="0">
+              <a:spcBef>
+                <a:spcPts val="0"/>
+              </a:spcBef>
+              <a:spcAft>
+                <a:spcPts val="0"/>
+              </a:spcAft>
+              <a:buSzPts val="1800"/>
+              <a:buChar char="●"/>
+            </a:pPr>
+            <a:r>
+              <a:rPr lang="nb-NO" dirty="0">
+                <a:solidFill>
+                  <a:schemeClr val="tx1"/>
+                </a:solidFill>
+              </a:rPr>
+              <a:t>Barsjef</a:t>
+            </a:r>
+          </a:p>
+          <a:p>
+            <a:pPr marL="457200" lvl="0" indent="-342900" algn="l" rtl="0">
+              <a:spcBef>
+                <a:spcPts val="0"/>
+              </a:spcBef>
+              <a:spcAft>
+                <a:spcPts val="0"/>
+              </a:spcAft>
+              <a:buSzPts val="1800"/>
+              <a:buChar char="●"/>
+            </a:pPr>
+            <a:r>
+              <a:rPr lang="nb-NO" dirty="0">
+                <a:solidFill>
+                  <a:schemeClr val="tx1"/>
+                </a:solidFill>
+              </a:rPr>
+              <a:t>Kafésjef</a:t>
+            </a:r>
+          </a:p>
+          <a:p>
+            <a:pPr marL="457200" lvl="0" indent="-342900" algn="l" rtl="0">
+              <a:spcBef>
+                <a:spcPts val="0"/>
+              </a:spcBef>
+              <a:spcAft>
+                <a:spcPts val="0"/>
+              </a:spcAft>
+              <a:buSzPts val="1800"/>
+              <a:buChar char="●"/>
+            </a:pPr>
+            <a:r>
+              <a:rPr lang="nb-NO" dirty="0">
+                <a:solidFill>
+                  <a:schemeClr val="tx1"/>
+                </a:solidFill>
+              </a:rPr>
+              <a:t>Økonomiansvarlig</a:t>
+            </a:r>
+          </a:p>
+          <a:p>
+            <a:pPr marL="457200" lvl="0" indent="-342900" algn="l" rtl="0">
+              <a:spcBef>
+                <a:spcPts val="0"/>
+              </a:spcBef>
+              <a:spcAft>
+                <a:spcPts val="0"/>
+              </a:spcAft>
+              <a:buSzPts val="1800"/>
+              <a:buChar char="●"/>
+            </a:pPr>
+            <a:r>
+              <a:rPr lang="nb-NO" dirty="0">
+                <a:solidFill>
+                  <a:schemeClr val="tx1"/>
+                </a:solidFill>
+              </a:rPr>
+              <a:t>Innkjøpsansvarlig</a:t>
+            </a:r>
+          </a:p>
+          <a:p>
+            <a:pPr marL="457200" lvl="0" indent="-342900" algn="l" rtl="0">
+              <a:spcBef>
+                <a:spcPts val="0"/>
+              </a:spcBef>
+              <a:spcAft>
+                <a:spcPts val="0"/>
+              </a:spcAft>
+              <a:buSzPts val="1800"/>
+              <a:buChar char="●"/>
+            </a:pPr>
+            <a:r>
+              <a:rPr lang="nb-NO" dirty="0">
+                <a:solidFill>
+                  <a:schemeClr val="tx1"/>
+                </a:solidFill>
+              </a:rPr>
+              <a:t>Teknisk</a:t>
+            </a:r>
+            <a:r>
+              <a:rPr lang="en-GB" dirty="0">
+                <a:solidFill>
+                  <a:schemeClr val="tx1"/>
+                </a:solidFill>
+              </a:rPr>
+              <a:t> </a:t>
+            </a:r>
+            <a:r>
+              <a:rPr lang="nb-NO" dirty="0">
+                <a:solidFill>
+                  <a:schemeClr val="tx1"/>
+                </a:solidFill>
+              </a:rPr>
+              <a:t>sjef</a:t>
+            </a:r>
+          </a:p>
+          <a:p>
+            <a:pPr marL="457200" lvl="0" indent="-342900" algn="l" rtl="0">
+              <a:spcBef>
+                <a:spcPts val="0"/>
+              </a:spcBef>
+              <a:spcAft>
+                <a:spcPts val="0"/>
+              </a:spcAft>
+              <a:buSzPts val="1800"/>
+              <a:buChar char="●"/>
+            </a:pPr>
+            <a:r>
+              <a:rPr lang="nb-NO" dirty="0">
+                <a:solidFill>
+                  <a:schemeClr val="tx1"/>
+                </a:solidFill>
+              </a:rPr>
+              <a:t>Utlånsansvarlig</a:t>
+            </a:r>
+          </a:p>
+          <a:p>
+            <a:pPr marL="457200" lvl="0" indent="-342900" algn="l" rtl="0">
+              <a:spcBef>
+                <a:spcPts val="0"/>
+              </a:spcBef>
+              <a:spcAft>
+                <a:spcPts val="0"/>
+              </a:spcAft>
+              <a:buSzPts val="1800"/>
+              <a:buChar char="●"/>
+            </a:pPr>
+            <a:r>
+              <a:rPr lang="en-GB" dirty="0">
+                <a:solidFill>
+                  <a:schemeClr val="tx1"/>
+                </a:solidFill>
+              </a:rPr>
+              <a:t>DJ-</a:t>
+            </a:r>
+            <a:r>
+              <a:rPr lang="nb-NO" dirty="0">
+                <a:solidFill>
+                  <a:schemeClr val="tx1"/>
+                </a:solidFill>
+              </a:rPr>
+              <a:t>sjef</a:t>
+            </a:r>
+          </a:p>
+          <a:p>
+            <a:pPr marL="457200" lvl="0" indent="-342900" algn="l" rtl="0">
+              <a:spcBef>
+                <a:spcPts val="0"/>
+              </a:spcBef>
+              <a:spcAft>
+                <a:spcPts val="0"/>
+              </a:spcAft>
+              <a:buSzPts val="1800"/>
+              <a:buChar char="●"/>
+            </a:pPr>
+            <a:r>
+              <a:rPr lang="nb-NO" dirty="0">
+                <a:solidFill>
+                  <a:schemeClr val="tx1"/>
+                </a:solidFill>
+              </a:rPr>
+              <a:t>Arrangementskoordinator</a:t>
+            </a:r>
+          </a:p>
+          <a:p>
+            <a:pPr marL="139700" indent="0">
+              <a:buNone/>
+            </a:pPr>
+            <a:endParaRPr lang="en-GB" dirty="0">
+              <a:solidFill>
+                <a:schemeClr val="tx1"/>
+              </a:solidFill>
+            </a:endParaRPr>
           </a:p>
         </p:txBody>
       </p:sp>
@@ -13130,7 +14014,7 @@
         </p:nvSpPr>
         <p:spPr>
           <a:xfrm>
-            <a:off x="311700" y="1152475"/>
+            <a:off x="1224394" y="1229244"/>
             <a:ext cx="8520600" cy="3416400"/>
           </a:xfrm>
           <a:prstGeom prst="rect">
@@ -13144,6 +14028,9 @@
           <a:lstStyle/>
           <a:p>
             <a:pPr marL="457200" lvl="0" indent="-342900" algn="l" rtl="0">
+              <a:lnSpc>
+                <a:spcPct val="200000"/>
+              </a:lnSpc>
               <a:spcBef>
                 <a:spcPts val="0"/>
               </a:spcBef>
@@ -13157,9 +14044,13 @@
               <a:rPr lang="nb-NO" dirty="0"/>
               <a:t>Kjellermogul</a:t>
             </a:r>
+            <a:endParaRPr lang="nb-NO"/>
           </a:p>
           <a:p>
             <a:pPr marL="457200" lvl="0" indent="-342900" algn="l" rtl="0">
+              <a:lnSpc>
+                <a:spcPct val="200000"/>
+              </a:lnSpc>
               <a:spcBef>
                 <a:spcPts val="0"/>
               </a:spcBef>
@@ -13173,9 +14064,13 @@
               <a:rPr lang="nb-NO" dirty="0"/>
               <a:t>Arrangementssjef</a:t>
             </a:r>
+            <a:endParaRPr lang="nb-NO"/>
           </a:p>
           <a:p>
             <a:pPr marL="457200" lvl="0" indent="-342900" algn="l" rtl="0">
+              <a:lnSpc>
+                <a:spcPct val="200000"/>
+              </a:lnSpc>
               <a:spcBef>
                 <a:spcPts val="0"/>
               </a:spcBef>
@@ -13189,9 +14084,13 @@
               <a:rPr lang="nb-NO" dirty="0"/>
               <a:t>Rekruteringsansvarlig</a:t>
             </a:r>
+            <a:endParaRPr lang="nb-NO"/>
           </a:p>
           <a:p>
             <a:pPr marL="457200" lvl="0" indent="-342900" algn="l" rtl="0">
+              <a:lnSpc>
+                <a:spcPct val="200000"/>
+              </a:lnSpc>
               <a:spcBef>
                 <a:spcPts val="0"/>
               </a:spcBef>
@@ -13205,9 +14104,13 @@
               <a:rPr lang="nb-NO" dirty="0"/>
               <a:t>Promoteringssjef</a:t>
             </a:r>
+            <a:endParaRPr lang="nb-NO"/>
           </a:p>
           <a:p>
             <a:pPr marL="457200" lvl="0" indent="-342900" algn="l" rtl="0">
+              <a:lnSpc>
+                <a:spcPct val="200000"/>
+              </a:lnSpc>
               <a:spcBef>
                 <a:spcPts val="0"/>
               </a:spcBef>
@@ -13225,10 +14128,16 @@
               <a:rPr lang="nb-NO" dirty="0"/>
               <a:t>sjef</a:t>
             </a:r>
+            <a:endParaRPr lang="nb-NO"/>
           </a:p>
         </p:txBody>
       </p:sp>
     </p:spTree>
+    <p:extLst>
+      <p:ext uri="{BB962C8B-B14F-4D97-AF65-F5344CB8AC3E}">
+        <p14:creationId xmlns:p14="http://schemas.microsoft.com/office/powerpoint/2010/main" val="3086758528"/>
+      </p:ext>
+    </p:extLst>
   </p:cSld>
   <p:clrMapOvr>
     <a:masterClrMapping/>
@@ -13241,7 +14150,7 @@
   <p:cSld>
     <p:spTree>
       <p:nvGrpSpPr>
-        <p:cNvPr id="1" name="Shape 183"/>
+        <p:cNvPr id="1" name=""/>
         <p:cNvGrpSpPr/>
         <p:nvPr/>
       </p:nvGrpSpPr>
@@ -13255,228 +14164,125 @@
       </p:grpSpPr>
       <p:sp>
         <p:nvSpPr>
-          <p:cNvPr id="184" name="Google Shape;184;p35"/>
-          <p:cNvSpPr txBox="1">
+          <p:cNvPr id="2" name="Tittel 1">
+            <a:extLst>
+              <a:ext uri="{FF2B5EF4-FFF2-40B4-BE49-F238E27FC236}">
+                <a16:creationId xmlns:a16="http://schemas.microsoft.com/office/drawing/2014/main" id="{D7ABAB5E-AFC0-4B8C-BEC7-5E02BC71F44D}"/>
+              </a:ext>
+            </a:extLst>
+          </p:cNvPr>
+          <p:cNvSpPr>
             <a:spLocks noGrp="1"/>
           </p:cNvSpPr>
           <p:nvPr>
             <p:ph type="title"/>
           </p:nvPr>
         </p:nvSpPr>
-        <p:spPr>
-          <a:xfrm>
-            <a:off x="311700" y="302825"/>
-            <a:ext cx="8520600" cy="714900"/>
-          </a:xfrm>
-          <a:prstGeom prst="rect">
-            <a:avLst/>
-          </a:prstGeom>
-        </p:spPr>
+        <p:spPr/>
         <p:txBody>
-          <a:bodyPr spcFirstLastPara="1" wrap="square" lIns="91425" tIns="91425" rIns="91425" bIns="91425" anchor="t" anchorCtr="0">
-            <a:noAutofit/>
-          </a:bodyPr>
+          <a:bodyPr/>
           <a:lstStyle/>
           <a:p>
-            <a:pPr marL="0" lvl="0" indent="0" algn="l" rtl="0">
-              <a:spcBef>
-                <a:spcPts val="0"/>
-              </a:spcBef>
-              <a:spcAft>
-                <a:spcPts val="0"/>
-              </a:spcAft>
-              <a:buNone/>
-            </a:pPr>
-            <a:r>
-              <a:rPr lang="nb-NO" dirty="0"/>
-              <a:t>Kjellerstyret</a:t>
+            <a:r>
+              <a:rPr lang="nb-NO"/>
+              <a:t>Hva vil det si å være i hovedstyret?</a:t>
             </a:r>
           </a:p>
         </p:txBody>
       </p:sp>
       <p:sp>
         <p:nvSpPr>
-          <p:cNvPr id="185" name="Google Shape;185;p35"/>
-          <p:cNvSpPr txBox="1">
+          <p:cNvPr id="3" name="Plassholder for tekst 2">
+            <a:extLst>
+              <a:ext uri="{FF2B5EF4-FFF2-40B4-BE49-F238E27FC236}">
+                <a16:creationId xmlns:a16="http://schemas.microsoft.com/office/drawing/2014/main" id="{607D9802-3099-4460-BB6A-5B52CC2D2A83}"/>
+              </a:ext>
+            </a:extLst>
+          </p:cNvPr>
+          <p:cNvSpPr>
             <a:spLocks noGrp="1"/>
           </p:cNvSpPr>
           <p:nvPr>
             <p:ph type="body" idx="1"/>
           </p:nvPr>
         </p:nvSpPr>
-        <p:spPr>
-          <a:xfrm>
-            <a:off x="311700" y="1152475"/>
-            <a:ext cx="8520600" cy="3416400"/>
-          </a:xfrm>
-          <a:prstGeom prst="rect">
-            <a:avLst/>
-          </a:prstGeom>
-        </p:spPr>
+        <p:spPr/>
         <p:txBody>
-          <a:bodyPr spcFirstLastPara="1" wrap="square" lIns="91425" tIns="91425" rIns="91425" bIns="91425" anchor="t" anchorCtr="0">
-            <a:noAutofit/>
-          </a:bodyPr>
+          <a:bodyPr/>
           <a:lstStyle/>
           <a:p>
-            <a:pPr marL="457200" lvl="0" indent="-342900" algn="l" rtl="0">
-              <a:spcBef>
-                <a:spcPts val="0"/>
-              </a:spcBef>
-              <a:spcAft>
-                <a:spcPts val="0"/>
-              </a:spcAft>
-              <a:buSzPts val="1800"/>
-              <a:buChar char="●"/>
-            </a:pPr>
-            <a:r>
-              <a:rPr lang="nb-NO" dirty="0"/>
-              <a:t>Kjellernestleder</a:t>
-            </a:r>
-          </a:p>
-          <a:p>
-            <a:pPr marL="457200" lvl="0" indent="-342900" algn="l" rtl="0">
-              <a:spcBef>
-                <a:spcPts val="0"/>
-              </a:spcBef>
-              <a:spcAft>
-                <a:spcPts val="0"/>
-              </a:spcAft>
-              <a:buSzPts val="1800"/>
-              <a:buChar char="●"/>
-            </a:pPr>
-            <a:r>
-              <a:rPr lang="nb-NO" dirty="0"/>
-              <a:t>Barsjef</a:t>
-            </a:r>
-          </a:p>
-          <a:p>
-            <a:pPr marL="457200" lvl="0" indent="-342900" algn="l" rtl="0">
-              <a:spcBef>
-                <a:spcPts val="0"/>
-              </a:spcBef>
-              <a:spcAft>
-                <a:spcPts val="0"/>
-              </a:spcAft>
-              <a:buSzPts val="1800"/>
-              <a:buChar char="●"/>
-            </a:pPr>
-            <a:r>
-              <a:rPr lang="nb-NO" dirty="0"/>
-              <a:t>Kafésjef</a:t>
-            </a:r>
-          </a:p>
-          <a:p>
-            <a:pPr marL="457200" lvl="0" indent="-342900" algn="l" rtl="0">
-              <a:spcBef>
-                <a:spcPts val="0"/>
-              </a:spcBef>
-              <a:spcAft>
-                <a:spcPts val="0"/>
-              </a:spcAft>
-              <a:buSzPts val="1800"/>
-              <a:buChar char="●"/>
-            </a:pPr>
-            <a:r>
-              <a:rPr lang="nb-NO" dirty="0"/>
-              <a:t>Økonomiansvarlig</a:t>
-            </a:r>
-          </a:p>
-          <a:p>
-            <a:pPr marL="457200" lvl="0" indent="-342900" algn="l" rtl="0">
-              <a:spcBef>
-                <a:spcPts val="0"/>
-              </a:spcBef>
-              <a:spcAft>
-                <a:spcPts val="0"/>
-              </a:spcAft>
-              <a:buSzPts val="1800"/>
-              <a:buChar char="●"/>
-            </a:pPr>
-            <a:r>
-              <a:rPr lang="nb-NO" dirty="0"/>
-              <a:t>Innkjøpsansvarlig</a:t>
-            </a:r>
-          </a:p>
-          <a:p>
-            <a:pPr marL="457200" lvl="0" indent="-342900" algn="l" rtl="0">
-              <a:spcBef>
-                <a:spcPts val="0"/>
-              </a:spcBef>
-              <a:spcAft>
-                <a:spcPts val="0"/>
-              </a:spcAft>
-              <a:buSzPts val="1800"/>
-              <a:buChar char="●"/>
-            </a:pPr>
-            <a:r>
-              <a:rPr lang="nb-NO" dirty="0"/>
-              <a:t>Teknisk</a:t>
-            </a:r>
-            <a:r>
-              <a:rPr lang="en-GB" dirty="0"/>
-              <a:t> </a:t>
-            </a:r>
-            <a:r>
-              <a:rPr lang="nb-NO" dirty="0"/>
-              <a:t>sjef</a:t>
-            </a:r>
-          </a:p>
-          <a:p>
-            <a:pPr marL="457200" lvl="0" indent="-342900" algn="l" rtl="0">
-              <a:spcBef>
-                <a:spcPts val="0"/>
-              </a:spcBef>
-              <a:spcAft>
-                <a:spcPts val="0"/>
-              </a:spcAft>
-              <a:buSzPts val="1800"/>
-              <a:buChar char="●"/>
-            </a:pPr>
-            <a:r>
-              <a:rPr lang="nb-NO" dirty="0"/>
-              <a:t>Utlånsansvarlig</a:t>
-            </a:r>
-          </a:p>
-          <a:p>
-            <a:pPr marL="457200" lvl="0" indent="-342900" algn="l" rtl="0">
-              <a:spcBef>
-                <a:spcPts val="0"/>
-              </a:spcBef>
-              <a:spcAft>
-                <a:spcPts val="0"/>
-              </a:spcAft>
-              <a:buSzPts val="1800"/>
-              <a:buChar char="●"/>
-            </a:pPr>
-            <a:r>
-              <a:rPr lang="en-GB" dirty="0"/>
-              <a:t>DJ-</a:t>
-            </a:r>
-            <a:r>
-              <a:rPr lang="nb-NO" dirty="0"/>
-              <a:t>sjef</a:t>
-            </a:r>
-          </a:p>
-          <a:p>
-            <a:pPr marL="457200" lvl="0" indent="-342900" algn="l" rtl="0">
-              <a:spcBef>
-                <a:spcPts val="0"/>
-              </a:spcBef>
-              <a:spcAft>
-                <a:spcPts val="0"/>
-              </a:spcAft>
-              <a:buSzPts val="1800"/>
-              <a:buChar char="●"/>
-            </a:pPr>
-            <a:r>
-              <a:rPr lang="nb-NO" dirty="0"/>
-              <a:t>Arrangementskoordinator</a:t>
-            </a:r>
+            <a:pPr>
+              <a:lnSpc>
+                <a:spcPct val="150000"/>
+              </a:lnSpc>
+              <a:spcAft>
+                <a:spcPts val="500"/>
+              </a:spcAft>
+            </a:pPr>
+            <a:r>
+              <a:rPr lang="nb-NO"/>
+              <a:t>Delta på HS møter regelmessig</a:t>
+            </a:r>
+          </a:p>
+          <a:p>
+            <a:pPr>
+              <a:lnSpc>
+                <a:spcPct val="150000"/>
+              </a:lnSpc>
+              <a:spcAft>
+                <a:spcPts val="500"/>
+              </a:spcAft>
+            </a:pPr>
+            <a:r>
+              <a:rPr lang="nb-NO"/>
+              <a:t>Ha ansvar for noen kosetirsdager i semesteret</a:t>
+            </a:r>
+          </a:p>
+          <a:p>
+            <a:pPr>
+              <a:lnSpc>
+                <a:spcPct val="150000"/>
+              </a:lnSpc>
+              <a:spcAft>
+                <a:spcPts val="500"/>
+              </a:spcAft>
+            </a:pPr>
+            <a:r>
+              <a:rPr lang="nb-NO"/>
+              <a:t>Si ifra til leder eller internansvarlig om du er overarbeidet og/eller trenger hjelp til å gjennomføre arbeidsoppgavene</a:t>
+            </a:r>
+          </a:p>
+          <a:p>
+            <a:pPr>
+              <a:lnSpc>
+                <a:spcPct val="150000"/>
+              </a:lnSpc>
+              <a:spcAft>
+                <a:spcPts val="500"/>
+              </a:spcAft>
+            </a:pPr>
+            <a:r>
+              <a:rPr lang="nb-NO"/>
+              <a:t>Gjøre deg kjent med og følge de Etiske retningslinjer for foreningsstyremedlemmer</a:t>
+            </a:r>
+          </a:p>
+          <a:p>
+            <a:pPr marL="114300" indent="0">
+              <a:lnSpc>
+                <a:spcPct val="114999"/>
+              </a:lnSpc>
+              <a:buNone/>
+            </a:pPr>
+            <a:endParaRPr lang="nb-NO"/>
           </a:p>
         </p:txBody>
       </p:sp>
     </p:spTree>
+    <p:extLst>
+      <p:ext uri="{BB962C8B-B14F-4D97-AF65-F5344CB8AC3E}">
+        <p14:creationId xmlns:p14="http://schemas.microsoft.com/office/powerpoint/2010/main" val="2540969315"/>
+      </p:ext>
+    </p:extLst>
   </p:cSld>
   <p:clrMapOvr>
     <a:masterClrMapping/>
@@ -13489,7 +14295,7 @@
   <p:cSld>
     <p:spTree>
       <p:nvGrpSpPr>
-        <p:cNvPr id="1" name="Shape 189"/>
+        <p:cNvPr id="1" name=""/>
         <p:cNvGrpSpPr/>
         <p:nvPr/>
       </p:nvGrpSpPr>
@@ -13503,8 +14309,14 @@
       </p:grpSpPr>
       <p:sp>
         <p:nvSpPr>
-          <p:cNvPr id="190" name="Google Shape;190;p36"/>
-          <p:cNvSpPr txBox="1">
+          <p:cNvPr id="2" name="Tittel 1">
+            <a:extLst>
+              <a:ext uri="{FF2B5EF4-FFF2-40B4-BE49-F238E27FC236}">
+                <a16:creationId xmlns:a16="http://schemas.microsoft.com/office/drawing/2014/main" id="{E43C4244-87AF-47E5-BD4F-3748F079A354}"/>
+              </a:ext>
+            </a:extLst>
+          </p:cNvPr>
+          <p:cNvSpPr>
             <a:spLocks noGrp="1"/>
           </p:cNvSpPr>
           <p:nvPr>
@@ -13513,52 +14325,28 @@
         </p:nvSpPr>
         <p:spPr>
           <a:xfrm>
-            <a:off x="490250" y="526350"/>
-            <a:ext cx="6227100" cy="4090800"/>
+            <a:off x="418251" y="2036697"/>
+            <a:ext cx="8520600" cy="714900"/>
           </a:xfrm>
-          <a:prstGeom prst="rect">
-            <a:avLst/>
-          </a:prstGeom>
         </p:spPr>
         <p:txBody>
-          <a:bodyPr spcFirstLastPara="1" wrap="square" lIns="91425" tIns="91425" rIns="91425" bIns="91425" anchor="ctr" anchorCtr="0">
-            <a:noAutofit/>
-          </a:bodyPr>
+          <a:bodyPr/>
           <a:lstStyle/>
           <a:p>
-            <a:pPr marL="0" lvl="0" indent="0" algn="l" rtl="0">
-              <a:spcBef>
-                <a:spcPts val="0"/>
-              </a:spcBef>
-              <a:spcAft>
-                <a:spcPts val="0"/>
-              </a:spcAft>
-              <a:buNone/>
-            </a:pPr>
-            <a:r>
-              <a:rPr lang="nb-NO" dirty="0"/>
-              <a:t>Forslag</a:t>
-            </a:r>
-            <a:r>
-              <a:rPr lang="en-GB" dirty="0"/>
-              <a:t> </a:t>
-            </a:r>
-            <a:r>
-              <a:rPr lang="nb-NO" dirty="0"/>
-              <a:t>til</a:t>
-            </a:r>
-            <a:r>
-              <a:rPr lang="en-GB" dirty="0"/>
-              <a:t> </a:t>
-            </a:r>
-            <a:r>
-              <a:rPr lang="nb-NO" dirty="0"/>
-              <a:t>vedtektsendringer</a:t>
+            <a:pPr algn="ctr"/>
+            <a:r>
+              <a:rPr lang="nb-NO"/>
+              <a:t>Vervbeskrivelser og valg</a:t>
             </a:r>
           </a:p>
         </p:txBody>
       </p:sp>
     </p:spTree>
+    <p:extLst>
+      <p:ext uri="{BB962C8B-B14F-4D97-AF65-F5344CB8AC3E}">
+        <p14:creationId xmlns:p14="http://schemas.microsoft.com/office/powerpoint/2010/main" val="2057716477"/>
+      </p:ext>
+    </p:extLst>
   </p:cSld>
   <p:clrMapOvr>
     <a:masterClrMapping/>
@@ -13571,7 +14359,7 @@
   <p:cSld>
     <p:spTree>
       <p:nvGrpSpPr>
-        <p:cNvPr id="1" name="Shape 194"/>
+        <p:cNvPr id="1" name=""/>
         <p:cNvGrpSpPr/>
         <p:nvPr/>
       </p:nvGrpSpPr>
@@ -13585,292 +14373,184 @@
       </p:grpSpPr>
       <p:sp>
         <p:nvSpPr>
-          <p:cNvPr id="195" name="Google Shape;195;p37"/>
-          <p:cNvSpPr txBox="1">
+          <p:cNvPr id="2" name="Tittel 1">
+            <a:extLst>
+              <a:ext uri="{FF2B5EF4-FFF2-40B4-BE49-F238E27FC236}">
+                <a16:creationId xmlns:a16="http://schemas.microsoft.com/office/drawing/2014/main" id="{84968664-4C5F-42E5-959A-60A5325C2AF6}"/>
+              </a:ext>
+            </a:extLst>
+          </p:cNvPr>
+          <p:cNvSpPr>
             <a:spLocks noGrp="1"/>
           </p:cNvSpPr>
           <p:nvPr>
             <p:ph type="title"/>
           </p:nvPr>
         </p:nvSpPr>
-        <p:spPr>
-          <a:xfrm>
-            <a:off x="311700" y="302825"/>
-            <a:ext cx="8520600" cy="714900"/>
-          </a:xfrm>
-          <a:prstGeom prst="rect">
-            <a:avLst/>
-          </a:prstGeom>
-        </p:spPr>
+        <p:spPr/>
         <p:txBody>
-          <a:bodyPr spcFirstLastPara="1" wrap="square" lIns="91425" tIns="91425" rIns="91425" bIns="91425" anchor="t" anchorCtr="0">
-            <a:noAutofit/>
-          </a:bodyPr>
+          <a:bodyPr/>
           <a:lstStyle/>
           <a:p>
-            <a:pPr marL="0" lvl="0" indent="0" algn="l" rtl="0">
-              <a:spcBef>
-                <a:spcPts val="0"/>
-              </a:spcBef>
-              <a:spcAft>
-                <a:spcPts val="0"/>
-              </a:spcAft>
-              <a:buNone/>
-            </a:pPr>
-            <a:r>
-              <a:rPr lang="nb-NO" dirty="0"/>
-              <a:t>Stemmerett</a:t>
-            </a:r>
-            <a:r>
-              <a:rPr lang="en-GB" dirty="0"/>
-              <a:t> - Alt 1 </a:t>
-            </a:r>
-            <a:r>
-              <a:rPr lang="nb-NO" dirty="0"/>
-              <a:t>Personlig</a:t>
-            </a:r>
-            <a:r>
-              <a:rPr lang="en-GB" dirty="0"/>
-              <a:t> </a:t>
-            </a:r>
-            <a:r>
-              <a:rPr lang="nb-NO" dirty="0"/>
-              <a:t>oppmøte</a:t>
+            <a:r>
+              <a:rPr lang="nb-NO"/>
+              <a:t>Kjellermoguls ansvar</a:t>
             </a:r>
           </a:p>
         </p:txBody>
       </p:sp>
       <p:sp>
         <p:nvSpPr>
-          <p:cNvPr id="196" name="Google Shape;196;p37"/>
-          <p:cNvSpPr txBox="1">
+          <p:cNvPr id="3" name="Plassholder for tekst 2">
+            <a:extLst>
+              <a:ext uri="{FF2B5EF4-FFF2-40B4-BE49-F238E27FC236}">
+                <a16:creationId xmlns:a16="http://schemas.microsoft.com/office/drawing/2014/main" id="{276B50EA-7AEF-4FCF-96F2-08E821C93DD1}"/>
+              </a:ext>
+            </a:extLst>
+          </p:cNvPr>
+          <p:cNvSpPr>
             <a:spLocks noGrp="1"/>
           </p:cNvSpPr>
           <p:nvPr>
             <p:ph type="body" idx="1"/>
           </p:nvPr>
         </p:nvSpPr>
-        <p:spPr>
-          <a:xfrm>
-            <a:off x="311700" y="1152475"/>
-            <a:ext cx="8520600" cy="3416400"/>
-          </a:xfrm>
-          <a:prstGeom prst="rect">
-            <a:avLst/>
-          </a:prstGeom>
-        </p:spPr>
+        <p:spPr/>
         <p:txBody>
-          <a:bodyPr spcFirstLastPara="1" wrap="square" lIns="91425" tIns="91425" rIns="91425" bIns="91425" anchor="t" anchorCtr="0">
-            <a:noAutofit/>
-          </a:bodyPr>
+          <a:bodyPr/>
           <a:lstStyle/>
           <a:p>
-            <a:pPr marL="0" lvl="0" indent="0" algn="l" rtl="0">
-              <a:spcBef>
-                <a:spcPts val="0"/>
-              </a:spcBef>
-              <a:spcAft>
-                <a:spcPts val="0"/>
-              </a:spcAft>
-              <a:buNone/>
-            </a:pPr>
-            <a:r>
-              <a:rPr lang="nb-NO" b="1" dirty="0"/>
-              <a:t>Nytt</a:t>
-            </a:r>
-            <a:r>
-              <a:rPr lang="en-GB" b="1" dirty="0"/>
-              <a:t> </a:t>
-            </a:r>
-            <a:r>
-              <a:rPr lang="nb-NO" b="1" dirty="0"/>
-              <a:t>punkt</a:t>
-            </a:r>
-            <a:r>
-              <a:rPr lang="en-GB" b="1" dirty="0"/>
-              <a:t> under: §7</a:t>
-            </a:r>
-            <a:endParaRPr b="1" dirty="0"/>
-          </a:p>
-          <a:p>
-            <a:pPr marL="0" lvl="0" indent="0" algn="l" rtl="0">
-              <a:spcBef>
-                <a:spcPts val="0"/>
-              </a:spcBef>
-              <a:spcAft>
-                <a:spcPts val="0"/>
-              </a:spcAft>
-              <a:buNone/>
-            </a:pPr>
-            <a:r>
-              <a:rPr lang="en-GB" i="1" dirty="0">
-                <a:solidFill>
-                  <a:srgbClr val="93C47D"/>
-                </a:solidFill>
-              </a:rPr>
-              <a:t>Man </a:t>
-            </a:r>
-            <a:r>
-              <a:rPr lang="nb-NO" i="1" dirty="0">
-                <a:solidFill>
-                  <a:srgbClr val="93C47D"/>
-                </a:solidFill>
-              </a:rPr>
-              <a:t>må</a:t>
-            </a:r>
-            <a:r>
-              <a:rPr lang="en-GB" i="1" dirty="0">
-                <a:solidFill>
-                  <a:srgbClr val="93C47D"/>
-                </a:solidFill>
-              </a:rPr>
-              <a:t> </a:t>
-            </a:r>
-            <a:r>
-              <a:rPr lang="nb-NO" i="1" dirty="0">
-                <a:solidFill>
-                  <a:srgbClr val="93C47D"/>
-                </a:solidFill>
-              </a:rPr>
-              <a:t>være</a:t>
-            </a:r>
-            <a:r>
-              <a:rPr lang="en-GB" i="1" dirty="0">
-                <a:solidFill>
-                  <a:srgbClr val="93C47D"/>
-                </a:solidFill>
-              </a:rPr>
-              <a:t> </a:t>
-            </a:r>
-            <a:r>
-              <a:rPr lang="nb-NO" i="1" dirty="0">
-                <a:solidFill>
-                  <a:srgbClr val="93C47D"/>
-                </a:solidFill>
-              </a:rPr>
-              <a:t>personlig</a:t>
-            </a:r>
-            <a:r>
-              <a:rPr lang="en-GB" i="1" dirty="0">
-                <a:solidFill>
-                  <a:srgbClr val="93C47D"/>
-                </a:solidFill>
-              </a:rPr>
-              <a:t> </a:t>
-            </a:r>
-            <a:r>
-              <a:rPr lang="nb-NO" i="1" dirty="0">
-                <a:solidFill>
-                  <a:srgbClr val="93C47D"/>
-                </a:solidFill>
-              </a:rPr>
-              <a:t>oppmøtt</a:t>
-            </a:r>
-            <a:r>
-              <a:rPr lang="en-GB" i="1" dirty="0">
-                <a:solidFill>
-                  <a:srgbClr val="93C47D"/>
-                </a:solidFill>
-              </a:rPr>
-              <a:t> </a:t>
-            </a:r>
-            <a:r>
-              <a:rPr lang="nb-NO" i="1" dirty="0">
-                <a:solidFill>
-                  <a:srgbClr val="93C47D"/>
-                </a:solidFill>
-              </a:rPr>
-              <a:t>på</a:t>
-            </a:r>
-            <a:r>
-              <a:rPr lang="en-GB" i="1" dirty="0">
-                <a:solidFill>
-                  <a:srgbClr val="93C47D"/>
-                </a:solidFill>
-              </a:rPr>
-              <a:t> </a:t>
-            </a:r>
-            <a:r>
-              <a:rPr lang="nb-NO" i="1" dirty="0">
-                <a:solidFill>
-                  <a:srgbClr val="93C47D"/>
-                </a:solidFill>
-              </a:rPr>
-              <a:t>generalformalingen</a:t>
-            </a:r>
-            <a:r>
-              <a:rPr lang="en-GB" i="1" dirty="0">
-                <a:solidFill>
-                  <a:srgbClr val="93C47D"/>
-                </a:solidFill>
-              </a:rPr>
-              <a:t> for å kunne avgi stemme.</a:t>
-            </a:r>
-            <a:endParaRPr i="1" dirty="0">
-              <a:solidFill>
-                <a:srgbClr val="93C47D"/>
-              </a:solidFill>
-            </a:endParaRPr>
-          </a:p>
-          <a:p>
-            <a:pPr marL="0" lvl="0" indent="0" algn="l" rtl="0">
-              <a:spcBef>
-                <a:spcPts val="0"/>
-              </a:spcBef>
-              <a:spcAft>
-                <a:spcPts val="0"/>
-              </a:spcAft>
-              <a:buNone/>
-            </a:pPr>
-            <a:endParaRPr dirty="0"/>
-          </a:p>
-          <a:p>
-            <a:pPr marL="0" lvl="0" indent="0" algn="l" rtl="0">
-              <a:spcBef>
-                <a:spcPts val="0"/>
-              </a:spcBef>
-              <a:spcAft>
-                <a:spcPts val="0"/>
-              </a:spcAft>
-              <a:buNone/>
-            </a:pPr>
-            <a:r>
-              <a:rPr lang="en-GB" b="1" dirty="0"/>
-              <a:t>Pålegg: §7g</a:t>
-            </a:r>
-            <a:endParaRPr b="1" dirty="0"/>
-          </a:p>
-          <a:p>
-            <a:pPr marL="0" lvl="0" indent="0" algn="l" rtl="0">
-              <a:spcBef>
-                <a:spcPts val="0"/>
-              </a:spcBef>
-              <a:spcAft>
-                <a:spcPts val="0"/>
-              </a:spcAft>
-              <a:buNone/>
-            </a:pPr>
-            <a:r>
-              <a:rPr lang="en-GB" i="1" dirty="0"/>
-              <a:t>Stemmerett har alle som er medlem, jf. §2, minst én uke før generalforsamling</a:t>
-            </a:r>
-            <a:r>
-              <a:rPr lang="en-GB" i="1" dirty="0">
-                <a:solidFill>
-                  <a:srgbClr val="93C47D"/>
-                </a:solidFill>
-              </a:rPr>
-              <a:t>, og har møtt opp personlig på  generalforsamling</a:t>
-            </a:r>
-            <a:r>
-              <a:rPr lang="en-GB" i="1" dirty="0"/>
-              <a:t>.</a:t>
-            </a:r>
-            <a:endParaRPr i="1" dirty="0"/>
+            <a:r>
+              <a:rPr lang="nb-NO" dirty="0"/>
+              <a:t>Hovedstyre og kjellerstyremedlem</a:t>
+            </a:r>
+          </a:p>
+          <a:p>
+            <a:pPr>
+              <a:lnSpc>
+                <a:spcPct val="114999"/>
+              </a:lnSpc>
+            </a:pPr>
+            <a:r>
+              <a:rPr lang="nb-NO" dirty="0"/>
+              <a:t>Passe på at alle gruppene følger sine oppgaver og har det bra</a:t>
+            </a:r>
+            <a:r>
+              <a:rPr lang="nb-NO"/>
+              <a:t> (men ikke overkjøre gruppeledere!)</a:t>
+            </a:r>
+          </a:p>
+          <a:p>
+            <a:pPr lvl="1">
+              <a:lnSpc>
+                <a:spcPct val="114999"/>
+              </a:lnSpc>
+              <a:spcAft>
+                <a:spcPts val="1000"/>
+              </a:spcAft>
+              <a:buSzPts val="1800"/>
+            </a:pPr>
+            <a:r>
+              <a:rPr lang="nb-NO" dirty="0"/>
+              <a:t>Eks: Har bar nok personale til fredagspub?</a:t>
+            </a:r>
+            <a:endParaRPr lang="nb-NO"/>
+          </a:p>
+          <a:p>
+            <a:pPr>
+              <a:lnSpc>
+                <a:spcPct val="114999"/>
+              </a:lnSpc>
+            </a:pPr>
+            <a:r>
+              <a:rPr lang="nb-NO" dirty="0"/>
+              <a:t>Passe på at skjenkebevillingen følges opp og er i orden</a:t>
+            </a:r>
+          </a:p>
+          <a:p>
+            <a:pPr>
+              <a:lnSpc>
+                <a:spcPct val="114999"/>
+              </a:lnSpc>
+            </a:pPr>
+            <a:r>
+              <a:rPr lang="nb-NO" dirty="0"/>
+              <a:t>Sikre fremdrift i kjellerstyrets oppgaver og prosjekter</a:t>
+            </a:r>
+          </a:p>
+          <a:p>
+            <a:pPr>
+              <a:lnSpc>
+                <a:spcPct val="114999"/>
+              </a:lnSpc>
+            </a:pPr>
+            <a:r>
+              <a:rPr lang="nb-NO" dirty="0"/>
+              <a:t>Kunnskap om alkohollovgivningen</a:t>
+            </a:r>
+          </a:p>
+          <a:p>
+            <a:pPr>
+              <a:lnSpc>
+                <a:spcPct val="114999"/>
+              </a:lnSpc>
+            </a:pPr>
+            <a:r>
+              <a:rPr lang="nb-NO" dirty="0"/>
+              <a:t>Holde jevnlige medarbeidersamtaler med kjellerstyret</a:t>
+            </a:r>
+          </a:p>
+          <a:p>
+            <a:pPr>
+              <a:lnSpc>
+                <a:spcPct val="114999"/>
+              </a:lnSpc>
+            </a:pPr>
+            <a:r>
+              <a:rPr lang="nb-NO" dirty="0"/>
+              <a:t>Arrangere </a:t>
+            </a:r>
+            <a:r>
+              <a:rPr lang="nb-NO" dirty="0" err="1"/>
+              <a:t>julitrefest</a:t>
+            </a:r>
+            <a:r>
+              <a:rPr lang="nb-NO" dirty="0"/>
+              <a:t> og nyttårsfest (men man kan delegere!)</a:t>
+            </a:r>
+          </a:p>
+          <a:p>
+            <a:pPr>
+              <a:lnSpc>
+                <a:spcPct val="114999"/>
+              </a:lnSpc>
+            </a:pPr>
+            <a:r>
+              <a:rPr lang="nb-NO" dirty="0"/>
+              <a:t>God kommunikasjon</a:t>
+            </a:r>
+            <a:r>
+              <a:rPr lang="nb-NO"/>
+              <a:t> med renhold og andre deler av IFI</a:t>
+            </a:r>
+            <a:endParaRPr lang="nb-NO" dirty="0"/>
+          </a:p>
+          <a:p>
+            <a:pPr>
+              <a:lnSpc>
+                <a:spcPct val="114999"/>
+              </a:lnSpc>
+            </a:pPr>
+            <a:endParaRPr lang="nb-NO" dirty="0"/>
           </a:p>
         </p:txBody>
       </p:sp>
     </p:spTree>
+    <p:extLst>
+      <p:ext uri="{BB962C8B-B14F-4D97-AF65-F5344CB8AC3E}">
+        <p14:creationId xmlns:p14="http://schemas.microsoft.com/office/powerpoint/2010/main" val="3148004758"/>
+      </p:ext>
+    </p:extLst>
   </p:cSld>
   <p:clrMapOvr>
     <a:masterClrMapping/>
@@ -13949,7 +14629,7 @@
   <p:cSld>
     <p:spTree>
       <p:nvGrpSpPr>
-        <p:cNvPr id="1" name="Shape 200"/>
+        <p:cNvPr id="1" name=""/>
         <p:cNvGrpSpPr/>
         <p:nvPr/>
       </p:nvGrpSpPr>
@@ -13963,7 +14643,722 @@
       </p:grpSpPr>
       <p:sp>
         <p:nvSpPr>
-          <p:cNvPr id="201" name="Google Shape;201;p38"/>
+          <p:cNvPr id="2" name="Tittel 1">
+            <a:extLst>
+              <a:ext uri="{FF2B5EF4-FFF2-40B4-BE49-F238E27FC236}">
+                <a16:creationId xmlns:a16="http://schemas.microsoft.com/office/drawing/2014/main" id="{A46583A3-5286-4391-9A18-68C19A0AFD7D}"/>
+              </a:ext>
+            </a:extLst>
+          </p:cNvPr>
+          <p:cNvSpPr>
+            <a:spLocks noGrp="1"/>
+          </p:cNvSpPr>
+          <p:nvPr>
+            <p:ph type="title"/>
+          </p:nvPr>
+        </p:nvSpPr>
+        <p:spPr/>
+        <p:txBody>
+          <a:bodyPr/>
+          <a:lstStyle/>
+          <a:p>
+            <a:r>
+              <a:rPr lang="nb-NO"/>
+              <a:t>Arrangementssjef</a:t>
+            </a:r>
+          </a:p>
+        </p:txBody>
+      </p:sp>
+      <p:sp>
+        <p:nvSpPr>
+          <p:cNvPr id="3" name="Plassholder for tekst 2">
+            <a:extLst>
+              <a:ext uri="{FF2B5EF4-FFF2-40B4-BE49-F238E27FC236}">
+                <a16:creationId xmlns:a16="http://schemas.microsoft.com/office/drawing/2014/main" id="{196A78A9-689C-4E35-9EEE-63E1E0A39D98}"/>
+              </a:ext>
+            </a:extLst>
+          </p:cNvPr>
+          <p:cNvSpPr>
+            <a:spLocks noGrp="1"/>
+          </p:cNvSpPr>
+          <p:nvPr>
+            <p:ph type="body" idx="1"/>
+          </p:nvPr>
+        </p:nvSpPr>
+        <p:spPr>
+          <a:xfrm>
+            <a:off x="311700" y="1007467"/>
+            <a:ext cx="8520600" cy="3416400"/>
+          </a:xfrm>
+        </p:spPr>
+        <p:txBody>
+          <a:bodyPr/>
+          <a:lstStyle/>
+          <a:p>
+            <a:r>
+              <a:rPr lang="nb-NO" dirty="0"/>
+              <a:t>Hovedstyremedlem</a:t>
+            </a:r>
+          </a:p>
+          <a:p>
+            <a:pPr>
+              <a:lnSpc>
+                <a:spcPct val="114999"/>
+              </a:lnSpc>
+            </a:pPr>
+            <a:r>
+              <a:rPr lang="nb-NO" dirty="0"/>
+              <a:t>Opprette </a:t>
+            </a:r>
+            <a:r>
+              <a:rPr lang="nb-NO" dirty="0" err="1"/>
+              <a:t>arrplan</a:t>
+            </a:r>
+            <a:r>
+              <a:rPr lang="nb-NO" dirty="0"/>
+              <a:t> og kalender på wikien og holde dem oppdatert</a:t>
+            </a:r>
+          </a:p>
+          <a:p>
+            <a:pPr>
+              <a:lnSpc>
+                <a:spcPct val="114999"/>
+              </a:lnSpc>
+            </a:pPr>
+            <a:r>
+              <a:rPr lang="nb-NO" dirty="0"/>
+              <a:t>Lederansvar for </a:t>
+            </a:r>
+            <a:r>
+              <a:rPr lang="nb-NO" dirty="0" err="1"/>
+              <a:t>arrgruppen</a:t>
+            </a:r>
+            <a:endParaRPr lang="nb-NO" dirty="0"/>
+          </a:p>
+          <a:p>
+            <a:pPr>
+              <a:lnSpc>
+                <a:spcPct val="114999"/>
+              </a:lnSpc>
+            </a:pPr>
+            <a:r>
+              <a:rPr lang="nb-NO" dirty="0"/>
+              <a:t>Finne </a:t>
+            </a:r>
+            <a:r>
+              <a:rPr lang="nb-NO" dirty="0" err="1"/>
+              <a:t>arrmestere</a:t>
+            </a:r>
+            <a:r>
+              <a:rPr lang="nb-NO" dirty="0"/>
+              <a:t> til å gjennomføre arrangementer</a:t>
+            </a:r>
+          </a:p>
+          <a:p>
+            <a:pPr>
+              <a:lnSpc>
+                <a:spcPct val="114999"/>
+              </a:lnSpc>
+            </a:pPr>
+            <a:r>
+              <a:rPr lang="nb-NO" dirty="0"/>
+              <a:t>Finne noen til å gjennomføre:</a:t>
+            </a:r>
+          </a:p>
+          <a:p>
+            <a:pPr lvl="1">
+              <a:lnSpc>
+                <a:spcPct val="100000"/>
+              </a:lnSpc>
+              <a:spcBef>
+                <a:spcPts val="200"/>
+              </a:spcBef>
+            </a:pPr>
+            <a:r>
+              <a:rPr lang="nb-NO" sz="1600" dirty="0"/>
+              <a:t>IFI-skitur</a:t>
+            </a:r>
+            <a:endParaRPr lang="nb-NO" sz="1600"/>
+          </a:p>
+          <a:p>
+            <a:pPr lvl="1">
+              <a:lnSpc>
+                <a:spcPct val="100000"/>
+              </a:lnSpc>
+              <a:spcBef>
+                <a:spcPts val="200"/>
+              </a:spcBef>
+            </a:pPr>
+            <a:r>
+              <a:rPr lang="nb-NO" sz="1600" dirty="0"/>
+              <a:t>IFI-LAN</a:t>
+            </a:r>
+            <a:endParaRPr lang="nb-NO" sz="1600"/>
+          </a:p>
+          <a:p>
+            <a:pPr lvl="1">
+              <a:lnSpc>
+                <a:spcPct val="100000"/>
+              </a:lnSpc>
+              <a:spcBef>
+                <a:spcPts val="200"/>
+              </a:spcBef>
+            </a:pPr>
+            <a:r>
+              <a:rPr lang="nb-NO" sz="1600" dirty="0"/>
+              <a:t>Brettspillkvelder</a:t>
+            </a:r>
+            <a:endParaRPr lang="nb-NO" sz="1600"/>
+          </a:p>
+          <a:p>
+            <a:pPr lvl="1">
+              <a:lnSpc>
+                <a:spcPct val="100000"/>
+              </a:lnSpc>
+              <a:spcBef>
+                <a:spcPts val="200"/>
+              </a:spcBef>
+            </a:pPr>
+            <a:r>
+              <a:rPr lang="nb-NO" sz="1600" dirty="0"/>
+              <a:t>Quiz</a:t>
+            </a:r>
+            <a:endParaRPr lang="nb-NO" sz="1600"/>
+          </a:p>
+          <a:p>
+            <a:pPr lvl="1">
+              <a:lnSpc>
+                <a:spcPct val="100000"/>
+              </a:lnSpc>
+              <a:spcBef>
+                <a:spcPts val="200"/>
+              </a:spcBef>
+            </a:pPr>
+            <a:r>
+              <a:rPr lang="nb-NO" sz="1600" dirty="0" err="1"/>
+              <a:t>Whiskeyseminar</a:t>
+            </a:r>
+            <a:endParaRPr lang="nb-NO" sz="1600"/>
+          </a:p>
+          <a:p>
+            <a:pPr>
+              <a:lnSpc>
+                <a:spcPct val="100000"/>
+              </a:lnSpc>
+            </a:pPr>
+            <a:r>
+              <a:rPr lang="nb-NO" dirty="0"/>
+              <a:t>Arrangere </a:t>
+            </a:r>
+            <a:r>
+              <a:rPr lang="nb-NO" dirty="0" err="1"/>
+              <a:t>arrgruppas</a:t>
+            </a:r>
+            <a:r>
+              <a:rPr lang="nb-NO" dirty="0"/>
+              <a:t> </a:t>
+            </a:r>
+            <a:r>
+              <a:rPr lang="nb-NO" dirty="0" err="1"/>
+              <a:t>internfest</a:t>
+            </a:r>
+            <a:endParaRPr lang="nb-NO" dirty="0"/>
+          </a:p>
+          <a:p>
+            <a:pPr>
+              <a:lnSpc>
+                <a:spcPct val="100000"/>
+              </a:lnSpc>
+            </a:pPr>
+            <a:r>
+              <a:rPr lang="nb-NO" dirty="0"/>
+              <a:t>Kommunisere med utlånsansvarlig for å unngå dobbeltbookinger</a:t>
+            </a:r>
+          </a:p>
+          <a:p>
+            <a:pPr>
+              <a:lnSpc>
+                <a:spcPct val="100000"/>
+              </a:lnSpc>
+            </a:pPr>
+            <a:r>
+              <a:rPr lang="nb-NO" dirty="0"/>
+              <a:t>Koordinere med pr-ansvarlig så det blir lagt ut PR i god tid</a:t>
+            </a:r>
+          </a:p>
+          <a:p>
+            <a:pPr>
+              <a:lnSpc>
+                <a:spcPct val="114999"/>
+              </a:lnSpc>
+            </a:pPr>
+            <a:endParaRPr lang="nb-NO" dirty="0"/>
+          </a:p>
+        </p:txBody>
+      </p:sp>
+    </p:spTree>
+    <p:extLst>
+      <p:ext uri="{BB962C8B-B14F-4D97-AF65-F5344CB8AC3E}">
+        <p14:creationId xmlns:p14="http://schemas.microsoft.com/office/powerpoint/2010/main" val="3067305477"/>
+      </p:ext>
+    </p:extLst>
+  </p:cSld>
+  <p:clrMapOvr>
+    <a:masterClrMapping/>
+  </p:clrMapOvr>
+</p:sld>
+</file>
+
+<file path=ppt/slides/slide21.xml><?xml version="1.0" encoding="utf-8"?>
+<p:sld xmlns:a="http://schemas.openxmlformats.org/drawingml/2006/main" xmlns:r="http://schemas.openxmlformats.org/officeDocument/2006/relationships" xmlns:p="http://schemas.openxmlformats.org/presentationml/2006/main">
+  <p:cSld>
+    <p:spTree>
+      <p:nvGrpSpPr>
+        <p:cNvPr id="1" name=""/>
+        <p:cNvGrpSpPr/>
+        <p:nvPr/>
+      </p:nvGrpSpPr>
+      <p:grpSpPr>
+        <a:xfrm>
+          <a:off x="0" y="0"/>
+          <a:ext cx="0" cy="0"/>
+          <a:chOff x="0" y="0"/>
+          <a:chExt cx="0" cy="0"/>
+        </a:xfrm>
+      </p:grpSpPr>
+      <p:sp>
+        <p:nvSpPr>
+          <p:cNvPr id="2" name="Tittel 1">
+            <a:extLst>
+              <a:ext uri="{FF2B5EF4-FFF2-40B4-BE49-F238E27FC236}">
+                <a16:creationId xmlns:a16="http://schemas.microsoft.com/office/drawing/2014/main" id="{C40E3C94-B455-48AD-944E-9B84E2598693}"/>
+              </a:ext>
+            </a:extLst>
+          </p:cNvPr>
+          <p:cNvSpPr>
+            <a:spLocks noGrp="1"/>
+          </p:cNvSpPr>
+          <p:nvPr>
+            <p:ph type="title"/>
+          </p:nvPr>
+        </p:nvSpPr>
+        <p:spPr/>
+        <p:txBody>
+          <a:bodyPr/>
+          <a:lstStyle/>
+          <a:p>
+            <a:r>
+              <a:rPr lang="nb-NO"/>
+              <a:t>Rekrutteringsansvarlig</a:t>
+            </a:r>
+          </a:p>
+        </p:txBody>
+      </p:sp>
+      <p:sp>
+        <p:nvSpPr>
+          <p:cNvPr id="3" name="Plassholder for tekst 2">
+            <a:extLst>
+              <a:ext uri="{FF2B5EF4-FFF2-40B4-BE49-F238E27FC236}">
+                <a16:creationId xmlns:a16="http://schemas.microsoft.com/office/drawing/2014/main" id="{A6D3E248-1491-40A5-963D-705958D3CD2B}"/>
+              </a:ext>
+            </a:extLst>
+          </p:cNvPr>
+          <p:cNvSpPr>
+            <a:spLocks noGrp="1"/>
+          </p:cNvSpPr>
+          <p:nvPr>
+            <p:ph type="body" idx="1"/>
+          </p:nvPr>
+        </p:nvSpPr>
+        <p:spPr/>
+        <p:txBody>
+          <a:bodyPr/>
+          <a:lstStyle/>
+          <a:p>
+            <a:pPr>
+              <a:lnSpc>
+                <a:spcPct val="150000"/>
+              </a:lnSpc>
+            </a:pPr>
+            <a:r>
+              <a:rPr lang="nb-NO"/>
+              <a:t>Hovedstyremedlem</a:t>
+            </a:r>
+          </a:p>
+          <a:p>
+            <a:pPr>
+              <a:lnSpc>
+                <a:spcPct val="150000"/>
+              </a:lnSpc>
+            </a:pPr>
+            <a:r>
+              <a:rPr lang="nb-NO"/>
+              <a:t>Gå gjennom skjemaet for nye interne og kontakt de interesserte, eller send de videre til gruppeledere</a:t>
+            </a:r>
+          </a:p>
+          <a:p>
+            <a:pPr>
+              <a:lnSpc>
+                <a:spcPct val="150000"/>
+              </a:lnSpc>
+            </a:pPr>
+            <a:r>
+              <a:rPr lang="nb-NO"/>
+              <a:t>Stå på stand på foreningsdagene</a:t>
+            </a:r>
+          </a:p>
+          <a:p>
+            <a:pPr>
+              <a:lnSpc>
+                <a:spcPct val="150000"/>
+              </a:lnSpc>
+            </a:pPr>
+            <a:r>
+              <a:rPr lang="nb-NO"/>
+              <a:t>Følg opp nye interne i oppstartsfasen</a:t>
+            </a:r>
+          </a:p>
+          <a:p>
+            <a:pPr>
+              <a:lnSpc>
+                <a:spcPct val="150000"/>
+              </a:lnSpc>
+            </a:pPr>
+            <a:r>
+              <a:rPr lang="nb-NO"/>
+              <a:t>Videreformidle internsaker blant nye interne til internansvarlig</a:t>
+            </a:r>
+          </a:p>
+          <a:p>
+            <a:pPr>
+              <a:lnSpc>
+                <a:spcPct val="150000"/>
+              </a:lnSpc>
+            </a:pPr>
+            <a:r>
+              <a:rPr lang="nb-NO"/>
+              <a:t>Koordiner med PR-sjef for å lage rekrutteringsplakater</a:t>
+            </a:r>
+          </a:p>
+          <a:p>
+            <a:pPr marL="114300" indent="0">
+              <a:lnSpc>
+                <a:spcPct val="114999"/>
+              </a:lnSpc>
+              <a:buNone/>
+            </a:pPr>
+            <a:endParaRPr lang="nb-NO"/>
+          </a:p>
+        </p:txBody>
+      </p:sp>
+    </p:spTree>
+    <p:extLst>
+      <p:ext uri="{BB962C8B-B14F-4D97-AF65-F5344CB8AC3E}">
+        <p14:creationId xmlns:p14="http://schemas.microsoft.com/office/powerpoint/2010/main" val="794052908"/>
+      </p:ext>
+    </p:extLst>
+  </p:cSld>
+  <p:clrMapOvr>
+    <a:masterClrMapping/>
+  </p:clrMapOvr>
+</p:sld>
+</file>
+
+<file path=ppt/slides/slide22.xml><?xml version="1.0" encoding="utf-8"?>
+<p:sld xmlns:a="http://schemas.openxmlformats.org/drawingml/2006/main" xmlns:r="http://schemas.openxmlformats.org/officeDocument/2006/relationships" xmlns:p="http://schemas.openxmlformats.org/presentationml/2006/main">
+  <p:cSld>
+    <p:spTree>
+      <p:nvGrpSpPr>
+        <p:cNvPr id="1" name=""/>
+        <p:cNvGrpSpPr/>
+        <p:nvPr/>
+      </p:nvGrpSpPr>
+      <p:grpSpPr>
+        <a:xfrm>
+          <a:off x="0" y="0"/>
+          <a:ext cx="0" cy="0"/>
+          <a:chOff x="0" y="0"/>
+          <a:chExt cx="0" cy="0"/>
+        </a:xfrm>
+      </p:grpSpPr>
+      <p:sp>
+        <p:nvSpPr>
+          <p:cNvPr id="2" name="Tittel 1">
+            <a:extLst>
+              <a:ext uri="{FF2B5EF4-FFF2-40B4-BE49-F238E27FC236}">
+                <a16:creationId xmlns:a16="http://schemas.microsoft.com/office/drawing/2014/main" id="{6E0FE82A-FE8A-4ACE-95F8-5FE505B3B000}"/>
+              </a:ext>
+            </a:extLst>
+          </p:cNvPr>
+          <p:cNvSpPr>
+            <a:spLocks noGrp="1"/>
+          </p:cNvSpPr>
+          <p:nvPr>
+            <p:ph type="title"/>
+          </p:nvPr>
+        </p:nvSpPr>
+        <p:spPr/>
+        <p:txBody>
+          <a:bodyPr/>
+          <a:lstStyle/>
+          <a:p>
+            <a:r>
+              <a:rPr lang="nb-NO"/>
+              <a:t>Promoteringssjef</a:t>
+            </a:r>
+          </a:p>
+        </p:txBody>
+      </p:sp>
+      <p:sp>
+        <p:nvSpPr>
+          <p:cNvPr id="3" name="Plassholder for tekst 2">
+            <a:extLst>
+              <a:ext uri="{FF2B5EF4-FFF2-40B4-BE49-F238E27FC236}">
+                <a16:creationId xmlns:a16="http://schemas.microsoft.com/office/drawing/2014/main" id="{9308ABA1-A29A-4E32-8F81-F9C37FF4AE5E}"/>
+              </a:ext>
+            </a:extLst>
+          </p:cNvPr>
+          <p:cNvSpPr>
+            <a:spLocks noGrp="1"/>
+          </p:cNvSpPr>
+          <p:nvPr>
+            <p:ph type="body" idx="1"/>
+          </p:nvPr>
+        </p:nvSpPr>
+        <p:spPr>
+          <a:xfrm>
+            <a:off x="311700" y="1391310"/>
+            <a:ext cx="8520600" cy="3416400"/>
+          </a:xfrm>
+        </p:spPr>
+        <p:txBody>
+          <a:bodyPr/>
+          <a:lstStyle/>
+          <a:p>
+            <a:pPr>
+              <a:lnSpc>
+                <a:spcPct val="150000"/>
+              </a:lnSpc>
+            </a:pPr>
+            <a:r>
+              <a:rPr lang="nb-NO"/>
+              <a:t>Hovedstyremedlem</a:t>
+            </a:r>
+          </a:p>
+          <a:p>
+            <a:pPr>
+              <a:lnSpc>
+                <a:spcPct val="150000"/>
+              </a:lnSpc>
+            </a:pPr>
+            <a:r>
+              <a:rPr lang="nb-NO"/>
+              <a:t>Koordinere med </a:t>
+            </a:r>
+            <a:r>
+              <a:rPr lang="nb-NO" err="1"/>
+              <a:t>arrsjef</a:t>
+            </a:r>
+            <a:r>
+              <a:rPr lang="nb-NO"/>
+              <a:t> og sørge for at arrangementer blir promotert i god tid</a:t>
+            </a:r>
+          </a:p>
+          <a:p>
+            <a:pPr>
+              <a:lnSpc>
+                <a:spcPct val="150000"/>
+              </a:lnSpc>
+            </a:pPr>
+            <a:r>
+              <a:rPr lang="nb-NO"/>
+              <a:t>Lederansvar for pr-gruppen</a:t>
+            </a:r>
+          </a:p>
+          <a:p>
+            <a:pPr>
+              <a:lnSpc>
+                <a:spcPct val="150000"/>
+              </a:lnSpc>
+            </a:pPr>
+            <a:r>
+              <a:rPr lang="nb-NO"/>
+              <a:t>Delegere produksjon av PR materiale som plakater/</a:t>
+            </a:r>
+            <a:r>
+              <a:rPr lang="nb-NO" err="1"/>
+              <a:t>facebook</a:t>
+            </a:r>
+            <a:r>
+              <a:rPr lang="nb-NO"/>
+              <a:t> bannere </a:t>
+            </a:r>
+            <a:r>
+              <a:rPr lang="nb-NO" err="1"/>
+              <a:t>etc</a:t>
+            </a:r>
+          </a:p>
+          <a:p>
+            <a:pPr marL="114300" indent="0">
+              <a:lnSpc>
+                <a:spcPct val="114999"/>
+              </a:lnSpc>
+              <a:buNone/>
+            </a:pPr>
+            <a:endParaRPr lang="nb-NO"/>
+          </a:p>
+        </p:txBody>
+      </p:sp>
+    </p:spTree>
+    <p:extLst>
+      <p:ext uri="{BB962C8B-B14F-4D97-AF65-F5344CB8AC3E}">
+        <p14:creationId xmlns:p14="http://schemas.microsoft.com/office/powerpoint/2010/main" val="2905854370"/>
+      </p:ext>
+    </p:extLst>
+  </p:cSld>
+  <p:clrMapOvr>
+    <a:masterClrMapping/>
+  </p:clrMapOvr>
+</p:sld>
+</file>
+
+<file path=ppt/slides/slide23.xml><?xml version="1.0" encoding="utf-8"?>
+<p:sld xmlns:a="http://schemas.openxmlformats.org/drawingml/2006/main" xmlns:r="http://schemas.openxmlformats.org/officeDocument/2006/relationships" xmlns:p="http://schemas.openxmlformats.org/presentationml/2006/main">
+  <p:cSld>
+    <p:spTree>
+      <p:nvGrpSpPr>
+        <p:cNvPr id="1" name=""/>
+        <p:cNvGrpSpPr/>
+        <p:nvPr/>
+      </p:nvGrpSpPr>
+      <p:grpSpPr>
+        <a:xfrm>
+          <a:off x="0" y="0"/>
+          <a:ext cx="0" cy="0"/>
+          <a:chOff x="0" y="0"/>
+          <a:chExt cx="0" cy="0"/>
+        </a:xfrm>
+      </p:grpSpPr>
+      <p:sp>
+        <p:nvSpPr>
+          <p:cNvPr id="2" name="Tittel 1">
+            <a:extLst>
+              <a:ext uri="{FF2B5EF4-FFF2-40B4-BE49-F238E27FC236}">
+                <a16:creationId xmlns:a16="http://schemas.microsoft.com/office/drawing/2014/main" id="{E381FFE6-337C-4C02-A597-E8336A5C5BBE}"/>
+              </a:ext>
+            </a:extLst>
+          </p:cNvPr>
+          <p:cNvSpPr>
+            <a:spLocks noGrp="1"/>
+          </p:cNvSpPr>
+          <p:nvPr>
+            <p:ph type="title"/>
+          </p:nvPr>
+        </p:nvSpPr>
+        <p:spPr/>
+        <p:txBody>
+          <a:bodyPr/>
+          <a:lstStyle/>
+          <a:p>
+            <a:r>
+              <a:rPr lang="nb-NO" err="1"/>
+              <a:t>X</a:t>
+            </a:r>
+            <a:r>
+              <a:rPr lang="nb-NO"/>
+              <a:t>-sjef</a:t>
+            </a:r>
+          </a:p>
+        </p:txBody>
+      </p:sp>
+      <p:sp>
+        <p:nvSpPr>
+          <p:cNvPr id="3" name="Plassholder for tekst 2">
+            <a:extLst>
+              <a:ext uri="{FF2B5EF4-FFF2-40B4-BE49-F238E27FC236}">
+                <a16:creationId xmlns:a16="http://schemas.microsoft.com/office/drawing/2014/main" id="{1DD3B372-FB37-4CB7-B41E-98942A82A645}"/>
+              </a:ext>
+            </a:extLst>
+          </p:cNvPr>
+          <p:cNvSpPr>
+            <a:spLocks noGrp="1"/>
+          </p:cNvSpPr>
+          <p:nvPr>
+            <p:ph type="body" idx="1"/>
+          </p:nvPr>
+        </p:nvSpPr>
+        <p:spPr/>
+        <p:txBody>
+          <a:bodyPr/>
+          <a:lstStyle/>
+          <a:p>
+            <a:pPr>
+              <a:lnSpc>
+                <a:spcPct val="200000"/>
+              </a:lnSpc>
+            </a:pPr>
+            <a:r>
+              <a:rPr lang="nb-NO"/>
+              <a:t>Hovedstyremedlem</a:t>
+            </a:r>
+          </a:p>
+          <a:p>
+            <a:pPr>
+              <a:lnSpc>
+                <a:spcPct val="200000"/>
+              </a:lnSpc>
+            </a:pPr>
+            <a:r>
+              <a:rPr lang="nb-NO"/>
+              <a:t>Koordinere med rekrutteringsansvarlig om å ta imot nye funker</a:t>
+            </a:r>
+          </a:p>
+          <a:p>
+            <a:pPr>
+              <a:lnSpc>
+                <a:spcPct val="200000"/>
+              </a:lnSpc>
+            </a:pPr>
+            <a:r>
+              <a:rPr lang="nb-NO"/>
+              <a:t>Lederansvar for x-gruppen</a:t>
+            </a:r>
+          </a:p>
+        </p:txBody>
+      </p:sp>
+    </p:spTree>
+    <p:extLst>
+      <p:ext uri="{BB962C8B-B14F-4D97-AF65-F5344CB8AC3E}">
+        <p14:creationId xmlns:p14="http://schemas.microsoft.com/office/powerpoint/2010/main" val="2175780814"/>
+      </p:ext>
+    </p:extLst>
+  </p:cSld>
+  <p:clrMapOvr>
+    <a:masterClrMapping/>
+  </p:clrMapOvr>
+</p:sld>
+</file>
+
+<file path=ppt/slides/slide24.xml><?xml version="1.0" encoding="utf-8"?>
+<p:sld xmlns:a="http://schemas.openxmlformats.org/drawingml/2006/main" xmlns:r="http://schemas.openxmlformats.org/officeDocument/2006/relationships" xmlns:p="http://schemas.openxmlformats.org/presentationml/2006/main">
+  <p:cSld>
+    <p:spTree>
+      <p:nvGrpSpPr>
+        <p:cNvPr id="1" name="Shape 183"/>
+        <p:cNvGrpSpPr/>
+        <p:nvPr/>
+      </p:nvGrpSpPr>
+      <p:grpSpPr>
+        <a:xfrm>
+          <a:off x="0" y="0"/>
+          <a:ext cx="0" cy="0"/>
+          <a:chOff x="0" y="0"/>
+          <a:chExt cx="0" cy="0"/>
+        </a:xfrm>
+      </p:grpSpPr>
+      <p:sp>
+        <p:nvSpPr>
+          <p:cNvPr id="184" name="Google Shape;184;p35"/>
           <p:cNvSpPr txBox="1">
             <a:spLocks noGrp="1"/>
           </p:cNvSpPr>
@@ -13996,16 +15391,15 @@
               <a:buNone/>
             </a:pPr>
             <a:r>
-              <a:rPr lang="en-GB" dirty="0"/>
-              <a:t>Stemmerett - Alt. 2 Fullmakter</a:t>
-            </a:r>
-            <a:endParaRPr dirty="0"/>
+              <a:rPr lang="nb-NO" dirty="0"/>
+              <a:t>Kjellerstyret</a:t>
+            </a:r>
           </a:p>
         </p:txBody>
       </p:sp>
       <p:sp>
         <p:nvSpPr>
-          <p:cNvPr id="202" name="Google Shape;202;p38"/>
+          <p:cNvPr id="185" name="Google Shape;185;p35"/>
           <p:cNvSpPr txBox="1">
             <a:spLocks noGrp="1"/>
           </p:cNvSpPr>
@@ -14028,82 +15422,6 @@
           </a:bodyPr>
           <a:lstStyle/>
           <a:p>
-            <a:pPr marL="0" lvl="0" indent="0" algn="l" rtl="0">
-              <a:spcBef>
-                <a:spcPts val="0"/>
-              </a:spcBef>
-              <a:spcAft>
-                <a:spcPts val="0"/>
-              </a:spcAft>
-              <a:buNone/>
-            </a:pPr>
-            <a:r>
-              <a:rPr lang="en-GB" b="1" dirty="0"/>
-              <a:t>Nytt punkt: §7k</a:t>
-            </a:r>
-            <a:endParaRPr b="1" dirty="0"/>
-          </a:p>
-          <a:p>
-            <a:pPr marL="0" lvl="0" indent="0" algn="l" rtl="0">
-              <a:spcBef>
-                <a:spcPts val="0"/>
-              </a:spcBef>
-              <a:spcAft>
-                <a:spcPts val="0"/>
-              </a:spcAft>
-              <a:buNone/>
-            </a:pPr>
-            <a:r>
-              <a:rPr lang="en-GB" i="1" dirty="0">
-                <a:solidFill>
-                  <a:srgbClr val="93C47D"/>
-                </a:solidFill>
-              </a:rPr>
-              <a:t>Hver stemmeberettigede tilstede på generalforsamling kan stille med stemmefullmakt for én annen  stemmeberettig.</a:t>
-            </a:r>
-            <a:endParaRPr i="1" dirty="0">
-              <a:solidFill>
-                <a:srgbClr val="93C47D"/>
-              </a:solidFill>
-            </a:endParaRPr>
-          </a:p>
-          <a:p>
-            <a:pPr marL="0" lvl="0" indent="0" algn="l" rtl="0">
-              <a:spcBef>
-                <a:spcPts val="0"/>
-              </a:spcBef>
-              <a:spcAft>
-                <a:spcPts val="0"/>
-              </a:spcAft>
-              <a:buNone/>
-            </a:pPr>
-            <a:endParaRPr i="1" dirty="0"/>
-          </a:p>
-          <a:p>
-            <a:pPr marL="0" lvl="0" indent="0" algn="l" rtl="0">
-              <a:spcBef>
-                <a:spcPts val="0"/>
-              </a:spcBef>
-              <a:spcAft>
-                <a:spcPts val="0"/>
-              </a:spcAft>
-              <a:buNone/>
-            </a:pPr>
-            <a:r>
-              <a:rPr lang="en-GB" i="1" dirty="0">
-                <a:solidFill>
-                  <a:srgbClr val="93C47D"/>
-                </a:solidFill>
-              </a:rPr>
-              <a:t>Fullmakten må inneholde følgene punkter:</a:t>
-            </a:r>
-            <a:endParaRPr i="1" dirty="0">
-              <a:solidFill>
-                <a:srgbClr val="93C47D"/>
-              </a:solidFill>
-            </a:endParaRPr>
-          </a:p>
-          <a:p>
             <a:pPr marL="457200" lvl="0" indent="-342900" algn="l" rtl="0">
               <a:spcBef>
                 <a:spcPts val="0"/>
@@ -14111,25 +15429,13 @@
               <a:spcAft>
                 <a:spcPts val="0"/>
               </a:spcAft>
-              <a:buClr>
-                <a:srgbClr val="93C47D"/>
-              </a:buClr>
               <a:buSzPts val="1800"/>
               <a:buChar char="●"/>
             </a:pPr>
             <a:r>
-              <a:rPr lang="en-GB" i="1" dirty="0">
-                <a:solidFill>
-                  <a:srgbClr val="93C47D"/>
-                </a:solidFill>
-              </a:rPr>
-              <a:t>Navn på hvem fullmakten er gitt til</a:t>
-            </a:r>
-            <a:endParaRPr i="1" dirty="0">
-              <a:solidFill>
-                <a:srgbClr val="93C47D"/>
-              </a:solidFill>
-            </a:endParaRPr>
+              <a:rPr lang="nb-NO" dirty="0"/>
+              <a:t>Kjellernestleder</a:t>
+            </a:r>
           </a:p>
           <a:p>
             <a:pPr marL="457200" lvl="0" indent="-342900" algn="l" rtl="0">
@@ -14139,25 +15445,13 @@
               <a:spcAft>
                 <a:spcPts val="0"/>
               </a:spcAft>
-              <a:buClr>
-                <a:srgbClr val="93C47D"/>
-              </a:buClr>
               <a:buSzPts val="1800"/>
               <a:buChar char="●"/>
             </a:pPr>
             <a:r>
-              <a:rPr lang="en-GB" i="1" dirty="0">
-                <a:solidFill>
-                  <a:srgbClr val="93C47D"/>
-                </a:solidFill>
-              </a:rPr>
-              <a:t>Navn på den som gir fullmakten</a:t>
-            </a:r>
-            <a:endParaRPr i="1" dirty="0">
-              <a:solidFill>
-                <a:srgbClr val="93C47D"/>
-              </a:solidFill>
-            </a:endParaRPr>
+              <a:rPr lang="nb-NO" dirty="0"/>
+              <a:t>Barsjef</a:t>
+            </a:r>
           </a:p>
           <a:p>
             <a:pPr marL="457200" lvl="0" indent="-342900" algn="l" rtl="0">
@@ -14167,25 +15461,13 @@
               <a:spcAft>
                 <a:spcPts val="0"/>
               </a:spcAft>
-              <a:buClr>
-                <a:srgbClr val="93C47D"/>
-              </a:buClr>
               <a:buSzPts val="1800"/>
               <a:buChar char="●"/>
             </a:pPr>
             <a:r>
-              <a:rPr lang="en-GB" i="1" dirty="0">
-                <a:solidFill>
-                  <a:srgbClr val="93C47D"/>
-                </a:solidFill>
-              </a:rPr>
-              <a:t>Dato for generalforsamling</a:t>
-            </a:r>
-            <a:endParaRPr i="1" dirty="0">
-              <a:solidFill>
-                <a:srgbClr val="93C47D"/>
-              </a:solidFill>
-            </a:endParaRPr>
+              <a:rPr lang="nb-NO" dirty="0"/>
+              <a:t>Kafésjef</a:t>
+            </a:r>
           </a:p>
           <a:p>
             <a:pPr marL="457200" lvl="0" indent="-342900" algn="l" rtl="0">
@@ -14195,21 +15477,105 @@
               <a:spcAft>
                 <a:spcPts val="0"/>
               </a:spcAft>
-              <a:buClr>
-                <a:srgbClr val="93C47D"/>
-              </a:buClr>
               <a:buSzPts val="1800"/>
               <a:buChar char="●"/>
             </a:pPr>
             <a:r>
-              <a:rPr lang="en-GB" i="1" dirty="0">
-                <a:solidFill>
-                  <a:srgbClr val="93C47D"/>
-                </a:solidFill>
-              </a:rPr>
-              <a:t>Signaturer fra begge parter involvert</a:t>
-            </a:r>
-            <a:endParaRPr i="1" dirty="0"/>
+              <a:rPr lang="nb-NO" dirty="0"/>
+              <a:t>Økonomiansvarlig</a:t>
+            </a:r>
+          </a:p>
+          <a:p>
+            <a:pPr marL="457200" lvl="0" indent="-342900" algn="l" rtl="0">
+              <a:spcBef>
+                <a:spcPts val="0"/>
+              </a:spcBef>
+              <a:spcAft>
+                <a:spcPts val="0"/>
+              </a:spcAft>
+              <a:buSzPts val="1800"/>
+              <a:buChar char="●"/>
+            </a:pPr>
+            <a:r>
+              <a:rPr lang="nb-NO" dirty="0"/>
+              <a:t>Innkjøpsansvarlig</a:t>
+            </a:r>
+          </a:p>
+          <a:p>
+            <a:pPr marL="457200" lvl="0" indent="-342900" algn="l" rtl="0">
+              <a:spcBef>
+                <a:spcPts val="0"/>
+              </a:spcBef>
+              <a:spcAft>
+                <a:spcPts val="0"/>
+              </a:spcAft>
+              <a:buSzPts val="1800"/>
+              <a:buChar char="●"/>
+            </a:pPr>
+            <a:r>
+              <a:rPr lang="nb-NO" dirty="0"/>
+              <a:t>Teknisk</a:t>
+            </a:r>
+            <a:r>
+              <a:rPr lang="en-GB" dirty="0"/>
+              <a:t> </a:t>
+            </a:r>
+            <a:r>
+              <a:rPr lang="nb-NO" dirty="0"/>
+              <a:t>sjef</a:t>
+            </a:r>
+          </a:p>
+          <a:p>
+            <a:pPr marL="457200" lvl="0" indent="-342900" algn="l" rtl="0">
+              <a:spcBef>
+                <a:spcPts val="0"/>
+              </a:spcBef>
+              <a:spcAft>
+                <a:spcPts val="0"/>
+              </a:spcAft>
+              <a:buSzPts val="1800"/>
+              <a:buChar char="●"/>
+            </a:pPr>
+            <a:r>
+              <a:rPr lang="nb-NO" dirty="0"/>
+              <a:t>Utlånsansvarlig</a:t>
+            </a:r>
+          </a:p>
+          <a:p>
+            <a:pPr marL="457200" lvl="0" indent="-342900" algn="l" rtl="0">
+              <a:spcBef>
+                <a:spcPts val="0"/>
+              </a:spcBef>
+              <a:spcAft>
+                <a:spcPts val="0"/>
+              </a:spcAft>
+              <a:buSzPts val="1800"/>
+              <a:buChar char="●"/>
+            </a:pPr>
+            <a:r>
+              <a:rPr lang="en-GB" dirty="0"/>
+              <a:t>DJ-</a:t>
+            </a:r>
+            <a:r>
+              <a:rPr lang="nb-NO" dirty="0"/>
+              <a:t>sjef</a:t>
+            </a:r>
+          </a:p>
+          <a:p>
+            <a:pPr marL="457200" lvl="0" indent="-342900" algn="l" rtl="0">
+              <a:spcBef>
+                <a:spcPts val="0"/>
+              </a:spcBef>
+              <a:spcAft>
+                <a:spcPts val="0"/>
+              </a:spcAft>
+              <a:buSzPts val="1800"/>
+              <a:buChar char="●"/>
+            </a:pPr>
+            <a:r>
+              <a:rPr lang="nb-NO" dirty="0"/>
+              <a:t>Arrangementskoordinator</a:t>
+            </a:r>
           </a:p>
         </p:txBody>
       </p:sp>
@@ -14221,12 +15587,12 @@
 </p:sld>
 </file>
 
-<file path=ppt/slides/slide21.xml><?xml version="1.0" encoding="utf-8"?>
+<file path=ppt/slides/slide25.xml><?xml version="1.0" encoding="utf-8"?>
 <p:sld xmlns:a="http://schemas.openxmlformats.org/drawingml/2006/main" xmlns:r="http://schemas.openxmlformats.org/officeDocument/2006/relationships" xmlns:p="http://schemas.openxmlformats.org/presentationml/2006/main">
   <p:cSld>
     <p:spTree>
       <p:nvGrpSpPr>
-        <p:cNvPr id="1" name="Shape 206"/>
+        <p:cNvPr id="1" name=""/>
         <p:cNvGrpSpPr/>
         <p:nvPr/>
       </p:nvGrpSpPr>
@@ -14240,141 +15606,115 @@
       </p:grpSpPr>
       <p:sp>
         <p:nvSpPr>
-          <p:cNvPr id="207" name="Google Shape;207;p39"/>
-          <p:cNvSpPr txBox="1">
+          <p:cNvPr id="2" name="Tittel 1">
+            <a:extLst>
+              <a:ext uri="{FF2B5EF4-FFF2-40B4-BE49-F238E27FC236}">
+                <a16:creationId xmlns:a16="http://schemas.microsoft.com/office/drawing/2014/main" id="{0F87AD55-CD18-412E-AA2F-30BB430B0153}"/>
+              </a:ext>
+            </a:extLst>
+          </p:cNvPr>
+          <p:cNvSpPr>
             <a:spLocks noGrp="1"/>
           </p:cNvSpPr>
           <p:nvPr>
             <p:ph type="title"/>
           </p:nvPr>
         </p:nvSpPr>
-        <p:spPr>
-          <a:xfrm>
-            <a:off x="311700" y="302825"/>
-            <a:ext cx="8520600" cy="714900"/>
-          </a:xfrm>
-          <a:prstGeom prst="rect">
-            <a:avLst/>
-          </a:prstGeom>
-        </p:spPr>
+        <p:spPr/>
         <p:txBody>
-          <a:bodyPr spcFirstLastPara="1" wrap="square" lIns="91425" tIns="91425" rIns="91425" bIns="91425" anchor="t" anchorCtr="0">
-            <a:noAutofit/>
-          </a:bodyPr>
+          <a:bodyPr/>
           <a:lstStyle/>
           <a:p>
-            <a:pPr marL="0" lvl="0" indent="0" algn="l" rtl="0">
-              <a:spcBef>
-                <a:spcPts val="0"/>
-              </a:spcBef>
-              <a:spcAft>
-                <a:spcPts val="0"/>
-              </a:spcAft>
-              <a:buNone/>
-            </a:pPr>
-            <a:r>
-              <a:rPr lang="en-GB" dirty="0"/>
-              <a:t>Stemmerett - Alt. 2 Fullmakter</a:t>
-            </a:r>
-            <a:endParaRPr dirty="0"/>
+            <a:r>
+              <a:rPr lang="nb-NO"/>
+              <a:t>Hva vil det si å være i kjellerstyret?</a:t>
+            </a:r>
           </a:p>
         </p:txBody>
       </p:sp>
       <p:sp>
         <p:nvSpPr>
-          <p:cNvPr id="208" name="Google Shape;208;p39"/>
-          <p:cNvSpPr txBox="1">
+          <p:cNvPr id="3" name="Plassholder for tekst 2">
+            <a:extLst>
+              <a:ext uri="{FF2B5EF4-FFF2-40B4-BE49-F238E27FC236}">
+                <a16:creationId xmlns:a16="http://schemas.microsoft.com/office/drawing/2014/main" id="{EFB0F7D0-8B7E-4BE3-AAB4-FA47BFC3A2E7}"/>
+              </a:ext>
+            </a:extLst>
+          </p:cNvPr>
+          <p:cNvSpPr>
             <a:spLocks noGrp="1"/>
           </p:cNvSpPr>
           <p:nvPr>
             <p:ph type="body" idx="1"/>
           </p:nvPr>
         </p:nvSpPr>
-        <p:spPr>
-          <a:xfrm>
-            <a:off x="311700" y="1152475"/>
-            <a:ext cx="8520600" cy="3416400"/>
-          </a:xfrm>
-          <a:prstGeom prst="rect">
-            <a:avLst/>
-          </a:prstGeom>
-        </p:spPr>
+        <p:spPr/>
         <p:txBody>
-          <a:bodyPr spcFirstLastPara="1" wrap="square" lIns="91425" tIns="91425" rIns="91425" bIns="91425" anchor="t" anchorCtr="0">
-            <a:noAutofit/>
-          </a:bodyPr>
+          <a:bodyPr/>
           <a:lstStyle/>
           <a:p>
-            <a:pPr marL="0" lvl="0" indent="0" algn="l" rtl="0">
-              <a:spcBef>
-                <a:spcPts val="0"/>
-              </a:spcBef>
-              <a:spcAft>
-                <a:spcPts val="0"/>
-              </a:spcAft>
-              <a:buNone/>
-            </a:pPr>
-            <a:r>
-              <a:rPr lang="en-GB" dirty="0"/>
-              <a:t>Enda ett punkt som kan følge hvis forrige punkt går gjennom.</a:t>
-            </a:r>
-            <a:endParaRPr dirty="0"/>
-          </a:p>
-          <a:p>
-            <a:pPr marL="0" lvl="0" indent="0" algn="l" rtl="0">
-              <a:spcBef>
-                <a:spcPts val="0"/>
-              </a:spcBef>
-              <a:spcAft>
-                <a:spcPts val="0"/>
-              </a:spcAft>
-              <a:buNone/>
-            </a:pPr>
-            <a:endParaRPr dirty="0"/>
-          </a:p>
-          <a:p>
-            <a:pPr marL="0" lvl="0" indent="0" algn="l" rtl="0">
-              <a:spcBef>
-                <a:spcPts val="0"/>
-              </a:spcBef>
-              <a:spcAft>
-                <a:spcPts val="0"/>
-              </a:spcAft>
-              <a:buNone/>
-            </a:pPr>
-            <a:r>
-              <a:rPr lang="en-GB" b="1" dirty="0"/>
-              <a:t>Nytt punkt under: §7</a:t>
-            </a:r>
-            <a:endParaRPr b="1" dirty="0"/>
-          </a:p>
-          <a:p>
-            <a:pPr marL="0" lvl="0" indent="0" algn="l" rtl="0">
-              <a:spcBef>
-                <a:spcPts val="0"/>
-              </a:spcBef>
-              <a:spcAft>
-                <a:spcPts val="0"/>
-              </a:spcAft>
-              <a:buNone/>
-            </a:pPr>
-            <a:r>
-              <a:rPr lang="en-GB" i="1" dirty="0">
-                <a:solidFill>
-                  <a:srgbClr val="93C47D"/>
-                </a:solidFill>
-              </a:rPr>
-              <a:t>Fullmakter gjelder kun ved vedtektsaker og ikke valg av styremedlemmer.</a:t>
-            </a:r>
-            <a:endParaRPr i="1" dirty="0">
-              <a:solidFill>
-                <a:srgbClr val="93C47D"/>
-              </a:solidFill>
-            </a:endParaRPr>
+            <a:pPr>
+              <a:lnSpc>
+                <a:spcPct val="100000"/>
+              </a:lnSpc>
+              <a:spcBef>
+                <a:spcPts val="1000"/>
+              </a:spcBef>
+              <a:spcAft>
+                <a:spcPts val="1000"/>
+              </a:spcAft>
+            </a:pPr>
+            <a:r>
+              <a:rPr lang="nb-NO"/>
+              <a:t>Delta på kjellerstyremøter regelmessig</a:t>
+            </a:r>
+          </a:p>
+          <a:p>
+            <a:pPr>
+              <a:lnSpc>
+                <a:spcPct val="100000"/>
+              </a:lnSpc>
+              <a:spcBef>
+                <a:spcPts val="1000"/>
+              </a:spcBef>
+              <a:spcAft>
+                <a:spcPts val="1000"/>
+              </a:spcAft>
+            </a:pPr>
+            <a:r>
+              <a:rPr lang="nb-NO"/>
+              <a:t>Si ifra til leder, internansvarlig eller kjellermogul om du er overarbeidet og/eller trenger hjelp til å gjennomføre arbeidsoppgavene</a:t>
+            </a:r>
+          </a:p>
+          <a:p>
+            <a:pPr>
+              <a:lnSpc>
+                <a:spcPct val="100000"/>
+              </a:lnSpc>
+              <a:spcBef>
+                <a:spcPts val="1000"/>
+              </a:spcBef>
+              <a:spcAft>
+                <a:spcPts val="1000"/>
+              </a:spcAft>
+            </a:pPr>
+            <a:r>
+              <a:rPr lang="nb-NO"/>
+              <a:t>Gjøre deg kjent med og følge de Etiske retningslinjer for foreningsstyremedlemmer</a:t>
+            </a:r>
+            <a:br>
+              <a:rPr lang="en-US"/>
+            </a:br>
+            <a:endParaRPr lang="en-US"/>
           </a:p>
         </p:txBody>
       </p:sp>
     </p:spTree>
+    <p:extLst>
+      <p:ext uri="{BB962C8B-B14F-4D97-AF65-F5344CB8AC3E}">
+        <p14:creationId xmlns:p14="http://schemas.microsoft.com/office/powerpoint/2010/main" val="3814697543"/>
+      </p:ext>
+    </p:extLst>
   </p:cSld>
   <p:clrMapOvr>
     <a:masterClrMapping/>
@@ -14382,12 +15722,12 @@
 </p:sld>
 </file>
 
-<file path=ppt/slides/slide22.xml><?xml version="1.0" encoding="utf-8"?>
+<file path=ppt/slides/slide26.xml><?xml version="1.0" encoding="utf-8"?>
 <p:sld xmlns:a="http://schemas.openxmlformats.org/drawingml/2006/main" xmlns:r="http://schemas.openxmlformats.org/officeDocument/2006/relationships" xmlns:p="http://schemas.openxmlformats.org/presentationml/2006/main">
   <p:cSld>
     <p:spTree>
       <p:nvGrpSpPr>
-        <p:cNvPr id="1" name="Shape 212"/>
+        <p:cNvPr id="1" name=""/>
         <p:cNvGrpSpPr/>
         <p:nvPr/>
       </p:nvGrpSpPr>
@@ -14401,141 +15741,201 @@
       </p:grpSpPr>
       <p:sp>
         <p:nvSpPr>
-          <p:cNvPr id="213" name="Google Shape;213;p40"/>
-          <p:cNvSpPr txBox="1">
+          <p:cNvPr id="2" name="Tittel 1">
+            <a:extLst>
+              <a:ext uri="{FF2B5EF4-FFF2-40B4-BE49-F238E27FC236}">
+                <a16:creationId xmlns:a16="http://schemas.microsoft.com/office/drawing/2014/main" id="{4B535DA4-12ED-49CF-9E12-36C41DD82E55}"/>
+              </a:ext>
+            </a:extLst>
+          </p:cNvPr>
+          <p:cNvSpPr>
             <a:spLocks noGrp="1"/>
           </p:cNvSpPr>
           <p:nvPr>
             <p:ph type="title"/>
           </p:nvPr>
         </p:nvSpPr>
-        <p:spPr>
-          <a:xfrm>
-            <a:off x="311700" y="302825"/>
-            <a:ext cx="8520600" cy="714900"/>
-          </a:xfrm>
-          <a:prstGeom prst="rect">
-            <a:avLst/>
-          </a:prstGeom>
-        </p:spPr>
+        <p:spPr/>
         <p:txBody>
-          <a:bodyPr spcFirstLastPara="1" wrap="square" lIns="91425" tIns="91425" rIns="91425" bIns="91425" anchor="t" anchorCtr="0">
-            <a:noAutofit/>
-          </a:bodyPr>
+          <a:bodyPr/>
           <a:lstStyle/>
           <a:p>
-            <a:pPr marL="0" lvl="0" indent="0" algn="l" rtl="0">
-              <a:spcBef>
-                <a:spcPts val="0"/>
-              </a:spcBef>
-              <a:spcAft>
-                <a:spcPts val="0"/>
-              </a:spcAft>
-              <a:buNone/>
-            </a:pPr>
-            <a:r>
-              <a:rPr lang="en-GB" dirty="0"/>
-              <a:t>Tydeliggjøring av skriftlig avstemmning</a:t>
-            </a:r>
-            <a:endParaRPr dirty="0"/>
+            <a:r>
+              <a:rPr lang="nb-NO"/>
+              <a:t>Kjellernestleder</a:t>
+            </a:r>
           </a:p>
         </p:txBody>
       </p:sp>
       <p:sp>
         <p:nvSpPr>
-          <p:cNvPr id="214" name="Google Shape;214;p40"/>
-          <p:cNvSpPr txBox="1">
+          <p:cNvPr id="3" name="Plassholder for tekst 2">
+            <a:extLst>
+              <a:ext uri="{FF2B5EF4-FFF2-40B4-BE49-F238E27FC236}">
+                <a16:creationId xmlns:a16="http://schemas.microsoft.com/office/drawing/2014/main" id="{FA8F8FB8-DE75-419E-B7EF-3DE5FFA913C5}"/>
+              </a:ext>
+            </a:extLst>
+          </p:cNvPr>
+          <p:cNvSpPr>
             <a:spLocks noGrp="1"/>
           </p:cNvSpPr>
           <p:nvPr>
             <p:ph type="body" idx="1"/>
           </p:nvPr>
         </p:nvSpPr>
-        <p:spPr>
-          <a:xfrm>
-            <a:off x="311700" y="1152475"/>
-            <a:ext cx="8520600" cy="3416400"/>
-          </a:xfrm>
-          <a:prstGeom prst="rect">
-            <a:avLst/>
-          </a:prstGeom>
-        </p:spPr>
+        <p:spPr/>
         <p:txBody>
-          <a:bodyPr spcFirstLastPara="1" wrap="square" lIns="91425" tIns="91425" rIns="91425" bIns="91425" anchor="t" anchorCtr="0">
-            <a:noAutofit/>
-          </a:bodyPr>
+          <a:bodyPr/>
           <a:lstStyle/>
           <a:p>
-            <a:pPr marL="0" lvl="0" indent="0" algn="l" rtl="0">
-              <a:spcBef>
-                <a:spcPts val="0"/>
-              </a:spcBef>
-              <a:spcAft>
-                <a:spcPts val="0"/>
-              </a:spcAft>
-              <a:buNone/>
-            </a:pPr>
-            <a:r>
-              <a:rPr lang="en-GB" b="1" dirty="0"/>
-              <a:t>Endring av §7e</a:t>
-            </a:r>
-            <a:endParaRPr b="1" dirty="0"/>
-          </a:p>
-          <a:p>
-            <a:pPr marL="0" lvl="0" indent="0" algn="l" rtl="0">
-              <a:spcBef>
-                <a:spcPts val="0"/>
-              </a:spcBef>
-              <a:spcAft>
-                <a:spcPts val="0"/>
-              </a:spcAft>
-              <a:buNone/>
-            </a:pPr>
-            <a:r>
-              <a:rPr lang="en-GB" i="1" dirty="0"/>
-              <a:t>Valg av styremedlemmer på generalforsamling foregår skriftlig dersom det er to eller flere kandidatersom stiller til vervet. Øvrige </a:t>
-            </a:r>
-            <a:r>
-              <a:rPr lang="en-GB" i="1" strike="sngStrike" dirty="0">
-                <a:solidFill>
-                  <a:srgbClr val="E06666"/>
-                </a:solidFill>
-              </a:rPr>
-              <a:t>valg</a:t>
-            </a:r>
-            <a:r>
-              <a:rPr lang="en-GB" i="1" dirty="0"/>
-              <a:t> </a:t>
-            </a:r>
-            <a:r>
-              <a:rPr lang="en-GB" i="1" dirty="0">
-                <a:solidFill>
-                  <a:srgbClr val="93C47D"/>
-                </a:solidFill>
-              </a:rPr>
-              <a:t>avstemminger</a:t>
-            </a:r>
-            <a:r>
-              <a:rPr lang="en-GB" i="1" dirty="0"/>
-              <a:t> foregår ved håndsopprekning med mindre to av de stemmeberettigede ønsker skriftlig avstemming.</a:t>
-            </a:r>
-            <a:endParaRPr i="1" dirty="0"/>
-          </a:p>
-          <a:p>
-            <a:pPr marL="0" lvl="0" indent="0" algn="l" rtl="0">
-              <a:spcBef>
-                <a:spcPts val="0"/>
-              </a:spcBef>
-              <a:spcAft>
-                <a:spcPts val="0"/>
-              </a:spcAft>
-              <a:buNone/>
-            </a:pPr>
-            <a:endParaRPr dirty="0"/>
+            <a:r>
+              <a:rPr lang="nb-NO"/>
+              <a:t>Kjellerstyremedlem</a:t>
+            </a:r>
+            <a:endParaRPr lang="nb-NO" dirty="0"/>
+          </a:p>
+          <a:p>
+            <a:pPr>
+              <a:lnSpc>
+                <a:spcPct val="114999"/>
+              </a:lnSpc>
+            </a:pPr>
+            <a:r>
+              <a:rPr lang="nb-NO" dirty="0"/>
+              <a:t>Kalle inn til KS møter</a:t>
+            </a:r>
+          </a:p>
+          <a:p>
+            <a:pPr>
+              <a:lnSpc>
+                <a:spcPct val="114999"/>
+              </a:lnSpc>
+            </a:pPr>
+            <a:r>
+              <a:rPr lang="nb-NO" dirty="0"/>
+              <a:t>Delta på ledermøter med leder, nestleder og mogul </a:t>
+            </a:r>
+          </a:p>
+          <a:p>
+            <a:pPr>
+              <a:lnSpc>
+                <a:spcPct val="114999"/>
+              </a:lnSpc>
+            </a:pPr>
+            <a:r>
+              <a:rPr lang="nb-NO" dirty="0"/>
+              <a:t>Sende søknad for bruk av </a:t>
+            </a:r>
+            <a:r>
+              <a:rPr lang="nb-NO"/>
+              <a:t>Escape (</a:t>
+            </a:r>
+            <a:r>
+              <a:rPr lang="nb-NO" err="1"/>
+              <a:t>m.m</a:t>
+            </a:r>
+            <a:r>
+              <a:rPr lang="nb-NO"/>
+              <a:t>) til eiendomsavdelingen</a:t>
+            </a:r>
+            <a:endParaRPr lang="nb-NO" dirty="0"/>
+          </a:p>
+          <a:p>
+            <a:pPr>
+              <a:lnSpc>
+                <a:spcPct val="114999"/>
+              </a:lnSpc>
+            </a:pPr>
+            <a:r>
+              <a:rPr lang="nb-NO"/>
+              <a:t>Ventilasjonsanlegget </a:t>
+            </a:r>
+            <a:r>
+              <a:rPr lang="nb-NO" dirty="0"/>
+              <a:t>i </a:t>
+            </a:r>
+            <a:r>
+              <a:rPr lang="nb-NO"/>
+              <a:t>Escape</a:t>
+            </a:r>
+            <a:endParaRPr lang="nb-NO" dirty="0"/>
+          </a:p>
+          <a:p>
+            <a:pPr>
+              <a:lnSpc>
+                <a:spcPct val="114999"/>
+              </a:lnSpc>
+            </a:pPr>
+            <a:r>
+              <a:rPr lang="nb-NO" dirty="0"/>
+              <a:t>Avlaste kjellermogul om du selv har kapasitet</a:t>
+            </a:r>
+            <a:r>
+              <a:rPr lang="nb-NO"/>
+              <a:t>/ </a:t>
+            </a:r>
+            <a:r>
+              <a:rPr lang="nb-NO" dirty="0"/>
+              <a:t>hjelpe til med å delegere arbeidsoppgaver videre</a:t>
+            </a:r>
+          </a:p>
+          <a:p>
+            <a:pPr>
+              <a:lnSpc>
+                <a:spcPct val="114999"/>
+              </a:lnSpc>
+            </a:pPr>
+            <a:r>
+              <a:rPr lang="nb-NO" dirty="0"/>
+              <a:t>Ha god kommunikasjon med kjellermogul</a:t>
+            </a:r>
+          </a:p>
+          <a:p>
+            <a:pPr>
+              <a:lnSpc>
+                <a:spcPct val="114999"/>
+              </a:lnSpc>
+            </a:pPr>
+            <a:r>
+              <a:rPr lang="nb-NO" dirty="0"/>
+              <a:t>Følge opp de andre KS </a:t>
+            </a:r>
+            <a:r>
+              <a:rPr lang="nb-NO"/>
+              <a:t>medlemmene og rapportere</a:t>
+            </a:r>
+            <a:r>
+              <a:rPr lang="nb-NO" dirty="0"/>
+              <a:t> til mogul</a:t>
+            </a:r>
+          </a:p>
+          <a:p>
+            <a:pPr>
+              <a:lnSpc>
+                <a:spcPct val="114999"/>
+              </a:lnSpc>
+            </a:pPr>
+            <a:r>
+              <a:rPr lang="nb-NO" dirty="0"/>
+              <a:t>Sørge for at </a:t>
+            </a:r>
+            <a:r>
+              <a:rPr lang="nb-NO"/>
+              <a:t>bar-skjortene</a:t>
+            </a:r>
+            <a:r>
+              <a:rPr lang="nb-NO" dirty="0"/>
+              <a:t> og kafé-forklærne blir vasket regelmessig</a:t>
+            </a:r>
           </a:p>
         </p:txBody>
       </p:sp>
     </p:spTree>
+    <p:extLst>
+      <p:ext uri="{BB962C8B-B14F-4D97-AF65-F5344CB8AC3E}">
+        <p14:creationId xmlns:p14="http://schemas.microsoft.com/office/powerpoint/2010/main" val="3472435525"/>
+      </p:ext>
+    </p:extLst>
   </p:cSld>
   <p:clrMapOvr>
     <a:masterClrMapping/>
@@ -14543,12 +15943,12 @@
 </p:sld>
 </file>
 
-<file path=ppt/slides/slide23.xml><?xml version="1.0" encoding="utf-8"?>
+<file path=ppt/slides/slide27.xml><?xml version="1.0" encoding="utf-8"?>
 <p:sld xmlns:a="http://schemas.openxmlformats.org/drawingml/2006/main" xmlns:r="http://schemas.openxmlformats.org/officeDocument/2006/relationships" xmlns:p="http://schemas.openxmlformats.org/presentationml/2006/main">
   <p:cSld>
     <p:spTree>
       <p:nvGrpSpPr>
-        <p:cNvPr id="1" name="Shape 218"/>
+        <p:cNvPr id="1" name=""/>
         <p:cNvGrpSpPr/>
         <p:nvPr/>
       </p:nvGrpSpPr>
@@ -14562,62 +15962,168 @@
       </p:grpSpPr>
       <p:sp>
         <p:nvSpPr>
-          <p:cNvPr id="219" name="Google Shape;219;p41"/>
-          <p:cNvSpPr txBox="1">
+          <p:cNvPr id="2" name="Tittel 1">
+            <a:extLst>
+              <a:ext uri="{FF2B5EF4-FFF2-40B4-BE49-F238E27FC236}">
+                <a16:creationId xmlns:a16="http://schemas.microsoft.com/office/drawing/2014/main" id="{BF8DE96B-6840-4126-8279-D885301A3760}"/>
+              </a:ext>
+            </a:extLst>
+          </p:cNvPr>
+          <p:cNvSpPr>
             <a:spLocks noGrp="1"/>
           </p:cNvSpPr>
           <p:nvPr>
             <p:ph type="title"/>
           </p:nvPr>
         </p:nvSpPr>
-        <p:spPr>
-          <a:xfrm>
-            <a:off x="490250" y="526350"/>
-            <a:ext cx="6227100" cy="4090800"/>
-          </a:xfrm>
-          <a:prstGeom prst="rect">
-            <a:avLst/>
-          </a:prstGeom>
-        </p:spPr>
+        <p:spPr/>
         <p:txBody>
-          <a:bodyPr spcFirstLastPara="1" wrap="square" lIns="91425" tIns="91425" rIns="91425" bIns="91425" anchor="ctr" anchorCtr="0">
-            <a:noAutofit/>
-          </a:bodyPr>
+          <a:bodyPr/>
           <a:lstStyle/>
           <a:p>
-            <a:pPr marL="0" lvl="0" indent="0" algn="l" rtl="0">
-              <a:spcBef>
-                <a:spcPts val="0"/>
-              </a:spcBef>
-              <a:spcAft>
-                <a:spcPts val="0"/>
-              </a:spcAft>
-              <a:buNone/>
-            </a:pPr>
-            <a:r>
-              <a:rPr lang="nb-NO" sz="4400" dirty="0"/>
-              <a:t>Utdeling</a:t>
-            </a:r>
-            <a:r>
-              <a:rPr lang="en-GB" sz="4400" dirty="0"/>
-              <a:t> </a:t>
-            </a:r>
-            <a:r>
-              <a:rPr lang="nb-NO" sz="4400" dirty="0"/>
-              <a:t>av</a:t>
-            </a:r>
-            <a:r>
-              <a:rPr lang="en-GB" sz="4400" dirty="0"/>
-              <a:t> </a:t>
-            </a:r>
-            <a:r>
-              <a:rPr lang="nb-NO" sz="4400" dirty="0"/>
-              <a:t>utmerkelser</a:t>
-            </a:r>
+            <a:r>
+              <a:rPr lang="nb-NO"/>
+              <a:t>Barsjef</a:t>
+            </a:r>
+          </a:p>
+        </p:txBody>
+      </p:sp>
+      <p:sp>
+        <p:nvSpPr>
+          <p:cNvPr id="3" name="Plassholder for tekst 2">
+            <a:extLst>
+              <a:ext uri="{FF2B5EF4-FFF2-40B4-BE49-F238E27FC236}">
+                <a16:creationId xmlns:a16="http://schemas.microsoft.com/office/drawing/2014/main" id="{51BA7FEC-1E2F-465C-9C74-8B5929754BFA}"/>
+              </a:ext>
+            </a:extLst>
+          </p:cNvPr>
+          <p:cNvSpPr>
+            <a:spLocks noGrp="1"/>
+          </p:cNvSpPr>
+          <p:nvPr>
+            <p:ph type="body" idx="1"/>
+          </p:nvPr>
+        </p:nvSpPr>
+        <p:spPr/>
+        <p:txBody>
+          <a:bodyPr/>
+          <a:lstStyle/>
+          <a:p>
+            <a:r>
+              <a:rPr lang="nb-NO"/>
+              <a:t>Kjellerstyremedlem</a:t>
+            </a:r>
+          </a:p>
+          <a:p>
+            <a:pPr>
+              <a:lnSpc>
+                <a:spcPct val="114999"/>
+              </a:lnSpc>
+            </a:pPr>
+            <a:r>
+              <a:rPr lang="nb-NO"/>
+              <a:t>Ansvar for å finne funker til barkveld og arrangementer med alkoholservering</a:t>
+            </a:r>
+          </a:p>
+          <a:p>
+            <a:pPr>
+              <a:lnSpc>
+                <a:spcPct val="114999"/>
+              </a:lnSpc>
+            </a:pPr>
+            <a:r>
+              <a:rPr lang="nb-NO"/>
+              <a:t>Dersom det ikke er nok: Beslutte at baren er stengt </a:t>
+            </a:r>
+          </a:p>
+          <a:p>
+            <a:pPr>
+              <a:lnSpc>
+                <a:spcPct val="114999"/>
+              </a:lnSpc>
+            </a:pPr>
+            <a:r>
+              <a:rPr lang="nb-NO"/>
+              <a:t>Ha SM opplæring og godkjenne nye </a:t>
+            </a:r>
+            <a:r>
+              <a:rPr lang="nb-NO" err="1"/>
+              <a:t>SMer</a:t>
+            </a:r>
+            <a:endParaRPr lang="nb-NO"/>
+          </a:p>
+          <a:p>
+            <a:pPr>
+              <a:lnSpc>
+                <a:spcPct val="114999"/>
+              </a:lnSpc>
+            </a:pPr>
+            <a:r>
+              <a:rPr lang="nb-NO"/>
+              <a:t>Vedlikeholde rutiner i bar</a:t>
+            </a:r>
+          </a:p>
+          <a:p>
+            <a:pPr>
+              <a:lnSpc>
+                <a:spcPct val="114999"/>
+              </a:lnSpc>
+            </a:pPr>
+            <a:r>
+              <a:rPr lang="nb-NO"/>
+              <a:t>Koordinere med innkjøpsansvarlig sånn at det er nok drikke</a:t>
+            </a:r>
+          </a:p>
+          <a:p>
+            <a:pPr>
+              <a:lnSpc>
+                <a:spcPct val="114999"/>
+              </a:lnSpc>
+            </a:pPr>
+            <a:r>
+              <a:rPr lang="nb-NO"/>
+              <a:t>Kjellermoguls stedfortreder</a:t>
+            </a:r>
+          </a:p>
+          <a:p>
+            <a:pPr>
+              <a:lnSpc>
+                <a:spcPct val="114999"/>
+              </a:lnSpc>
+            </a:pPr>
+            <a:r>
+              <a:rPr lang="nb-NO"/>
+              <a:t>Lederansvar for bargruppen</a:t>
+            </a:r>
+          </a:p>
+          <a:p>
+            <a:pPr>
+              <a:lnSpc>
+                <a:spcPct val="114999"/>
+              </a:lnSpc>
+            </a:pPr>
+            <a:r>
+              <a:rPr lang="nb-NO"/>
+              <a:t>Sammen med kjellermogul hovedansvar for gjennomføring av fadderuken</a:t>
+            </a:r>
+          </a:p>
+          <a:p>
+            <a:pPr marL="114300" indent="0">
+              <a:lnSpc>
+                <a:spcPct val="114999"/>
+              </a:lnSpc>
+              <a:buNone/>
+            </a:pPr>
+            <a:endParaRPr lang="nb-NO"/>
           </a:p>
         </p:txBody>
       </p:sp>
     </p:spTree>
+    <p:extLst>
+      <p:ext uri="{BB962C8B-B14F-4D97-AF65-F5344CB8AC3E}">
+        <p14:creationId xmlns:p14="http://schemas.microsoft.com/office/powerpoint/2010/main" val="2052741389"/>
+      </p:ext>
+    </p:extLst>
   </p:cSld>
   <p:clrMapOvr>
     <a:masterClrMapping/>
@@ -14625,12 +16131,12 @@
 </p:sld>
 </file>
 
-<file path=ppt/slides/slide24.xml><?xml version="1.0" encoding="utf-8"?>
+<file path=ppt/slides/slide28.xml><?xml version="1.0" encoding="utf-8"?>
 <p:sld xmlns:a="http://schemas.openxmlformats.org/drawingml/2006/main" xmlns:r="http://schemas.openxmlformats.org/officeDocument/2006/relationships" xmlns:p="http://schemas.openxmlformats.org/presentationml/2006/main">
   <p:cSld>
     <p:spTree>
       <p:nvGrpSpPr>
-        <p:cNvPr id="1" name="Shape 223"/>
+        <p:cNvPr id="1" name=""/>
         <p:cNvGrpSpPr/>
         <p:nvPr/>
       </p:nvGrpSpPr>
@@ -14644,59 +16150,306 @@
       </p:grpSpPr>
       <p:sp>
         <p:nvSpPr>
-          <p:cNvPr id="224" name="Google Shape;224;p42"/>
-          <p:cNvSpPr txBox="1">
+          <p:cNvPr id="2" name="Tittel 1">
+            <a:extLst>
+              <a:ext uri="{FF2B5EF4-FFF2-40B4-BE49-F238E27FC236}">
+                <a16:creationId xmlns:a16="http://schemas.microsoft.com/office/drawing/2014/main" id="{C9EE77E9-57C9-4673-A0FB-E6F2F2FE7B8E}"/>
+              </a:ext>
+            </a:extLst>
+          </p:cNvPr>
+          <p:cNvSpPr>
             <a:spLocks noGrp="1"/>
           </p:cNvSpPr>
           <p:nvPr>
             <p:ph type="title"/>
           </p:nvPr>
         </p:nvSpPr>
-        <p:spPr>
-          <a:xfrm>
-            <a:off x="671250" y="2141250"/>
-            <a:ext cx="7852200" cy="861000"/>
-          </a:xfrm>
-          <a:prstGeom prst="rect">
-            <a:avLst/>
-          </a:prstGeom>
-        </p:spPr>
+        <p:spPr/>
         <p:txBody>
-          <a:bodyPr spcFirstLastPara="1" wrap="square" lIns="91425" tIns="91425" rIns="91425" bIns="91425" anchor="ctr" anchorCtr="0">
-            <a:noAutofit/>
-          </a:bodyPr>
+          <a:bodyPr/>
           <a:lstStyle/>
           <a:p>
-            <a:pPr marL="0" lvl="0" indent="0" algn="ctr" rtl="0">
-              <a:spcBef>
-                <a:spcPts val="0"/>
-              </a:spcBef>
-              <a:spcAft>
-                <a:spcPts val="0"/>
-              </a:spcAft>
-              <a:buNone/>
-            </a:pPr>
-            <a:r>
-              <a:rPr lang="nb-NO" dirty="0"/>
-              <a:t>Takk</a:t>
-            </a:r>
-            <a:r>
-              <a:rPr lang="en-GB" dirty="0"/>
-              <a:t> for </a:t>
-            </a:r>
-            <a:r>
-              <a:rPr lang="nb-NO" dirty="0"/>
-              <a:t>oppmøte</a:t>
-            </a:r>
-            <a:r>
-              <a:rPr lang="en-GB" dirty="0"/>
-              <a:t>!</a:t>
-            </a:r>
-            <a:endParaRPr dirty="0"/>
+            <a:r>
+              <a:rPr lang="nb-NO"/>
+              <a:t>Kafésjef</a:t>
+            </a:r>
+          </a:p>
+        </p:txBody>
+      </p:sp>
+      <p:sp>
+        <p:nvSpPr>
+          <p:cNvPr id="3" name="Plassholder for tekst 2">
+            <a:extLst>
+              <a:ext uri="{FF2B5EF4-FFF2-40B4-BE49-F238E27FC236}">
+                <a16:creationId xmlns:a16="http://schemas.microsoft.com/office/drawing/2014/main" id="{13C465EB-3291-41D4-82D1-AB4C589B7390}"/>
+              </a:ext>
+            </a:extLst>
+          </p:cNvPr>
+          <p:cNvSpPr>
+            <a:spLocks noGrp="1"/>
+          </p:cNvSpPr>
+          <p:nvPr>
+            <p:ph type="body" idx="1"/>
+          </p:nvPr>
+        </p:nvSpPr>
+        <p:spPr/>
+        <p:txBody>
+          <a:bodyPr/>
+          <a:lstStyle/>
+          <a:p>
+            <a:r>
+              <a:rPr lang="nb-NO"/>
+              <a:t>Alle ansvar som medfølger å være et kjellerstyremedlem</a:t>
+            </a:r>
+          </a:p>
+          <a:p>
+            <a:pPr>
+              <a:lnSpc>
+                <a:spcPct val="114999"/>
+              </a:lnSpc>
+            </a:pPr>
+            <a:r>
+              <a:rPr lang="nb-NO"/>
+              <a:t>Ansvar for å finne funker til kafé og for å fylle opp kaféskiftplanen</a:t>
+            </a:r>
+          </a:p>
+          <a:p>
+            <a:pPr>
+              <a:lnSpc>
+                <a:spcPct val="114999"/>
+              </a:lnSpc>
+            </a:pPr>
+            <a:r>
+              <a:rPr lang="nb-NO"/>
+              <a:t>Ha KM opplæring og godkjenne nye </a:t>
+            </a:r>
+            <a:r>
+              <a:rPr lang="nb-NO" err="1"/>
+              <a:t>KMer</a:t>
+            </a:r>
+          </a:p>
+          <a:p>
+            <a:pPr>
+              <a:lnSpc>
+                <a:spcPct val="114999"/>
+              </a:lnSpc>
+            </a:pPr>
+            <a:r>
+              <a:rPr lang="nb-NO"/>
+              <a:t>Vedlikeholde rutiner i kafé</a:t>
+            </a:r>
+          </a:p>
+          <a:p>
+            <a:pPr>
+              <a:lnSpc>
+                <a:spcPct val="114999"/>
+              </a:lnSpc>
+            </a:pPr>
+            <a:r>
+              <a:rPr lang="nb-NO"/>
+              <a:t>Kontrollerer rydding og vasking før og etter kafé, og melde fra til barsjef om det ikke er bra nok</a:t>
+            </a:r>
+          </a:p>
+          <a:p>
+            <a:pPr>
+              <a:lnSpc>
+                <a:spcPct val="114999"/>
+              </a:lnSpc>
+            </a:pPr>
+            <a:r>
+              <a:rPr lang="nb-NO"/>
+              <a:t>Ansvar for å melde </a:t>
+            </a:r>
+            <a:r>
+              <a:rPr lang="nb-NO" err="1"/>
+              <a:t>KMer</a:t>
+            </a:r>
+            <a:r>
+              <a:rPr lang="nb-NO"/>
+              <a:t> som ønsker det på </a:t>
+            </a:r>
+            <a:r>
+              <a:rPr lang="nb-NO" err="1"/>
+              <a:t>solberg</a:t>
+            </a:r>
+            <a:r>
+              <a:rPr lang="nb-NO"/>
+              <a:t> og </a:t>
+            </a:r>
+            <a:r>
+              <a:rPr lang="nb-NO" err="1"/>
+              <a:t>hansen</a:t>
+            </a:r>
+            <a:r>
+              <a:rPr lang="nb-NO"/>
+              <a:t> kafékurs</a:t>
+            </a:r>
+          </a:p>
+          <a:p>
+            <a:pPr>
+              <a:lnSpc>
+                <a:spcPct val="114999"/>
+              </a:lnSpc>
+            </a:pPr>
+            <a:r>
+              <a:rPr lang="nb-NO"/>
+              <a:t>Gjøre innkjøp av og ta imot </a:t>
+            </a:r>
+            <a:r>
+              <a:rPr lang="nb-NO" err="1"/>
+              <a:t>kafévarer</a:t>
+            </a:r>
+            <a:r>
+              <a:rPr lang="nb-NO"/>
+              <a:t> fra </a:t>
+            </a:r>
+            <a:r>
+              <a:rPr lang="nb-NO" err="1"/>
+              <a:t>solberg</a:t>
+            </a:r>
+            <a:r>
+              <a:rPr lang="nb-NO"/>
+              <a:t> </a:t>
+            </a:r>
+            <a:r>
+              <a:rPr lang="nb-NO" err="1"/>
+              <a:t>hansen</a:t>
+            </a:r>
+            <a:r>
+              <a:rPr lang="nb-NO"/>
+              <a:t> og tinemelk (kommer på torsdager)</a:t>
+            </a:r>
+          </a:p>
+          <a:p>
+            <a:pPr>
+              <a:lnSpc>
+                <a:spcPct val="114999"/>
+              </a:lnSpc>
+            </a:pPr>
+            <a:r>
+              <a:rPr lang="nb-NO"/>
+              <a:t>Rydde kaféhyllene i </a:t>
+            </a:r>
+            <a:r>
+              <a:rPr lang="nb-NO" err="1"/>
+              <a:t>dj</a:t>
+            </a:r>
+            <a:r>
+              <a:rPr lang="nb-NO"/>
+              <a:t> bua</a:t>
+            </a:r>
+          </a:p>
+          <a:p>
+            <a:pPr>
+              <a:lnSpc>
+                <a:spcPct val="114999"/>
+              </a:lnSpc>
+            </a:pPr>
+            <a:r>
+              <a:rPr lang="nb-NO"/>
+              <a:t>Lederansvar for kafégruppen</a:t>
+            </a:r>
+          </a:p>
+          <a:p>
+            <a:pPr marL="114300" indent="0">
+              <a:lnSpc>
+                <a:spcPct val="114999"/>
+              </a:lnSpc>
+              <a:buNone/>
+            </a:pPr>
+            <a:endParaRPr lang="nb-NO"/>
           </a:p>
         </p:txBody>
       </p:sp>
     </p:spTree>
+    <p:extLst>
+      <p:ext uri="{BB962C8B-B14F-4D97-AF65-F5344CB8AC3E}">
+        <p14:creationId xmlns:p14="http://schemas.microsoft.com/office/powerpoint/2010/main" val="3738315346"/>
+      </p:ext>
+    </p:extLst>
+  </p:cSld>
+  <p:clrMapOvr>
+    <a:masterClrMapping/>
+  </p:clrMapOvr>
+</p:sld>
+</file>
+
+<file path=ppt/slides/slide29.xml><?xml version="1.0" encoding="utf-8"?>
+<p:sld xmlns:a="http://schemas.openxmlformats.org/drawingml/2006/main" xmlns:r="http://schemas.openxmlformats.org/officeDocument/2006/relationships" xmlns:p="http://schemas.openxmlformats.org/presentationml/2006/main">
+  <p:cSld>
+    <p:spTree>
+      <p:nvGrpSpPr>
+        <p:cNvPr id="1" name=""/>
+        <p:cNvGrpSpPr/>
+        <p:nvPr/>
+      </p:nvGrpSpPr>
+      <p:grpSpPr>
+        <a:xfrm>
+          <a:off x="0" y="0"/>
+          <a:ext cx="0" cy="0"/>
+          <a:chOff x="0" y="0"/>
+          <a:chExt cx="0" cy="0"/>
+        </a:xfrm>
+      </p:grpSpPr>
+      <p:sp>
+        <p:nvSpPr>
+          <p:cNvPr id="2" name="Tittel 1">
+            <a:extLst>
+              <a:ext uri="{FF2B5EF4-FFF2-40B4-BE49-F238E27FC236}">
+                <a16:creationId xmlns:a16="http://schemas.microsoft.com/office/drawing/2014/main" id="{B4672B71-EFC4-489E-8B95-2E54C6B10817}"/>
+              </a:ext>
+            </a:extLst>
+          </p:cNvPr>
+          <p:cNvSpPr>
+            <a:spLocks noGrp="1"/>
+          </p:cNvSpPr>
+          <p:nvPr>
+            <p:ph type="title"/>
+          </p:nvPr>
+        </p:nvSpPr>
+        <p:spPr/>
+        <p:txBody>
+          <a:bodyPr/>
+          <a:lstStyle/>
+          <a:p>
+            <a:r>
+              <a:rPr lang="nb-NO"/>
+              <a:t>Økonomiansvarlig</a:t>
+            </a:r>
+          </a:p>
+        </p:txBody>
+      </p:sp>
+      <p:sp>
+        <p:nvSpPr>
+          <p:cNvPr id="3" name="Plassholder for tekst 2">
+            <a:extLst>
+              <a:ext uri="{FF2B5EF4-FFF2-40B4-BE49-F238E27FC236}">
+                <a16:creationId xmlns:a16="http://schemas.microsoft.com/office/drawing/2014/main" id="{2D43C0DE-A19D-4804-9137-7E4A4B93B1B2}"/>
+              </a:ext>
+            </a:extLst>
+          </p:cNvPr>
+          <p:cNvSpPr>
+            <a:spLocks noGrp="1"/>
+          </p:cNvSpPr>
+          <p:nvPr>
+            <p:ph type="body" idx="1"/>
+          </p:nvPr>
+        </p:nvSpPr>
+        <p:spPr/>
+        <p:txBody>
+          <a:bodyPr/>
+          <a:lstStyle/>
+          <a:p>
+            <a:endParaRPr lang="nb-NO"/>
+          </a:p>
+        </p:txBody>
+      </p:sp>
+    </p:spTree>
+    <p:extLst>
+      <p:ext uri="{BB962C8B-B14F-4D97-AF65-F5344CB8AC3E}">
+        <p14:creationId xmlns:p14="http://schemas.microsoft.com/office/powerpoint/2010/main" val="1649385506"/>
+      </p:ext>
+    </p:extLst>
   </p:cSld>
   <p:clrMapOvr>
     <a:masterClrMapping/>
@@ -14786,6 +16539,1886 @@
 </p:sld>
 </file>
 
+<file path=ppt/slides/slide30.xml><?xml version="1.0" encoding="utf-8"?>
+<p:sld xmlns:a="http://schemas.openxmlformats.org/drawingml/2006/main" xmlns:r="http://schemas.openxmlformats.org/officeDocument/2006/relationships" xmlns:p="http://schemas.openxmlformats.org/presentationml/2006/main">
+  <p:cSld>
+    <p:spTree>
+      <p:nvGrpSpPr>
+        <p:cNvPr id="1" name=""/>
+        <p:cNvGrpSpPr/>
+        <p:nvPr/>
+      </p:nvGrpSpPr>
+      <p:grpSpPr>
+        <a:xfrm>
+          <a:off x="0" y="0"/>
+          <a:ext cx="0" cy="0"/>
+          <a:chOff x="0" y="0"/>
+          <a:chExt cx="0" cy="0"/>
+        </a:xfrm>
+      </p:grpSpPr>
+      <p:sp>
+        <p:nvSpPr>
+          <p:cNvPr id="2" name="Tittel 1">
+            <a:extLst>
+              <a:ext uri="{FF2B5EF4-FFF2-40B4-BE49-F238E27FC236}">
+                <a16:creationId xmlns:a16="http://schemas.microsoft.com/office/drawing/2014/main" id="{52761FFB-42F0-4EA5-B18A-F14C10884E37}"/>
+              </a:ext>
+            </a:extLst>
+          </p:cNvPr>
+          <p:cNvSpPr>
+            <a:spLocks noGrp="1"/>
+          </p:cNvSpPr>
+          <p:nvPr>
+            <p:ph type="title"/>
+          </p:nvPr>
+        </p:nvSpPr>
+        <p:spPr/>
+        <p:txBody>
+          <a:bodyPr/>
+          <a:lstStyle/>
+          <a:p>
+            <a:r>
+              <a:rPr lang="nb-NO"/>
+              <a:t>Innkjøpsansvarlig</a:t>
+            </a:r>
+          </a:p>
+        </p:txBody>
+      </p:sp>
+      <p:sp>
+        <p:nvSpPr>
+          <p:cNvPr id="3" name="Plassholder for tekst 2">
+            <a:extLst>
+              <a:ext uri="{FF2B5EF4-FFF2-40B4-BE49-F238E27FC236}">
+                <a16:creationId xmlns:a16="http://schemas.microsoft.com/office/drawing/2014/main" id="{E6E1DA44-8ACF-4AA6-A137-2B3352CFE273}"/>
+              </a:ext>
+            </a:extLst>
+          </p:cNvPr>
+          <p:cNvSpPr>
+            <a:spLocks noGrp="1"/>
+          </p:cNvSpPr>
+          <p:nvPr>
+            <p:ph type="body" idx="1"/>
+          </p:nvPr>
+        </p:nvSpPr>
+        <p:spPr/>
+        <p:txBody>
+          <a:bodyPr/>
+          <a:lstStyle/>
+          <a:p>
+            <a:r>
+              <a:rPr lang="nb-NO" dirty="0"/>
+              <a:t>Alle ansvar som medfølger å være et kjellerstyremedlem</a:t>
+            </a:r>
+          </a:p>
+          <a:p>
+            <a:pPr>
+              <a:lnSpc>
+                <a:spcPct val="114999"/>
+              </a:lnSpc>
+            </a:pPr>
+            <a:r>
+              <a:rPr lang="nb-NO" dirty="0"/>
+              <a:t>Koordinere med barsjef så det alltid er nok drikke</a:t>
+            </a:r>
+          </a:p>
+          <a:p>
+            <a:pPr>
+              <a:lnSpc>
+                <a:spcPct val="114999"/>
+              </a:lnSpc>
+            </a:pPr>
+            <a:r>
+              <a:rPr lang="nb-NO" dirty="0"/>
+              <a:t>Kjøpe inn varer til bar</a:t>
+            </a:r>
+          </a:p>
+          <a:p>
+            <a:pPr>
+              <a:lnSpc>
+                <a:spcPct val="114999"/>
+              </a:lnSpc>
+            </a:pPr>
+            <a:r>
+              <a:rPr lang="nb-NO" dirty="0"/>
+              <a:t>Delta på </a:t>
+            </a:r>
+            <a:r>
+              <a:rPr lang="nb-NO" dirty="0" err="1"/>
+              <a:t>vecturamesse</a:t>
+            </a:r>
+            <a:endParaRPr lang="nb-NO" dirty="0"/>
+          </a:p>
+          <a:p>
+            <a:pPr>
+              <a:lnSpc>
+                <a:spcPct val="114999"/>
+              </a:lnSpc>
+            </a:pPr>
+            <a:r>
+              <a:rPr lang="nb-NO" dirty="0"/>
+              <a:t>Hovedansvar for videreutviklingen av </a:t>
+            </a:r>
+            <a:r>
+              <a:rPr lang="nb-NO" dirty="0" err="1"/>
+              <a:t>escape</a:t>
+            </a:r>
+            <a:r>
+              <a:rPr lang="nb-NO" dirty="0"/>
+              <a:t> sitt varesortiment</a:t>
+            </a:r>
+          </a:p>
+          <a:p>
+            <a:pPr>
+              <a:lnSpc>
+                <a:spcPct val="114999"/>
+              </a:lnSpc>
+            </a:pPr>
+            <a:r>
+              <a:rPr lang="nb-NO" dirty="0"/>
+              <a:t>Legge inn nye varer i kassa</a:t>
+            </a:r>
+          </a:p>
+          <a:p>
+            <a:pPr>
+              <a:lnSpc>
+                <a:spcPct val="114999"/>
+              </a:lnSpc>
+            </a:pPr>
+            <a:r>
+              <a:rPr lang="nb-NO" dirty="0"/>
+              <a:t>Oppdatere skapet.cyb.no med plasseringen til nye varer i kjøleskapene</a:t>
+            </a:r>
+          </a:p>
+          <a:p>
+            <a:pPr>
+              <a:lnSpc>
+                <a:spcPct val="114999"/>
+              </a:lnSpc>
+            </a:pPr>
+            <a:r>
+              <a:rPr lang="nb-NO" dirty="0"/>
+              <a:t>Lederansvar for innkjøpsgruppen</a:t>
+            </a:r>
+          </a:p>
+          <a:p>
+            <a:pPr>
+              <a:lnSpc>
+                <a:spcPct val="114999"/>
+              </a:lnSpc>
+            </a:pPr>
+            <a:r>
+              <a:rPr lang="nb-NO" dirty="0"/>
+              <a:t>Legge inn nye varer på in.cyb.no under sales </a:t>
+            </a:r>
+            <a:r>
+              <a:rPr lang="nb-NO" dirty="0" err="1"/>
+              <a:t>products</a:t>
+            </a:r>
+            <a:r>
+              <a:rPr lang="nb-NO" dirty="0"/>
+              <a:t> and </a:t>
+            </a:r>
+            <a:r>
+              <a:rPr lang="nb-NO" dirty="0" err="1"/>
+              <a:t>inventory</a:t>
+            </a:r>
+            <a:r>
+              <a:rPr lang="nb-NO" dirty="0"/>
+              <a:t> </a:t>
+            </a:r>
+            <a:r>
+              <a:rPr lang="nb-NO" dirty="0" err="1"/>
+              <a:t>items</a:t>
+            </a:r>
+            <a:endParaRPr lang="nb-NO" dirty="0"/>
+          </a:p>
+          <a:p>
+            <a:pPr>
+              <a:lnSpc>
+                <a:spcPct val="114999"/>
+              </a:lnSpc>
+            </a:pPr>
+            <a:r>
+              <a:rPr lang="nb-NO" dirty="0"/>
+              <a:t>Holde barmeny.cyb.no oppdatert</a:t>
+            </a:r>
+          </a:p>
+          <a:p>
+            <a:pPr>
+              <a:lnSpc>
+                <a:spcPct val="114999"/>
+              </a:lnSpc>
+            </a:pPr>
+            <a:r>
+              <a:rPr lang="nb-NO" dirty="0"/>
+              <a:t>Være kontaktperson for leverandører</a:t>
+            </a:r>
+          </a:p>
+          <a:p>
+            <a:pPr>
+              <a:lnSpc>
+                <a:spcPct val="114999"/>
+              </a:lnSpc>
+            </a:pPr>
+            <a:r>
+              <a:rPr lang="nb-NO" dirty="0"/>
+              <a:t>Holde </a:t>
+            </a:r>
+            <a:r>
+              <a:rPr lang="nb-NO" dirty="0" err="1"/>
+              <a:t>cyb</a:t>
+            </a:r>
+            <a:r>
+              <a:rPr lang="nb-NO" dirty="0"/>
+              <a:t> sin kontaktinformasjon hos leverandører oppdatert</a:t>
+            </a:r>
+          </a:p>
+          <a:p>
+            <a:pPr>
+              <a:lnSpc>
+                <a:spcPct val="114999"/>
+              </a:lnSpc>
+            </a:pPr>
+            <a:r>
+              <a:rPr lang="nb-NO" dirty="0"/>
+              <a:t>Sørge for at noen tar imot varer</a:t>
+            </a:r>
+          </a:p>
+          <a:p>
+            <a:pPr>
+              <a:lnSpc>
+                <a:spcPct val="114999"/>
+              </a:lnSpc>
+            </a:pPr>
+            <a:r>
+              <a:rPr lang="nb-NO" dirty="0"/>
+              <a:t>Ha innsikt i vareutvalget og videreformidle denne til bargruppa</a:t>
+            </a:r>
+          </a:p>
+          <a:p>
+            <a:pPr>
+              <a:lnSpc>
+                <a:spcPct val="114999"/>
+              </a:lnSpc>
+            </a:pPr>
+            <a:endParaRPr lang="nb-NO" dirty="0"/>
+          </a:p>
+        </p:txBody>
+      </p:sp>
+    </p:spTree>
+    <p:extLst>
+      <p:ext uri="{BB962C8B-B14F-4D97-AF65-F5344CB8AC3E}">
+        <p14:creationId xmlns:p14="http://schemas.microsoft.com/office/powerpoint/2010/main" val="1745298555"/>
+      </p:ext>
+    </p:extLst>
+  </p:cSld>
+  <p:clrMapOvr>
+    <a:masterClrMapping/>
+  </p:clrMapOvr>
+</p:sld>
+</file>
+
+<file path=ppt/slides/slide31.xml><?xml version="1.0" encoding="utf-8"?>
+<p:sld xmlns:a="http://schemas.openxmlformats.org/drawingml/2006/main" xmlns:r="http://schemas.openxmlformats.org/officeDocument/2006/relationships" xmlns:p="http://schemas.openxmlformats.org/presentationml/2006/main">
+  <p:cSld>
+    <p:spTree>
+      <p:nvGrpSpPr>
+        <p:cNvPr id="1" name=""/>
+        <p:cNvGrpSpPr/>
+        <p:nvPr/>
+      </p:nvGrpSpPr>
+      <p:grpSpPr>
+        <a:xfrm>
+          <a:off x="0" y="0"/>
+          <a:ext cx="0" cy="0"/>
+          <a:chOff x="0" y="0"/>
+          <a:chExt cx="0" cy="0"/>
+        </a:xfrm>
+      </p:grpSpPr>
+      <p:sp>
+        <p:nvSpPr>
+          <p:cNvPr id="2" name="Tittel 1">
+            <a:extLst>
+              <a:ext uri="{FF2B5EF4-FFF2-40B4-BE49-F238E27FC236}">
+                <a16:creationId xmlns:a16="http://schemas.microsoft.com/office/drawing/2014/main" id="{1396CE55-E954-44F8-A683-F219EEF46974}"/>
+              </a:ext>
+            </a:extLst>
+          </p:cNvPr>
+          <p:cNvSpPr>
+            <a:spLocks noGrp="1"/>
+          </p:cNvSpPr>
+          <p:nvPr>
+            <p:ph type="title"/>
+          </p:nvPr>
+        </p:nvSpPr>
+        <p:spPr/>
+        <p:txBody>
+          <a:bodyPr/>
+          <a:lstStyle/>
+          <a:p>
+            <a:r>
+              <a:rPr lang="nb-NO"/>
+              <a:t>Teknisk sjef</a:t>
+            </a:r>
+          </a:p>
+        </p:txBody>
+      </p:sp>
+      <p:sp>
+        <p:nvSpPr>
+          <p:cNvPr id="3" name="Plassholder for tekst 2">
+            <a:extLst>
+              <a:ext uri="{FF2B5EF4-FFF2-40B4-BE49-F238E27FC236}">
+                <a16:creationId xmlns:a16="http://schemas.microsoft.com/office/drawing/2014/main" id="{52B122C9-6373-48E7-B863-900D05B49939}"/>
+              </a:ext>
+            </a:extLst>
+          </p:cNvPr>
+          <p:cNvSpPr>
+            <a:spLocks noGrp="1"/>
+          </p:cNvSpPr>
+          <p:nvPr>
+            <p:ph type="body" idx="1"/>
+          </p:nvPr>
+        </p:nvSpPr>
+        <p:spPr/>
+        <p:txBody>
+          <a:bodyPr/>
+          <a:lstStyle/>
+          <a:p>
+            <a:r>
+              <a:rPr lang="nb-NO"/>
+              <a:t>Alle ansvar som medfølger å være et kjellerstyremedlem</a:t>
+            </a:r>
+          </a:p>
+          <a:p>
+            <a:pPr>
+              <a:lnSpc>
+                <a:spcPct val="114999"/>
+              </a:lnSpc>
+            </a:pPr>
+            <a:r>
+              <a:rPr lang="nb-NO"/>
+              <a:t>Kontakte eiendomsavdelingen eller relevant reparatør hvis noe i </a:t>
+            </a:r>
+            <a:r>
+              <a:rPr lang="nb-NO" err="1"/>
+              <a:t>escape</a:t>
+            </a:r>
+            <a:r>
+              <a:rPr lang="nb-NO"/>
+              <a:t> er ødelagt (</a:t>
+            </a:r>
+            <a:r>
+              <a:rPr lang="nb-NO" err="1"/>
+              <a:t>f.eks</a:t>
+            </a:r>
+            <a:r>
+              <a:rPr lang="nb-NO"/>
+              <a:t> tappeanlegg)</a:t>
+            </a:r>
+          </a:p>
+          <a:p>
+            <a:pPr>
+              <a:lnSpc>
+                <a:spcPct val="114999"/>
+              </a:lnSpc>
+            </a:pPr>
+            <a:r>
+              <a:rPr lang="nb-NO"/>
+              <a:t>Kjøpe inn </a:t>
+            </a:r>
+            <a:r>
+              <a:rPr lang="nb-NO" err="1"/>
+              <a:t>gaffa</a:t>
+            </a:r>
+          </a:p>
+          <a:p>
+            <a:pPr>
+              <a:lnSpc>
+                <a:spcPct val="114999"/>
+              </a:lnSpc>
+            </a:pPr>
+            <a:r>
+              <a:rPr lang="nb-NO"/>
+              <a:t>Rydde skapet i </a:t>
+            </a:r>
+            <a:r>
+              <a:rPr lang="nb-NO" err="1"/>
+              <a:t>dj</a:t>
+            </a:r>
+            <a:r>
+              <a:rPr lang="nb-NO"/>
+              <a:t> bua</a:t>
+            </a:r>
+          </a:p>
+          <a:p>
+            <a:pPr>
+              <a:lnSpc>
+                <a:spcPct val="114999"/>
+              </a:lnSpc>
+            </a:pPr>
+            <a:r>
+              <a:rPr lang="nb-NO"/>
+              <a:t>Skrape </a:t>
+            </a:r>
+            <a:r>
+              <a:rPr lang="nb-NO" err="1"/>
+              <a:t>tyggis</a:t>
+            </a:r>
+            <a:r>
+              <a:rPr lang="nb-NO"/>
+              <a:t> av bordene</a:t>
+            </a:r>
+          </a:p>
+          <a:p>
+            <a:pPr>
+              <a:lnSpc>
+                <a:spcPct val="114999"/>
+              </a:lnSpc>
+            </a:pPr>
+            <a:r>
+              <a:rPr lang="nb-NO"/>
+              <a:t>Hente flaskepost i </a:t>
+            </a:r>
+            <a:r>
+              <a:rPr lang="nb-NO" err="1"/>
+              <a:t>ifi</a:t>
+            </a:r>
+            <a:r>
+              <a:rPr lang="nb-NO"/>
+              <a:t> dammen</a:t>
+            </a:r>
+          </a:p>
+          <a:p>
+            <a:pPr>
+              <a:lnSpc>
+                <a:spcPct val="114999"/>
+              </a:lnSpc>
+            </a:pPr>
+            <a:r>
+              <a:rPr lang="nb-NO"/>
+              <a:t>Gjøre deg kjent med det tekniske utstyret (still spørsmål i #teknisk på </a:t>
+            </a:r>
+            <a:r>
+              <a:rPr lang="nb-NO" err="1"/>
+              <a:t>slack</a:t>
+            </a:r>
+            <a:r>
+              <a:rPr lang="nb-NO"/>
+              <a:t>)</a:t>
+            </a:r>
+          </a:p>
+          <a:p>
+            <a:pPr>
+              <a:lnSpc>
+                <a:spcPct val="114999"/>
+              </a:lnSpc>
+            </a:pPr>
+            <a:r>
+              <a:rPr lang="nb-NO"/>
+              <a:t>Sjekk alt utstyr i </a:t>
+            </a:r>
+            <a:r>
+              <a:rPr lang="nb-NO" err="1"/>
+              <a:t>escape</a:t>
+            </a:r>
+            <a:r>
+              <a:rPr lang="nb-NO"/>
+              <a:t> (lys, bord, etc.) for feil eller mangler i </a:t>
+            </a:r>
+            <a:r>
+              <a:rPr lang="nb-NO" err="1"/>
+              <a:t>blandt</a:t>
+            </a:r>
+          </a:p>
+          <a:p>
+            <a:pPr>
+              <a:lnSpc>
+                <a:spcPct val="114999"/>
+              </a:lnSpc>
+            </a:pPr>
+            <a:r>
+              <a:rPr lang="nb-NO"/>
+              <a:t>Komme med forslag til forbedringer om du legger merke til noe som trenger det</a:t>
+            </a:r>
+          </a:p>
+        </p:txBody>
+      </p:sp>
+    </p:spTree>
+    <p:extLst>
+      <p:ext uri="{BB962C8B-B14F-4D97-AF65-F5344CB8AC3E}">
+        <p14:creationId xmlns:p14="http://schemas.microsoft.com/office/powerpoint/2010/main" val="1620576335"/>
+      </p:ext>
+    </p:extLst>
+  </p:cSld>
+  <p:clrMapOvr>
+    <a:masterClrMapping/>
+  </p:clrMapOvr>
+</p:sld>
+</file>
+
+<file path=ppt/slides/slide32.xml><?xml version="1.0" encoding="utf-8"?>
+<p:sld xmlns:a="http://schemas.openxmlformats.org/drawingml/2006/main" xmlns:r="http://schemas.openxmlformats.org/officeDocument/2006/relationships" xmlns:p="http://schemas.openxmlformats.org/presentationml/2006/main">
+  <p:cSld>
+    <p:spTree>
+      <p:nvGrpSpPr>
+        <p:cNvPr id="1" name=""/>
+        <p:cNvGrpSpPr/>
+        <p:nvPr/>
+      </p:nvGrpSpPr>
+      <p:grpSpPr>
+        <a:xfrm>
+          <a:off x="0" y="0"/>
+          <a:ext cx="0" cy="0"/>
+          <a:chOff x="0" y="0"/>
+          <a:chExt cx="0" cy="0"/>
+        </a:xfrm>
+      </p:grpSpPr>
+      <p:sp>
+        <p:nvSpPr>
+          <p:cNvPr id="2" name="Tittel 1">
+            <a:extLst>
+              <a:ext uri="{FF2B5EF4-FFF2-40B4-BE49-F238E27FC236}">
+                <a16:creationId xmlns:a16="http://schemas.microsoft.com/office/drawing/2014/main" id="{305379D4-9553-4F91-B522-ABC353E90F21}"/>
+              </a:ext>
+            </a:extLst>
+          </p:cNvPr>
+          <p:cNvSpPr>
+            <a:spLocks noGrp="1"/>
+          </p:cNvSpPr>
+          <p:nvPr>
+            <p:ph type="title"/>
+          </p:nvPr>
+        </p:nvSpPr>
+        <p:spPr/>
+        <p:txBody>
+          <a:bodyPr/>
+          <a:lstStyle/>
+          <a:p>
+            <a:r>
+              <a:rPr lang="nb-NO"/>
+              <a:t>Utlånsansvarlig</a:t>
+            </a:r>
+          </a:p>
+        </p:txBody>
+      </p:sp>
+      <p:sp>
+        <p:nvSpPr>
+          <p:cNvPr id="3" name="Plassholder for tekst 2">
+            <a:extLst>
+              <a:ext uri="{FF2B5EF4-FFF2-40B4-BE49-F238E27FC236}">
+                <a16:creationId xmlns:a16="http://schemas.microsoft.com/office/drawing/2014/main" id="{FD8B1F7B-ACF3-41D4-9384-8747931D45B5}"/>
+              </a:ext>
+            </a:extLst>
+          </p:cNvPr>
+          <p:cNvSpPr>
+            <a:spLocks noGrp="1"/>
+          </p:cNvSpPr>
+          <p:nvPr>
+            <p:ph type="body" idx="1"/>
+          </p:nvPr>
+        </p:nvSpPr>
+        <p:spPr/>
+        <p:txBody>
+          <a:bodyPr/>
+          <a:lstStyle/>
+          <a:p>
+            <a:r>
+              <a:rPr lang="nb-NO"/>
+              <a:t>Alle ansvar som medfølger å være et kjellerstyremedlem</a:t>
+            </a:r>
+          </a:p>
+          <a:p>
+            <a:pPr>
+              <a:lnSpc>
+                <a:spcPct val="114999"/>
+              </a:lnSpc>
+            </a:pPr>
+            <a:r>
+              <a:rPr lang="nb-NO" err="1"/>
+              <a:t>Utlånsansvalrig</a:t>
+            </a:r>
+            <a:r>
+              <a:rPr lang="nb-NO"/>
+              <a:t> har alltid siste ord på om det gjennomføres et utlån eller ikke</a:t>
+            </a:r>
+          </a:p>
+          <a:p>
+            <a:pPr>
+              <a:lnSpc>
+                <a:spcPct val="114999"/>
+              </a:lnSpc>
+            </a:pPr>
+            <a:r>
+              <a:rPr lang="nb-NO"/>
+              <a:t>Korrespondere med potensielle leietakere og avtale utlån</a:t>
+            </a:r>
+          </a:p>
+          <a:p>
+            <a:pPr>
+              <a:lnSpc>
+                <a:spcPct val="114999"/>
+              </a:lnSpc>
+            </a:pPr>
+            <a:r>
+              <a:rPr lang="nb-NO"/>
+              <a:t>Avslå forespørsler om utlån om vi ikke har kapasitet og/eller ledige dager</a:t>
+            </a:r>
+          </a:p>
+          <a:p>
+            <a:pPr>
+              <a:lnSpc>
+                <a:spcPct val="114999"/>
+              </a:lnSpc>
+            </a:pPr>
+            <a:r>
+              <a:rPr lang="nb-NO"/>
+              <a:t>Koordinere med </a:t>
+            </a:r>
+            <a:r>
+              <a:rPr lang="nb-NO" err="1"/>
+              <a:t>arrsjef</a:t>
+            </a:r>
+            <a:r>
+              <a:rPr lang="nb-NO"/>
+              <a:t> og sjekke kalenderen på wikien for å unngå dobbeltbookinger</a:t>
+            </a:r>
+          </a:p>
+          <a:p>
+            <a:pPr>
+              <a:lnSpc>
+                <a:spcPct val="114999"/>
+              </a:lnSpc>
+            </a:pPr>
+            <a:r>
+              <a:rPr lang="nb-NO"/>
+              <a:t>Ikke låne bort tirsdager eller fredager uten tillatelse fra styrene</a:t>
+            </a:r>
+          </a:p>
+          <a:p>
+            <a:pPr>
+              <a:lnSpc>
+                <a:spcPct val="114999"/>
+              </a:lnSpc>
+            </a:pPr>
+            <a:r>
+              <a:rPr lang="nb-NO"/>
+              <a:t>Finne arbeidere til utlån</a:t>
+            </a:r>
+          </a:p>
+          <a:p>
+            <a:pPr>
+              <a:lnSpc>
+                <a:spcPct val="114999"/>
+              </a:lnSpc>
+            </a:pPr>
+            <a:r>
+              <a:rPr lang="nb-NO"/>
+              <a:t>Koordinere med </a:t>
+            </a:r>
+            <a:r>
+              <a:rPr lang="nb-NO" err="1"/>
+              <a:t>arrangementkoordinator</a:t>
+            </a:r>
+            <a:r>
+              <a:rPr lang="nb-NO"/>
+              <a:t> for at det er nok varer til utlån</a:t>
+            </a:r>
+          </a:p>
+          <a:p>
+            <a:pPr>
+              <a:lnSpc>
+                <a:spcPct val="114999"/>
+              </a:lnSpc>
+            </a:pPr>
+            <a:r>
+              <a:rPr lang="nb-NO"/>
+              <a:t>Korrespondere med leietaker for å avlyse utlån dersom vi ikke har kapasitet til å gjennomføre</a:t>
+            </a:r>
+          </a:p>
+          <a:p>
+            <a:pPr>
+              <a:lnSpc>
+                <a:spcPct val="114999"/>
+              </a:lnSpc>
+            </a:pPr>
+            <a:r>
+              <a:rPr lang="nb-NO"/>
+              <a:t>Ha et styreverv i SPF</a:t>
+            </a:r>
+          </a:p>
+          <a:p>
+            <a:pPr>
+              <a:lnSpc>
+                <a:spcPct val="114999"/>
+              </a:lnSpc>
+            </a:pPr>
+            <a:r>
+              <a:rPr lang="nb-NO"/>
+              <a:t>Fakturere leietaker etter utlån</a:t>
+            </a:r>
+          </a:p>
+          <a:p>
+            <a:pPr>
+              <a:lnSpc>
+                <a:spcPct val="114999"/>
+              </a:lnSpc>
+            </a:pPr>
+            <a:endParaRPr lang="nb-NO"/>
+          </a:p>
+        </p:txBody>
+      </p:sp>
+    </p:spTree>
+    <p:extLst>
+      <p:ext uri="{BB962C8B-B14F-4D97-AF65-F5344CB8AC3E}">
+        <p14:creationId xmlns:p14="http://schemas.microsoft.com/office/powerpoint/2010/main" val="1272612646"/>
+      </p:ext>
+    </p:extLst>
+  </p:cSld>
+  <p:clrMapOvr>
+    <a:masterClrMapping/>
+  </p:clrMapOvr>
+</p:sld>
+</file>
+
+<file path=ppt/slides/slide33.xml><?xml version="1.0" encoding="utf-8"?>
+<p:sld xmlns:a="http://schemas.openxmlformats.org/drawingml/2006/main" xmlns:r="http://schemas.openxmlformats.org/officeDocument/2006/relationships" xmlns:p="http://schemas.openxmlformats.org/presentationml/2006/main">
+  <p:cSld>
+    <p:spTree>
+      <p:nvGrpSpPr>
+        <p:cNvPr id="1" name=""/>
+        <p:cNvGrpSpPr/>
+        <p:nvPr/>
+      </p:nvGrpSpPr>
+      <p:grpSpPr>
+        <a:xfrm>
+          <a:off x="0" y="0"/>
+          <a:ext cx="0" cy="0"/>
+          <a:chOff x="0" y="0"/>
+          <a:chExt cx="0" cy="0"/>
+        </a:xfrm>
+      </p:grpSpPr>
+      <p:sp>
+        <p:nvSpPr>
+          <p:cNvPr id="2" name="Tittel 1">
+            <a:extLst>
+              <a:ext uri="{FF2B5EF4-FFF2-40B4-BE49-F238E27FC236}">
+                <a16:creationId xmlns:a16="http://schemas.microsoft.com/office/drawing/2014/main" id="{D29A6DBF-386F-410D-B90A-8525165CCA12}"/>
+              </a:ext>
+            </a:extLst>
+          </p:cNvPr>
+          <p:cNvSpPr>
+            <a:spLocks noGrp="1"/>
+          </p:cNvSpPr>
+          <p:nvPr>
+            <p:ph type="title"/>
+          </p:nvPr>
+        </p:nvSpPr>
+        <p:spPr/>
+        <p:txBody>
+          <a:bodyPr/>
+          <a:lstStyle/>
+          <a:p>
+            <a:r>
+              <a:rPr lang="nb-NO"/>
+              <a:t>DJ-sjef</a:t>
+            </a:r>
+          </a:p>
+        </p:txBody>
+      </p:sp>
+      <p:sp>
+        <p:nvSpPr>
+          <p:cNvPr id="3" name="Plassholder for tekst 2">
+            <a:extLst>
+              <a:ext uri="{FF2B5EF4-FFF2-40B4-BE49-F238E27FC236}">
+                <a16:creationId xmlns:a16="http://schemas.microsoft.com/office/drawing/2014/main" id="{23070024-90BB-4EE5-8AAE-B4BA47A35561}"/>
+              </a:ext>
+            </a:extLst>
+          </p:cNvPr>
+          <p:cNvSpPr>
+            <a:spLocks noGrp="1"/>
+          </p:cNvSpPr>
+          <p:nvPr>
+            <p:ph type="body" idx="1"/>
+          </p:nvPr>
+        </p:nvSpPr>
+        <p:spPr/>
+        <p:txBody>
+          <a:bodyPr/>
+          <a:lstStyle/>
+          <a:p>
+            <a:r>
+              <a:rPr lang="nb-NO"/>
+              <a:t>Alle ansvar som medfølger å være et kjellerstyremedlem</a:t>
+            </a:r>
+          </a:p>
+          <a:p>
+            <a:pPr>
+              <a:lnSpc>
+                <a:spcPct val="114999"/>
+              </a:lnSpc>
+            </a:pPr>
+            <a:r>
+              <a:rPr lang="nb-NO"/>
+              <a:t>Finne funker til DJ skift i bar og på arrangementer der det trengs</a:t>
+            </a:r>
+          </a:p>
+          <a:p>
+            <a:pPr>
+              <a:lnSpc>
+                <a:spcPct val="114999"/>
+              </a:lnSpc>
+            </a:pPr>
+            <a:r>
+              <a:rPr lang="nb-NO"/>
+              <a:t>Gjøre deg kjent med DJ utstyret</a:t>
+            </a:r>
+          </a:p>
+          <a:p>
+            <a:pPr>
+              <a:lnSpc>
+                <a:spcPct val="114999"/>
+              </a:lnSpc>
+            </a:pPr>
+            <a:r>
+              <a:rPr lang="nb-NO"/>
+              <a:t>Lederansvar for </a:t>
+            </a:r>
+            <a:r>
+              <a:rPr lang="nb-NO" err="1"/>
+              <a:t>DJgruppen</a:t>
+            </a:r>
+          </a:p>
+          <a:p>
+            <a:pPr marL="114300" indent="0">
+              <a:lnSpc>
+                <a:spcPct val="114999"/>
+              </a:lnSpc>
+              <a:buNone/>
+            </a:pPr>
+            <a:endParaRPr lang="nb-NO"/>
+          </a:p>
+        </p:txBody>
+      </p:sp>
+    </p:spTree>
+    <p:extLst>
+      <p:ext uri="{BB962C8B-B14F-4D97-AF65-F5344CB8AC3E}">
+        <p14:creationId xmlns:p14="http://schemas.microsoft.com/office/powerpoint/2010/main" val="4272981795"/>
+      </p:ext>
+    </p:extLst>
+  </p:cSld>
+  <p:clrMapOvr>
+    <a:masterClrMapping/>
+  </p:clrMapOvr>
+</p:sld>
+</file>
+
+<file path=ppt/slides/slide34.xml><?xml version="1.0" encoding="utf-8"?>
+<p:sld xmlns:a="http://schemas.openxmlformats.org/drawingml/2006/main" xmlns:r="http://schemas.openxmlformats.org/officeDocument/2006/relationships" xmlns:p="http://schemas.openxmlformats.org/presentationml/2006/main">
+  <p:cSld>
+    <p:spTree>
+      <p:nvGrpSpPr>
+        <p:cNvPr id="1" name=""/>
+        <p:cNvGrpSpPr/>
+        <p:nvPr/>
+      </p:nvGrpSpPr>
+      <p:grpSpPr>
+        <a:xfrm>
+          <a:off x="0" y="0"/>
+          <a:ext cx="0" cy="0"/>
+          <a:chOff x="0" y="0"/>
+          <a:chExt cx="0" cy="0"/>
+        </a:xfrm>
+      </p:grpSpPr>
+      <p:sp>
+        <p:nvSpPr>
+          <p:cNvPr id="2" name="Tittel 1">
+            <a:extLst>
+              <a:ext uri="{FF2B5EF4-FFF2-40B4-BE49-F238E27FC236}">
+                <a16:creationId xmlns:a16="http://schemas.microsoft.com/office/drawing/2014/main" id="{37ED4EE4-56A5-48D8-9E31-001C33CFE1FA}"/>
+              </a:ext>
+            </a:extLst>
+          </p:cNvPr>
+          <p:cNvSpPr>
+            <a:spLocks noGrp="1"/>
+          </p:cNvSpPr>
+          <p:nvPr>
+            <p:ph type="title"/>
+          </p:nvPr>
+        </p:nvSpPr>
+        <p:spPr/>
+        <p:txBody>
+          <a:bodyPr/>
+          <a:lstStyle/>
+          <a:p>
+            <a:r>
+              <a:rPr lang="nb-NO"/>
+              <a:t>Arrangementskoordinator</a:t>
+            </a:r>
+          </a:p>
+        </p:txBody>
+      </p:sp>
+      <p:sp>
+        <p:nvSpPr>
+          <p:cNvPr id="3" name="Plassholder for tekst 2">
+            <a:extLst>
+              <a:ext uri="{FF2B5EF4-FFF2-40B4-BE49-F238E27FC236}">
+                <a16:creationId xmlns:a16="http://schemas.microsoft.com/office/drawing/2014/main" id="{F0399D48-606E-46BF-8E28-EA5E8419DB88}"/>
+              </a:ext>
+            </a:extLst>
+          </p:cNvPr>
+          <p:cNvSpPr>
+            <a:spLocks noGrp="1"/>
+          </p:cNvSpPr>
+          <p:nvPr>
+            <p:ph type="body" idx="1"/>
+          </p:nvPr>
+        </p:nvSpPr>
+        <p:spPr/>
+        <p:txBody>
+          <a:bodyPr/>
+          <a:lstStyle/>
+          <a:p>
+            <a:r>
+              <a:rPr lang="nb-NO"/>
+              <a:t>Alle ansvar som medfølger å være et kjellerstyremedlem</a:t>
+            </a:r>
+          </a:p>
+          <a:p>
+            <a:pPr>
+              <a:lnSpc>
+                <a:spcPct val="114999"/>
+              </a:lnSpc>
+            </a:pPr>
+            <a:r>
+              <a:rPr lang="nb-NO"/>
+              <a:t>Delta på Arr møter</a:t>
+            </a:r>
+          </a:p>
+          <a:p>
+            <a:pPr>
+              <a:lnSpc>
+                <a:spcPct val="114999"/>
+              </a:lnSpc>
+            </a:pPr>
+            <a:r>
+              <a:rPr lang="nb-NO"/>
+              <a:t>Koordiner med utlånsansvarig og </a:t>
+            </a:r>
+            <a:r>
+              <a:rPr lang="nb-NO" err="1"/>
+              <a:t>arrsjef</a:t>
+            </a:r>
+            <a:r>
+              <a:rPr lang="nb-NO"/>
+              <a:t>, eller </a:t>
+            </a:r>
+            <a:r>
+              <a:rPr lang="nb-NO" err="1"/>
+              <a:t>arrmester</a:t>
+            </a:r>
+            <a:r>
+              <a:rPr lang="nb-NO"/>
+              <a:t> angående innkjøp av spesialvarer (sprit etc.) og informere </a:t>
+            </a:r>
+            <a:r>
+              <a:rPr lang="nb-NO" err="1"/>
+              <a:t>innkjøpsansvalrig</a:t>
+            </a:r>
+            <a:r>
+              <a:rPr lang="nb-NO"/>
+              <a:t> om det er behov for ekstra varer til et arrangement eller utlån</a:t>
+            </a:r>
+          </a:p>
+          <a:p>
+            <a:pPr>
+              <a:lnSpc>
+                <a:spcPct val="114999"/>
+              </a:lnSpc>
+            </a:pPr>
+            <a:r>
+              <a:rPr lang="nb-NO"/>
+              <a:t>Hovedansvar for torsdagsklubben</a:t>
+            </a:r>
+          </a:p>
+          <a:p>
+            <a:pPr>
+              <a:lnSpc>
+                <a:spcPct val="114999"/>
+              </a:lnSpc>
+            </a:pPr>
+            <a:r>
+              <a:rPr lang="nb-NO"/>
+              <a:t>Sørge for </a:t>
+            </a:r>
+            <a:r>
+              <a:rPr lang="nb-NO" err="1"/>
+              <a:t>komunikasjon</a:t>
+            </a:r>
+            <a:r>
+              <a:rPr lang="nb-NO"/>
+              <a:t> mellom bargruppa og </a:t>
+            </a:r>
+            <a:r>
+              <a:rPr lang="nb-NO" err="1"/>
+              <a:t>arrgruppa</a:t>
+            </a:r>
+          </a:p>
+          <a:p>
+            <a:pPr marL="114300" indent="0">
+              <a:lnSpc>
+                <a:spcPct val="114999"/>
+              </a:lnSpc>
+              <a:buNone/>
+            </a:pPr>
+            <a:endParaRPr lang="nb-NO"/>
+          </a:p>
+        </p:txBody>
+      </p:sp>
+    </p:spTree>
+    <p:extLst>
+      <p:ext uri="{BB962C8B-B14F-4D97-AF65-F5344CB8AC3E}">
+        <p14:creationId xmlns:p14="http://schemas.microsoft.com/office/powerpoint/2010/main" val="1460864720"/>
+      </p:ext>
+    </p:extLst>
+  </p:cSld>
+  <p:clrMapOvr>
+    <a:masterClrMapping/>
+  </p:clrMapOvr>
+</p:sld>
+</file>
+
+<file path=ppt/slides/slide35.xml><?xml version="1.0" encoding="utf-8"?>
+<p:sld xmlns:a="http://schemas.openxmlformats.org/drawingml/2006/main" xmlns:r="http://schemas.openxmlformats.org/officeDocument/2006/relationships" xmlns:p="http://schemas.openxmlformats.org/presentationml/2006/main">
+  <p:cSld>
+    <p:spTree>
+      <p:nvGrpSpPr>
+        <p:cNvPr id="1" name="Shape 189"/>
+        <p:cNvGrpSpPr/>
+        <p:nvPr/>
+      </p:nvGrpSpPr>
+      <p:grpSpPr>
+        <a:xfrm>
+          <a:off x="0" y="0"/>
+          <a:ext cx="0" cy="0"/>
+          <a:chOff x="0" y="0"/>
+          <a:chExt cx="0" cy="0"/>
+        </a:xfrm>
+      </p:grpSpPr>
+      <p:sp>
+        <p:nvSpPr>
+          <p:cNvPr id="190" name="Google Shape;190;p36"/>
+          <p:cNvSpPr txBox="1">
+            <a:spLocks noGrp="1"/>
+          </p:cNvSpPr>
+          <p:nvPr>
+            <p:ph type="title"/>
+          </p:nvPr>
+        </p:nvSpPr>
+        <p:spPr>
+          <a:xfrm>
+            <a:off x="490250" y="526350"/>
+            <a:ext cx="6227100" cy="4090800"/>
+          </a:xfrm>
+          <a:prstGeom prst="rect">
+            <a:avLst/>
+          </a:prstGeom>
+        </p:spPr>
+        <p:txBody>
+          <a:bodyPr spcFirstLastPara="1" wrap="square" lIns="91425" tIns="91425" rIns="91425" bIns="91425" anchor="ctr" anchorCtr="0">
+            <a:noAutofit/>
+          </a:bodyPr>
+          <a:lstStyle/>
+          <a:p>
+            <a:pPr marL="0" lvl="0" indent="0" algn="l" rtl="0">
+              <a:spcBef>
+                <a:spcPts val="0"/>
+              </a:spcBef>
+              <a:spcAft>
+                <a:spcPts val="0"/>
+              </a:spcAft>
+              <a:buNone/>
+            </a:pPr>
+            <a:r>
+              <a:rPr lang="nb-NO" dirty="0"/>
+              <a:t>Forslag</a:t>
+            </a:r>
+            <a:r>
+              <a:rPr lang="en-GB" dirty="0"/>
+              <a:t> </a:t>
+            </a:r>
+            <a:r>
+              <a:rPr lang="nb-NO" dirty="0"/>
+              <a:t>til</a:t>
+            </a:r>
+            <a:r>
+              <a:rPr lang="en-GB" dirty="0"/>
+              <a:t> </a:t>
+            </a:r>
+            <a:r>
+              <a:rPr lang="nb-NO" dirty="0"/>
+              <a:t>vedtektsendringer</a:t>
+            </a:r>
+          </a:p>
+        </p:txBody>
+      </p:sp>
+    </p:spTree>
+  </p:cSld>
+  <p:clrMapOvr>
+    <a:masterClrMapping/>
+  </p:clrMapOvr>
+</p:sld>
+</file>
+
+<file path=ppt/slides/slide36.xml><?xml version="1.0" encoding="utf-8"?>
+<p:sld xmlns:a="http://schemas.openxmlformats.org/drawingml/2006/main" xmlns:r="http://schemas.openxmlformats.org/officeDocument/2006/relationships" xmlns:p="http://schemas.openxmlformats.org/presentationml/2006/main">
+  <p:cSld>
+    <p:spTree>
+      <p:nvGrpSpPr>
+        <p:cNvPr id="1" name="Shape 194"/>
+        <p:cNvGrpSpPr/>
+        <p:nvPr/>
+      </p:nvGrpSpPr>
+      <p:grpSpPr>
+        <a:xfrm>
+          <a:off x="0" y="0"/>
+          <a:ext cx="0" cy="0"/>
+          <a:chOff x="0" y="0"/>
+          <a:chExt cx="0" cy="0"/>
+        </a:xfrm>
+      </p:grpSpPr>
+      <p:sp>
+        <p:nvSpPr>
+          <p:cNvPr id="195" name="Google Shape;195;p37"/>
+          <p:cNvSpPr txBox="1">
+            <a:spLocks noGrp="1"/>
+          </p:cNvSpPr>
+          <p:nvPr>
+            <p:ph type="title"/>
+          </p:nvPr>
+        </p:nvSpPr>
+        <p:spPr>
+          <a:xfrm>
+            <a:off x="311700" y="302825"/>
+            <a:ext cx="8520600" cy="714900"/>
+          </a:xfrm>
+          <a:prstGeom prst="rect">
+            <a:avLst/>
+          </a:prstGeom>
+        </p:spPr>
+        <p:txBody>
+          <a:bodyPr spcFirstLastPara="1" wrap="square" lIns="91425" tIns="91425" rIns="91425" bIns="91425" anchor="t" anchorCtr="0">
+            <a:noAutofit/>
+          </a:bodyPr>
+          <a:lstStyle/>
+          <a:p>
+            <a:pPr marL="0" lvl="0" indent="0" algn="l" rtl="0">
+              <a:spcBef>
+                <a:spcPts val="0"/>
+              </a:spcBef>
+              <a:spcAft>
+                <a:spcPts val="0"/>
+              </a:spcAft>
+              <a:buNone/>
+            </a:pPr>
+            <a:r>
+              <a:rPr lang="nb-NO" dirty="0"/>
+              <a:t>§7f</a:t>
+            </a:r>
+            <a:r>
+              <a:rPr lang="en-GB" dirty="0"/>
+              <a:t> – </a:t>
+            </a:r>
+            <a:r>
+              <a:rPr lang="nb-NO" dirty="0"/>
+              <a:t>Skriftlig valg</a:t>
+            </a:r>
+          </a:p>
+        </p:txBody>
+      </p:sp>
+      <p:sp>
+        <p:nvSpPr>
+          <p:cNvPr id="196" name="Google Shape;196;p37"/>
+          <p:cNvSpPr txBox="1">
+            <a:spLocks noGrp="1"/>
+          </p:cNvSpPr>
+          <p:nvPr>
+            <p:ph type="body" idx="1"/>
+          </p:nvPr>
+        </p:nvSpPr>
+        <p:spPr>
+          <a:xfrm>
+            <a:off x="311700" y="1152475"/>
+            <a:ext cx="8520600" cy="3416400"/>
+          </a:xfrm>
+          <a:prstGeom prst="rect">
+            <a:avLst/>
+          </a:prstGeom>
+        </p:spPr>
+        <p:txBody>
+          <a:bodyPr spcFirstLastPara="1" wrap="square" lIns="91425" tIns="91425" rIns="91425" bIns="91425" anchor="t" anchorCtr="0">
+            <a:noAutofit/>
+          </a:bodyPr>
+          <a:lstStyle/>
+          <a:p>
+            <a:pPr marL="0" lvl="0" indent="0" algn="l" rtl="0">
+              <a:spcBef>
+                <a:spcPts val="0"/>
+              </a:spcBef>
+              <a:spcAft>
+                <a:spcPts val="0"/>
+              </a:spcAft>
+              <a:buNone/>
+            </a:pPr>
+            <a:r>
+              <a:rPr lang="nb-NO" b="1" dirty="0"/>
+              <a:t>Endre §7f fra:</a:t>
+            </a:r>
+            <a:endParaRPr b="1" dirty="0"/>
+          </a:p>
+          <a:p>
+            <a:pPr marL="0" lvl="0" indent="0" algn="l" rtl="0">
+              <a:spcBef>
+                <a:spcPts val="0"/>
+              </a:spcBef>
+              <a:spcAft>
+                <a:spcPts val="0"/>
+              </a:spcAft>
+              <a:buNone/>
+            </a:pPr>
+            <a:r>
+              <a:rPr lang="nb-NO" i="1" dirty="0">
+                <a:solidFill>
+                  <a:schemeClr val="tx1"/>
+                </a:solidFill>
+              </a:rPr>
+              <a:t>Valg av styremedlemmer på generalforsamling foregår skriftlig dersom det er to eller flere kandidater som stiller til vervet</a:t>
+            </a:r>
+          </a:p>
+          <a:p>
+            <a:pPr marL="0" lvl="0" indent="0" algn="l" rtl="0">
+              <a:spcBef>
+                <a:spcPts val="0"/>
+              </a:spcBef>
+              <a:spcAft>
+                <a:spcPts val="0"/>
+              </a:spcAft>
+              <a:buNone/>
+            </a:pPr>
+            <a:endParaRPr lang="nb-NO" dirty="0">
+              <a:solidFill>
+                <a:schemeClr val="tx1"/>
+              </a:solidFill>
+            </a:endParaRPr>
+          </a:p>
+          <a:p>
+            <a:pPr marL="0" lvl="0" indent="0" algn="l" rtl="0">
+              <a:spcBef>
+                <a:spcPts val="0"/>
+              </a:spcBef>
+              <a:spcAft>
+                <a:spcPts val="0"/>
+              </a:spcAft>
+              <a:buNone/>
+            </a:pPr>
+            <a:r>
+              <a:rPr lang="en-GB" b="1" dirty="0" err="1"/>
+              <a:t>til</a:t>
+            </a:r>
+            <a:r>
+              <a:rPr lang="en-GB" b="1" dirty="0"/>
+              <a:t>:</a:t>
+            </a:r>
+            <a:endParaRPr b="1" dirty="0"/>
+          </a:p>
+          <a:p>
+            <a:pPr marL="0" lvl="0" indent="0" algn="l" rtl="0">
+              <a:spcBef>
+                <a:spcPts val="0"/>
+              </a:spcBef>
+              <a:spcAft>
+                <a:spcPts val="0"/>
+              </a:spcAft>
+              <a:buNone/>
+            </a:pPr>
+            <a:r>
+              <a:rPr lang="en-GB" i="1" dirty="0" err="1"/>
+              <a:t>Valg</a:t>
+            </a:r>
+            <a:r>
+              <a:rPr lang="en-GB" i="1" dirty="0"/>
+              <a:t> </a:t>
+            </a:r>
+            <a:r>
+              <a:rPr lang="en-GB" i="1" dirty="0" err="1"/>
+              <a:t>av</a:t>
+            </a:r>
+            <a:r>
+              <a:rPr lang="en-GB" i="1" dirty="0"/>
+              <a:t> </a:t>
+            </a:r>
+            <a:r>
+              <a:rPr lang="en-GB" i="1" dirty="0" err="1"/>
+              <a:t>styremedlemmer</a:t>
+            </a:r>
+            <a:r>
+              <a:rPr lang="en-GB" i="1" dirty="0"/>
+              <a:t> </a:t>
+            </a:r>
+            <a:r>
+              <a:rPr lang="en-GB" i="1" dirty="0" err="1"/>
+              <a:t>på</a:t>
+            </a:r>
+            <a:r>
+              <a:rPr lang="en-GB" i="1" dirty="0"/>
+              <a:t> </a:t>
+            </a:r>
+            <a:r>
+              <a:rPr lang="en-GB" i="1" dirty="0" err="1"/>
+              <a:t>generalforsamling</a:t>
+            </a:r>
+            <a:r>
+              <a:rPr lang="en-GB" i="1" dirty="0"/>
+              <a:t> </a:t>
+            </a:r>
+            <a:r>
+              <a:rPr lang="en-GB" i="1" dirty="0" err="1"/>
+              <a:t>foregår</a:t>
+            </a:r>
+            <a:r>
+              <a:rPr lang="en-GB" i="1" dirty="0"/>
+              <a:t> </a:t>
+            </a:r>
+            <a:r>
+              <a:rPr lang="en-GB" i="1" dirty="0" err="1"/>
+              <a:t>skriftlig</a:t>
+            </a:r>
+            <a:r>
+              <a:rPr lang="en-GB" i="1" dirty="0"/>
+              <a:t>, </a:t>
+            </a:r>
+            <a:r>
+              <a:rPr lang="en-GB" i="1" dirty="0" err="1">
+                <a:solidFill>
+                  <a:srgbClr val="92D050"/>
+                </a:solidFill>
+              </a:rPr>
+              <a:t>selv</a:t>
+            </a:r>
+            <a:r>
+              <a:rPr lang="en-GB" i="1" dirty="0">
+                <a:solidFill>
+                  <a:srgbClr val="92D050"/>
+                </a:solidFill>
+              </a:rPr>
+              <a:t> </a:t>
+            </a:r>
+            <a:r>
+              <a:rPr lang="en-GB" i="1" dirty="0" err="1">
+                <a:solidFill>
+                  <a:srgbClr val="92D050"/>
+                </a:solidFill>
+              </a:rPr>
+              <a:t>ved</a:t>
+            </a:r>
+            <a:r>
+              <a:rPr lang="en-GB" i="1" dirty="0">
+                <a:solidFill>
+                  <a:srgbClr val="92D050"/>
+                </a:solidFill>
+              </a:rPr>
+              <a:t> </a:t>
+            </a:r>
+            <a:r>
+              <a:rPr lang="en-GB" i="1" dirty="0" err="1">
+                <a:solidFill>
+                  <a:srgbClr val="92D050"/>
+                </a:solidFill>
+              </a:rPr>
+              <a:t>én</a:t>
+            </a:r>
+            <a:r>
+              <a:rPr lang="en-GB" i="1" dirty="0">
+                <a:solidFill>
+                  <a:srgbClr val="92D050"/>
+                </a:solidFill>
+              </a:rPr>
+              <a:t> </a:t>
+            </a:r>
+            <a:r>
+              <a:rPr lang="en-GB" i="1" dirty="0" err="1">
+                <a:solidFill>
+                  <a:srgbClr val="92D050"/>
+                </a:solidFill>
+              </a:rPr>
+              <a:t>kandidat</a:t>
+            </a:r>
+            <a:endParaRPr lang="en-GB" i="1" dirty="0">
+              <a:solidFill>
+                <a:srgbClr val="92D050"/>
+              </a:solidFill>
+            </a:endParaRPr>
+          </a:p>
+        </p:txBody>
+      </p:sp>
+    </p:spTree>
+  </p:cSld>
+  <p:clrMapOvr>
+    <a:masterClrMapping/>
+  </p:clrMapOvr>
+</p:sld>
+</file>
+
+<file path=ppt/slides/slide37.xml><?xml version="1.0" encoding="utf-8"?>
+<p:sld xmlns:a="http://schemas.openxmlformats.org/drawingml/2006/main" xmlns:r="http://schemas.openxmlformats.org/officeDocument/2006/relationships" xmlns:p="http://schemas.openxmlformats.org/presentationml/2006/main">
+  <p:cSld>
+    <p:spTree>
+      <p:nvGrpSpPr>
+        <p:cNvPr id="1" name="Shape 200"/>
+        <p:cNvGrpSpPr/>
+        <p:nvPr/>
+      </p:nvGrpSpPr>
+      <p:grpSpPr>
+        <a:xfrm>
+          <a:off x="0" y="0"/>
+          <a:ext cx="0" cy="0"/>
+          <a:chOff x="0" y="0"/>
+          <a:chExt cx="0" cy="0"/>
+        </a:xfrm>
+      </p:grpSpPr>
+      <p:sp>
+        <p:nvSpPr>
+          <p:cNvPr id="201" name="Google Shape;201;p38"/>
+          <p:cNvSpPr txBox="1">
+            <a:spLocks noGrp="1"/>
+          </p:cNvSpPr>
+          <p:nvPr>
+            <p:ph type="title"/>
+          </p:nvPr>
+        </p:nvSpPr>
+        <p:spPr>
+          <a:xfrm>
+            <a:off x="311700" y="302825"/>
+            <a:ext cx="8520600" cy="714900"/>
+          </a:xfrm>
+          <a:prstGeom prst="rect">
+            <a:avLst/>
+          </a:prstGeom>
+        </p:spPr>
+        <p:txBody>
+          <a:bodyPr spcFirstLastPara="1" wrap="square" lIns="91425" tIns="91425" rIns="91425" bIns="91425" anchor="t" anchorCtr="0">
+            <a:noAutofit/>
+          </a:bodyPr>
+          <a:lstStyle/>
+          <a:p>
+            <a:pPr marL="0" lvl="0" indent="0" algn="l" rtl="0">
+              <a:spcBef>
+                <a:spcPts val="0"/>
+              </a:spcBef>
+              <a:spcAft>
+                <a:spcPts val="0"/>
+              </a:spcAft>
+              <a:buNone/>
+            </a:pPr>
+            <a:r>
+              <a:rPr lang="en-GB" dirty="0"/>
+              <a:t>§4 – </a:t>
+            </a:r>
+            <a:r>
+              <a:rPr lang="en-GB" dirty="0" err="1"/>
+              <a:t>Revisjon</a:t>
+            </a:r>
+            <a:r>
+              <a:rPr lang="en-GB" dirty="0"/>
+              <a:t> – Alt. 1</a:t>
+            </a:r>
+            <a:endParaRPr dirty="0"/>
+          </a:p>
+        </p:txBody>
+      </p:sp>
+      <p:sp>
+        <p:nvSpPr>
+          <p:cNvPr id="202" name="Google Shape;202;p38"/>
+          <p:cNvSpPr txBox="1">
+            <a:spLocks noGrp="1"/>
+          </p:cNvSpPr>
+          <p:nvPr>
+            <p:ph type="body" idx="1"/>
+          </p:nvPr>
+        </p:nvSpPr>
+        <p:spPr>
+          <a:xfrm>
+            <a:off x="311700" y="1152475"/>
+            <a:ext cx="8520600" cy="3416400"/>
+          </a:xfrm>
+          <a:prstGeom prst="rect">
+            <a:avLst/>
+          </a:prstGeom>
+        </p:spPr>
+        <p:txBody>
+          <a:bodyPr spcFirstLastPara="1" wrap="square" lIns="91425" tIns="91425" rIns="91425" bIns="91425" anchor="t" anchorCtr="0">
+            <a:noAutofit/>
+          </a:bodyPr>
+          <a:lstStyle/>
+          <a:p>
+            <a:pPr marL="0" lvl="0" indent="0" algn="l" rtl="0">
+              <a:spcBef>
+                <a:spcPts val="0"/>
+              </a:spcBef>
+              <a:spcAft>
+                <a:spcPts val="0"/>
+              </a:spcAft>
+              <a:buNone/>
+            </a:pPr>
+            <a:r>
+              <a:rPr lang="nb-NO" i="1" dirty="0">
+                <a:solidFill>
+                  <a:schemeClr val="tx1"/>
+                </a:solidFill>
+              </a:rPr>
+              <a:t>Forslag:</a:t>
+            </a:r>
+          </a:p>
+          <a:p>
+            <a:pPr marL="0" lvl="0" indent="0" algn="l" rtl="0">
+              <a:spcBef>
+                <a:spcPts val="0"/>
+              </a:spcBef>
+              <a:spcAft>
+                <a:spcPts val="0"/>
+              </a:spcAft>
+              <a:buNone/>
+            </a:pPr>
+            <a:r>
+              <a:rPr lang="nb-NO" i="1" dirty="0">
+                <a:solidFill>
+                  <a:schemeClr val="tx1"/>
+                </a:solidFill>
+              </a:rPr>
+              <a:t>Fjern hele paragraf §4</a:t>
+            </a:r>
+          </a:p>
+        </p:txBody>
+      </p:sp>
+    </p:spTree>
+  </p:cSld>
+  <p:clrMapOvr>
+    <a:masterClrMapping/>
+  </p:clrMapOvr>
+</p:sld>
+</file>
+
+<file path=ppt/slides/slide38.xml><?xml version="1.0" encoding="utf-8"?>
+<p:sld xmlns:a="http://schemas.openxmlformats.org/drawingml/2006/main" xmlns:r="http://schemas.openxmlformats.org/officeDocument/2006/relationships" xmlns:p="http://schemas.openxmlformats.org/presentationml/2006/main">
+  <p:cSld>
+    <p:spTree>
+      <p:nvGrpSpPr>
+        <p:cNvPr id="1" name="Shape 200"/>
+        <p:cNvGrpSpPr/>
+        <p:nvPr/>
+      </p:nvGrpSpPr>
+      <p:grpSpPr>
+        <a:xfrm>
+          <a:off x="0" y="0"/>
+          <a:ext cx="0" cy="0"/>
+          <a:chOff x="0" y="0"/>
+          <a:chExt cx="0" cy="0"/>
+        </a:xfrm>
+      </p:grpSpPr>
+      <p:sp>
+        <p:nvSpPr>
+          <p:cNvPr id="201" name="Google Shape;201;p38"/>
+          <p:cNvSpPr txBox="1">
+            <a:spLocks noGrp="1"/>
+          </p:cNvSpPr>
+          <p:nvPr>
+            <p:ph type="title"/>
+          </p:nvPr>
+        </p:nvSpPr>
+        <p:spPr>
+          <a:xfrm>
+            <a:off x="311700" y="302825"/>
+            <a:ext cx="8520600" cy="714900"/>
+          </a:xfrm>
+          <a:prstGeom prst="rect">
+            <a:avLst/>
+          </a:prstGeom>
+        </p:spPr>
+        <p:txBody>
+          <a:bodyPr spcFirstLastPara="1" wrap="square" lIns="91425" tIns="91425" rIns="91425" bIns="91425" anchor="t" anchorCtr="0">
+            <a:noAutofit/>
+          </a:bodyPr>
+          <a:lstStyle/>
+          <a:p>
+            <a:pPr marL="0" lvl="0" indent="0" algn="l" rtl="0">
+              <a:spcBef>
+                <a:spcPts val="0"/>
+              </a:spcBef>
+              <a:spcAft>
+                <a:spcPts val="0"/>
+              </a:spcAft>
+              <a:buNone/>
+            </a:pPr>
+            <a:r>
+              <a:rPr lang="en-GB" dirty="0"/>
+              <a:t>§4 – </a:t>
+            </a:r>
+            <a:r>
+              <a:rPr lang="en-GB" dirty="0" err="1"/>
+              <a:t>Revisjon</a:t>
+            </a:r>
+            <a:r>
+              <a:rPr lang="en-GB" dirty="0"/>
+              <a:t> – Alt. 2</a:t>
+            </a:r>
+            <a:endParaRPr dirty="0"/>
+          </a:p>
+        </p:txBody>
+      </p:sp>
+      <p:sp>
+        <p:nvSpPr>
+          <p:cNvPr id="202" name="Google Shape;202;p38"/>
+          <p:cNvSpPr txBox="1">
+            <a:spLocks noGrp="1"/>
+          </p:cNvSpPr>
+          <p:nvPr>
+            <p:ph type="body" idx="1"/>
+          </p:nvPr>
+        </p:nvSpPr>
+        <p:spPr>
+          <a:xfrm>
+            <a:off x="311700" y="1152475"/>
+            <a:ext cx="8520600" cy="3416400"/>
+          </a:xfrm>
+          <a:prstGeom prst="rect">
+            <a:avLst/>
+          </a:prstGeom>
+        </p:spPr>
+        <p:txBody>
+          <a:bodyPr spcFirstLastPara="1" wrap="square" lIns="91425" tIns="91425" rIns="91425" bIns="91425" anchor="t" anchorCtr="0">
+            <a:noAutofit/>
+          </a:bodyPr>
+          <a:lstStyle/>
+          <a:p>
+            <a:pPr marL="0" lvl="0" indent="0" algn="l" rtl="0">
+              <a:spcBef>
+                <a:spcPts val="0"/>
+              </a:spcBef>
+              <a:spcAft>
+                <a:spcPts val="0"/>
+              </a:spcAft>
+              <a:buNone/>
+            </a:pPr>
+            <a:r>
+              <a:rPr lang="nb-NO" i="1" dirty="0">
+                <a:solidFill>
+                  <a:schemeClr val="tx1"/>
+                </a:solidFill>
+              </a:rPr>
+              <a:t>Forslag til §4a (legge til det i </a:t>
+            </a:r>
+            <a:r>
+              <a:rPr lang="nb-NO" i="1" dirty="0">
+                <a:solidFill>
+                  <a:srgbClr val="92D050"/>
+                </a:solidFill>
+              </a:rPr>
+              <a:t>grønt</a:t>
+            </a:r>
+            <a:r>
+              <a:rPr lang="nb-NO" i="1" dirty="0">
+                <a:solidFill>
+                  <a:schemeClr val="tx1"/>
+                </a:solidFill>
+              </a:rPr>
+              <a:t>):</a:t>
+            </a:r>
+          </a:p>
+          <a:p>
+            <a:pPr marL="0" lvl="0" indent="0" algn="l" rtl="0">
+              <a:spcBef>
+                <a:spcPts val="0"/>
+              </a:spcBef>
+              <a:spcAft>
+                <a:spcPts val="0"/>
+              </a:spcAft>
+              <a:buNone/>
+            </a:pPr>
+            <a:r>
+              <a:rPr lang="nb-NO" i="1" dirty="0">
+                <a:solidFill>
+                  <a:schemeClr val="tx1"/>
+                </a:solidFill>
+              </a:rPr>
+              <a:t>§4 a) Hovedstyret skal utnevne minst to personer for å revidere årsregnskapet. Personene kan ikke ha vært medlemmer av økonomigruppa eller innehatt styreverv i perioden som revideres. </a:t>
+            </a:r>
+            <a:r>
+              <a:rPr lang="nb-NO" i="1" dirty="0">
+                <a:solidFill>
+                  <a:srgbClr val="92D050"/>
+                </a:solidFill>
+              </a:rPr>
+              <a:t>Hvis Hovedstyret ikke evner å finne personer til å revidere regnskapet skal det søkes FU om revisor til å dekke behovet for revisjon.</a:t>
+            </a:r>
+          </a:p>
+        </p:txBody>
+      </p:sp>
+    </p:spTree>
+    <p:extLst>
+      <p:ext uri="{BB962C8B-B14F-4D97-AF65-F5344CB8AC3E}">
+        <p14:creationId xmlns:p14="http://schemas.microsoft.com/office/powerpoint/2010/main" val="1481474307"/>
+      </p:ext>
+    </p:extLst>
+  </p:cSld>
+  <p:clrMapOvr>
+    <a:masterClrMapping/>
+  </p:clrMapOvr>
+</p:sld>
+</file>
+
+<file path=ppt/slides/slide39.xml><?xml version="1.0" encoding="utf-8"?>
+<p:sld xmlns:a="http://schemas.openxmlformats.org/drawingml/2006/main" xmlns:r="http://schemas.openxmlformats.org/officeDocument/2006/relationships" xmlns:p="http://schemas.openxmlformats.org/presentationml/2006/main">
+  <p:cSld>
+    <p:spTree>
+      <p:nvGrpSpPr>
+        <p:cNvPr id="1" name="Shape 200"/>
+        <p:cNvGrpSpPr/>
+        <p:nvPr/>
+      </p:nvGrpSpPr>
+      <p:grpSpPr>
+        <a:xfrm>
+          <a:off x="0" y="0"/>
+          <a:ext cx="0" cy="0"/>
+          <a:chOff x="0" y="0"/>
+          <a:chExt cx="0" cy="0"/>
+        </a:xfrm>
+      </p:grpSpPr>
+      <p:sp>
+        <p:nvSpPr>
+          <p:cNvPr id="201" name="Google Shape;201;p38"/>
+          <p:cNvSpPr txBox="1">
+            <a:spLocks noGrp="1"/>
+          </p:cNvSpPr>
+          <p:nvPr>
+            <p:ph type="title"/>
+          </p:nvPr>
+        </p:nvSpPr>
+        <p:spPr>
+          <a:xfrm>
+            <a:off x="311700" y="302825"/>
+            <a:ext cx="8520600" cy="714900"/>
+          </a:xfrm>
+          <a:prstGeom prst="rect">
+            <a:avLst/>
+          </a:prstGeom>
+        </p:spPr>
+        <p:txBody>
+          <a:bodyPr spcFirstLastPara="1" wrap="square" lIns="91425" tIns="91425" rIns="91425" bIns="91425" anchor="t" anchorCtr="0">
+            <a:noAutofit/>
+          </a:bodyPr>
+          <a:lstStyle/>
+          <a:p>
+            <a:pPr marL="0" lvl="0" indent="0" algn="l" rtl="0">
+              <a:spcBef>
+                <a:spcPts val="0"/>
+              </a:spcBef>
+              <a:spcAft>
+                <a:spcPts val="0"/>
+              </a:spcAft>
+              <a:buNone/>
+            </a:pPr>
+            <a:r>
+              <a:rPr lang="en-GB" dirty="0"/>
+              <a:t>§10 – Alt. 1</a:t>
+            </a:r>
+            <a:endParaRPr dirty="0"/>
+          </a:p>
+        </p:txBody>
+      </p:sp>
+      <p:sp>
+        <p:nvSpPr>
+          <p:cNvPr id="202" name="Google Shape;202;p38"/>
+          <p:cNvSpPr txBox="1">
+            <a:spLocks noGrp="1"/>
+          </p:cNvSpPr>
+          <p:nvPr>
+            <p:ph type="body" idx="1"/>
+          </p:nvPr>
+        </p:nvSpPr>
+        <p:spPr>
+          <a:xfrm>
+            <a:off x="311700" y="1152475"/>
+            <a:ext cx="8520600" cy="3416400"/>
+          </a:xfrm>
+          <a:prstGeom prst="rect">
+            <a:avLst/>
+          </a:prstGeom>
+        </p:spPr>
+        <p:txBody>
+          <a:bodyPr spcFirstLastPara="1" wrap="square" lIns="91425" tIns="91425" rIns="91425" bIns="91425" anchor="t" anchorCtr="0">
+            <a:noAutofit/>
+          </a:bodyPr>
+          <a:lstStyle/>
+          <a:p>
+            <a:pPr marL="0" lvl="0" indent="0" algn="l" rtl="0">
+              <a:spcBef>
+                <a:spcPts val="0"/>
+              </a:spcBef>
+              <a:spcAft>
+                <a:spcPts val="0"/>
+              </a:spcAft>
+              <a:buNone/>
+            </a:pPr>
+            <a:r>
+              <a:rPr lang="nb-NO" i="1" dirty="0">
+                <a:solidFill>
+                  <a:schemeClr val="tx1"/>
+                </a:solidFill>
+              </a:rPr>
+              <a:t>Forslag til §10a:</a:t>
+            </a:r>
+          </a:p>
+          <a:p>
+            <a:pPr marL="0" lvl="0" indent="0" algn="l" rtl="0">
+              <a:spcBef>
+                <a:spcPts val="0"/>
+              </a:spcBef>
+              <a:spcAft>
+                <a:spcPts val="0"/>
+              </a:spcAft>
+              <a:buNone/>
+            </a:pPr>
+            <a:r>
+              <a:rPr lang="nb-NO" i="1" dirty="0">
+                <a:solidFill>
+                  <a:schemeClr val="tx1"/>
+                </a:solidFill>
+              </a:rPr>
+              <a:t>§10a) Hovedstyret kan med 3⁄4 flertall vedta eksklusjon av medlemmer </a:t>
+            </a:r>
+            <a:r>
+              <a:rPr lang="nb-NO" i="1" dirty="0">
+                <a:solidFill>
+                  <a:srgbClr val="92D050"/>
+                </a:solidFill>
+              </a:rPr>
+              <a:t>ved alvorlige eller gjentatte brudd</a:t>
+            </a:r>
+          </a:p>
+        </p:txBody>
+      </p:sp>
+    </p:spTree>
+    <p:extLst>
+      <p:ext uri="{BB962C8B-B14F-4D97-AF65-F5344CB8AC3E}">
+        <p14:creationId xmlns:p14="http://schemas.microsoft.com/office/powerpoint/2010/main" val="2150983048"/>
+      </p:ext>
+    </p:extLst>
+  </p:cSld>
+  <p:clrMapOvr>
+    <a:masterClrMapping/>
+  </p:clrMapOvr>
+</p:sld>
+</file>
+
 <file path=ppt/slides/slide4.xml><?xml version="1.0" encoding="utf-8"?>
 <p:sld xmlns:a="http://schemas.openxmlformats.org/drawingml/2006/main" xmlns:r="http://schemas.openxmlformats.org/officeDocument/2006/relationships" xmlns:p="http://schemas.openxmlformats.org/presentationml/2006/main">
   <p:cSld>
@@ -14852,6 +18485,507 @@
             <a:r>
               <a:rPr lang="en-GB" dirty="0"/>
               <a:t> referent</a:t>
+            </a:r>
+            <a:endParaRPr dirty="0"/>
+          </a:p>
+        </p:txBody>
+      </p:sp>
+    </p:spTree>
+  </p:cSld>
+  <p:clrMapOvr>
+    <a:masterClrMapping/>
+  </p:clrMapOvr>
+</p:sld>
+</file>
+
+<file path=ppt/slides/slide40.xml><?xml version="1.0" encoding="utf-8"?>
+<p:sld xmlns:a="http://schemas.openxmlformats.org/drawingml/2006/main" xmlns:r="http://schemas.openxmlformats.org/officeDocument/2006/relationships" xmlns:p="http://schemas.openxmlformats.org/presentationml/2006/main">
+  <p:cSld>
+    <p:spTree>
+      <p:nvGrpSpPr>
+        <p:cNvPr id="1" name="Shape 200"/>
+        <p:cNvGrpSpPr/>
+        <p:nvPr/>
+      </p:nvGrpSpPr>
+      <p:grpSpPr>
+        <a:xfrm>
+          <a:off x="0" y="0"/>
+          <a:ext cx="0" cy="0"/>
+          <a:chOff x="0" y="0"/>
+          <a:chExt cx="0" cy="0"/>
+        </a:xfrm>
+      </p:grpSpPr>
+      <p:sp>
+        <p:nvSpPr>
+          <p:cNvPr id="201" name="Google Shape;201;p38"/>
+          <p:cNvSpPr txBox="1">
+            <a:spLocks noGrp="1"/>
+          </p:cNvSpPr>
+          <p:nvPr>
+            <p:ph type="title"/>
+          </p:nvPr>
+        </p:nvSpPr>
+        <p:spPr>
+          <a:xfrm>
+            <a:off x="311700" y="302825"/>
+            <a:ext cx="8520600" cy="714900"/>
+          </a:xfrm>
+          <a:prstGeom prst="rect">
+            <a:avLst/>
+          </a:prstGeom>
+        </p:spPr>
+        <p:txBody>
+          <a:bodyPr spcFirstLastPara="1" wrap="square" lIns="91425" tIns="91425" rIns="91425" bIns="91425" anchor="t" anchorCtr="0">
+            <a:noAutofit/>
+          </a:bodyPr>
+          <a:lstStyle/>
+          <a:p>
+            <a:pPr marL="0" lvl="0" indent="0" algn="l" rtl="0">
+              <a:spcBef>
+                <a:spcPts val="0"/>
+              </a:spcBef>
+              <a:spcAft>
+                <a:spcPts val="0"/>
+              </a:spcAft>
+              <a:buNone/>
+            </a:pPr>
+            <a:r>
+              <a:rPr lang="en-GB" dirty="0"/>
+              <a:t>§10 – Alt. 2</a:t>
+            </a:r>
+            <a:endParaRPr dirty="0"/>
+          </a:p>
+        </p:txBody>
+      </p:sp>
+      <p:sp>
+        <p:nvSpPr>
+          <p:cNvPr id="202" name="Google Shape;202;p38"/>
+          <p:cNvSpPr txBox="1">
+            <a:spLocks noGrp="1"/>
+          </p:cNvSpPr>
+          <p:nvPr>
+            <p:ph type="body" idx="1"/>
+          </p:nvPr>
+        </p:nvSpPr>
+        <p:spPr>
+          <a:xfrm>
+            <a:off x="311700" y="1152475"/>
+            <a:ext cx="8520600" cy="3416400"/>
+          </a:xfrm>
+          <a:prstGeom prst="rect">
+            <a:avLst/>
+          </a:prstGeom>
+        </p:spPr>
+        <p:txBody>
+          <a:bodyPr spcFirstLastPara="1" wrap="square" lIns="91425" tIns="91425" rIns="91425" bIns="91425" anchor="t" anchorCtr="0">
+            <a:noAutofit/>
+          </a:bodyPr>
+          <a:lstStyle/>
+          <a:p>
+            <a:pPr marL="0" lvl="0" indent="0" algn="l" rtl="0">
+              <a:spcBef>
+                <a:spcPts val="0"/>
+              </a:spcBef>
+              <a:spcAft>
+                <a:spcPts val="0"/>
+              </a:spcAft>
+              <a:buNone/>
+            </a:pPr>
+            <a:r>
+              <a:rPr lang="nb-NO" i="1" dirty="0">
+                <a:solidFill>
+                  <a:schemeClr val="tx1"/>
+                </a:solidFill>
+              </a:rPr>
+              <a:t>Forslag til §10a:</a:t>
+            </a:r>
+          </a:p>
+          <a:p>
+            <a:pPr marL="0" lvl="0" indent="0" algn="l" rtl="0">
+              <a:spcBef>
+                <a:spcPts val="0"/>
+              </a:spcBef>
+              <a:spcAft>
+                <a:spcPts val="0"/>
+              </a:spcAft>
+              <a:buNone/>
+            </a:pPr>
+            <a:r>
+              <a:rPr lang="nb-NO" i="1" dirty="0">
+                <a:solidFill>
+                  <a:schemeClr val="tx1"/>
+                </a:solidFill>
+              </a:rPr>
+              <a:t>§10a) Hovedstyret kan med 3⁄4 flertall vedta eksklusjon av medlemmer</a:t>
+            </a:r>
+            <a:r>
+              <a:rPr lang="nb-NO" i="1" dirty="0">
+                <a:solidFill>
+                  <a:srgbClr val="92D050"/>
+                </a:solidFill>
+              </a:rPr>
+              <a:t> i henhold til §9</a:t>
+            </a:r>
+          </a:p>
+        </p:txBody>
+      </p:sp>
+    </p:spTree>
+    <p:extLst>
+      <p:ext uri="{BB962C8B-B14F-4D97-AF65-F5344CB8AC3E}">
+        <p14:creationId xmlns:p14="http://schemas.microsoft.com/office/powerpoint/2010/main" val="1671298673"/>
+      </p:ext>
+    </p:extLst>
+  </p:cSld>
+  <p:clrMapOvr>
+    <a:masterClrMapping/>
+  </p:clrMapOvr>
+</p:sld>
+</file>
+
+<file path=ppt/slides/slide41.xml><?xml version="1.0" encoding="utf-8"?>
+<p:sld xmlns:a="http://schemas.openxmlformats.org/drawingml/2006/main" xmlns:r="http://schemas.openxmlformats.org/officeDocument/2006/relationships" xmlns:p="http://schemas.openxmlformats.org/presentationml/2006/main">
+  <p:cSld>
+    <p:spTree>
+      <p:nvGrpSpPr>
+        <p:cNvPr id="1" name="Shape 200"/>
+        <p:cNvGrpSpPr/>
+        <p:nvPr/>
+      </p:nvGrpSpPr>
+      <p:grpSpPr>
+        <a:xfrm>
+          <a:off x="0" y="0"/>
+          <a:ext cx="0" cy="0"/>
+          <a:chOff x="0" y="0"/>
+          <a:chExt cx="0" cy="0"/>
+        </a:xfrm>
+      </p:grpSpPr>
+      <p:sp>
+        <p:nvSpPr>
+          <p:cNvPr id="201" name="Google Shape;201;p38"/>
+          <p:cNvSpPr txBox="1">
+            <a:spLocks noGrp="1"/>
+          </p:cNvSpPr>
+          <p:nvPr>
+            <p:ph type="title"/>
+          </p:nvPr>
+        </p:nvSpPr>
+        <p:spPr>
+          <a:xfrm>
+            <a:off x="311700" y="302825"/>
+            <a:ext cx="8520600" cy="714900"/>
+          </a:xfrm>
+          <a:prstGeom prst="rect">
+            <a:avLst/>
+          </a:prstGeom>
+        </p:spPr>
+        <p:txBody>
+          <a:bodyPr spcFirstLastPara="1" wrap="square" lIns="91425" tIns="91425" rIns="91425" bIns="91425" anchor="t" anchorCtr="0">
+            <a:noAutofit/>
+          </a:bodyPr>
+          <a:lstStyle/>
+          <a:p>
+            <a:pPr marL="0" lvl="0" indent="0" algn="l" rtl="0">
+              <a:spcBef>
+                <a:spcPts val="0"/>
+              </a:spcBef>
+              <a:spcAft>
+                <a:spcPts val="0"/>
+              </a:spcAft>
+              <a:buNone/>
+            </a:pPr>
+            <a:r>
+              <a:rPr lang="en-GB" dirty="0"/>
+              <a:t>§10 – Alt. 3</a:t>
+            </a:r>
+            <a:endParaRPr dirty="0"/>
+          </a:p>
+        </p:txBody>
+      </p:sp>
+      <p:sp>
+        <p:nvSpPr>
+          <p:cNvPr id="202" name="Google Shape;202;p38"/>
+          <p:cNvSpPr txBox="1">
+            <a:spLocks noGrp="1"/>
+          </p:cNvSpPr>
+          <p:nvPr>
+            <p:ph type="body" idx="1"/>
+          </p:nvPr>
+        </p:nvSpPr>
+        <p:spPr>
+          <a:xfrm>
+            <a:off x="311700" y="1152475"/>
+            <a:ext cx="8520600" cy="3416400"/>
+          </a:xfrm>
+          <a:prstGeom prst="rect">
+            <a:avLst/>
+          </a:prstGeom>
+        </p:spPr>
+        <p:txBody>
+          <a:bodyPr spcFirstLastPara="1" wrap="square" lIns="91425" tIns="91425" rIns="91425" bIns="91425" anchor="t" anchorCtr="0">
+            <a:noAutofit/>
+          </a:bodyPr>
+          <a:lstStyle/>
+          <a:p>
+            <a:pPr marL="0" lvl="0" indent="0" algn="l" rtl="0">
+              <a:spcBef>
+                <a:spcPts val="0"/>
+              </a:spcBef>
+              <a:spcAft>
+                <a:spcPts val="0"/>
+              </a:spcAft>
+              <a:buNone/>
+            </a:pPr>
+            <a:r>
+              <a:rPr lang="nb-NO" i="1" dirty="0">
+                <a:solidFill>
+                  <a:schemeClr val="tx1"/>
+                </a:solidFill>
+              </a:rPr>
+              <a:t>Forslag til §10a:</a:t>
+            </a:r>
+          </a:p>
+          <a:p>
+            <a:pPr marL="0" lvl="0" indent="0" algn="l" rtl="0">
+              <a:spcBef>
+                <a:spcPts val="0"/>
+              </a:spcBef>
+              <a:spcAft>
+                <a:spcPts val="0"/>
+              </a:spcAft>
+              <a:buNone/>
+            </a:pPr>
+            <a:r>
+              <a:rPr lang="nb-NO" i="1" dirty="0">
+                <a:solidFill>
+                  <a:schemeClr val="tx1"/>
+                </a:solidFill>
+              </a:rPr>
+              <a:t>§10</a:t>
+            </a:r>
+          </a:p>
+          <a:p>
+            <a:pPr marL="342900" lvl="0" algn="l" rtl="0">
+              <a:spcBef>
+                <a:spcPts val="0"/>
+              </a:spcBef>
+              <a:spcAft>
+                <a:spcPts val="0"/>
+              </a:spcAft>
+              <a:buFont typeface="+mj-lt"/>
+              <a:buAutoNum type="alphaLcParenR"/>
+            </a:pPr>
+            <a:r>
+              <a:rPr lang="nb-NO" i="1" dirty="0">
+                <a:solidFill>
+                  <a:schemeClr val="tx1"/>
+                </a:solidFill>
+              </a:rPr>
+              <a:t>Hovedstyret kan med 3⁄4 flertall vedta eksklusjon av medlemmer.</a:t>
+            </a:r>
+          </a:p>
+          <a:p>
+            <a:pPr marL="342900" lvl="0" algn="l" rtl="0">
+              <a:spcBef>
+                <a:spcPts val="0"/>
+              </a:spcBef>
+              <a:spcAft>
+                <a:spcPts val="0"/>
+              </a:spcAft>
+              <a:buFont typeface="+mj-lt"/>
+              <a:buAutoNum type="alphaLcParenR"/>
+            </a:pPr>
+            <a:r>
+              <a:rPr lang="nb-NO" i="1" dirty="0">
+                <a:solidFill>
+                  <a:srgbClr val="92D050"/>
+                </a:solidFill>
+              </a:rPr>
+              <a:t>Medlemmer kan kun ekskluderes ved alvorlige brudd på medlemsforpliktelsene jf. §2 d</a:t>
+            </a:r>
+          </a:p>
+          <a:p>
+            <a:pPr marL="342900" lvl="0" algn="l" rtl="0">
+              <a:spcBef>
+                <a:spcPts val="0"/>
+              </a:spcBef>
+              <a:spcAft>
+                <a:spcPts val="0"/>
+              </a:spcAft>
+              <a:buFont typeface="+mj-lt"/>
+              <a:buAutoNum type="alphaLcParenR"/>
+            </a:pPr>
+            <a:r>
+              <a:rPr lang="nb-NO" i="1" dirty="0">
+                <a:solidFill>
+                  <a:schemeClr val="tx1"/>
+                </a:solidFill>
+              </a:rPr>
+              <a:t>Medlemmer foreslått ekskludert for alvorlig brudd på medlemsforpliktelser jf. §2 d har rett til å bli hørt av alle høringsinstanser. Slik forklaring skal være skriftlig.</a:t>
+            </a:r>
+          </a:p>
+        </p:txBody>
+      </p:sp>
+    </p:spTree>
+    <p:extLst>
+      <p:ext uri="{BB962C8B-B14F-4D97-AF65-F5344CB8AC3E}">
+        <p14:creationId xmlns:p14="http://schemas.microsoft.com/office/powerpoint/2010/main" val="1294784369"/>
+      </p:ext>
+    </p:extLst>
+  </p:cSld>
+  <p:clrMapOvr>
+    <a:masterClrMapping/>
+  </p:clrMapOvr>
+</p:sld>
+</file>
+
+<file path=ppt/slides/slide42.xml><?xml version="1.0" encoding="utf-8"?>
+<p:sld xmlns:a="http://schemas.openxmlformats.org/drawingml/2006/main" xmlns:r="http://schemas.openxmlformats.org/officeDocument/2006/relationships" xmlns:p="http://schemas.openxmlformats.org/presentationml/2006/main">
+  <p:cSld>
+    <p:spTree>
+      <p:nvGrpSpPr>
+        <p:cNvPr id="1" name="Shape 218"/>
+        <p:cNvGrpSpPr/>
+        <p:nvPr/>
+      </p:nvGrpSpPr>
+      <p:grpSpPr>
+        <a:xfrm>
+          <a:off x="0" y="0"/>
+          <a:ext cx="0" cy="0"/>
+          <a:chOff x="0" y="0"/>
+          <a:chExt cx="0" cy="0"/>
+        </a:xfrm>
+      </p:grpSpPr>
+      <p:sp>
+        <p:nvSpPr>
+          <p:cNvPr id="219" name="Google Shape;219;p41"/>
+          <p:cNvSpPr txBox="1">
+            <a:spLocks noGrp="1"/>
+          </p:cNvSpPr>
+          <p:nvPr>
+            <p:ph type="title"/>
+          </p:nvPr>
+        </p:nvSpPr>
+        <p:spPr>
+          <a:xfrm>
+            <a:off x="490250" y="526350"/>
+            <a:ext cx="6227100" cy="4090800"/>
+          </a:xfrm>
+          <a:prstGeom prst="rect">
+            <a:avLst/>
+          </a:prstGeom>
+        </p:spPr>
+        <p:txBody>
+          <a:bodyPr spcFirstLastPara="1" wrap="square" lIns="91425" tIns="91425" rIns="91425" bIns="91425" anchor="ctr" anchorCtr="0">
+            <a:noAutofit/>
+          </a:bodyPr>
+          <a:lstStyle/>
+          <a:p>
+            <a:pPr marL="0" lvl="0" indent="0" algn="l" rtl="0">
+              <a:spcBef>
+                <a:spcPts val="0"/>
+              </a:spcBef>
+              <a:spcAft>
+                <a:spcPts val="0"/>
+              </a:spcAft>
+              <a:buNone/>
+            </a:pPr>
+            <a:r>
+              <a:rPr lang="nb-NO" sz="4400" dirty="0"/>
+              <a:t>Utdeling</a:t>
+            </a:r>
+            <a:r>
+              <a:rPr lang="en-GB" sz="4400" dirty="0"/>
+              <a:t> </a:t>
+            </a:r>
+            <a:r>
+              <a:rPr lang="nb-NO" sz="4400" dirty="0"/>
+              <a:t>av</a:t>
+            </a:r>
+            <a:r>
+              <a:rPr lang="en-GB" sz="4400" dirty="0"/>
+              <a:t> </a:t>
+            </a:r>
+            <a:r>
+              <a:rPr lang="nb-NO" sz="4400" dirty="0"/>
+              <a:t>utmerkelser</a:t>
+            </a:r>
+          </a:p>
+        </p:txBody>
+      </p:sp>
+    </p:spTree>
+  </p:cSld>
+  <p:clrMapOvr>
+    <a:masterClrMapping/>
+  </p:clrMapOvr>
+</p:sld>
+</file>
+
+<file path=ppt/slides/slide43.xml><?xml version="1.0" encoding="utf-8"?>
+<p:sld xmlns:a="http://schemas.openxmlformats.org/drawingml/2006/main" xmlns:r="http://schemas.openxmlformats.org/officeDocument/2006/relationships" xmlns:p="http://schemas.openxmlformats.org/presentationml/2006/main">
+  <p:cSld>
+    <p:spTree>
+      <p:nvGrpSpPr>
+        <p:cNvPr id="1" name="Shape 223"/>
+        <p:cNvGrpSpPr/>
+        <p:nvPr/>
+      </p:nvGrpSpPr>
+      <p:grpSpPr>
+        <a:xfrm>
+          <a:off x="0" y="0"/>
+          <a:ext cx="0" cy="0"/>
+          <a:chOff x="0" y="0"/>
+          <a:chExt cx="0" cy="0"/>
+        </a:xfrm>
+      </p:grpSpPr>
+      <p:sp>
+        <p:nvSpPr>
+          <p:cNvPr id="224" name="Google Shape;224;p42"/>
+          <p:cNvSpPr txBox="1">
+            <a:spLocks noGrp="1"/>
+          </p:cNvSpPr>
+          <p:nvPr>
+            <p:ph type="title"/>
+          </p:nvPr>
+        </p:nvSpPr>
+        <p:spPr>
+          <a:xfrm>
+            <a:off x="671250" y="2141250"/>
+            <a:ext cx="7852200" cy="861000"/>
+          </a:xfrm>
+          <a:prstGeom prst="rect">
+            <a:avLst/>
+          </a:prstGeom>
+        </p:spPr>
+        <p:txBody>
+          <a:bodyPr spcFirstLastPara="1" wrap="square" lIns="91425" tIns="91425" rIns="91425" bIns="91425" anchor="ctr" anchorCtr="0">
+            <a:noAutofit/>
+          </a:bodyPr>
+          <a:lstStyle/>
+          <a:p>
+            <a:pPr marL="0" lvl="0" indent="0" algn="ctr" rtl="0">
+              <a:spcBef>
+                <a:spcPts val="0"/>
+              </a:spcBef>
+              <a:spcAft>
+                <a:spcPts val="0"/>
+              </a:spcAft>
+              <a:buNone/>
+            </a:pPr>
+            <a:r>
+              <a:rPr lang="nb-NO" dirty="0"/>
+              <a:t>Takk</a:t>
+            </a:r>
+            <a:r>
+              <a:rPr lang="en-GB" dirty="0"/>
+              <a:t> for </a:t>
+            </a:r>
+            <a:r>
+              <a:rPr lang="nb-NO" dirty="0"/>
+              <a:t>oppmøte</a:t>
+            </a:r>
+            <a:r>
+              <a:rPr lang="en-GB" dirty="0"/>
+              <a:t>!</a:t>
             </a:r>
             <a:endParaRPr dirty="0"/>
           </a:p>

--- a/generalforsamling/21H/Generalforsamling H2021.pptx
+++ b/generalforsamling/21H/Generalforsamling H2021.pptx
@@ -60,16 +60,11 @@
       <p:regular r:id="rId46"/>
     </p:embeddedFont>
     <p:embeddedFont>
-      <p:font typeface="Oswald" panose="00000500000000000000" pitchFamily="2" charset="0"/>
+      <p:font typeface="Roboto" panose="020B0604020202020204" charset="0"/>
       <p:regular r:id="rId47"/>
       <p:bold r:id="rId48"/>
-    </p:embeddedFont>
-    <p:embeddedFont>
-      <p:font typeface="Roboto" panose="02000000000000000000" pitchFamily="2" charset="0"/>
-      <p:regular r:id="rId49"/>
-      <p:bold r:id="rId50"/>
-      <p:italic r:id="rId51"/>
-      <p:boldItalic r:id="rId52"/>
+      <p:italic r:id="rId49"/>
+      <p:boldItalic r:id="rId50"/>
     </p:embeddedFont>
   </p:embeddedFontLst>
   <p:defaultTextStyle>
@@ -332,442 +327,13 @@
   <p1510:revLst>
     <p1510:client id="{6D5344D0-F072-402D-9CCA-09F97173F4E8}" v="359" dt="2021-11-10T15:32:56.052"/>
     <p1510:client id="{7F680326-D90B-4589-BB7E-ECA3FFDF8DF7}" v="98" dt="2021-11-09T20:59:54.686"/>
-    <p1510:client id="{BDE0C896-86BF-4D05-B3CA-9FF427C0BB6B}" v="1514" dt="2021-11-10T15:47:17.962"/>
+    <p1510:client id="{BDE0C896-86BF-4D05-B3CA-9FF427C0BB6B}" v="1886" dt="2021-11-10T15:57:12.187"/>
   </p1510:revLst>
 </p1510:revInfo>
 </file>
 
 <file path=ppt/changesInfos/changesInfo1.xml><?xml version="1.0" encoding="utf-8"?>
 <pc:chgInfo xmlns:a="http://schemas.openxmlformats.org/drawingml/2006/main" xmlns:r="http://schemas.openxmlformats.org/officeDocument/2006/relationships" xmlns:ac="http://schemas.microsoft.com/office/drawing/2013/main/command" xmlns:pc="http://schemas.microsoft.com/office/powerpoint/2013/main/command">
-  <pc:docChgLst>
-    <pc:chgData name="Gjestebruker" userId="S::urn:spo:anon#a7866cdca8654b5e0a4bb4141d513f7a478f10b2ee880f1b25c03d84d36d322d::" providerId="AD" clId="Web-{BDE0C896-86BF-4D05-B3CA-9FF427C0BB6B}"/>
-    <pc:docChg chg="addSld delSld modSld">
-      <pc:chgData name="Gjestebruker" userId="S::urn:spo:anon#a7866cdca8654b5e0a4bb4141d513f7a478f10b2ee880f1b25c03d84d36d322d::" providerId="AD" clId="Web-{BDE0C896-86BF-4D05-B3CA-9FF427C0BB6B}" dt="2021-11-10T15:47:17.962" v="1491" actId="20577"/>
-      <pc:docMkLst>
-        <pc:docMk/>
-      </pc:docMkLst>
-      <pc:sldChg chg="modSp new">
-        <pc:chgData name="Gjestebruker" userId="S::urn:spo:anon#a7866cdca8654b5e0a4bb4141d513f7a478f10b2ee880f1b25c03d84d36d322d::" providerId="AD" clId="Web-{BDE0C896-86BF-4D05-B3CA-9FF427C0BB6B}" dt="2021-11-10T15:41:00.579" v="1300" actId="20577"/>
-        <pc:sldMkLst>
-          <pc:docMk/>
-          <pc:sldMk cId="3148004758" sldId="287"/>
-        </pc:sldMkLst>
-        <pc:spChg chg="mod">
-          <ac:chgData name="Gjestebruker" userId="S::urn:spo:anon#a7866cdca8654b5e0a4bb4141d513f7a478f10b2ee880f1b25c03d84d36d322d::" providerId="AD" clId="Web-{BDE0C896-86BF-4D05-B3CA-9FF427C0BB6B}" dt="2021-11-10T15:18:50.730" v="676" actId="20577"/>
-          <ac:spMkLst>
-            <pc:docMk/>
-            <pc:sldMk cId="3148004758" sldId="287"/>
-            <ac:spMk id="2" creationId="{84968664-4C5F-42E5-959A-60A5325C2AF6}"/>
-          </ac:spMkLst>
-        </pc:spChg>
-        <pc:spChg chg="mod">
-          <ac:chgData name="Gjestebruker" userId="S::urn:spo:anon#a7866cdca8654b5e0a4bb4141d513f7a478f10b2ee880f1b25c03d84d36d322d::" providerId="AD" clId="Web-{BDE0C896-86BF-4D05-B3CA-9FF427C0BB6B}" dt="2021-11-10T15:41:00.579" v="1300" actId="20577"/>
-          <ac:spMkLst>
-            <pc:docMk/>
-            <pc:sldMk cId="3148004758" sldId="287"/>
-            <ac:spMk id="3" creationId="{276B50EA-7AEF-4FCF-96F2-08E821C93DD1}"/>
-          </ac:spMkLst>
-        </pc:spChg>
-      </pc:sldChg>
-      <pc:sldChg chg="delSp modSp new">
-        <pc:chgData name="Gjestebruker" userId="S::urn:spo:anon#a7866cdca8654b5e0a4bb4141d513f7a478f10b2ee880f1b25c03d84d36d322d::" providerId="AD" clId="Web-{BDE0C896-86BF-4D05-B3CA-9FF427C0BB6B}" dt="2021-11-10T15:09:09.115" v="130" actId="20577"/>
-        <pc:sldMkLst>
-          <pc:docMk/>
-          <pc:sldMk cId="2057716477" sldId="288"/>
-        </pc:sldMkLst>
-        <pc:spChg chg="mod">
-          <ac:chgData name="Gjestebruker" userId="S::urn:spo:anon#a7866cdca8654b5e0a4bb4141d513f7a478f10b2ee880f1b25c03d84d36d322d::" providerId="AD" clId="Web-{BDE0C896-86BF-4D05-B3CA-9FF427C0BB6B}" dt="2021-11-10T15:09:09.115" v="130" actId="20577"/>
-          <ac:spMkLst>
-            <pc:docMk/>
-            <pc:sldMk cId="2057716477" sldId="288"/>
-            <ac:spMk id="2" creationId="{E43C4244-87AF-47E5-BD4F-3748F079A354}"/>
-          </ac:spMkLst>
-        </pc:spChg>
-        <pc:spChg chg="del mod">
-          <ac:chgData name="Gjestebruker" userId="S::urn:spo:anon#a7866cdca8654b5e0a4bb4141d513f7a478f10b2ee880f1b25c03d84d36d322d::" providerId="AD" clId="Web-{BDE0C896-86BF-4D05-B3CA-9FF427C0BB6B}" dt="2021-11-10T15:05:34.477" v="4"/>
-          <ac:spMkLst>
-            <pc:docMk/>
-            <pc:sldMk cId="2057716477" sldId="288"/>
-            <ac:spMk id="3" creationId="{9FF9F9F8-CF44-4BF0-9A48-19A7C37BBF81}"/>
-          </ac:spMkLst>
-        </pc:spChg>
-      </pc:sldChg>
-      <pc:sldChg chg="modSp new">
-        <pc:chgData name="Gjestebruker" userId="S::urn:spo:anon#a7866cdca8654b5e0a4bb4141d513f7a478f10b2ee880f1b25c03d84d36d322d::" providerId="AD" clId="Web-{BDE0C896-86BF-4D05-B3CA-9FF427C0BB6B}" dt="2021-11-10T15:41:42.894" v="1302" actId="1076"/>
-        <pc:sldMkLst>
-          <pc:docMk/>
-          <pc:sldMk cId="3067305477" sldId="289"/>
-        </pc:sldMkLst>
-        <pc:spChg chg="mod">
-          <ac:chgData name="Gjestebruker" userId="S::urn:spo:anon#a7866cdca8654b5e0a4bb4141d513f7a478f10b2ee880f1b25c03d84d36d322d::" providerId="AD" clId="Web-{BDE0C896-86BF-4D05-B3CA-9FF427C0BB6B}" dt="2021-11-10T15:08:13.393" v="74" actId="20577"/>
-          <ac:spMkLst>
-            <pc:docMk/>
-            <pc:sldMk cId="3067305477" sldId="289"/>
-            <ac:spMk id="2" creationId="{A46583A3-5286-4391-9A18-68C19A0AFD7D}"/>
-          </ac:spMkLst>
-        </pc:spChg>
-        <pc:spChg chg="mod">
-          <ac:chgData name="Gjestebruker" userId="S::urn:spo:anon#a7866cdca8654b5e0a4bb4141d513f7a478f10b2ee880f1b25c03d84d36d322d::" providerId="AD" clId="Web-{BDE0C896-86BF-4D05-B3CA-9FF427C0BB6B}" dt="2021-11-10T15:41:42.894" v="1302" actId="1076"/>
-          <ac:spMkLst>
-            <pc:docMk/>
-            <pc:sldMk cId="3067305477" sldId="289"/>
-            <ac:spMk id="3" creationId="{196A78A9-689C-4E35-9EEE-63E1E0A39D98}"/>
-          </ac:spMkLst>
-        </pc:spChg>
-      </pc:sldChg>
-      <pc:sldChg chg="modSp new">
-        <pc:chgData name="Gjestebruker" userId="S::urn:spo:anon#a7866cdca8654b5e0a4bb4141d513f7a478f10b2ee880f1b25c03d84d36d322d::" providerId="AD" clId="Web-{BDE0C896-86BF-4D05-B3CA-9FF427C0BB6B}" dt="2021-11-10T15:27:12.152" v="1149" actId="20577"/>
-        <pc:sldMkLst>
-          <pc:docMk/>
-          <pc:sldMk cId="794052908" sldId="290"/>
-        </pc:sldMkLst>
-        <pc:spChg chg="mod">
-          <ac:chgData name="Gjestebruker" userId="S::urn:spo:anon#a7866cdca8654b5e0a4bb4141d513f7a478f10b2ee880f1b25c03d84d36d322d::" providerId="AD" clId="Web-{BDE0C896-86BF-4D05-B3CA-9FF427C0BB6B}" dt="2021-11-10T15:08:28.285" v="92" actId="20577"/>
-          <ac:spMkLst>
-            <pc:docMk/>
-            <pc:sldMk cId="794052908" sldId="290"/>
-            <ac:spMk id="2" creationId="{C40E3C94-B455-48AD-944E-9B84E2598693}"/>
-          </ac:spMkLst>
-        </pc:spChg>
-        <pc:spChg chg="mod">
-          <ac:chgData name="Gjestebruker" userId="S::urn:spo:anon#a7866cdca8654b5e0a4bb4141d513f7a478f10b2ee880f1b25c03d84d36d322d::" providerId="AD" clId="Web-{BDE0C896-86BF-4D05-B3CA-9FF427C0BB6B}" dt="2021-11-10T15:27:12.152" v="1149" actId="20577"/>
-          <ac:spMkLst>
-            <pc:docMk/>
-            <pc:sldMk cId="794052908" sldId="290"/>
-            <ac:spMk id="3" creationId="{A6D3E248-1491-40A5-963D-705958D3CD2B}"/>
-          </ac:spMkLst>
-        </pc:spChg>
-      </pc:sldChg>
-      <pc:sldChg chg="modSp new">
-        <pc:chgData name="Gjestebruker" userId="S::urn:spo:anon#a7866cdca8654b5e0a4bb4141d513f7a478f10b2ee880f1b25c03d84d36d322d::" providerId="AD" clId="Web-{BDE0C896-86BF-4D05-B3CA-9FF427C0BB6B}" dt="2021-11-10T15:42:04.036" v="1304" actId="1076"/>
-        <pc:sldMkLst>
-          <pc:docMk/>
-          <pc:sldMk cId="2905854370" sldId="291"/>
-        </pc:sldMkLst>
-        <pc:spChg chg="mod">
-          <ac:chgData name="Gjestebruker" userId="S::urn:spo:anon#a7866cdca8654b5e0a4bb4141d513f7a478f10b2ee880f1b25c03d84d36d322d::" providerId="AD" clId="Web-{BDE0C896-86BF-4D05-B3CA-9FF427C0BB6B}" dt="2021-11-10T15:08:33.097" v="102" actId="20577"/>
-          <ac:spMkLst>
-            <pc:docMk/>
-            <pc:sldMk cId="2905854370" sldId="291"/>
-            <ac:spMk id="2" creationId="{6E0FE82A-FE8A-4ACE-95F8-5FE505B3B000}"/>
-          </ac:spMkLst>
-        </pc:spChg>
-        <pc:spChg chg="mod">
-          <ac:chgData name="Gjestebruker" userId="S::urn:spo:anon#a7866cdca8654b5e0a4bb4141d513f7a478f10b2ee880f1b25c03d84d36d322d::" providerId="AD" clId="Web-{BDE0C896-86BF-4D05-B3CA-9FF427C0BB6B}" dt="2021-11-10T15:42:04.036" v="1304" actId="1076"/>
-          <ac:spMkLst>
-            <pc:docMk/>
-            <pc:sldMk cId="2905854370" sldId="291"/>
-            <ac:spMk id="3" creationId="{9308ABA1-A29A-4E32-8F81-F9C37FF4AE5E}"/>
-          </ac:spMkLst>
-        </pc:spChg>
-      </pc:sldChg>
-      <pc:sldChg chg="new del">
-        <pc:chgData name="Gjestebruker" userId="S::urn:spo:anon#a7866cdca8654b5e0a4bb4141d513f7a478f10b2ee880f1b25c03d84d36d322d::" providerId="AD" clId="Web-{BDE0C896-86BF-4D05-B3CA-9FF427C0BB6B}" dt="2021-11-10T15:08:38.410" v="104"/>
-        <pc:sldMkLst>
-          <pc:docMk/>
-          <pc:sldMk cId="888146896" sldId="292"/>
-        </pc:sldMkLst>
-      </pc:sldChg>
-      <pc:sldChg chg="modSp new">
-        <pc:chgData name="Gjestebruker" userId="S::urn:spo:anon#a7866cdca8654b5e0a4bb4141d513f7a478f10b2ee880f1b25c03d84d36d322d::" providerId="AD" clId="Web-{BDE0C896-86BF-4D05-B3CA-9FF427C0BB6B}" dt="2021-11-10T15:42:39.351" v="1315" actId="20577"/>
-        <pc:sldMkLst>
-          <pc:docMk/>
-          <pc:sldMk cId="2175780814" sldId="292"/>
-        </pc:sldMkLst>
-        <pc:spChg chg="mod">
-          <ac:chgData name="Gjestebruker" userId="S::urn:spo:anon#a7866cdca8654b5e0a4bb4141d513f7a478f10b2ee880f1b25c03d84d36d322d::" providerId="AD" clId="Web-{BDE0C896-86BF-4D05-B3CA-9FF427C0BB6B}" dt="2021-11-10T15:09:42.617" v="135" actId="20577"/>
-          <ac:spMkLst>
-            <pc:docMk/>
-            <pc:sldMk cId="2175780814" sldId="292"/>
-            <ac:spMk id="2" creationId="{E381FFE6-337C-4C02-A597-E8336A5C5BBE}"/>
-          </ac:spMkLst>
-        </pc:spChg>
-        <pc:spChg chg="mod">
-          <ac:chgData name="Gjestebruker" userId="S::urn:spo:anon#a7866cdca8654b5e0a4bb4141d513f7a478f10b2ee880f1b25c03d84d36d322d::" providerId="AD" clId="Web-{BDE0C896-86BF-4D05-B3CA-9FF427C0BB6B}" dt="2021-11-10T15:42:39.351" v="1315" actId="20577"/>
-          <ac:spMkLst>
-            <pc:docMk/>
-            <pc:sldMk cId="2175780814" sldId="292"/>
-            <ac:spMk id="3" creationId="{1DD3B372-FB37-4CB7-B41E-98942A82A645}"/>
-          </ac:spMkLst>
-        </pc:spChg>
-      </pc:sldChg>
-      <pc:sldChg chg="modSp new">
-        <pc:chgData name="Gjestebruker" userId="S::urn:spo:anon#a7866cdca8654b5e0a4bb4141d513f7a478f10b2ee880f1b25c03d84d36d322d::" providerId="AD" clId="Web-{BDE0C896-86BF-4D05-B3CA-9FF427C0BB6B}" dt="2021-11-10T15:45:29.361" v="1428" actId="20577"/>
-        <pc:sldMkLst>
-          <pc:docMk/>
-          <pc:sldMk cId="3472435525" sldId="293"/>
-        </pc:sldMkLst>
-        <pc:spChg chg="mod">
-          <ac:chgData name="Gjestebruker" userId="S::urn:spo:anon#a7866cdca8654b5e0a4bb4141d513f7a478f10b2ee880f1b25c03d84d36d322d::" providerId="AD" clId="Web-{BDE0C896-86BF-4D05-B3CA-9FF427C0BB6B}" dt="2021-11-10T15:30:19.554" v="1179"/>
-          <ac:spMkLst>
-            <pc:docMk/>
-            <pc:sldMk cId="3472435525" sldId="293"/>
-            <ac:spMk id="2" creationId="{4B535DA4-12ED-49CF-9E12-36C41DD82E55}"/>
-          </ac:spMkLst>
-        </pc:spChg>
-        <pc:spChg chg="mod">
-          <ac:chgData name="Gjestebruker" userId="S::urn:spo:anon#a7866cdca8654b5e0a4bb4141d513f7a478f10b2ee880f1b25c03d84d36d322d::" providerId="AD" clId="Web-{BDE0C896-86BF-4D05-B3CA-9FF427C0BB6B}" dt="2021-11-10T15:45:29.361" v="1428" actId="20577"/>
-          <ac:spMkLst>
-            <pc:docMk/>
-            <pc:sldMk cId="3472435525" sldId="293"/>
-            <ac:spMk id="3" creationId="{FA8F8FB8-DE75-419E-B7EF-3DE5FFA913C5}"/>
-          </ac:spMkLst>
-        </pc:spChg>
-      </pc:sldChg>
-      <pc:sldChg chg="modSp new">
-        <pc:chgData name="Gjestebruker" userId="S::urn:spo:anon#a7866cdca8654b5e0a4bb4141d513f7a478f10b2ee880f1b25c03d84d36d322d::" providerId="AD" clId="Web-{BDE0C896-86BF-4D05-B3CA-9FF427C0BB6B}" dt="2021-11-10T15:47:17.962" v="1491" actId="20577"/>
-        <pc:sldMkLst>
-          <pc:docMk/>
-          <pc:sldMk cId="2052741389" sldId="294"/>
-        </pc:sldMkLst>
-        <pc:spChg chg="mod">
-          <ac:chgData name="Gjestebruker" userId="S::urn:spo:anon#a7866cdca8654b5e0a4bb4141d513f7a478f10b2ee880f1b25c03d84d36d322d::" providerId="AD" clId="Web-{BDE0C896-86BF-4D05-B3CA-9FF427C0BB6B}" dt="2021-11-10T15:10:38.918" v="158" actId="20577"/>
-          <ac:spMkLst>
-            <pc:docMk/>
-            <pc:sldMk cId="2052741389" sldId="294"/>
-            <ac:spMk id="2" creationId="{BF8DE96B-6840-4126-8279-D885301A3760}"/>
-          </ac:spMkLst>
-        </pc:spChg>
-        <pc:spChg chg="mod">
-          <ac:chgData name="Gjestebruker" userId="S::urn:spo:anon#a7866cdca8654b5e0a4bb4141d513f7a478f10b2ee880f1b25c03d84d36d322d::" providerId="AD" clId="Web-{BDE0C896-86BF-4D05-B3CA-9FF427C0BB6B}" dt="2021-11-10T15:47:17.962" v="1491" actId="20577"/>
-          <ac:spMkLst>
-            <pc:docMk/>
-            <pc:sldMk cId="2052741389" sldId="294"/>
-            <ac:spMk id="3" creationId="{51BA7FEC-1E2F-465C-9C74-8B5929754BFA}"/>
-          </ac:spMkLst>
-        </pc:spChg>
-      </pc:sldChg>
-      <pc:sldChg chg="modSp new">
-        <pc:chgData name="Gjestebruker" userId="S::urn:spo:anon#a7866cdca8654b5e0a4bb4141d513f7a478f10b2ee880f1b25c03d84d36d322d::" providerId="AD" clId="Web-{BDE0C896-86BF-4D05-B3CA-9FF427C0BB6B}" dt="2021-11-10T15:31:29.262" v="1189" actId="20577"/>
-        <pc:sldMkLst>
-          <pc:docMk/>
-          <pc:sldMk cId="3738315346" sldId="295"/>
-        </pc:sldMkLst>
-        <pc:spChg chg="mod">
-          <ac:chgData name="Gjestebruker" userId="S::urn:spo:anon#a7866cdca8654b5e0a4bb4141d513f7a478f10b2ee880f1b25c03d84d36d322d::" providerId="AD" clId="Web-{BDE0C896-86BF-4D05-B3CA-9FF427C0BB6B}" dt="2021-11-10T15:10:55.388" v="166" actId="20577"/>
-          <ac:spMkLst>
-            <pc:docMk/>
-            <pc:sldMk cId="3738315346" sldId="295"/>
-            <ac:spMk id="2" creationId="{C9EE77E9-57C9-4673-A0FB-E6F2F2FE7B8E}"/>
-          </ac:spMkLst>
-        </pc:spChg>
-        <pc:spChg chg="mod">
-          <ac:chgData name="Gjestebruker" userId="S::urn:spo:anon#a7866cdca8654b5e0a4bb4141d513f7a478f10b2ee880f1b25c03d84d36d322d::" providerId="AD" clId="Web-{BDE0C896-86BF-4D05-B3CA-9FF427C0BB6B}" dt="2021-11-10T15:31:29.262" v="1189" actId="20577"/>
-          <ac:spMkLst>
-            <pc:docMk/>
-            <pc:sldMk cId="3738315346" sldId="295"/>
-            <ac:spMk id="3" creationId="{13C465EB-3291-41D4-82D1-AB4C589B7390}"/>
-          </ac:spMkLst>
-        </pc:spChg>
-      </pc:sldChg>
-      <pc:sldChg chg="modSp new">
-        <pc:chgData name="Gjestebruker" userId="S::urn:spo:anon#a7866cdca8654b5e0a4bb4141d513f7a478f10b2ee880f1b25c03d84d36d322d::" providerId="AD" clId="Web-{BDE0C896-86BF-4D05-B3CA-9FF427C0BB6B}" dt="2021-11-10T15:11:23.702" v="179" actId="20577"/>
-        <pc:sldMkLst>
-          <pc:docMk/>
-          <pc:sldMk cId="1649385506" sldId="296"/>
-        </pc:sldMkLst>
-        <pc:spChg chg="mod">
-          <ac:chgData name="Gjestebruker" userId="S::urn:spo:anon#a7866cdca8654b5e0a4bb4141d513f7a478f10b2ee880f1b25c03d84d36d322d::" providerId="AD" clId="Web-{BDE0C896-86BF-4D05-B3CA-9FF427C0BB6B}" dt="2021-11-10T15:11:23.702" v="179" actId="20577"/>
-          <ac:spMkLst>
-            <pc:docMk/>
-            <pc:sldMk cId="1649385506" sldId="296"/>
-            <ac:spMk id="2" creationId="{B4672B71-EFC4-489E-8B95-2E54C6B10817}"/>
-          </ac:spMkLst>
-        </pc:spChg>
-      </pc:sldChg>
-      <pc:sldChg chg="modSp new">
-        <pc:chgData name="Gjestebruker" userId="S::urn:spo:anon#a7866cdca8654b5e0a4bb4141d513f7a478f10b2ee880f1b25c03d84d36d322d::" providerId="AD" clId="Web-{BDE0C896-86BF-4D05-B3CA-9FF427C0BB6B}" dt="2021-11-10T15:33:42.958" v="1191" actId="20577"/>
-        <pc:sldMkLst>
-          <pc:docMk/>
-          <pc:sldMk cId="1745298555" sldId="297"/>
-        </pc:sldMkLst>
-        <pc:spChg chg="mod">
-          <ac:chgData name="Gjestebruker" userId="S::urn:spo:anon#a7866cdca8654b5e0a4bb4141d513f7a478f10b2ee880f1b25c03d84d36d322d::" providerId="AD" clId="Web-{BDE0C896-86BF-4D05-B3CA-9FF427C0BB6B}" dt="2021-11-10T15:11:33.390" v="191" actId="20577"/>
-          <ac:spMkLst>
-            <pc:docMk/>
-            <pc:sldMk cId="1745298555" sldId="297"/>
-            <ac:spMk id="2" creationId="{52761FFB-42F0-4EA5-B18A-F14C10884E37}"/>
-          </ac:spMkLst>
-        </pc:spChg>
-        <pc:spChg chg="mod">
-          <ac:chgData name="Gjestebruker" userId="S::urn:spo:anon#a7866cdca8654b5e0a4bb4141d513f7a478f10b2ee880f1b25c03d84d36d322d::" providerId="AD" clId="Web-{BDE0C896-86BF-4D05-B3CA-9FF427C0BB6B}" dt="2021-11-10T15:33:42.958" v="1191" actId="20577"/>
-          <ac:spMkLst>
-            <pc:docMk/>
-            <pc:sldMk cId="1745298555" sldId="297"/>
-            <ac:spMk id="3" creationId="{E6E1DA44-8ACF-4AA6-A137-2B3352CFE273}"/>
-          </ac:spMkLst>
-        </pc:spChg>
-      </pc:sldChg>
-      <pc:sldChg chg="modSp new">
-        <pc:chgData name="Gjestebruker" userId="S::urn:spo:anon#a7866cdca8654b5e0a4bb4141d513f7a478f10b2ee880f1b25c03d84d36d322d::" providerId="AD" clId="Web-{BDE0C896-86BF-4D05-B3CA-9FF427C0BB6B}" dt="2021-11-10T15:34:42.243" v="1195" actId="20577"/>
-        <pc:sldMkLst>
-          <pc:docMk/>
-          <pc:sldMk cId="1620576335" sldId="298"/>
-        </pc:sldMkLst>
-        <pc:spChg chg="mod">
-          <ac:chgData name="Gjestebruker" userId="S::urn:spo:anon#a7866cdca8654b5e0a4bb4141d513f7a478f10b2ee880f1b25c03d84d36d322d::" providerId="AD" clId="Web-{BDE0C896-86BF-4D05-B3CA-9FF427C0BB6B}" dt="2021-11-10T15:11:47.125" v="212" actId="20577"/>
-          <ac:spMkLst>
-            <pc:docMk/>
-            <pc:sldMk cId="1620576335" sldId="298"/>
-            <ac:spMk id="2" creationId="{1396CE55-E954-44F8-A683-F219EEF46974}"/>
-          </ac:spMkLst>
-        </pc:spChg>
-        <pc:spChg chg="mod">
-          <ac:chgData name="Gjestebruker" userId="S::urn:spo:anon#a7866cdca8654b5e0a4bb4141d513f7a478f10b2ee880f1b25c03d84d36d322d::" providerId="AD" clId="Web-{BDE0C896-86BF-4D05-B3CA-9FF427C0BB6B}" dt="2021-11-10T15:34:42.243" v="1195" actId="20577"/>
-          <ac:spMkLst>
-            <pc:docMk/>
-            <pc:sldMk cId="1620576335" sldId="298"/>
-            <ac:spMk id="3" creationId="{52B122C9-6373-48E7-B863-900D05B49939}"/>
-          </ac:spMkLst>
-        </pc:spChg>
-      </pc:sldChg>
-      <pc:sldChg chg="modSp new">
-        <pc:chgData name="Gjestebruker" userId="S::urn:spo:anon#a7866cdca8654b5e0a4bb4141d513f7a478f10b2ee880f1b25c03d84d36d322d::" providerId="AD" clId="Web-{BDE0C896-86BF-4D05-B3CA-9FF427C0BB6B}" dt="2021-11-10T15:35:02.431" v="1197" actId="20577"/>
-        <pc:sldMkLst>
-          <pc:docMk/>
-          <pc:sldMk cId="1272612646" sldId="299"/>
-        </pc:sldMkLst>
-        <pc:spChg chg="mod">
-          <ac:chgData name="Gjestebruker" userId="S::urn:spo:anon#a7866cdca8654b5e0a4bb4141d513f7a478f10b2ee880f1b25c03d84d36d322d::" providerId="AD" clId="Web-{BDE0C896-86BF-4D05-B3CA-9FF427C0BB6B}" dt="2021-11-10T15:11:57.938" v="226" actId="20577"/>
-          <ac:spMkLst>
-            <pc:docMk/>
-            <pc:sldMk cId="1272612646" sldId="299"/>
-            <ac:spMk id="2" creationId="{305379D4-9553-4F91-B522-ABC353E90F21}"/>
-          </ac:spMkLst>
-        </pc:spChg>
-        <pc:spChg chg="mod">
-          <ac:chgData name="Gjestebruker" userId="S::urn:spo:anon#a7866cdca8654b5e0a4bb4141d513f7a478f10b2ee880f1b25c03d84d36d322d::" providerId="AD" clId="Web-{BDE0C896-86BF-4D05-B3CA-9FF427C0BB6B}" dt="2021-11-10T15:35:02.431" v="1197" actId="20577"/>
-          <ac:spMkLst>
-            <pc:docMk/>
-            <pc:sldMk cId="1272612646" sldId="299"/>
-            <ac:spMk id="3" creationId="{FD8B1F7B-ACF3-41D4-9384-8747931D45B5}"/>
-          </ac:spMkLst>
-        </pc:spChg>
-      </pc:sldChg>
-      <pc:sldChg chg="modSp new">
-        <pc:chgData name="Gjestebruker" userId="S::urn:spo:anon#a7866cdca8654b5e0a4bb4141d513f7a478f10b2ee880f1b25c03d84d36d322d::" providerId="AD" clId="Web-{BDE0C896-86BF-4D05-B3CA-9FF427C0BB6B}" dt="2021-11-10T15:35:21.823" v="1200" actId="20577"/>
-        <pc:sldMkLst>
-          <pc:docMk/>
-          <pc:sldMk cId="4272981795" sldId="300"/>
-        </pc:sldMkLst>
-        <pc:spChg chg="mod">
-          <ac:chgData name="Gjestebruker" userId="S::urn:spo:anon#a7866cdca8654b5e0a4bb4141d513f7a478f10b2ee880f1b25c03d84d36d322d::" providerId="AD" clId="Web-{BDE0C896-86BF-4D05-B3CA-9FF427C0BB6B}" dt="2021-11-10T15:12:08.564" v="232" actId="20577"/>
-          <ac:spMkLst>
-            <pc:docMk/>
-            <pc:sldMk cId="4272981795" sldId="300"/>
-            <ac:spMk id="2" creationId="{D29A6DBF-386F-410D-B90A-8525165CCA12}"/>
-          </ac:spMkLst>
-        </pc:spChg>
-        <pc:spChg chg="mod">
-          <ac:chgData name="Gjestebruker" userId="S::urn:spo:anon#a7866cdca8654b5e0a4bb4141d513f7a478f10b2ee880f1b25c03d84d36d322d::" providerId="AD" clId="Web-{BDE0C896-86BF-4D05-B3CA-9FF427C0BB6B}" dt="2021-11-10T15:35:21.823" v="1200" actId="20577"/>
-          <ac:spMkLst>
-            <pc:docMk/>
-            <pc:sldMk cId="4272981795" sldId="300"/>
-            <ac:spMk id="3" creationId="{23070024-90BB-4EE5-8AAE-B4BA47A35561}"/>
-          </ac:spMkLst>
-        </pc:spChg>
-      </pc:sldChg>
-      <pc:sldChg chg="modSp new">
-        <pc:chgData name="Gjestebruker" userId="S::urn:spo:anon#a7866cdca8654b5e0a4bb4141d513f7a478f10b2ee880f1b25c03d84d36d322d::" providerId="AD" clId="Web-{BDE0C896-86BF-4D05-B3CA-9FF427C0BB6B}" dt="2021-11-10T15:35:49.622" v="1203" actId="20577"/>
-        <pc:sldMkLst>
-          <pc:docMk/>
-          <pc:sldMk cId="1460864720" sldId="301"/>
-        </pc:sldMkLst>
-        <pc:spChg chg="mod">
-          <ac:chgData name="Gjestebruker" userId="S::urn:spo:anon#a7866cdca8654b5e0a4bb4141d513f7a478f10b2ee880f1b25c03d84d36d322d::" providerId="AD" clId="Web-{BDE0C896-86BF-4D05-B3CA-9FF427C0BB6B}" dt="2021-11-10T15:12:26.143" v="248" actId="20577"/>
-          <ac:spMkLst>
-            <pc:docMk/>
-            <pc:sldMk cId="1460864720" sldId="301"/>
-            <ac:spMk id="2" creationId="{37ED4EE4-56A5-48D8-9E31-001C33CFE1FA}"/>
-          </ac:spMkLst>
-        </pc:spChg>
-        <pc:spChg chg="mod">
-          <ac:chgData name="Gjestebruker" userId="S::urn:spo:anon#a7866cdca8654b5e0a4bb4141d513f7a478f10b2ee880f1b25c03d84d36d322d::" providerId="AD" clId="Web-{BDE0C896-86BF-4D05-B3CA-9FF427C0BB6B}" dt="2021-11-10T15:35:49.622" v="1203" actId="20577"/>
-          <ac:spMkLst>
-            <pc:docMk/>
-            <pc:sldMk cId="1460864720" sldId="301"/>
-            <ac:spMk id="3" creationId="{F0399D48-606E-46BF-8E28-EA5E8419DB88}"/>
-          </ac:spMkLst>
-        </pc:spChg>
-      </pc:sldChg>
-      <pc:sldChg chg="modSp new">
-        <pc:chgData name="Gjestebruker" userId="S::urn:spo:anon#a7866cdca8654b5e0a4bb4141d513f7a478f10b2ee880f1b25c03d84d36d322d::" providerId="AD" clId="Web-{BDE0C896-86BF-4D05-B3CA-9FF427C0BB6B}" dt="2021-11-10T15:39:36.292" v="1223" actId="20577"/>
-        <pc:sldMkLst>
-          <pc:docMk/>
-          <pc:sldMk cId="2540969315" sldId="302"/>
-        </pc:sldMkLst>
-        <pc:spChg chg="mod">
-          <ac:chgData name="Gjestebruker" userId="S::urn:spo:anon#a7866cdca8654b5e0a4bb4141d513f7a478f10b2ee880f1b25c03d84d36d322d::" providerId="AD" clId="Web-{BDE0C896-86BF-4D05-B3CA-9FF427C0BB6B}" dt="2021-11-10T15:14:25.276" v="300" actId="20577"/>
-          <ac:spMkLst>
-            <pc:docMk/>
-            <pc:sldMk cId="2540969315" sldId="302"/>
-            <ac:spMk id="2" creationId="{D7ABAB5E-AFC0-4B8C-BEC7-5E02BC71F44D}"/>
-          </ac:spMkLst>
-        </pc:spChg>
-        <pc:spChg chg="mod">
-          <ac:chgData name="Gjestebruker" userId="S::urn:spo:anon#a7866cdca8654b5e0a4bb4141d513f7a478f10b2ee880f1b25c03d84d36d322d::" providerId="AD" clId="Web-{BDE0C896-86BF-4D05-B3CA-9FF427C0BB6B}" dt="2021-11-10T15:39:36.292" v="1223" actId="20577"/>
-          <ac:spMkLst>
-            <pc:docMk/>
-            <pc:sldMk cId="2540969315" sldId="302"/>
-            <ac:spMk id="3" creationId="{607D9802-3099-4460-BB6A-5B52CC2D2A83}"/>
-          </ac:spMkLst>
-        </pc:spChg>
-      </pc:sldChg>
-      <pc:sldChg chg="modSp new">
-        <pc:chgData name="Gjestebruker" userId="S::urn:spo:anon#a7866cdca8654b5e0a4bb4141d513f7a478f10b2ee880f1b25c03d84d36d322d::" providerId="AD" clId="Web-{BDE0C896-86BF-4D05-B3CA-9FF427C0BB6B}" dt="2021-11-10T15:43:14.181" v="1318" actId="20577"/>
-        <pc:sldMkLst>
-          <pc:docMk/>
-          <pc:sldMk cId="3814697543" sldId="303"/>
-        </pc:sldMkLst>
-        <pc:spChg chg="mod">
-          <ac:chgData name="Gjestebruker" userId="S::urn:spo:anon#a7866cdca8654b5e0a4bb4141d513f7a478f10b2ee880f1b25c03d84d36d322d::" providerId="AD" clId="Web-{BDE0C896-86BF-4D05-B3CA-9FF427C0BB6B}" dt="2021-11-10T15:15:18.873" v="327" actId="20577"/>
-          <ac:spMkLst>
-            <pc:docMk/>
-            <pc:sldMk cId="3814697543" sldId="303"/>
-            <ac:spMk id="2" creationId="{0F87AD55-CD18-412E-AA2F-30BB430B0153}"/>
-          </ac:spMkLst>
-        </pc:spChg>
-        <pc:spChg chg="mod">
-          <ac:chgData name="Gjestebruker" userId="S::urn:spo:anon#a7866cdca8654b5e0a4bb4141d513f7a478f10b2ee880f1b25c03d84d36d322d::" providerId="AD" clId="Web-{BDE0C896-86BF-4D05-B3CA-9FF427C0BB6B}" dt="2021-11-10T15:43:14.181" v="1318" actId="20577"/>
-          <ac:spMkLst>
-            <pc:docMk/>
-            <pc:sldMk cId="3814697543" sldId="303"/>
-            <ac:spMk id="3" creationId="{EFB0F7D0-8B7E-4BE3-AAB4-FA47BFC3A2E7}"/>
-          </ac:spMkLst>
-        </pc:spChg>
-      </pc:sldChg>
-      <pc:sldChg chg="modSp new">
-        <pc:chgData name="Gjestebruker" userId="S::urn:spo:anon#a7866cdca8654b5e0a4bb4141d513f7a478f10b2ee880f1b25c03d84d36d322d::" providerId="AD" clId="Web-{BDE0C896-86BF-4D05-B3CA-9FF427C0BB6B}" dt="2021-11-10T15:20:06.219" v="743" actId="20577"/>
-        <pc:sldMkLst>
-          <pc:docMk/>
-          <pc:sldMk cId="56019883" sldId="305"/>
-        </pc:sldMkLst>
-        <pc:spChg chg="mod">
-          <ac:chgData name="Gjestebruker" userId="S::urn:spo:anon#a7866cdca8654b5e0a4bb4141d513f7a478f10b2ee880f1b25c03d84d36d322d::" providerId="AD" clId="Web-{BDE0C896-86BF-4D05-B3CA-9FF427C0BB6B}" dt="2021-11-10T15:20:06.219" v="743" actId="20577"/>
-          <ac:spMkLst>
-            <pc:docMk/>
-            <pc:sldMk cId="56019883" sldId="305"/>
-            <ac:spMk id="2" creationId="{34A1844A-5DB1-4765-8C7B-1565AE07D230}"/>
-          </ac:spMkLst>
-        </pc:spChg>
-      </pc:sldChg>
-      <pc:sldChg chg="modSp">
-        <pc:chgData name="Gjestebruker" userId="S::urn:spo:anon#a7866cdca8654b5e0a4bb4141d513f7a478f10b2ee880f1b25c03d84d36d322d::" providerId="AD" clId="Web-{BDE0C896-86BF-4D05-B3CA-9FF427C0BB6B}" dt="2021-11-10T15:38:35.632" v="1213" actId="1076"/>
-        <pc:sldMkLst>
-          <pc:docMk/>
-          <pc:sldMk cId="3086758528" sldId="309"/>
-        </pc:sldMkLst>
-        <pc:spChg chg="mod">
-          <ac:chgData name="Gjestebruker" userId="S::urn:spo:anon#a7866cdca8654b5e0a4bb4141d513f7a478f10b2ee880f1b25c03d84d36d322d::" providerId="AD" clId="Web-{BDE0C896-86BF-4D05-B3CA-9FF427C0BB6B}" dt="2021-11-10T15:38:35.632" v="1213" actId="1076"/>
-          <ac:spMkLst>
-            <pc:docMk/>
-            <pc:sldMk cId="3086758528" sldId="309"/>
-            <ac:spMk id="179" creationId="{00000000-0000-0000-0000-000000000000}"/>
-          </ac:spMkLst>
-        </pc:spChg>
-      </pc:sldChg>
-    </pc:docChg>
-  </pc:docChgLst>
   <pc:docChgLst>
     <pc:chgData name="Peter Hjelle Petersen-Øverleir" userId="75e6a86c-2ff7-48bd-a545-c00c7cd58f36" providerId="ADAL" clId="{6D5344D0-F072-402D-9CCA-09F97173F4E8}"/>
     <pc:docChg chg="undo redo custSel addSld delSld modSld sldOrd">
@@ -1071,6 +637,443 @@
             <pc:docMk/>
             <pc:sldMk cId="3795063506" sldId="309"/>
             <ac:spMk id="184" creationId="{00000000-0000-0000-0000-000000000000}"/>
+          </ac:spMkLst>
+        </pc:spChg>
+      </pc:sldChg>
+    </pc:docChg>
+  </pc:docChgLst>
+  <pc:docChgLst>
+    <pc:chgData name="Gjestebruker" userId="S::urn:spo:anon#a7866cdca8654b5e0a4bb4141d513f7a478f10b2ee880f1b25c03d84d36d322d::" providerId="AD" clId="Web-{BDE0C896-86BF-4D05-B3CA-9FF427C0BB6B}"/>
+    <pc:docChg chg="addSld delSld modSld">
+      <pc:chgData name="Gjestebruker" userId="S::urn:spo:anon#a7866cdca8654b5e0a4bb4141d513f7a478f10b2ee880f1b25c03d84d36d322d::" providerId="AD" clId="Web-{BDE0C896-86BF-4D05-B3CA-9FF427C0BB6B}" dt="2021-11-10T15:57:12.187" v="1859" actId="1076"/>
+      <pc:docMkLst>
+        <pc:docMk/>
+      </pc:docMkLst>
+      <pc:sldChg chg="modSp new">
+        <pc:chgData name="Gjestebruker" userId="S::urn:spo:anon#a7866cdca8654b5e0a4bb4141d513f7a478f10b2ee880f1b25c03d84d36d322d::" providerId="AD" clId="Web-{BDE0C896-86BF-4D05-B3CA-9FF427C0BB6B}" dt="2021-11-10T15:41:00.579" v="1300" actId="20577"/>
+        <pc:sldMkLst>
+          <pc:docMk/>
+          <pc:sldMk cId="3148004758" sldId="287"/>
+        </pc:sldMkLst>
+        <pc:spChg chg="mod">
+          <ac:chgData name="Gjestebruker" userId="S::urn:spo:anon#a7866cdca8654b5e0a4bb4141d513f7a478f10b2ee880f1b25c03d84d36d322d::" providerId="AD" clId="Web-{BDE0C896-86BF-4D05-B3CA-9FF427C0BB6B}" dt="2021-11-10T15:18:50.730" v="676" actId="20577"/>
+          <ac:spMkLst>
+            <pc:docMk/>
+            <pc:sldMk cId="3148004758" sldId="287"/>
+            <ac:spMk id="2" creationId="{84968664-4C5F-42E5-959A-60A5325C2AF6}"/>
+          </ac:spMkLst>
+        </pc:spChg>
+        <pc:spChg chg="mod">
+          <ac:chgData name="Gjestebruker" userId="S::urn:spo:anon#a7866cdca8654b5e0a4bb4141d513f7a478f10b2ee880f1b25c03d84d36d322d::" providerId="AD" clId="Web-{BDE0C896-86BF-4D05-B3CA-9FF427C0BB6B}" dt="2021-11-10T15:41:00.579" v="1300" actId="20577"/>
+          <ac:spMkLst>
+            <pc:docMk/>
+            <pc:sldMk cId="3148004758" sldId="287"/>
+            <ac:spMk id="3" creationId="{276B50EA-7AEF-4FCF-96F2-08E821C93DD1}"/>
+          </ac:spMkLst>
+        </pc:spChg>
+      </pc:sldChg>
+      <pc:sldChg chg="delSp modSp new">
+        <pc:chgData name="Gjestebruker" userId="S::urn:spo:anon#a7866cdca8654b5e0a4bb4141d513f7a478f10b2ee880f1b25c03d84d36d322d::" providerId="AD" clId="Web-{BDE0C896-86BF-4D05-B3CA-9FF427C0BB6B}" dt="2021-11-10T15:09:09.115" v="130" actId="20577"/>
+        <pc:sldMkLst>
+          <pc:docMk/>
+          <pc:sldMk cId="2057716477" sldId="288"/>
+        </pc:sldMkLst>
+        <pc:spChg chg="mod">
+          <ac:chgData name="Gjestebruker" userId="S::urn:spo:anon#a7866cdca8654b5e0a4bb4141d513f7a478f10b2ee880f1b25c03d84d36d322d::" providerId="AD" clId="Web-{BDE0C896-86BF-4D05-B3CA-9FF427C0BB6B}" dt="2021-11-10T15:09:09.115" v="130" actId="20577"/>
+          <ac:spMkLst>
+            <pc:docMk/>
+            <pc:sldMk cId="2057716477" sldId="288"/>
+            <ac:spMk id="2" creationId="{E43C4244-87AF-47E5-BD4F-3748F079A354}"/>
+          </ac:spMkLst>
+        </pc:spChg>
+        <pc:spChg chg="del mod">
+          <ac:chgData name="Gjestebruker" userId="S::urn:spo:anon#a7866cdca8654b5e0a4bb4141d513f7a478f10b2ee880f1b25c03d84d36d322d::" providerId="AD" clId="Web-{BDE0C896-86BF-4D05-B3CA-9FF427C0BB6B}" dt="2021-11-10T15:05:34.477" v="4"/>
+          <ac:spMkLst>
+            <pc:docMk/>
+            <pc:sldMk cId="2057716477" sldId="288"/>
+            <ac:spMk id="3" creationId="{9FF9F9F8-CF44-4BF0-9A48-19A7C37BBF81}"/>
+          </ac:spMkLst>
+        </pc:spChg>
+      </pc:sldChg>
+      <pc:sldChg chg="modSp new">
+        <pc:chgData name="Gjestebruker" userId="S::urn:spo:anon#a7866cdca8654b5e0a4bb4141d513f7a478f10b2ee880f1b25c03d84d36d322d::" providerId="AD" clId="Web-{BDE0C896-86BF-4D05-B3CA-9FF427C0BB6B}" dt="2021-11-10T15:41:42.894" v="1302" actId="1076"/>
+        <pc:sldMkLst>
+          <pc:docMk/>
+          <pc:sldMk cId="3067305477" sldId="289"/>
+        </pc:sldMkLst>
+        <pc:spChg chg="mod">
+          <ac:chgData name="Gjestebruker" userId="S::urn:spo:anon#a7866cdca8654b5e0a4bb4141d513f7a478f10b2ee880f1b25c03d84d36d322d::" providerId="AD" clId="Web-{BDE0C896-86BF-4D05-B3CA-9FF427C0BB6B}" dt="2021-11-10T15:08:13.393" v="74" actId="20577"/>
+          <ac:spMkLst>
+            <pc:docMk/>
+            <pc:sldMk cId="3067305477" sldId="289"/>
+            <ac:spMk id="2" creationId="{A46583A3-5286-4391-9A18-68C19A0AFD7D}"/>
+          </ac:spMkLst>
+        </pc:spChg>
+        <pc:spChg chg="mod">
+          <ac:chgData name="Gjestebruker" userId="S::urn:spo:anon#a7866cdca8654b5e0a4bb4141d513f7a478f10b2ee880f1b25c03d84d36d322d::" providerId="AD" clId="Web-{BDE0C896-86BF-4D05-B3CA-9FF427C0BB6B}" dt="2021-11-10T15:41:42.894" v="1302" actId="1076"/>
+          <ac:spMkLst>
+            <pc:docMk/>
+            <pc:sldMk cId="3067305477" sldId="289"/>
+            <ac:spMk id="3" creationId="{196A78A9-689C-4E35-9EEE-63E1E0A39D98}"/>
+          </ac:spMkLst>
+        </pc:spChg>
+      </pc:sldChg>
+      <pc:sldChg chg="modSp new">
+        <pc:chgData name="Gjestebruker" userId="S::urn:spo:anon#a7866cdca8654b5e0a4bb4141d513f7a478f10b2ee880f1b25c03d84d36d322d::" providerId="AD" clId="Web-{BDE0C896-86BF-4D05-B3CA-9FF427C0BB6B}" dt="2021-11-10T15:27:12.152" v="1149" actId="20577"/>
+        <pc:sldMkLst>
+          <pc:docMk/>
+          <pc:sldMk cId="794052908" sldId="290"/>
+        </pc:sldMkLst>
+        <pc:spChg chg="mod">
+          <ac:chgData name="Gjestebruker" userId="S::urn:spo:anon#a7866cdca8654b5e0a4bb4141d513f7a478f10b2ee880f1b25c03d84d36d322d::" providerId="AD" clId="Web-{BDE0C896-86BF-4D05-B3CA-9FF427C0BB6B}" dt="2021-11-10T15:08:28.285" v="92" actId="20577"/>
+          <ac:spMkLst>
+            <pc:docMk/>
+            <pc:sldMk cId="794052908" sldId="290"/>
+            <ac:spMk id="2" creationId="{C40E3C94-B455-48AD-944E-9B84E2598693}"/>
+          </ac:spMkLst>
+        </pc:spChg>
+        <pc:spChg chg="mod">
+          <ac:chgData name="Gjestebruker" userId="S::urn:spo:anon#a7866cdca8654b5e0a4bb4141d513f7a478f10b2ee880f1b25c03d84d36d322d::" providerId="AD" clId="Web-{BDE0C896-86BF-4D05-B3CA-9FF427C0BB6B}" dt="2021-11-10T15:27:12.152" v="1149" actId="20577"/>
+          <ac:spMkLst>
+            <pc:docMk/>
+            <pc:sldMk cId="794052908" sldId="290"/>
+            <ac:spMk id="3" creationId="{A6D3E248-1491-40A5-963D-705958D3CD2B}"/>
+          </ac:spMkLst>
+        </pc:spChg>
+      </pc:sldChg>
+      <pc:sldChg chg="modSp new">
+        <pc:chgData name="Gjestebruker" userId="S::urn:spo:anon#a7866cdca8654b5e0a4bb4141d513f7a478f10b2ee880f1b25c03d84d36d322d::" providerId="AD" clId="Web-{BDE0C896-86BF-4D05-B3CA-9FF427C0BB6B}" dt="2021-11-10T15:42:04.036" v="1304" actId="1076"/>
+        <pc:sldMkLst>
+          <pc:docMk/>
+          <pc:sldMk cId="2905854370" sldId="291"/>
+        </pc:sldMkLst>
+        <pc:spChg chg="mod">
+          <ac:chgData name="Gjestebruker" userId="S::urn:spo:anon#a7866cdca8654b5e0a4bb4141d513f7a478f10b2ee880f1b25c03d84d36d322d::" providerId="AD" clId="Web-{BDE0C896-86BF-4D05-B3CA-9FF427C0BB6B}" dt="2021-11-10T15:08:33.097" v="102" actId="20577"/>
+          <ac:spMkLst>
+            <pc:docMk/>
+            <pc:sldMk cId="2905854370" sldId="291"/>
+            <ac:spMk id="2" creationId="{6E0FE82A-FE8A-4ACE-95F8-5FE505B3B000}"/>
+          </ac:spMkLst>
+        </pc:spChg>
+        <pc:spChg chg="mod">
+          <ac:chgData name="Gjestebruker" userId="S::urn:spo:anon#a7866cdca8654b5e0a4bb4141d513f7a478f10b2ee880f1b25c03d84d36d322d::" providerId="AD" clId="Web-{BDE0C896-86BF-4D05-B3CA-9FF427C0BB6B}" dt="2021-11-10T15:42:04.036" v="1304" actId="1076"/>
+          <ac:spMkLst>
+            <pc:docMk/>
+            <pc:sldMk cId="2905854370" sldId="291"/>
+            <ac:spMk id="3" creationId="{9308ABA1-A29A-4E32-8F81-F9C37FF4AE5E}"/>
+          </ac:spMkLst>
+        </pc:spChg>
+      </pc:sldChg>
+      <pc:sldChg chg="new del">
+        <pc:chgData name="Gjestebruker" userId="S::urn:spo:anon#a7866cdca8654b5e0a4bb4141d513f7a478f10b2ee880f1b25c03d84d36d322d::" providerId="AD" clId="Web-{BDE0C896-86BF-4D05-B3CA-9FF427C0BB6B}" dt="2021-11-10T15:08:38.410" v="104"/>
+        <pc:sldMkLst>
+          <pc:docMk/>
+          <pc:sldMk cId="888146896" sldId="292"/>
+        </pc:sldMkLst>
+      </pc:sldChg>
+      <pc:sldChg chg="modSp new">
+        <pc:chgData name="Gjestebruker" userId="S::urn:spo:anon#a7866cdca8654b5e0a4bb4141d513f7a478f10b2ee880f1b25c03d84d36d322d::" providerId="AD" clId="Web-{BDE0C896-86BF-4D05-B3CA-9FF427C0BB6B}" dt="2021-11-10T15:42:39.351" v="1315" actId="20577"/>
+        <pc:sldMkLst>
+          <pc:docMk/>
+          <pc:sldMk cId="2175780814" sldId="292"/>
+        </pc:sldMkLst>
+        <pc:spChg chg="mod">
+          <ac:chgData name="Gjestebruker" userId="S::urn:spo:anon#a7866cdca8654b5e0a4bb4141d513f7a478f10b2ee880f1b25c03d84d36d322d::" providerId="AD" clId="Web-{BDE0C896-86BF-4D05-B3CA-9FF427C0BB6B}" dt="2021-11-10T15:09:42.617" v="135" actId="20577"/>
+          <ac:spMkLst>
+            <pc:docMk/>
+            <pc:sldMk cId="2175780814" sldId="292"/>
+            <ac:spMk id="2" creationId="{E381FFE6-337C-4C02-A597-E8336A5C5BBE}"/>
+          </ac:spMkLst>
+        </pc:spChg>
+        <pc:spChg chg="mod">
+          <ac:chgData name="Gjestebruker" userId="S::urn:spo:anon#a7866cdca8654b5e0a4bb4141d513f7a478f10b2ee880f1b25c03d84d36d322d::" providerId="AD" clId="Web-{BDE0C896-86BF-4D05-B3CA-9FF427C0BB6B}" dt="2021-11-10T15:42:39.351" v="1315" actId="20577"/>
+          <ac:spMkLst>
+            <pc:docMk/>
+            <pc:sldMk cId="2175780814" sldId="292"/>
+            <ac:spMk id="3" creationId="{1DD3B372-FB37-4CB7-B41E-98942A82A645}"/>
+          </ac:spMkLst>
+        </pc:spChg>
+      </pc:sldChg>
+      <pc:sldChg chg="modSp new">
+        <pc:chgData name="Gjestebruker" userId="S::urn:spo:anon#a7866cdca8654b5e0a4bb4141d513f7a478f10b2ee880f1b25c03d84d36d322d::" providerId="AD" clId="Web-{BDE0C896-86BF-4D05-B3CA-9FF427C0BB6B}" dt="2021-11-10T15:45:29.361" v="1428" actId="20577"/>
+        <pc:sldMkLst>
+          <pc:docMk/>
+          <pc:sldMk cId="3472435525" sldId="293"/>
+        </pc:sldMkLst>
+        <pc:spChg chg="mod">
+          <ac:chgData name="Gjestebruker" userId="S::urn:spo:anon#a7866cdca8654b5e0a4bb4141d513f7a478f10b2ee880f1b25c03d84d36d322d::" providerId="AD" clId="Web-{BDE0C896-86BF-4D05-B3CA-9FF427C0BB6B}" dt="2021-11-10T15:30:19.554" v="1179"/>
+          <ac:spMkLst>
+            <pc:docMk/>
+            <pc:sldMk cId="3472435525" sldId="293"/>
+            <ac:spMk id="2" creationId="{4B535DA4-12ED-49CF-9E12-36C41DD82E55}"/>
+          </ac:spMkLst>
+        </pc:spChg>
+        <pc:spChg chg="mod">
+          <ac:chgData name="Gjestebruker" userId="S::urn:spo:anon#a7866cdca8654b5e0a4bb4141d513f7a478f10b2ee880f1b25c03d84d36d322d::" providerId="AD" clId="Web-{BDE0C896-86BF-4D05-B3CA-9FF427C0BB6B}" dt="2021-11-10T15:45:29.361" v="1428" actId="20577"/>
+          <ac:spMkLst>
+            <pc:docMk/>
+            <pc:sldMk cId="3472435525" sldId="293"/>
+            <ac:spMk id="3" creationId="{FA8F8FB8-DE75-419E-B7EF-3DE5FFA913C5}"/>
+          </ac:spMkLst>
+        </pc:spChg>
+      </pc:sldChg>
+      <pc:sldChg chg="modSp new">
+        <pc:chgData name="Gjestebruker" userId="S::urn:spo:anon#a7866cdca8654b5e0a4bb4141d513f7a478f10b2ee880f1b25c03d84d36d322d::" providerId="AD" clId="Web-{BDE0C896-86BF-4D05-B3CA-9FF427C0BB6B}" dt="2021-11-10T15:47:17.962" v="1491" actId="20577"/>
+        <pc:sldMkLst>
+          <pc:docMk/>
+          <pc:sldMk cId="2052741389" sldId="294"/>
+        </pc:sldMkLst>
+        <pc:spChg chg="mod">
+          <ac:chgData name="Gjestebruker" userId="S::urn:spo:anon#a7866cdca8654b5e0a4bb4141d513f7a478f10b2ee880f1b25c03d84d36d322d::" providerId="AD" clId="Web-{BDE0C896-86BF-4D05-B3CA-9FF427C0BB6B}" dt="2021-11-10T15:10:38.918" v="158" actId="20577"/>
+          <ac:spMkLst>
+            <pc:docMk/>
+            <pc:sldMk cId="2052741389" sldId="294"/>
+            <ac:spMk id="2" creationId="{BF8DE96B-6840-4126-8279-D885301A3760}"/>
+          </ac:spMkLst>
+        </pc:spChg>
+        <pc:spChg chg="mod">
+          <ac:chgData name="Gjestebruker" userId="S::urn:spo:anon#a7866cdca8654b5e0a4bb4141d513f7a478f10b2ee880f1b25c03d84d36d322d::" providerId="AD" clId="Web-{BDE0C896-86BF-4D05-B3CA-9FF427C0BB6B}" dt="2021-11-10T15:47:17.962" v="1491" actId="20577"/>
+          <ac:spMkLst>
+            <pc:docMk/>
+            <pc:sldMk cId="2052741389" sldId="294"/>
+            <ac:spMk id="3" creationId="{51BA7FEC-1E2F-465C-9C74-8B5929754BFA}"/>
+          </ac:spMkLst>
+        </pc:spChg>
+      </pc:sldChg>
+      <pc:sldChg chg="modSp new">
+        <pc:chgData name="Gjestebruker" userId="S::urn:spo:anon#a7866cdca8654b5e0a4bb4141d513f7a478f10b2ee880f1b25c03d84d36d322d::" providerId="AD" clId="Web-{BDE0C896-86BF-4D05-B3CA-9FF427C0BB6B}" dt="2021-11-10T15:48:08.684" v="1534" actId="20577"/>
+        <pc:sldMkLst>
+          <pc:docMk/>
+          <pc:sldMk cId="3738315346" sldId="295"/>
+        </pc:sldMkLst>
+        <pc:spChg chg="mod">
+          <ac:chgData name="Gjestebruker" userId="S::urn:spo:anon#a7866cdca8654b5e0a4bb4141d513f7a478f10b2ee880f1b25c03d84d36d322d::" providerId="AD" clId="Web-{BDE0C896-86BF-4D05-B3CA-9FF427C0BB6B}" dt="2021-11-10T15:10:55.388" v="166" actId="20577"/>
+          <ac:spMkLst>
+            <pc:docMk/>
+            <pc:sldMk cId="3738315346" sldId="295"/>
+            <ac:spMk id="2" creationId="{C9EE77E9-57C9-4673-A0FB-E6F2F2FE7B8E}"/>
+          </ac:spMkLst>
+        </pc:spChg>
+        <pc:spChg chg="mod">
+          <ac:chgData name="Gjestebruker" userId="S::urn:spo:anon#a7866cdca8654b5e0a4bb4141d513f7a478f10b2ee880f1b25c03d84d36d322d::" providerId="AD" clId="Web-{BDE0C896-86BF-4D05-B3CA-9FF427C0BB6B}" dt="2021-11-10T15:48:08.684" v="1534" actId="20577"/>
+          <ac:spMkLst>
+            <pc:docMk/>
+            <pc:sldMk cId="3738315346" sldId="295"/>
+            <ac:spMk id="3" creationId="{13C465EB-3291-41D4-82D1-AB4C589B7390}"/>
+          </ac:spMkLst>
+        </pc:spChg>
+      </pc:sldChg>
+      <pc:sldChg chg="modSp new">
+        <pc:chgData name="Gjestebruker" userId="S::urn:spo:anon#a7866cdca8654b5e0a4bb4141d513f7a478f10b2ee880f1b25c03d84d36d322d::" providerId="AD" clId="Web-{BDE0C896-86BF-4D05-B3CA-9FF427C0BB6B}" dt="2021-11-10T15:57:12.187" v="1859" actId="1076"/>
+        <pc:sldMkLst>
+          <pc:docMk/>
+          <pc:sldMk cId="1649385506" sldId="296"/>
+        </pc:sldMkLst>
+        <pc:spChg chg="mod">
+          <ac:chgData name="Gjestebruker" userId="S::urn:spo:anon#a7866cdca8654b5e0a4bb4141d513f7a478f10b2ee880f1b25c03d84d36d322d::" providerId="AD" clId="Web-{BDE0C896-86BF-4D05-B3CA-9FF427C0BB6B}" dt="2021-11-10T15:11:23.702" v="179" actId="20577"/>
+          <ac:spMkLst>
+            <pc:docMk/>
+            <pc:sldMk cId="1649385506" sldId="296"/>
+            <ac:spMk id="2" creationId="{B4672B71-EFC4-489E-8B95-2E54C6B10817}"/>
+          </ac:spMkLst>
+        </pc:spChg>
+        <pc:spChg chg="mod">
+          <ac:chgData name="Gjestebruker" userId="S::urn:spo:anon#a7866cdca8654b5e0a4bb4141d513f7a478f10b2ee880f1b25c03d84d36d322d::" providerId="AD" clId="Web-{BDE0C896-86BF-4D05-B3CA-9FF427C0BB6B}" dt="2021-11-10T15:57:12.187" v="1859" actId="1076"/>
+          <ac:spMkLst>
+            <pc:docMk/>
+            <pc:sldMk cId="1649385506" sldId="296"/>
+            <ac:spMk id="3" creationId="{2D43C0DE-A19D-4804-9137-7E4A4B93B1B2}"/>
+          </ac:spMkLst>
+        </pc:spChg>
+      </pc:sldChg>
+      <pc:sldChg chg="modSp new">
+        <pc:chgData name="Gjestebruker" userId="S::urn:spo:anon#a7866cdca8654b5e0a4bb4141d513f7a478f10b2ee880f1b25c03d84d36d322d::" providerId="AD" clId="Web-{BDE0C896-86BF-4D05-B3CA-9FF427C0BB6B}" dt="2021-11-10T15:49:35.689" v="1591" actId="20577"/>
+        <pc:sldMkLst>
+          <pc:docMk/>
+          <pc:sldMk cId="1745298555" sldId="297"/>
+        </pc:sldMkLst>
+        <pc:spChg chg="mod">
+          <ac:chgData name="Gjestebruker" userId="S::urn:spo:anon#a7866cdca8654b5e0a4bb4141d513f7a478f10b2ee880f1b25c03d84d36d322d::" providerId="AD" clId="Web-{BDE0C896-86BF-4D05-B3CA-9FF427C0BB6B}" dt="2021-11-10T15:11:33.390" v="191" actId="20577"/>
+          <ac:spMkLst>
+            <pc:docMk/>
+            <pc:sldMk cId="1745298555" sldId="297"/>
+            <ac:spMk id="2" creationId="{52761FFB-42F0-4EA5-B18A-F14C10884E37}"/>
+          </ac:spMkLst>
+        </pc:spChg>
+        <pc:spChg chg="mod">
+          <ac:chgData name="Gjestebruker" userId="S::urn:spo:anon#a7866cdca8654b5e0a4bb4141d513f7a478f10b2ee880f1b25c03d84d36d322d::" providerId="AD" clId="Web-{BDE0C896-86BF-4D05-B3CA-9FF427C0BB6B}" dt="2021-11-10T15:49:35.689" v="1591" actId="20577"/>
+          <ac:spMkLst>
+            <pc:docMk/>
+            <pc:sldMk cId="1745298555" sldId="297"/>
+            <ac:spMk id="3" creationId="{E6E1DA44-8ACF-4AA6-A137-2B3352CFE273}"/>
+          </ac:spMkLst>
+        </pc:spChg>
+      </pc:sldChg>
+      <pc:sldChg chg="modSp new">
+        <pc:chgData name="Gjestebruker" userId="S::urn:spo:anon#a7866cdca8654b5e0a4bb4141d513f7a478f10b2ee880f1b25c03d84d36d322d::" providerId="AD" clId="Web-{BDE0C896-86BF-4D05-B3CA-9FF427C0BB6B}" dt="2021-11-10T15:50:37.474" v="1607" actId="20577"/>
+        <pc:sldMkLst>
+          <pc:docMk/>
+          <pc:sldMk cId="1620576335" sldId="298"/>
+        </pc:sldMkLst>
+        <pc:spChg chg="mod">
+          <ac:chgData name="Gjestebruker" userId="S::urn:spo:anon#a7866cdca8654b5e0a4bb4141d513f7a478f10b2ee880f1b25c03d84d36d322d::" providerId="AD" clId="Web-{BDE0C896-86BF-4D05-B3CA-9FF427C0BB6B}" dt="2021-11-10T15:11:47.125" v="212" actId="20577"/>
+          <ac:spMkLst>
+            <pc:docMk/>
+            <pc:sldMk cId="1620576335" sldId="298"/>
+            <ac:spMk id="2" creationId="{1396CE55-E954-44F8-A683-F219EEF46974}"/>
+          </ac:spMkLst>
+        </pc:spChg>
+        <pc:spChg chg="mod">
+          <ac:chgData name="Gjestebruker" userId="S::urn:spo:anon#a7866cdca8654b5e0a4bb4141d513f7a478f10b2ee880f1b25c03d84d36d322d::" providerId="AD" clId="Web-{BDE0C896-86BF-4D05-B3CA-9FF427C0BB6B}" dt="2021-11-10T15:50:37.474" v="1607" actId="20577"/>
+          <ac:spMkLst>
+            <pc:docMk/>
+            <pc:sldMk cId="1620576335" sldId="298"/>
+            <ac:spMk id="3" creationId="{52B122C9-6373-48E7-B863-900D05B49939}"/>
+          </ac:spMkLst>
+        </pc:spChg>
+      </pc:sldChg>
+      <pc:sldChg chg="modSp new">
+        <pc:chgData name="Gjestebruker" userId="S::urn:spo:anon#a7866cdca8654b5e0a4bb4141d513f7a478f10b2ee880f1b25c03d84d36d322d::" providerId="AD" clId="Web-{BDE0C896-86BF-4D05-B3CA-9FF427C0BB6B}" dt="2021-11-10T15:52:52.077" v="1671" actId="20577"/>
+        <pc:sldMkLst>
+          <pc:docMk/>
+          <pc:sldMk cId="1272612646" sldId="299"/>
+        </pc:sldMkLst>
+        <pc:spChg chg="mod">
+          <ac:chgData name="Gjestebruker" userId="S::urn:spo:anon#a7866cdca8654b5e0a4bb4141d513f7a478f10b2ee880f1b25c03d84d36d322d::" providerId="AD" clId="Web-{BDE0C896-86BF-4D05-B3CA-9FF427C0BB6B}" dt="2021-11-10T15:11:57.938" v="226" actId="20577"/>
+          <ac:spMkLst>
+            <pc:docMk/>
+            <pc:sldMk cId="1272612646" sldId="299"/>
+            <ac:spMk id="2" creationId="{305379D4-9553-4F91-B522-ABC353E90F21}"/>
+          </ac:spMkLst>
+        </pc:spChg>
+        <pc:spChg chg="mod">
+          <ac:chgData name="Gjestebruker" userId="S::urn:spo:anon#a7866cdca8654b5e0a4bb4141d513f7a478f10b2ee880f1b25c03d84d36d322d::" providerId="AD" clId="Web-{BDE0C896-86BF-4D05-B3CA-9FF427C0BB6B}" dt="2021-11-10T15:52:52.077" v="1671" actId="20577"/>
+          <ac:spMkLst>
+            <pc:docMk/>
+            <pc:sldMk cId="1272612646" sldId="299"/>
+            <ac:spMk id="3" creationId="{FD8B1F7B-ACF3-41D4-9384-8747931D45B5}"/>
+          </ac:spMkLst>
+        </pc:spChg>
+      </pc:sldChg>
+      <pc:sldChg chg="modSp new">
+        <pc:chgData name="Gjestebruker" userId="S::urn:spo:anon#a7866cdca8654b5e0a4bb4141d513f7a478f10b2ee880f1b25c03d84d36d322d::" providerId="AD" clId="Web-{BDE0C896-86BF-4D05-B3CA-9FF427C0BB6B}" dt="2021-11-10T15:52:33.185" v="1657" actId="20577"/>
+        <pc:sldMkLst>
+          <pc:docMk/>
+          <pc:sldMk cId="4272981795" sldId="300"/>
+        </pc:sldMkLst>
+        <pc:spChg chg="mod">
+          <ac:chgData name="Gjestebruker" userId="S::urn:spo:anon#a7866cdca8654b5e0a4bb4141d513f7a478f10b2ee880f1b25c03d84d36d322d::" providerId="AD" clId="Web-{BDE0C896-86BF-4D05-B3CA-9FF427C0BB6B}" dt="2021-11-10T15:12:08.564" v="232" actId="20577"/>
+          <ac:spMkLst>
+            <pc:docMk/>
+            <pc:sldMk cId="4272981795" sldId="300"/>
+            <ac:spMk id="2" creationId="{D29A6DBF-386F-410D-B90A-8525165CCA12}"/>
+          </ac:spMkLst>
+        </pc:spChg>
+        <pc:spChg chg="mod">
+          <ac:chgData name="Gjestebruker" userId="S::urn:spo:anon#a7866cdca8654b5e0a4bb4141d513f7a478f10b2ee880f1b25c03d84d36d322d::" providerId="AD" clId="Web-{BDE0C896-86BF-4D05-B3CA-9FF427C0BB6B}" dt="2021-11-10T15:52:33.185" v="1657" actId="20577"/>
+          <ac:spMkLst>
+            <pc:docMk/>
+            <pc:sldMk cId="4272981795" sldId="300"/>
+            <ac:spMk id="3" creationId="{23070024-90BB-4EE5-8AAE-B4BA47A35561}"/>
+          </ac:spMkLst>
+        </pc:spChg>
+      </pc:sldChg>
+      <pc:sldChg chg="modSp new">
+        <pc:chgData name="Gjestebruker" userId="S::urn:spo:anon#a7866cdca8654b5e0a4bb4141d513f7a478f10b2ee880f1b25c03d84d36d322d::" providerId="AD" clId="Web-{BDE0C896-86BF-4D05-B3CA-9FF427C0BB6B}" dt="2021-11-10T15:53:26.376" v="1686" actId="20577"/>
+        <pc:sldMkLst>
+          <pc:docMk/>
+          <pc:sldMk cId="1460864720" sldId="301"/>
+        </pc:sldMkLst>
+        <pc:spChg chg="mod">
+          <ac:chgData name="Gjestebruker" userId="S::urn:spo:anon#a7866cdca8654b5e0a4bb4141d513f7a478f10b2ee880f1b25c03d84d36d322d::" providerId="AD" clId="Web-{BDE0C896-86BF-4D05-B3CA-9FF427C0BB6B}" dt="2021-11-10T15:12:26.143" v="248" actId="20577"/>
+          <ac:spMkLst>
+            <pc:docMk/>
+            <pc:sldMk cId="1460864720" sldId="301"/>
+            <ac:spMk id="2" creationId="{37ED4EE4-56A5-48D8-9E31-001C33CFE1FA}"/>
+          </ac:spMkLst>
+        </pc:spChg>
+        <pc:spChg chg="mod">
+          <ac:chgData name="Gjestebruker" userId="S::urn:spo:anon#a7866cdca8654b5e0a4bb4141d513f7a478f10b2ee880f1b25c03d84d36d322d::" providerId="AD" clId="Web-{BDE0C896-86BF-4D05-B3CA-9FF427C0BB6B}" dt="2021-11-10T15:53:26.376" v="1686" actId="20577"/>
+          <ac:spMkLst>
+            <pc:docMk/>
+            <pc:sldMk cId="1460864720" sldId="301"/>
+            <ac:spMk id="3" creationId="{F0399D48-606E-46BF-8E28-EA5E8419DB88}"/>
+          </ac:spMkLst>
+        </pc:spChg>
+      </pc:sldChg>
+      <pc:sldChg chg="modSp new">
+        <pc:chgData name="Gjestebruker" userId="S::urn:spo:anon#a7866cdca8654b5e0a4bb4141d513f7a478f10b2ee880f1b25c03d84d36d322d::" providerId="AD" clId="Web-{BDE0C896-86BF-4D05-B3CA-9FF427C0BB6B}" dt="2021-11-10T15:39:36.292" v="1223" actId="20577"/>
+        <pc:sldMkLst>
+          <pc:docMk/>
+          <pc:sldMk cId="2540969315" sldId="302"/>
+        </pc:sldMkLst>
+        <pc:spChg chg="mod">
+          <ac:chgData name="Gjestebruker" userId="S::urn:spo:anon#a7866cdca8654b5e0a4bb4141d513f7a478f10b2ee880f1b25c03d84d36d322d::" providerId="AD" clId="Web-{BDE0C896-86BF-4D05-B3CA-9FF427C0BB6B}" dt="2021-11-10T15:14:25.276" v="300" actId="20577"/>
+          <ac:spMkLst>
+            <pc:docMk/>
+            <pc:sldMk cId="2540969315" sldId="302"/>
+            <ac:spMk id="2" creationId="{D7ABAB5E-AFC0-4B8C-BEC7-5E02BC71F44D}"/>
+          </ac:spMkLst>
+        </pc:spChg>
+        <pc:spChg chg="mod">
+          <ac:chgData name="Gjestebruker" userId="S::urn:spo:anon#a7866cdca8654b5e0a4bb4141d513f7a478f10b2ee880f1b25c03d84d36d322d::" providerId="AD" clId="Web-{BDE0C896-86BF-4D05-B3CA-9FF427C0BB6B}" dt="2021-11-10T15:39:36.292" v="1223" actId="20577"/>
+          <ac:spMkLst>
+            <pc:docMk/>
+            <pc:sldMk cId="2540969315" sldId="302"/>
+            <ac:spMk id="3" creationId="{607D9802-3099-4460-BB6A-5B52CC2D2A83}"/>
+          </ac:spMkLst>
+        </pc:spChg>
+      </pc:sldChg>
+      <pc:sldChg chg="modSp new">
+        <pc:chgData name="Gjestebruker" userId="S::urn:spo:anon#a7866cdca8654b5e0a4bb4141d513f7a478f10b2ee880f1b25c03d84d36d322d::" providerId="AD" clId="Web-{BDE0C896-86BF-4D05-B3CA-9FF427C0BB6B}" dt="2021-11-10T15:43:14.181" v="1318" actId="20577"/>
+        <pc:sldMkLst>
+          <pc:docMk/>
+          <pc:sldMk cId="3814697543" sldId="303"/>
+        </pc:sldMkLst>
+        <pc:spChg chg="mod">
+          <ac:chgData name="Gjestebruker" userId="S::urn:spo:anon#a7866cdca8654b5e0a4bb4141d513f7a478f10b2ee880f1b25c03d84d36d322d::" providerId="AD" clId="Web-{BDE0C896-86BF-4D05-B3CA-9FF427C0BB6B}" dt="2021-11-10T15:15:18.873" v="327" actId="20577"/>
+          <ac:spMkLst>
+            <pc:docMk/>
+            <pc:sldMk cId="3814697543" sldId="303"/>
+            <ac:spMk id="2" creationId="{0F87AD55-CD18-412E-AA2F-30BB430B0153}"/>
+          </ac:spMkLst>
+        </pc:spChg>
+        <pc:spChg chg="mod">
+          <ac:chgData name="Gjestebruker" userId="S::urn:spo:anon#a7866cdca8654b5e0a4bb4141d513f7a478f10b2ee880f1b25c03d84d36d322d::" providerId="AD" clId="Web-{BDE0C896-86BF-4D05-B3CA-9FF427C0BB6B}" dt="2021-11-10T15:43:14.181" v="1318" actId="20577"/>
+          <ac:spMkLst>
+            <pc:docMk/>
+            <pc:sldMk cId="3814697543" sldId="303"/>
+            <ac:spMk id="3" creationId="{EFB0F7D0-8B7E-4BE3-AAB4-FA47BFC3A2E7}"/>
+          </ac:spMkLst>
+        </pc:spChg>
+      </pc:sldChg>
+      <pc:sldChg chg="modSp new">
+        <pc:chgData name="Gjestebruker" userId="S::urn:spo:anon#a7866cdca8654b5e0a4bb4141d513f7a478f10b2ee880f1b25c03d84d36d322d::" providerId="AD" clId="Web-{BDE0C896-86BF-4D05-B3CA-9FF427C0BB6B}" dt="2021-11-10T15:20:06.219" v="743" actId="20577"/>
+        <pc:sldMkLst>
+          <pc:docMk/>
+          <pc:sldMk cId="56019883" sldId="305"/>
+        </pc:sldMkLst>
+        <pc:spChg chg="mod">
+          <ac:chgData name="Gjestebruker" userId="S::urn:spo:anon#a7866cdca8654b5e0a4bb4141d513f7a478f10b2ee880f1b25c03d84d36d322d::" providerId="AD" clId="Web-{BDE0C896-86BF-4D05-B3CA-9FF427C0BB6B}" dt="2021-11-10T15:20:06.219" v="743" actId="20577"/>
+          <ac:spMkLst>
+            <pc:docMk/>
+            <pc:sldMk cId="56019883" sldId="305"/>
+            <ac:spMk id="2" creationId="{34A1844A-5DB1-4765-8C7B-1565AE07D230}"/>
+          </ac:spMkLst>
+        </pc:spChg>
+      </pc:sldChg>
+      <pc:sldChg chg="modSp">
+        <pc:chgData name="Gjestebruker" userId="S::urn:spo:anon#a7866cdca8654b5e0a4bb4141d513f7a478f10b2ee880f1b25c03d84d36d322d::" providerId="AD" clId="Web-{BDE0C896-86BF-4D05-B3CA-9FF427C0BB6B}" dt="2021-11-10T15:38:35.632" v="1213" actId="1076"/>
+        <pc:sldMkLst>
+          <pc:docMk/>
+          <pc:sldMk cId="3086758528" sldId="309"/>
+        </pc:sldMkLst>
+        <pc:spChg chg="mod">
+          <ac:chgData name="Gjestebruker" userId="S::urn:spo:anon#a7866cdca8654b5e0a4bb4141d513f7a478f10b2ee880f1b25c03d84d36d322d::" providerId="AD" clId="Web-{BDE0C896-86BF-4D05-B3CA-9FF427C0BB6B}" dt="2021-11-10T15:38:35.632" v="1213" actId="1076"/>
+          <ac:spMkLst>
+            <pc:docMk/>
+            <pc:sldMk cId="3086758528" sldId="309"/>
+            <ac:spMk id="179" creationId="{00000000-0000-0000-0000-000000000000}"/>
           </ac:spMkLst>
         </pc:spChg>
       </pc:sldChg>
@@ -2003,7 +2006,7 @@
               </a:spcAft>
               <a:buNone/>
             </a:pPr>
-            <a:endParaRPr dirty="0"/>
+            <a:endParaRPr/>
           </a:p>
         </p:txBody>
       </p:sp>
@@ -2107,7 +2110,7 @@
               </a:spcAft>
               <a:buNone/>
             </a:pPr>
-            <a:endParaRPr dirty="0"/>
+            <a:endParaRPr/>
           </a:p>
         </p:txBody>
       </p:sp>
@@ -2211,7 +2214,7 @@
               </a:spcAft>
               <a:buNone/>
             </a:pPr>
-            <a:endParaRPr dirty="0"/>
+            <a:endParaRPr/>
           </a:p>
         </p:txBody>
       </p:sp>
@@ -2315,7 +2318,7 @@
               </a:spcAft>
               <a:buNone/>
             </a:pPr>
-            <a:endParaRPr dirty="0"/>
+            <a:endParaRPr/>
           </a:p>
         </p:txBody>
       </p:sp>
@@ -2424,7 +2427,7 @@
               </a:spcAft>
               <a:buNone/>
             </a:pPr>
-            <a:endParaRPr dirty="0"/>
+            <a:endParaRPr/>
           </a:p>
         </p:txBody>
       </p:sp>
@@ -2528,7 +2531,7 @@
               </a:spcAft>
               <a:buNone/>
             </a:pPr>
-            <a:endParaRPr dirty="0"/>
+            <a:endParaRPr/>
           </a:p>
         </p:txBody>
       </p:sp>
@@ -2632,7 +2635,7 @@
               </a:spcAft>
               <a:buNone/>
             </a:pPr>
-            <a:endParaRPr dirty="0"/>
+            <a:endParaRPr/>
           </a:p>
         </p:txBody>
       </p:sp>
@@ -2736,7 +2739,7 @@
               </a:spcAft>
               <a:buNone/>
             </a:pPr>
-            <a:endParaRPr dirty="0"/>
+            <a:endParaRPr/>
           </a:p>
         </p:txBody>
       </p:sp>
@@ -2845,7 +2848,7 @@
               </a:spcAft>
               <a:buNone/>
             </a:pPr>
-            <a:endParaRPr dirty="0"/>
+            <a:endParaRPr/>
           </a:p>
         </p:txBody>
       </p:sp>
@@ -2949,7 +2952,7 @@
               </a:spcAft>
               <a:buNone/>
             </a:pPr>
-            <a:endParaRPr dirty="0"/>
+            <a:endParaRPr/>
           </a:p>
         </p:txBody>
       </p:sp>
@@ -3053,7 +3056,7 @@
               </a:spcAft>
               <a:buNone/>
             </a:pPr>
-            <a:endParaRPr dirty="0"/>
+            <a:endParaRPr/>
           </a:p>
         </p:txBody>
       </p:sp>
@@ -3157,7 +3160,7 @@
               </a:spcAft>
               <a:buNone/>
             </a:pPr>
-            <a:endParaRPr dirty="0"/>
+            <a:endParaRPr/>
           </a:p>
         </p:txBody>
       </p:sp>
@@ -3261,7 +3264,7 @@
               </a:spcAft>
               <a:buNone/>
             </a:pPr>
-            <a:endParaRPr dirty="0"/>
+            <a:endParaRPr/>
           </a:p>
         </p:txBody>
       </p:sp>
@@ -3365,7 +3368,7 @@
               </a:spcAft>
               <a:buNone/>
             </a:pPr>
-            <a:endParaRPr dirty="0"/>
+            <a:endParaRPr/>
           </a:p>
         </p:txBody>
       </p:sp>
@@ -3474,7 +3477,7 @@
               </a:spcAft>
               <a:buNone/>
             </a:pPr>
-            <a:endParaRPr dirty="0"/>
+            <a:endParaRPr/>
           </a:p>
         </p:txBody>
       </p:sp>
@@ -3583,7 +3586,7 @@
               </a:spcAft>
               <a:buNone/>
             </a:pPr>
-            <a:endParaRPr dirty="0"/>
+            <a:endParaRPr/>
           </a:p>
         </p:txBody>
       </p:sp>
@@ -3692,7 +3695,7 @@
               </a:spcAft>
               <a:buNone/>
             </a:pPr>
-            <a:endParaRPr dirty="0"/>
+            <a:endParaRPr/>
           </a:p>
         </p:txBody>
       </p:sp>
@@ -3801,7 +3804,7 @@
               </a:spcAft>
               <a:buNone/>
             </a:pPr>
-            <a:endParaRPr dirty="0"/>
+            <a:endParaRPr/>
           </a:p>
         </p:txBody>
       </p:sp>
@@ -3905,7 +3908,7 @@
               </a:spcAft>
               <a:buNone/>
             </a:pPr>
-            <a:endParaRPr dirty="0"/>
+            <a:endParaRPr/>
           </a:p>
         </p:txBody>
       </p:sp>
@@ -4009,7 +4012,7 @@
               </a:spcAft>
               <a:buNone/>
             </a:pPr>
-            <a:endParaRPr dirty="0"/>
+            <a:endParaRPr/>
           </a:p>
         </p:txBody>
       </p:sp>
@@ -4113,7 +4116,7 @@
               </a:spcAft>
               <a:buNone/>
             </a:pPr>
-            <a:endParaRPr dirty="0"/>
+            <a:endParaRPr/>
           </a:p>
         </p:txBody>
       </p:sp>
@@ -4217,7 +4220,7 @@
               </a:spcAft>
               <a:buNone/>
             </a:pPr>
-            <a:endParaRPr dirty="0"/>
+            <a:endParaRPr/>
           </a:p>
         </p:txBody>
       </p:sp>
@@ -4321,7 +4324,7 @@
               </a:spcAft>
               <a:buNone/>
             </a:pPr>
-            <a:endParaRPr dirty="0"/>
+            <a:endParaRPr/>
           </a:p>
         </p:txBody>
       </p:sp>
@@ -4425,7 +4428,7 @@
               </a:spcAft>
               <a:buNone/>
             </a:pPr>
-            <a:endParaRPr dirty="0"/>
+            <a:endParaRPr/>
           </a:p>
         </p:txBody>
       </p:sp>
@@ -4529,7 +4532,7 @@
               </a:spcAft>
               <a:buNone/>
             </a:pPr>
-            <a:endParaRPr dirty="0"/>
+            <a:endParaRPr/>
           </a:p>
         </p:txBody>
       </p:sp>
@@ -4633,7 +4636,7 @@
               </a:spcAft>
               <a:buNone/>
             </a:pPr>
-            <a:endParaRPr dirty="0"/>
+            <a:endParaRPr/>
           </a:p>
         </p:txBody>
       </p:sp>
@@ -4720,7 +4723,7 @@
                 <a:buFont typeface="Arial"/>
                 <a:buNone/>
               </a:pPr>
-              <a:endParaRPr sz="1400" b="0" i="0" u="none" strike="noStrike" cap="none" dirty="0">
+              <a:endParaRPr sz="1400" b="0" i="0" u="none" strike="noStrike" cap="none">
                 <a:solidFill>
                   <a:srgbClr val="000000"/>
                 </a:solidFill>
@@ -4776,7 +4779,7 @@
                 <a:buFont typeface="Arial"/>
                 <a:buNone/>
               </a:pPr>
-              <a:endParaRPr sz="1400" b="0" i="0" u="none" strike="noStrike" cap="none" dirty="0">
+              <a:endParaRPr sz="1400" b="0" i="0" u="none" strike="noStrike" cap="none">
                 <a:solidFill>
                   <a:srgbClr val="000000"/>
                 </a:solidFill>
@@ -4832,7 +4835,7 @@
                 <a:buFont typeface="Arial"/>
                 <a:buNone/>
               </a:pPr>
-              <a:endParaRPr sz="1400" b="0" i="0" u="none" strike="noStrike" cap="none" dirty="0">
+              <a:endParaRPr sz="1400" b="0" i="0" u="none" strike="noStrike" cap="none">
                 <a:solidFill>
                   <a:srgbClr val="000000"/>
                 </a:solidFill>
@@ -5442,7 +5445,7 @@
               <a:rPr lang="en-GB"/>
               <a:t>‹#›</a:t>
             </a:fld>
-            <a:endParaRPr dirty="0"/>
+            <a:endParaRPr/>
           </a:p>
         </p:txBody>
       </p:sp>
@@ -6070,7 +6073,7 @@
               <a:rPr lang="en-GB"/>
               <a:t>‹#›</a:t>
             </a:fld>
-            <a:endParaRPr dirty="0"/>
+            <a:endParaRPr/>
           </a:p>
         </p:txBody>
       </p:sp>
@@ -6376,7 +6379,7 @@
               <a:rPr lang="en-GB"/>
               <a:t>‹#›</a:t>
             </a:fld>
-            <a:endParaRPr dirty="0"/>
+            <a:endParaRPr/>
           </a:p>
         </p:txBody>
       </p:sp>
@@ -7002,7 +7005,7 @@
               <a:rPr lang="en-GB"/>
               <a:t>‹#›</a:t>
             </a:fld>
-            <a:endParaRPr dirty="0"/>
+            <a:endParaRPr/>
           </a:p>
         </p:txBody>
       </p:sp>
@@ -7468,7 +7471,7 @@
               <a:rPr lang="en-GB"/>
               <a:t>‹#›</a:t>
             </a:fld>
-            <a:endParaRPr dirty="0"/>
+            <a:endParaRPr/>
           </a:p>
         </p:txBody>
       </p:sp>
@@ -8254,7 +8257,7 @@
               <a:rPr lang="en-GB"/>
               <a:t>‹#›</a:t>
             </a:fld>
-            <a:endParaRPr dirty="0"/>
+            <a:endParaRPr/>
           </a:p>
         </p:txBody>
       </p:sp>
@@ -8720,7 +8723,7 @@
               <a:rPr lang="en-GB"/>
               <a:t>‹#›</a:t>
             </a:fld>
-            <a:endParaRPr dirty="0"/>
+            <a:endParaRPr/>
           </a:p>
         </p:txBody>
       </p:sp>
@@ -9346,7 +9349,7 @@
               <a:rPr lang="en-GB"/>
               <a:t>‹#›</a:t>
             </a:fld>
-            <a:endParaRPr dirty="0"/>
+            <a:endParaRPr/>
           </a:p>
         </p:txBody>
       </p:sp>
@@ -9883,7 +9886,7 @@
               <a:rPr lang="en-GB"/>
               <a:t>‹#›</a:t>
             </a:fld>
-            <a:endParaRPr dirty="0"/>
+            <a:endParaRPr/>
           </a:p>
         </p:txBody>
       </p:sp>
@@ -9956,7 +9959,7 @@
               <a:buFont typeface="Arial"/>
               <a:buNone/>
             </a:pPr>
-            <a:endParaRPr sz="1400" b="0" i="0" u="none" strike="noStrike" cap="none" dirty="0">
+            <a:endParaRPr sz="1400" b="0" i="0" u="none" strike="noStrike" cap="none">
               <a:solidFill>
                 <a:srgbClr val="000000"/>
               </a:solidFill>
@@ -10877,7 +10880,7 @@
               <a:rPr lang="en-GB"/>
               <a:t>‹#›</a:t>
             </a:fld>
-            <a:endParaRPr dirty="0"/>
+            <a:endParaRPr/>
           </a:p>
         </p:txBody>
       </p:sp>
@@ -11243,7 +11246,7 @@
               <a:rPr lang="en-GB"/>
               <a:t>‹#›</a:t>
             </a:fld>
-            <a:endParaRPr dirty="0"/>
+            <a:endParaRPr/>
           </a:p>
         </p:txBody>
       </p:sp>
@@ -12093,7 +12096,7 @@
               <a:rPr lang="en-GB"/>
               <a:t>‹#›</a:t>
             </a:fld>
-            <a:endParaRPr dirty="0"/>
+            <a:endParaRPr/>
           </a:p>
         </p:txBody>
       </p:sp>
@@ -12923,7 +12926,7 @@
               <a:buNone/>
             </a:pPr>
             <a:r>
-              <a:rPr lang="nb-NO" dirty="0"/>
+              <a:rPr lang="nb-NO"/>
               <a:t>Generalforsamling</a:t>
             </a:r>
           </a:p>
@@ -12964,14 +12967,14 @@
               <a:buNone/>
             </a:pPr>
             <a:r>
-              <a:rPr lang="nb-NO" dirty="0"/>
+              <a:rPr lang="nb-NO"/>
               <a:t>Høsten</a:t>
             </a:r>
             <a:r>
-              <a:rPr lang="en-GB" dirty="0"/>
+              <a:rPr lang="en-GB"/>
               <a:t> 2021</a:t>
             </a:r>
-            <a:endParaRPr dirty="0"/>
+            <a:endParaRPr/>
           </a:p>
         </p:txBody>
       </p:sp>
@@ -13035,23 +13038,23 @@
               <a:buNone/>
             </a:pPr>
             <a:r>
-              <a:rPr lang="nb-NO" dirty="0"/>
+              <a:rPr lang="nb-NO"/>
               <a:t>Semesterberetning</a:t>
             </a:r>
             <a:r>
-              <a:rPr lang="en-GB" dirty="0"/>
+              <a:rPr lang="en-GB"/>
               <a:t> </a:t>
             </a:r>
             <a:r>
-              <a:rPr lang="nb-NO" dirty="0"/>
+              <a:rPr lang="nb-NO"/>
               <a:t>ved</a:t>
             </a:r>
             <a:r>
-              <a:rPr lang="en-GB" dirty="0"/>
+              <a:rPr lang="en-GB"/>
               <a:t> </a:t>
             </a:r>
             <a:r>
-              <a:rPr lang="nb-NO" dirty="0"/>
+              <a:rPr lang="nb-NO"/>
               <a:t>leder</a:t>
             </a:r>
           </a:p>
@@ -13091,7 +13094,7 @@
               </a:spcAft>
               <a:buNone/>
             </a:pPr>
-            <a:endParaRPr dirty="0"/>
+            <a:endParaRPr/>
           </a:p>
         </p:txBody>
       </p:sp>
@@ -13155,23 +13158,23 @@
               <a:buNone/>
             </a:pPr>
             <a:r>
-              <a:rPr lang="nb-NO" dirty="0"/>
+              <a:rPr lang="nb-NO"/>
               <a:t>Semesterberetning</a:t>
             </a:r>
             <a:r>
-              <a:rPr lang="en-GB" dirty="0"/>
+              <a:rPr lang="en-GB"/>
               <a:t> </a:t>
             </a:r>
             <a:r>
-              <a:rPr lang="nb-NO" dirty="0"/>
+              <a:rPr lang="nb-NO"/>
               <a:t>ved</a:t>
             </a:r>
             <a:r>
-              <a:rPr lang="en-GB" dirty="0"/>
+              <a:rPr lang="en-GB"/>
               <a:t> </a:t>
             </a:r>
             <a:r>
-              <a:rPr lang="nb-NO" dirty="0"/>
+              <a:rPr lang="nb-NO"/>
               <a:t>kjellermogul</a:t>
             </a:r>
           </a:p>
@@ -13211,7 +13214,7 @@
               </a:spcAft>
               <a:buNone/>
             </a:pPr>
-            <a:endParaRPr dirty="0"/>
+            <a:endParaRPr/>
           </a:p>
         </p:txBody>
       </p:sp>
@@ -13275,7 +13278,7 @@
               <a:buNone/>
             </a:pPr>
             <a:r>
-              <a:rPr lang="nb-NO" dirty="0"/>
+              <a:rPr lang="nb-NO"/>
               <a:t>Kasserer orienterer om økonomi</a:t>
             </a:r>
           </a:p>
@@ -13315,7 +13318,7 @@
               </a:spcAft>
               <a:buNone/>
             </a:pPr>
-            <a:endParaRPr dirty="0"/>
+            <a:endParaRPr/>
           </a:p>
         </p:txBody>
       </p:sp>
@@ -13384,7 +13387,7 @@
               <a:buNone/>
             </a:pPr>
             <a:r>
-              <a:rPr lang="nb-NO" sz="4500" dirty="0"/>
+              <a:rPr lang="nb-NO" sz="4500"/>
               <a:t>Kontingentfastsettelse</a:t>
             </a:r>
           </a:p>
@@ -13450,7 +13453,7 @@
               <a:buNone/>
             </a:pPr>
             <a:r>
-              <a:rPr lang="nb-NO" dirty="0"/>
+              <a:rPr lang="nb-NO"/>
               <a:t>Valg</a:t>
             </a:r>
           </a:p>
@@ -13512,7 +13515,7 @@
               <a:buNone/>
             </a:pPr>
             <a:r>
-              <a:rPr lang="nb-NO" dirty="0">
+              <a:rPr lang="nb-NO">
                 <a:solidFill>
                   <a:schemeClr val="tx1"/>
                 </a:solidFill>
@@ -13586,11 +13589,6 @@
               </a:rPr>
               <a:t>Kjellermogul</a:t>
             </a:r>
-            <a:endParaRPr lang="nb-NO" dirty="0">
-              <a:solidFill>
-                <a:schemeClr val="tx1"/>
-              </a:solidFill>
-            </a:endParaRPr>
           </a:p>
           <a:p>
             <a:pPr marL="457200" lvl="0" indent="-342900" algn="l" rtl="0">
@@ -13604,7 +13602,7 @@
               <a:buChar char="●"/>
             </a:pPr>
             <a:r>
-              <a:rPr lang="nb-NO" dirty="0">
+              <a:rPr lang="nb-NO">
                 <a:solidFill>
                   <a:schemeClr val="tx1"/>
                 </a:solidFill>
@@ -13624,7 +13622,7 @@
               <a:buChar char="●"/>
             </a:pPr>
             <a:r>
-              <a:rPr lang="nb-NO" dirty="0">
+              <a:rPr lang="nb-NO">
                 <a:solidFill>
                   <a:schemeClr val="tx1"/>
                 </a:solidFill>
@@ -13644,7 +13642,7 @@
               <a:buChar char="●"/>
             </a:pPr>
             <a:r>
-              <a:rPr lang="nb-NO" dirty="0">
+              <a:rPr lang="nb-NO">
                 <a:solidFill>
                   <a:schemeClr val="tx1"/>
                 </a:solidFill>
@@ -13664,7 +13662,7 @@
               <a:buChar char="●"/>
             </a:pPr>
             <a:r>
-              <a:rPr lang="en-GB" dirty="0">
+              <a:rPr lang="en-GB">
                 <a:solidFill>
                   <a:schemeClr val="tx1"/>
                 </a:solidFill>
@@ -13672,7 +13670,7 @@
               <a:t>X-</a:t>
             </a:r>
             <a:r>
-              <a:rPr lang="nb-NO" dirty="0">
+              <a:rPr lang="nb-NO">
                 <a:solidFill>
                   <a:schemeClr val="tx1"/>
                 </a:solidFill>
@@ -13707,14 +13705,14 @@
               <a:buNone/>
             </a:pPr>
             <a:r>
-              <a:rPr lang="en-GB" sz="1800" dirty="0" err="1">
+              <a:rPr lang="en-GB" sz="1800" err="1">
                 <a:solidFill>
                   <a:schemeClr val="tx1"/>
                 </a:solidFill>
               </a:rPr>
               <a:t>Kjellerstyret</a:t>
             </a:r>
-            <a:endParaRPr lang="en-GB" sz="1800" dirty="0">
+            <a:endParaRPr lang="en-GB" sz="1800">
               <a:solidFill>
                 <a:schemeClr val="tx1"/>
               </a:solidFill>
@@ -13732,7 +13730,7 @@
               <a:buChar char="●"/>
             </a:pPr>
             <a:r>
-              <a:rPr lang="nb-NO" dirty="0">
+              <a:rPr lang="nb-NO">
                 <a:solidFill>
                   <a:schemeClr val="tx1"/>
                 </a:solidFill>
@@ -13752,7 +13750,7 @@
               <a:buChar char="●"/>
             </a:pPr>
             <a:r>
-              <a:rPr lang="nb-NO" dirty="0">
+              <a:rPr lang="nb-NO">
                 <a:solidFill>
                   <a:schemeClr val="tx1"/>
                 </a:solidFill>
@@ -13772,7 +13770,7 @@
               <a:buChar char="●"/>
             </a:pPr>
             <a:r>
-              <a:rPr lang="nb-NO" dirty="0">
+              <a:rPr lang="nb-NO">
                 <a:solidFill>
                   <a:schemeClr val="tx1"/>
                 </a:solidFill>
@@ -13792,7 +13790,7 @@
               <a:buChar char="●"/>
             </a:pPr>
             <a:r>
-              <a:rPr lang="nb-NO" dirty="0">
+              <a:rPr lang="nb-NO">
                 <a:solidFill>
                   <a:schemeClr val="tx1"/>
                 </a:solidFill>
@@ -13812,7 +13810,7 @@
               <a:buChar char="●"/>
             </a:pPr>
             <a:r>
-              <a:rPr lang="nb-NO" dirty="0">
+              <a:rPr lang="nb-NO">
                 <a:solidFill>
                   <a:schemeClr val="tx1"/>
                 </a:solidFill>
@@ -13832,7 +13830,7 @@
               <a:buChar char="●"/>
             </a:pPr>
             <a:r>
-              <a:rPr lang="nb-NO" dirty="0">
+              <a:rPr lang="nb-NO">
                 <a:solidFill>
                   <a:schemeClr val="tx1"/>
                 </a:solidFill>
@@ -13840,7 +13838,7 @@
               <a:t>Teknisk</a:t>
             </a:r>
             <a:r>
-              <a:rPr lang="en-GB" dirty="0">
+              <a:rPr lang="en-GB">
                 <a:solidFill>
                   <a:schemeClr val="tx1"/>
                 </a:solidFill>
@@ -13848,7 +13846,7 @@
               <a:t> </a:t>
             </a:r>
             <a:r>
-              <a:rPr lang="nb-NO" dirty="0">
+              <a:rPr lang="nb-NO">
                 <a:solidFill>
                   <a:schemeClr val="tx1"/>
                 </a:solidFill>
@@ -13868,7 +13866,7 @@
               <a:buChar char="●"/>
             </a:pPr>
             <a:r>
-              <a:rPr lang="nb-NO" dirty="0">
+              <a:rPr lang="nb-NO">
                 <a:solidFill>
                   <a:schemeClr val="tx1"/>
                 </a:solidFill>
@@ -13888,7 +13886,7 @@
               <a:buChar char="●"/>
             </a:pPr>
             <a:r>
-              <a:rPr lang="en-GB" dirty="0">
+              <a:rPr lang="en-GB">
                 <a:solidFill>
                   <a:schemeClr val="tx1"/>
                 </a:solidFill>
@@ -13896,7 +13894,7 @@
               <a:t>DJ-</a:t>
             </a:r>
             <a:r>
-              <a:rPr lang="nb-NO" dirty="0">
+              <a:rPr lang="nb-NO">
                 <a:solidFill>
                   <a:schemeClr val="tx1"/>
                 </a:solidFill>
@@ -13916,7 +13914,7 @@
               <a:buChar char="●"/>
             </a:pPr>
             <a:r>
-              <a:rPr lang="nb-NO" dirty="0">
+              <a:rPr lang="nb-NO">
                 <a:solidFill>
                   <a:schemeClr val="tx1"/>
                 </a:solidFill>
@@ -13928,7 +13926,7 @@
             <a:pPr marL="139700" indent="0">
               <a:buNone/>
             </a:pPr>
-            <a:endParaRPr lang="en-GB" dirty="0">
+            <a:endParaRPr lang="en-GB">
               <a:solidFill>
                 <a:schemeClr val="tx1"/>
               </a:solidFill>
@@ -13996,7 +13994,7 @@
               <a:buNone/>
             </a:pPr>
             <a:r>
-              <a:rPr lang="nb-NO" dirty="0"/>
+              <a:rPr lang="nb-NO"/>
               <a:t>Hovedstyret</a:t>
             </a:r>
           </a:p>
@@ -14041,10 +14039,9 @@
               <a:buChar char="●"/>
             </a:pPr>
             <a:r>
-              <a:rPr lang="nb-NO" dirty="0"/>
+              <a:rPr lang="nb-NO"/>
               <a:t>Kjellermogul</a:t>
             </a:r>
-            <a:endParaRPr lang="nb-NO"/>
           </a:p>
           <a:p>
             <a:pPr marL="457200" lvl="0" indent="-342900" algn="l" rtl="0">
@@ -14061,10 +14058,9 @@
               <a:buChar char="●"/>
             </a:pPr>
             <a:r>
-              <a:rPr lang="nb-NO" dirty="0"/>
+              <a:rPr lang="nb-NO"/>
               <a:t>Arrangementssjef</a:t>
             </a:r>
-            <a:endParaRPr lang="nb-NO"/>
           </a:p>
           <a:p>
             <a:pPr marL="457200" lvl="0" indent="-342900" algn="l" rtl="0">
@@ -14081,10 +14077,9 @@
               <a:buChar char="●"/>
             </a:pPr>
             <a:r>
-              <a:rPr lang="nb-NO" dirty="0"/>
+              <a:rPr lang="nb-NO"/>
               <a:t>Rekruteringsansvarlig</a:t>
             </a:r>
-            <a:endParaRPr lang="nb-NO"/>
           </a:p>
           <a:p>
             <a:pPr marL="457200" lvl="0" indent="-342900" algn="l" rtl="0">
@@ -14101,10 +14096,9 @@
               <a:buChar char="●"/>
             </a:pPr>
             <a:r>
-              <a:rPr lang="nb-NO" dirty="0"/>
+              <a:rPr lang="nb-NO"/>
               <a:t>Promoteringssjef</a:t>
             </a:r>
-            <a:endParaRPr lang="nb-NO"/>
           </a:p>
           <a:p>
             <a:pPr marL="457200" lvl="0" indent="-342900" algn="l" rtl="0">
@@ -14121,14 +14115,13 @@
               <a:buChar char="●"/>
             </a:pPr>
             <a:r>
-              <a:rPr lang="en-GB" dirty="0"/>
+              <a:rPr lang="en-GB"/>
               <a:t>X-</a:t>
             </a:r>
             <a:r>
-              <a:rPr lang="nb-NO" dirty="0"/>
+              <a:rPr lang="nb-NO"/>
               <a:t>sjef</a:t>
             </a:r>
-            <a:endParaRPr lang="nb-NO"/>
           </a:p>
         </p:txBody>
       </p:sp>
@@ -14421,7 +14414,7 @@
           <a:lstStyle/>
           <a:p>
             <a:r>
-              <a:rPr lang="nb-NO" dirty="0"/>
+              <a:rPr lang="nb-NO"/>
               <a:t>Hovedstyre og kjellerstyremedlem</a:t>
             </a:r>
           </a:p>
@@ -14432,12 +14425,8 @@
               </a:lnSpc>
             </a:pPr>
             <a:r>
-              <a:rPr lang="nb-NO" dirty="0"/>
-              <a:t>Passe på at alle gruppene følger sine oppgaver og har det bra</a:t>
-            </a:r>
-            <a:r>
-              <a:rPr lang="nb-NO"/>
-              <a:t> (men ikke overkjøre gruppeledere!)</a:t>
+              <a:rPr lang="nb-NO"/>
+              <a:t>Passe på at alle gruppene følger sine oppgaver og har det bra (men ikke overkjøre gruppeledere!)</a:t>
             </a:r>
           </a:p>
           <a:p>
@@ -14451,97 +14440,91 @@
               <a:buSzPts val="1800"/>
             </a:pPr>
             <a:r>
-              <a:rPr lang="nb-NO" dirty="0"/>
+              <a:rPr lang="nb-NO"/>
               <a:t>Eks: Har bar nok personale til fredagspub?</a:t>
             </a:r>
+          </a:p>
+          <a:p>
+            <a:pPr>
+              <a:lnSpc>
+                <a:spcPct val="114999"/>
+              </a:lnSpc>
+            </a:pPr>
+            <a:r>
+              <a:rPr lang="nb-NO"/>
+              <a:t>Passe på at skjenkebevillingen følges opp og er i orden</a:t>
+            </a:r>
+          </a:p>
+          <a:p>
+            <a:pPr>
+              <a:lnSpc>
+                <a:spcPct val="114999"/>
+              </a:lnSpc>
+            </a:pPr>
+            <a:r>
+              <a:rPr lang="nb-NO"/>
+              <a:t>Sikre fremdrift i kjellerstyrets oppgaver og prosjekter</a:t>
+            </a:r>
+          </a:p>
+          <a:p>
+            <a:pPr>
+              <a:lnSpc>
+                <a:spcPct val="114999"/>
+              </a:lnSpc>
+            </a:pPr>
+            <a:r>
+              <a:rPr lang="nb-NO"/>
+              <a:t>Kunnskap om alkohollovgivningen</a:t>
+            </a:r>
+          </a:p>
+          <a:p>
+            <a:pPr>
+              <a:lnSpc>
+                <a:spcPct val="114999"/>
+              </a:lnSpc>
+            </a:pPr>
+            <a:r>
+              <a:rPr lang="nb-NO"/>
+              <a:t>Holde jevnlige medarbeidersamtaler med kjellerstyret</a:t>
+            </a:r>
+          </a:p>
+          <a:p>
+            <a:pPr>
+              <a:lnSpc>
+                <a:spcPct val="114999"/>
+              </a:lnSpc>
+            </a:pPr>
+            <a:r>
+              <a:rPr lang="nb-NO"/>
+              <a:t>Arrangere </a:t>
+            </a:r>
+            <a:r>
+              <a:rPr lang="nb-NO" err="1"/>
+              <a:t>julitrefest</a:t>
+            </a:r>
+            <a:r>
+              <a:rPr lang="nb-NO"/>
+              <a:t> og nyttårsfest (men man kan delegere!)</a:t>
+            </a:r>
+          </a:p>
+          <a:p>
+            <a:pPr>
+              <a:lnSpc>
+                <a:spcPct val="114999"/>
+              </a:lnSpc>
+            </a:pPr>
+            <a:r>
+              <a:rPr lang="nb-NO"/>
+              <a:t>God kommunikasjon med renhold og andre deler av IFI</a:t>
+            </a:r>
+          </a:p>
+          <a:p>
+            <a:pPr>
+              <a:lnSpc>
+                <a:spcPct val="114999"/>
+              </a:lnSpc>
+            </a:pPr>
             <a:endParaRPr lang="nb-NO"/>
-          </a:p>
-          <a:p>
-            <a:pPr>
-              <a:lnSpc>
-                <a:spcPct val="114999"/>
-              </a:lnSpc>
-            </a:pPr>
-            <a:r>
-              <a:rPr lang="nb-NO" dirty="0"/>
-              <a:t>Passe på at skjenkebevillingen følges opp og er i orden</a:t>
-            </a:r>
-          </a:p>
-          <a:p>
-            <a:pPr>
-              <a:lnSpc>
-                <a:spcPct val="114999"/>
-              </a:lnSpc>
-            </a:pPr>
-            <a:r>
-              <a:rPr lang="nb-NO" dirty="0"/>
-              <a:t>Sikre fremdrift i kjellerstyrets oppgaver og prosjekter</a:t>
-            </a:r>
-          </a:p>
-          <a:p>
-            <a:pPr>
-              <a:lnSpc>
-                <a:spcPct val="114999"/>
-              </a:lnSpc>
-            </a:pPr>
-            <a:r>
-              <a:rPr lang="nb-NO" dirty="0"/>
-              <a:t>Kunnskap om alkohollovgivningen</a:t>
-            </a:r>
-          </a:p>
-          <a:p>
-            <a:pPr>
-              <a:lnSpc>
-                <a:spcPct val="114999"/>
-              </a:lnSpc>
-            </a:pPr>
-            <a:r>
-              <a:rPr lang="nb-NO" dirty="0"/>
-              <a:t>Holde jevnlige medarbeidersamtaler med kjellerstyret</a:t>
-            </a:r>
-          </a:p>
-          <a:p>
-            <a:pPr>
-              <a:lnSpc>
-                <a:spcPct val="114999"/>
-              </a:lnSpc>
-            </a:pPr>
-            <a:r>
-              <a:rPr lang="nb-NO" dirty="0"/>
-              <a:t>Arrangere </a:t>
-            </a:r>
-            <a:r>
-              <a:rPr lang="nb-NO" dirty="0" err="1"/>
-              <a:t>julitrefest</a:t>
-            </a:r>
-            <a:r>
-              <a:rPr lang="nb-NO" dirty="0"/>
-              <a:t> og nyttårsfest (men man kan delegere!)</a:t>
-            </a:r>
-          </a:p>
-          <a:p>
-            <a:pPr>
-              <a:lnSpc>
-                <a:spcPct val="114999"/>
-              </a:lnSpc>
-            </a:pPr>
-            <a:r>
-              <a:rPr lang="nb-NO" dirty="0"/>
-              <a:t>God kommunikasjon</a:t>
-            </a:r>
-            <a:r>
-              <a:rPr lang="nb-NO"/>
-              <a:t> med renhold og andre deler av IFI</a:t>
-            </a:r>
-            <a:endParaRPr lang="nb-NO" dirty="0"/>
-          </a:p>
-          <a:p>
-            <a:pPr>
-              <a:lnSpc>
-                <a:spcPct val="114999"/>
-              </a:lnSpc>
-            </a:pPr>
-            <a:endParaRPr lang="nb-NO" dirty="0"/>
           </a:p>
         </p:txBody>
       </p:sp>
@@ -14610,7 +14593,7 @@
               <a:buNone/>
             </a:pPr>
             <a:r>
-              <a:rPr lang="nb-NO" dirty="0"/>
+              <a:rPr lang="nb-NO"/>
               <a:t>Formalia</a:t>
             </a:r>
           </a:p>
@@ -14696,7 +14679,7 @@
           <a:lstStyle/>
           <a:p>
             <a:r>
-              <a:rPr lang="nb-NO" dirty="0"/>
+              <a:rPr lang="nb-NO"/>
               <a:t>Hovedstyremedlem</a:t>
             </a:r>
           </a:p>
@@ -14707,15 +14690,15 @@
               </a:lnSpc>
             </a:pPr>
             <a:r>
-              <a:rPr lang="nb-NO" dirty="0"/>
+              <a:rPr lang="nb-NO"/>
               <a:t>Opprette </a:t>
             </a:r>
             <a:r>
-              <a:rPr lang="nb-NO" dirty="0" err="1"/>
+              <a:rPr lang="nb-NO" err="1"/>
               <a:t>arrplan</a:t>
             </a:r>
             <a:r>
-              <a:rPr lang="nb-NO" dirty="0"/>
+              <a:rPr lang="nb-NO"/>
               <a:t> og kalender på wikien og holde dem oppdatert</a:t>
             </a:r>
           </a:p>
@@ -14726,14 +14709,14 @@
               </a:lnSpc>
             </a:pPr>
             <a:r>
-              <a:rPr lang="nb-NO" dirty="0"/>
+              <a:rPr lang="nb-NO"/>
               <a:t>Lederansvar for </a:t>
             </a:r>
             <a:r>
-              <a:rPr lang="nb-NO" dirty="0" err="1"/>
+              <a:rPr lang="nb-NO" err="1"/>
               <a:t>arrgruppen</a:t>
             </a:r>
-            <a:endParaRPr lang="nb-NO" dirty="0"/>
+            <a:endParaRPr lang="nb-NO"/>
           </a:p>
           <a:p>
             <a:pPr>
@@ -14742,15 +14725,15 @@
               </a:lnSpc>
             </a:pPr>
             <a:r>
-              <a:rPr lang="nb-NO" dirty="0"/>
+              <a:rPr lang="nb-NO"/>
               <a:t>Finne </a:t>
             </a:r>
             <a:r>
-              <a:rPr lang="nb-NO" dirty="0" err="1"/>
+              <a:rPr lang="nb-NO" err="1"/>
               <a:t>arrmestere</a:t>
             </a:r>
             <a:r>
-              <a:rPr lang="nb-NO" dirty="0"/>
+              <a:rPr lang="nb-NO"/>
               <a:t> til å gjennomføre arrangementer</a:t>
             </a:r>
           </a:p>
@@ -14761,7 +14744,7 @@
               </a:lnSpc>
             </a:pPr>
             <a:r>
-              <a:rPr lang="nb-NO" dirty="0"/>
+              <a:rPr lang="nb-NO"/>
               <a:t>Finne noen til å gjennomføre:</a:t>
             </a:r>
           </a:p>
@@ -14775,94 +14758,90 @@
               </a:spcBef>
             </a:pPr>
             <a:r>
-              <a:rPr lang="nb-NO" sz="1600" dirty="0"/>
+              <a:rPr lang="nb-NO" sz="1600"/>
               <a:t>IFI-skitur</a:t>
             </a:r>
+          </a:p>
+          <a:p>
+            <a:pPr lvl="1">
+              <a:lnSpc>
+                <a:spcPct val="100000"/>
+              </a:lnSpc>
+              <a:spcBef>
+                <a:spcPts val="200"/>
+              </a:spcBef>
+            </a:pPr>
+            <a:r>
+              <a:rPr lang="nb-NO" sz="1600"/>
+              <a:t>IFI-LAN</a:t>
+            </a:r>
+          </a:p>
+          <a:p>
+            <a:pPr lvl="1">
+              <a:lnSpc>
+                <a:spcPct val="100000"/>
+              </a:lnSpc>
+              <a:spcBef>
+                <a:spcPts val="200"/>
+              </a:spcBef>
+            </a:pPr>
+            <a:r>
+              <a:rPr lang="nb-NO" sz="1600"/>
+              <a:t>Brettspillkvelder</a:t>
+            </a:r>
+          </a:p>
+          <a:p>
+            <a:pPr lvl="1">
+              <a:lnSpc>
+                <a:spcPct val="100000"/>
+              </a:lnSpc>
+              <a:spcBef>
+                <a:spcPts val="200"/>
+              </a:spcBef>
+            </a:pPr>
+            <a:r>
+              <a:rPr lang="nb-NO" sz="1600"/>
+              <a:t>Quiz</a:t>
+            </a:r>
+          </a:p>
+          <a:p>
+            <a:pPr lvl="1">
+              <a:lnSpc>
+                <a:spcPct val="100000"/>
+              </a:lnSpc>
+              <a:spcBef>
+                <a:spcPts val="200"/>
+              </a:spcBef>
+            </a:pPr>
+            <a:r>
+              <a:rPr lang="nb-NO" sz="1600" err="1"/>
+              <a:t>Whiskeyseminar</a:t>
+            </a:r>
             <a:endParaRPr lang="nb-NO" sz="1600"/>
           </a:p>
           <a:p>
-            <a:pPr lvl="1">
-              <a:lnSpc>
-                <a:spcPct val="100000"/>
-              </a:lnSpc>
-              <a:spcBef>
-                <a:spcPts val="200"/>
-              </a:spcBef>
-            </a:pPr>
-            <a:r>
-              <a:rPr lang="nb-NO" sz="1600" dirty="0"/>
-              <a:t>IFI-LAN</a:t>
-            </a:r>
-            <a:endParaRPr lang="nb-NO" sz="1600"/>
-          </a:p>
-          <a:p>
-            <a:pPr lvl="1">
-              <a:lnSpc>
-                <a:spcPct val="100000"/>
-              </a:lnSpc>
-              <a:spcBef>
-                <a:spcPts val="200"/>
-              </a:spcBef>
-            </a:pPr>
-            <a:r>
-              <a:rPr lang="nb-NO" sz="1600" dirty="0"/>
-              <a:t>Brettspillkvelder</a:t>
-            </a:r>
-            <a:endParaRPr lang="nb-NO" sz="1600"/>
-          </a:p>
-          <a:p>
-            <a:pPr lvl="1">
-              <a:lnSpc>
-                <a:spcPct val="100000"/>
-              </a:lnSpc>
-              <a:spcBef>
-                <a:spcPts val="200"/>
-              </a:spcBef>
-            </a:pPr>
-            <a:r>
-              <a:rPr lang="nb-NO" sz="1600" dirty="0"/>
-              <a:t>Quiz</a:t>
-            </a:r>
-            <a:endParaRPr lang="nb-NO" sz="1600"/>
-          </a:p>
-          <a:p>
-            <a:pPr lvl="1">
-              <a:lnSpc>
-                <a:spcPct val="100000"/>
-              </a:lnSpc>
-              <a:spcBef>
-                <a:spcPts val="200"/>
-              </a:spcBef>
-            </a:pPr>
-            <a:r>
-              <a:rPr lang="nb-NO" sz="1600" dirty="0" err="1"/>
-              <a:t>Whiskeyseminar</a:t>
-            </a:r>
-            <a:endParaRPr lang="nb-NO" sz="1600"/>
-          </a:p>
-          <a:p>
             <a:pPr>
               <a:lnSpc>
                 <a:spcPct val="100000"/>
               </a:lnSpc>
             </a:pPr>
             <a:r>
-              <a:rPr lang="nb-NO" dirty="0"/>
+              <a:rPr lang="nb-NO"/>
               <a:t>Arrangere </a:t>
             </a:r>
             <a:r>
-              <a:rPr lang="nb-NO" dirty="0" err="1"/>
+              <a:rPr lang="nb-NO" err="1"/>
               <a:t>arrgruppas</a:t>
             </a:r>
             <a:r>
-              <a:rPr lang="nb-NO" dirty="0"/>
+              <a:rPr lang="nb-NO"/>
               <a:t> </a:t>
             </a:r>
             <a:r>
-              <a:rPr lang="nb-NO" dirty="0" err="1"/>
+              <a:rPr lang="nb-NO" err="1"/>
               <a:t>internfest</a:t>
             </a:r>
-            <a:endParaRPr lang="nb-NO" dirty="0"/>
+            <a:endParaRPr lang="nb-NO"/>
           </a:p>
           <a:p>
             <a:pPr>
@@ -14871,7 +14850,7 @@
               </a:lnSpc>
             </a:pPr>
             <a:r>
-              <a:rPr lang="nb-NO" dirty="0"/>
+              <a:rPr lang="nb-NO"/>
               <a:t>Kommunisere med utlånsansvarlig for å unngå dobbeltbookinger</a:t>
             </a:r>
           </a:p>
@@ -14882,7 +14861,7 @@
               </a:lnSpc>
             </a:pPr>
             <a:r>
-              <a:rPr lang="nb-NO" dirty="0"/>
+              <a:rPr lang="nb-NO"/>
               <a:t>Koordinere med pr-ansvarlig så det blir lagt ut PR i god tid</a:t>
             </a:r>
           </a:p>
@@ -14892,7 +14871,7 @@
                 <a:spcPct val="114999"/>
               </a:lnSpc>
             </a:pPr>
-            <a:endParaRPr lang="nb-NO" dirty="0"/>
+            <a:endParaRPr lang="nb-NO"/>
           </a:p>
         </p:txBody>
       </p:sp>
@@ -15391,7 +15370,7 @@
               <a:buNone/>
             </a:pPr>
             <a:r>
-              <a:rPr lang="nb-NO" dirty="0"/>
+              <a:rPr lang="nb-NO"/>
               <a:t>Kjellerstyret</a:t>
             </a:r>
           </a:p>
@@ -15433,7 +15412,7 @@
               <a:buChar char="●"/>
             </a:pPr>
             <a:r>
-              <a:rPr lang="nb-NO" dirty="0"/>
+              <a:rPr lang="nb-NO"/>
               <a:t>Kjellernestleder</a:t>
             </a:r>
           </a:p>
@@ -15449,7 +15428,7 @@
               <a:buChar char="●"/>
             </a:pPr>
             <a:r>
-              <a:rPr lang="nb-NO" dirty="0"/>
+              <a:rPr lang="nb-NO"/>
               <a:t>Barsjef</a:t>
             </a:r>
           </a:p>
@@ -15465,7 +15444,7 @@
               <a:buChar char="●"/>
             </a:pPr>
             <a:r>
-              <a:rPr lang="nb-NO" dirty="0"/>
+              <a:rPr lang="nb-NO"/>
               <a:t>Kafésjef</a:t>
             </a:r>
           </a:p>
@@ -15481,7 +15460,7 @@
               <a:buChar char="●"/>
             </a:pPr>
             <a:r>
-              <a:rPr lang="nb-NO" dirty="0"/>
+              <a:rPr lang="nb-NO"/>
               <a:t>Økonomiansvarlig</a:t>
             </a:r>
           </a:p>
@@ -15497,7 +15476,7 @@
               <a:buChar char="●"/>
             </a:pPr>
             <a:r>
-              <a:rPr lang="nb-NO" dirty="0"/>
+              <a:rPr lang="nb-NO"/>
               <a:t>Innkjøpsansvarlig</a:t>
             </a:r>
           </a:p>
@@ -15513,15 +15492,15 @@
               <a:buChar char="●"/>
             </a:pPr>
             <a:r>
-              <a:rPr lang="nb-NO" dirty="0"/>
+              <a:rPr lang="nb-NO"/>
               <a:t>Teknisk</a:t>
             </a:r>
             <a:r>
-              <a:rPr lang="en-GB" dirty="0"/>
+              <a:rPr lang="en-GB"/>
               <a:t> </a:t>
             </a:r>
             <a:r>
-              <a:rPr lang="nb-NO" dirty="0"/>
+              <a:rPr lang="nb-NO"/>
               <a:t>sjef</a:t>
             </a:r>
           </a:p>
@@ -15537,7 +15516,7 @@
               <a:buChar char="●"/>
             </a:pPr>
             <a:r>
-              <a:rPr lang="nb-NO" dirty="0"/>
+              <a:rPr lang="nb-NO"/>
               <a:t>Utlånsansvarlig</a:t>
             </a:r>
           </a:p>
@@ -15553,11 +15532,11 @@
               <a:buChar char="●"/>
             </a:pPr>
             <a:r>
-              <a:rPr lang="en-GB" dirty="0"/>
+              <a:rPr lang="en-GB"/>
               <a:t>DJ-</a:t>
             </a:r>
             <a:r>
-              <a:rPr lang="nb-NO" dirty="0"/>
+              <a:rPr lang="nb-NO"/>
               <a:t>sjef</a:t>
             </a:r>
           </a:p>
@@ -15573,7 +15552,7 @@
               <a:buChar char="●"/>
             </a:pPr>
             <a:r>
-              <a:rPr lang="nb-NO" dirty="0"/>
+              <a:rPr lang="nb-NO"/>
               <a:t>Arrangementskoordinator</a:t>
             </a:r>
           </a:p>
@@ -15792,7 +15771,6 @@
               <a:rPr lang="nb-NO"/>
               <a:t>Kjellerstyremedlem</a:t>
             </a:r>
-            <a:endParaRPr lang="nb-NO" dirty="0"/>
           </a:p>
           <a:p>
             <a:pPr>
@@ -15801,7 +15779,7 @@
               </a:lnSpc>
             </a:pPr>
             <a:r>
-              <a:rPr lang="nb-NO" dirty="0"/>
+              <a:rPr lang="nb-NO"/>
               <a:t>Kalle inn til KS møter</a:t>
             </a:r>
           </a:p>
@@ -15812,7 +15790,7 @@
               </a:lnSpc>
             </a:pPr>
             <a:r>
-              <a:rPr lang="nb-NO" dirty="0"/>
+              <a:rPr lang="nb-NO"/>
               <a:t>Delta på ledermøter med leder, nestleder og mogul </a:t>
             </a:r>
           </a:p>
@@ -15823,12 +15801,8 @@
               </a:lnSpc>
             </a:pPr>
             <a:r>
-              <a:rPr lang="nb-NO" dirty="0"/>
-              <a:t>Sende søknad for bruk av </a:t>
-            </a:r>
-            <a:r>
-              <a:rPr lang="nb-NO"/>
-              <a:t>Escape (</a:t>
+              <a:rPr lang="nb-NO"/>
+              <a:t>Sende søknad for bruk av Escape (</a:t>
             </a:r>
             <a:r>
               <a:rPr lang="nb-NO" err="1"/>
@@ -15838,7 +15812,6 @@
               <a:rPr lang="nb-NO"/>
               <a:t>) til eiendomsavdelingen</a:t>
             </a:r>
-            <a:endParaRPr lang="nb-NO" dirty="0"/>
           </a:p>
           <a:p>
             <a:pPr>
@@ -15848,17 +15821,8 @@
             </a:pPr>
             <a:r>
               <a:rPr lang="nb-NO"/>
-              <a:t>Ventilasjonsanlegget </a:t>
-            </a:r>
-            <a:r>
-              <a:rPr lang="nb-NO" dirty="0"/>
-              <a:t>i </a:t>
-            </a:r>
-            <a:r>
-              <a:rPr lang="nb-NO"/>
-              <a:t>Escape</a:t>
-            </a:r>
-            <a:endParaRPr lang="nb-NO" dirty="0"/>
+              <a:t>Ventilasjonsanlegget i Escape</a:t>
+            </a:r>
           </a:p>
           <a:p>
             <a:pPr>
@@ -15867,16 +15831,8 @@
               </a:lnSpc>
             </a:pPr>
             <a:r>
-              <a:rPr lang="nb-NO" dirty="0"/>
-              <a:t>Avlaste kjellermogul om du selv har kapasitet</a:t>
-            </a:r>
-            <a:r>
-              <a:rPr lang="nb-NO"/>
-              <a:t>/ </a:t>
-            </a:r>
-            <a:r>
-              <a:rPr lang="nb-NO" dirty="0"/>
-              <a:t>hjelpe til med å delegere arbeidsoppgaver videre</a:t>
+              <a:rPr lang="nb-NO"/>
+              <a:t>Avlaste kjellermogul om du selv har kapasitet/ hjelpe til med å delegere arbeidsoppgaver videre</a:t>
             </a:r>
           </a:p>
           <a:p>
@@ -15886,7 +15842,7 @@
               </a:lnSpc>
             </a:pPr>
             <a:r>
-              <a:rPr lang="nb-NO" dirty="0"/>
+              <a:rPr lang="nb-NO"/>
               <a:t>Ha god kommunikasjon med kjellermogul</a:t>
             </a:r>
           </a:p>
@@ -15897,16 +15853,8 @@
               </a:lnSpc>
             </a:pPr>
             <a:r>
-              <a:rPr lang="nb-NO" dirty="0"/>
-              <a:t>Følge opp de andre KS </a:t>
-            </a:r>
-            <a:r>
-              <a:rPr lang="nb-NO"/>
-              <a:t>medlemmene og rapportere</a:t>
-            </a:r>
-            <a:r>
-              <a:rPr lang="nb-NO" dirty="0"/>
-              <a:t> til mogul</a:t>
+              <a:rPr lang="nb-NO"/>
+              <a:t>Følge opp de andre KS medlemmene og rapportere til mogul</a:t>
             </a:r>
           </a:p>
           <a:p>
@@ -15916,16 +15864,8 @@
               </a:lnSpc>
             </a:pPr>
             <a:r>
-              <a:rPr lang="nb-NO" dirty="0"/>
-              <a:t>Sørge for at </a:t>
-            </a:r>
-            <a:r>
-              <a:rPr lang="nb-NO"/>
-              <a:t>bar-skjortene</a:t>
-            </a:r>
-            <a:r>
-              <a:rPr lang="nb-NO" dirty="0"/>
-              <a:t> og kafé-forklærne blir vasket regelmessig</a:t>
+              <a:rPr lang="nb-NO"/>
+              <a:t>Sørge for at bar-skjortene og kafé-forklærne blir vasket regelmessig</a:t>
             </a:r>
           </a:p>
         </p:txBody>
@@ -16199,7 +16139,7 @@
           <a:p>
             <a:r>
               <a:rPr lang="nb-NO"/>
-              <a:t>Alle ansvar som medfølger å være et kjellerstyremedlem</a:t>
+              <a:t>Kjellerstyremedlem</a:t>
             </a:r>
           </a:p>
           <a:p>
@@ -16227,6 +16167,7 @@
               <a:rPr lang="nb-NO" err="1"/>
               <a:t>KMer</a:t>
             </a:r>
+            <a:endParaRPr lang="nb-NO"/>
           </a:p>
           <a:p>
             <a:pPr>
@@ -16258,31 +16199,7 @@
             </a:pPr>
             <a:r>
               <a:rPr lang="nb-NO"/>
-              <a:t>Ansvar for å melde </a:t>
-            </a:r>
-            <a:r>
-              <a:rPr lang="nb-NO" err="1"/>
-              <a:t>KMer</a:t>
-            </a:r>
-            <a:r>
-              <a:rPr lang="nb-NO"/>
-              <a:t> som ønsker det på </a:t>
-            </a:r>
-            <a:r>
-              <a:rPr lang="nb-NO" err="1"/>
-              <a:t>solberg</a:t>
-            </a:r>
-            <a:r>
-              <a:rPr lang="nb-NO"/>
-              <a:t> og </a:t>
-            </a:r>
-            <a:r>
-              <a:rPr lang="nb-NO" err="1"/>
-              <a:t>hansen</a:t>
-            </a:r>
-            <a:r>
-              <a:rPr lang="nb-NO"/>
-              <a:t> kafékurs</a:t>
+              <a:t>Melde KM-er på kafékurs</a:t>
             </a:r>
           </a:p>
           <a:p>
@@ -16299,26 +16216,6 @@
               <a:rPr lang="nb-NO" err="1"/>
               <a:t>kafévarer</a:t>
             </a:r>
-            <a:r>
-              <a:rPr lang="nb-NO"/>
-              <a:t> fra </a:t>
-            </a:r>
-            <a:r>
-              <a:rPr lang="nb-NO" err="1"/>
-              <a:t>solberg</a:t>
-            </a:r>
-            <a:r>
-              <a:rPr lang="nb-NO"/>
-              <a:t> </a:t>
-            </a:r>
-            <a:r>
-              <a:rPr lang="nb-NO" err="1"/>
-              <a:t>hansen</a:t>
-            </a:r>
-            <a:r>
-              <a:rPr lang="nb-NO"/>
-              <a:t> og tinemelk (kommer på torsdager)</a:t>
-            </a:r>
           </a:p>
           <a:p>
             <a:pPr>
@@ -16328,15 +16225,7 @@
             </a:pPr>
             <a:r>
               <a:rPr lang="nb-NO"/>
-              <a:t>Rydde kaféhyllene i </a:t>
-            </a:r>
-            <a:r>
-              <a:rPr lang="nb-NO" err="1"/>
-              <a:t>dj</a:t>
-            </a:r>
-            <a:r>
-              <a:rPr lang="nb-NO"/>
-              <a:t> bua</a:t>
+              <a:t>Rydde kaféhyllene i DJ-bua</a:t>
             </a:r>
           </a:p>
           <a:p>
@@ -16435,12 +16324,97 @@
             <p:ph type="body" idx="1"/>
           </p:nvPr>
         </p:nvSpPr>
-        <p:spPr/>
+        <p:spPr>
+          <a:xfrm>
+            <a:off x="311700" y="768632"/>
+            <a:ext cx="8520600" cy="3416400"/>
+          </a:xfrm>
+        </p:spPr>
         <p:txBody>
           <a:bodyPr/>
           <a:lstStyle/>
           <a:p>
+            <a:pPr marL="114300" indent="0">
+              <a:buNone/>
+            </a:pPr>
             <a:endParaRPr lang="nb-NO"/>
+          </a:p>
+          <a:p>
+            <a:pPr>
+              <a:lnSpc>
+                <a:spcPct val="150000"/>
+              </a:lnSpc>
+            </a:pPr>
+            <a:r>
+              <a:rPr lang="nb-NO"/>
+              <a:t>Kjellerstyremedlem</a:t>
+            </a:r>
+          </a:p>
+          <a:p>
+            <a:pPr>
+              <a:lnSpc>
+                <a:spcPct val="150000"/>
+              </a:lnSpc>
+            </a:pPr>
+            <a:r>
+              <a:rPr lang="nb-NO"/>
+              <a:t>Ansvaret for at kassa funker</a:t>
+            </a:r>
+          </a:p>
+          <a:p>
+            <a:pPr>
+              <a:lnSpc>
+                <a:spcPct val="150000"/>
+              </a:lnSpc>
+            </a:pPr>
+            <a:r>
+              <a:rPr lang="nb-NO"/>
+              <a:t>Lære opp nye funker til kassa (kan også gjøres av innkjøpsansvarlig)</a:t>
+            </a:r>
+          </a:p>
+          <a:p>
+            <a:pPr>
+              <a:lnSpc>
+                <a:spcPct val="150000"/>
+              </a:lnSpc>
+            </a:pPr>
+            <a:r>
+              <a:rPr lang="nb-NO"/>
+              <a:t>Hjelpe til å betale regninger sammen med økogruppa</a:t>
+            </a:r>
+          </a:p>
+          <a:p>
+            <a:pPr>
+              <a:lnSpc>
+                <a:spcPct val="150000"/>
+              </a:lnSpc>
+            </a:pPr>
+            <a:r>
+              <a:rPr lang="nb-NO"/>
+              <a:t>Være med på å lage budsjett</a:t>
+            </a:r>
+          </a:p>
+          <a:p>
+            <a:pPr>
+              <a:lnSpc>
+                <a:spcPct val="150000"/>
+              </a:lnSpc>
+            </a:pPr>
+            <a:r>
+              <a:rPr lang="nb-NO"/>
+              <a:t>Føre regnskap</a:t>
+            </a:r>
+          </a:p>
+          <a:p>
+            <a:pPr>
+              <a:lnSpc>
+                <a:spcPct val="150000"/>
+              </a:lnSpc>
+            </a:pPr>
+            <a:r>
+              <a:rPr lang="nb-NO"/>
+              <a:t>Med på å delegere oppgaver til økogruppa</a:t>
+            </a:r>
           </a:p>
         </p:txBody>
       </p:sp>
@@ -16509,23 +16483,23 @@
               <a:buNone/>
             </a:pPr>
             <a:r>
-              <a:rPr lang="nb-NO" dirty="0"/>
+              <a:rPr lang="nb-NO"/>
               <a:t>Valg</a:t>
             </a:r>
             <a:r>
-              <a:rPr lang="en-GB" dirty="0"/>
+              <a:rPr lang="en-GB"/>
               <a:t> </a:t>
             </a:r>
             <a:r>
-              <a:rPr lang="nb-NO" dirty="0"/>
+              <a:rPr lang="nb-NO"/>
               <a:t>av</a:t>
             </a:r>
             <a:r>
-              <a:rPr lang="en-GB" dirty="0"/>
+              <a:rPr lang="en-GB"/>
               <a:t> </a:t>
             </a:r>
             <a:r>
-              <a:rPr lang="nb-NO" dirty="0"/>
+              <a:rPr lang="nb-NO"/>
               <a:t>møteleder</a:t>
             </a:r>
           </a:p>
@@ -16600,14 +16574,19 @@
             <p:ph type="body" idx="1"/>
           </p:nvPr>
         </p:nvSpPr>
-        <p:spPr/>
+        <p:spPr>
+          <a:xfrm>
+            <a:off x="311700" y="1007467"/>
+            <a:ext cx="8520600" cy="3416400"/>
+          </a:xfrm>
+        </p:spPr>
         <p:txBody>
           <a:bodyPr/>
           <a:lstStyle/>
           <a:p>
             <a:r>
-              <a:rPr lang="nb-NO" dirty="0"/>
-              <a:t>Alle ansvar som medfølger å være et kjellerstyremedlem</a:t>
+              <a:rPr lang="nb-NO"/>
+              <a:t>Kjellerstyremedlem</a:t>
             </a:r>
           </a:p>
           <a:p>
@@ -16617,7 +16596,7 @@
               </a:lnSpc>
             </a:pPr>
             <a:r>
-              <a:rPr lang="nb-NO" dirty="0"/>
+              <a:rPr lang="nb-NO"/>
               <a:t>Koordinere med barsjef så det alltid er nok drikke</a:t>
             </a:r>
           </a:p>
@@ -16628,8 +16607,8 @@
               </a:lnSpc>
             </a:pPr>
             <a:r>
-              <a:rPr lang="nb-NO" dirty="0"/>
-              <a:t>Kjøpe inn varer til bar</a:t>
+              <a:rPr lang="nb-NO"/>
+              <a:t>Kjøpe inn varer til bar – ha innsikt i vareutvalget</a:t>
             </a:r>
           </a:p>
           <a:p>
@@ -16639,14 +16618,14 @@
               </a:lnSpc>
             </a:pPr>
             <a:r>
-              <a:rPr lang="nb-NO" dirty="0"/>
+              <a:rPr lang="nb-NO"/>
               <a:t>Delta på </a:t>
             </a:r>
             <a:r>
-              <a:rPr lang="nb-NO" dirty="0" err="1"/>
+              <a:rPr lang="nb-NO" err="1"/>
               <a:t>vecturamesse</a:t>
             </a:r>
-            <a:endParaRPr lang="nb-NO" dirty="0"/>
+            <a:endParaRPr lang="nb-NO"/>
           </a:p>
           <a:p>
             <a:pPr>
@@ -16655,16 +16634,8 @@
               </a:lnSpc>
             </a:pPr>
             <a:r>
-              <a:rPr lang="nb-NO" dirty="0"/>
-              <a:t>Hovedansvar for videreutviklingen av </a:t>
-            </a:r>
-            <a:r>
-              <a:rPr lang="nb-NO" dirty="0" err="1"/>
-              <a:t>escape</a:t>
-            </a:r>
-            <a:r>
-              <a:rPr lang="nb-NO" dirty="0"/>
-              <a:t> sitt varesortiment</a:t>
+              <a:rPr lang="nb-NO"/>
+              <a:t>Hovedansvar for videreutviklingen av Escape sitt varesortiment</a:t>
             </a:r>
           </a:p>
           <a:p>
@@ -16674,7 +16645,7 @@
               </a:lnSpc>
             </a:pPr>
             <a:r>
-              <a:rPr lang="nb-NO" dirty="0"/>
+              <a:rPr lang="nb-NO"/>
               <a:t>Legge inn nye varer i kassa</a:t>
             </a:r>
           </a:p>
@@ -16685,7 +16656,7 @@
               </a:lnSpc>
             </a:pPr>
             <a:r>
-              <a:rPr lang="nb-NO" dirty="0"/>
+              <a:rPr lang="nb-NO"/>
               <a:t>Oppdatere skapet.cyb.no med plasseringen til nye varer i kjøleskapene</a:t>
             </a:r>
           </a:p>
@@ -16696,7 +16667,7 @@
               </a:lnSpc>
             </a:pPr>
             <a:r>
-              <a:rPr lang="nb-NO" dirty="0"/>
+              <a:rPr lang="nb-NO"/>
               <a:t>Lederansvar for innkjøpsgruppen</a:t>
             </a:r>
           </a:p>
@@ -16707,30 +16678,9 @@
               </a:lnSpc>
             </a:pPr>
             <a:r>
-              <a:rPr lang="nb-NO" dirty="0"/>
-              <a:t>Legge inn nye varer på in.cyb.no under sales </a:t>
-            </a:r>
-            <a:r>
-              <a:rPr lang="nb-NO" dirty="0" err="1"/>
-              <a:t>products</a:t>
-            </a:r>
-            <a:r>
-              <a:rPr lang="nb-NO" dirty="0"/>
-              <a:t> and </a:t>
-            </a:r>
-            <a:r>
-              <a:rPr lang="nb-NO" dirty="0" err="1"/>
-              <a:t>inventory</a:t>
-            </a:r>
-            <a:r>
-              <a:rPr lang="nb-NO" dirty="0"/>
-              <a:t> </a:t>
-            </a:r>
-            <a:r>
-              <a:rPr lang="nb-NO" dirty="0" err="1"/>
-              <a:t>items</a:t>
-            </a:r>
-            <a:endParaRPr lang="nb-NO" dirty="0"/>
+              <a:rPr lang="nb-NO"/>
+              <a:t>Legge inn nye varer på in.cyb.no og holde barmeny.cyb.no oppdatert</a:t>
+            </a:r>
           </a:p>
           <a:p>
             <a:pPr>
@@ -16739,8 +16689,8 @@
               </a:lnSpc>
             </a:pPr>
             <a:r>
-              <a:rPr lang="nb-NO" dirty="0"/>
-              <a:t>Holde barmeny.cyb.no oppdatert</a:t>
+              <a:rPr lang="nb-NO"/>
+              <a:t>Være kontaktperson for leverandører</a:t>
             </a:r>
           </a:p>
           <a:p>
@@ -16750,8 +16700,16 @@
               </a:lnSpc>
             </a:pPr>
             <a:r>
-              <a:rPr lang="nb-NO" dirty="0"/>
-              <a:t>Være kontaktperson for leverandører</a:t>
+              <a:rPr lang="nb-NO"/>
+              <a:t>Holde </a:t>
+            </a:r>
+            <a:r>
+              <a:rPr lang="nb-NO" err="1"/>
+              <a:t>cyb</a:t>
+            </a:r>
+            <a:r>
+              <a:rPr lang="nb-NO"/>
+              <a:t> sin kontaktinformasjon hos leverandører oppdatert</a:t>
             </a:r>
           </a:p>
           <a:p>
@@ -16761,16 +16719,8 @@
               </a:lnSpc>
             </a:pPr>
             <a:r>
-              <a:rPr lang="nb-NO" dirty="0"/>
-              <a:t>Holde </a:t>
-            </a:r>
-            <a:r>
-              <a:rPr lang="nb-NO" dirty="0" err="1"/>
-              <a:t>cyb</a:t>
-            </a:r>
-            <a:r>
-              <a:rPr lang="nb-NO" dirty="0"/>
-              <a:t> sin kontaktinformasjon hos leverandører oppdatert</a:t>
+              <a:rPr lang="nb-NO"/>
+              <a:t>Sørge for at noen tar imot varer</a:t>
             </a:r>
           </a:p>
           <a:p>
@@ -16779,29 +16729,7 @@
                 <a:spcPct val="114999"/>
               </a:lnSpc>
             </a:pPr>
-            <a:r>
-              <a:rPr lang="nb-NO" dirty="0"/>
-              <a:t>Sørge for at noen tar imot varer</a:t>
-            </a:r>
-          </a:p>
-          <a:p>
-            <a:pPr>
-              <a:lnSpc>
-                <a:spcPct val="114999"/>
-              </a:lnSpc>
-            </a:pPr>
-            <a:r>
-              <a:rPr lang="nb-NO" dirty="0"/>
-              <a:t>Ha innsikt i vareutvalget og videreformidle denne til bargruppa</a:t>
-            </a:r>
-          </a:p>
-          <a:p>
-            <a:pPr>
-              <a:lnSpc>
-                <a:spcPct val="114999"/>
-              </a:lnSpc>
-            </a:pPr>
-            <a:endParaRPr lang="nb-NO" dirty="0"/>
+            <a:endParaRPr lang="nb-NO"/>
           </a:p>
         </p:txBody>
       </p:sp>
@@ -16886,7 +16814,7 @@
           <a:p>
             <a:r>
               <a:rPr lang="nb-NO"/>
-              <a:t>Alle ansvar som medfølger å være et kjellerstyremedlem</a:t>
+              <a:t>Kjellerstyremedlem</a:t>
             </a:r>
           </a:p>
           <a:p>
@@ -16930,6 +16858,7 @@
               <a:rPr lang="nb-NO" err="1"/>
               <a:t>gaffa</a:t>
             </a:r>
+            <a:endParaRPr lang="nb-NO"/>
           </a:p>
           <a:p>
             <a:pPr>
@@ -16985,7 +16914,7 @@
             </a:r>
             <a:r>
               <a:rPr lang="nb-NO"/>
-              <a:t> dammen</a:t>
+              <a:t>-dammen</a:t>
             </a:r>
           </a:p>
           <a:p>
@@ -17023,11 +16952,7 @@
             </a:r>
             <a:r>
               <a:rPr lang="nb-NO"/>
-              <a:t> (lys, bord, etc.) for feil eller mangler i </a:t>
-            </a:r>
-            <a:r>
-              <a:rPr lang="nb-NO" err="1"/>
-              <a:t>blandt</a:t>
+              <a:t> (lys, bord, etc.) for feil eller mangler i blant</a:t>
             </a:r>
           </a:p>
           <a:p>
@@ -17038,7 +16963,7 @@
             </a:pPr>
             <a:r>
               <a:rPr lang="nb-NO"/>
-              <a:t>Komme med forslag til forbedringer om du legger merke til noe som trenger det</a:t>
+              <a:t>Komme med forslag til forbedringer i Escape</a:t>
             </a:r>
           </a:p>
         </p:txBody>
@@ -17124,7 +17049,7 @@
           <a:p>
             <a:r>
               <a:rPr lang="nb-NO"/>
-              <a:t>Alle ansvar som medfølger å være et kjellerstyremedlem</a:t>
+              <a:t>Kjellerstyremedlem</a:t>
             </a:r>
           </a:p>
           <a:p>
@@ -17134,12 +17059,8 @@
               </a:lnSpc>
             </a:pPr>
             <a:r>
-              <a:rPr lang="nb-NO" err="1"/>
-              <a:t>Utlånsansvalrig</a:t>
-            </a:r>
-            <a:r>
-              <a:rPr lang="nb-NO"/>
-              <a:t> har alltid siste ord på om det gjennomføres et utlån eller ikke</a:t>
+              <a:rPr lang="nb-NO"/>
+              <a:t>Har alltid siste ord på om det gjennomføres et utlån eller ikke</a:t>
             </a:r>
           </a:p>
           <a:p>
@@ -17180,7 +17101,7 @@
             </a:r>
             <a:r>
               <a:rPr lang="nb-NO"/>
-              <a:t> og sjekke kalenderen på wikien for å unngå dobbeltbookinger</a:t>
+              <a:t> og sjekke kalenderen for å unngå dobbeltbookinger</a:t>
             </a:r>
           </a:p>
           <a:p>
@@ -17232,7 +17153,7 @@
             </a:pPr>
             <a:r>
               <a:rPr lang="nb-NO"/>
-              <a:t>Korrespondere med leietaker for å avlyse utlån dersom vi ikke har kapasitet til å gjennomføre</a:t>
+              <a:t>Korrespondere med leietaker for å avlyse utlån dersom vi ikke har kapasitet</a:t>
             </a:r>
           </a:p>
           <a:p>
@@ -17346,15 +17267,20 @@
           <a:bodyPr/>
           <a:lstStyle/>
           <a:p>
-            <a:r>
-              <a:rPr lang="nb-NO"/>
-              <a:t>Alle ansvar som medfølger å være et kjellerstyremedlem</a:t>
-            </a:r>
-          </a:p>
-          <a:p>
             <a:pPr>
               <a:lnSpc>
-                <a:spcPct val="114999"/>
+                <a:spcPct val="150000"/>
+              </a:lnSpc>
+            </a:pPr>
+            <a:r>
+              <a:rPr lang="nb-NO"/>
+              <a:t>Kjellerstyremedlem</a:t>
+            </a:r>
+          </a:p>
+          <a:p>
+            <a:pPr>
+              <a:lnSpc>
+                <a:spcPct val="150000"/>
               </a:lnSpc>
             </a:pPr>
             <a:r>
@@ -17365,7 +17291,7 @@
           <a:p>
             <a:pPr>
               <a:lnSpc>
-                <a:spcPct val="114999"/>
+                <a:spcPct val="150000"/>
               </a:lnSpc>
             </a:pPr>
             <a:r>
@@ -17376,7 +17302,7 @@
           <a:p>
             <a:pPr>
               <a:lnSpc>
-                <a:spcPct val="114999"/>
+                <a:spcPct val="150000"/>
               </a:lnSpc>
             </a:pPr>
             <a:r>
@@ -17387,6 +17313,7 @@
               <a:rPr lang="nb-NO" err="1"/>
               <a:t>DJgruppen</a:t>
             </a:r>
+            <a:endParaRPr lang="nb-NO"/>
           </a:p>
           <a:p>
             <a:pPr marL="114300" indent="0">
@@ -17480,7 +17407,7 @@
           <a:p>
             <a:r>
               <a:rPr lang="nb-NO"/>
-              <a:t>Alle ansvar som medfølger å være et kjellerstyremedlem</a:t>
+              <a:t>Kjellerstyremedlem</a:t>
             </a:r>
           </a:p>
           <a:p>
@@ -17491,7 +17418,7 @@
             </a:pPr>
             <a:r>
               <a:rPr lang="nb-NO"/>
-              <a:t>Delta på Arr møter</a:t>
+              <a:t>Delta på Arr-møter</a:t>
             </a:r>
           </a:p>
           <a:p>
@@ -17518,15 +17445,7 @@
             </a:r>
             <a:r>
               <a:rPr lang="nb-NO"/>
-              <a:t> angående innkjøp av spesialvarer (sprit etc.) og informere </a:t>
-            </a:r>
-            <a:r>
-              <a:rPr lang="nb-NO" err="1"/>
-              <a:t>innkjøpsansvalrig</a:t>
-            </a:r>
-            <a:r>
-              <a:rPr lang="nb-NO"/>
-              <a:t> om det er behov for ekstra varer til et arrangement eller utlån</a:t>
+              <a:t> angående innkjøp av spesialvarer (sprit etc.)</a:t>
             </a:r>
           </a:p>
           <a:p>
@@ -17537,6 +17456,17 @@
             </a:pPr>
             <a:r>
               <a:rPr lang="nb-NO"/>
+              <a:t>Informere innkjøpsansvarlig om det er behov for ekstra varer til et arrangement eller utlån</a:t>
+            </a:r>
+          </a:p>
+          <a:p>
+            <a:pPr>
+              <a:lnSpc>
+                <a:spcPct val="114999"/>
+              </a:lnSpc>
+            </a:pPr>
+            <a:r>
+              <a:rPr lang="nb-NO"/>
               <a:t>Hovedansvar for torsdagsklubben</a:t>
             </a:r>
           </a:p>
@@ -17548,20 +17478,13 @@
             </a:pPr>
             <a:r>
               <a:rPr lang="nb-NO"/>
-              <a:t>Sørge for </a:t>
-            </a:r>
-            <a:r>
-              <a:rPr lang="nb-NO" err="1"/>
-              <a:t>komunikasjon</a:t>
-            </a:r>
-            <a:r>
-              <a:rPr lang="nb-NO"/>
-              <a:t> mellom bargruppa og </a:t>
+              <a:t>Sørge for kommunikasjon mellom bargruppa og </a:t>
             </a:r>
             <a:r>
               <a:rPr lang="nb-NO" err="1"/>
               <a:t>arrgruppa</a:t>
             </a:r>
+            <a:endParaRPr lang="nb-NO"/>
           </a:p>
           <a:p>
             <a:pPr marL="114300" indent="0">
@@ -17639,23 +17562,23 @@
               <a:buNone/>
             </a:pPr>
             <a:r>
-              <a:rPr lang="nb-NO" dirty="0"/>
+              <a:rPr lang="nb-NO"/>
               <a:t>Forslag</a:t>
             </a:r>
             <a:r>
-              <a:rPr lang="en-GB" dirty="0"/>
+              <a:rPr lang="en-GB"/>
               <a:t> </a:t>
             </a:r>
             <a:r>
-              <a:rPr lang="nb-NO" dirty="0"/>
+              <a:rPr lang="nb-NO"/>
               <a:t>til</a:t>
             </a:r>
             <a:r>
-              <a:rPr lang="en-GB" dirty="0"/>
+              <a:rPr lang="en-GB"/>
               <a:t> </a:t>
             </a:r>
             <a:r>
-              <a:rPr lang="nb-NO" dirty="0"/>
+              <a:rPr lang="nb-NO"/>
               <a:t>vedtektsendringer</a:t>
             </a:r>
           </a:p>
@@ -17721,15 +17644,15 @@
               <a:buNone/>
             </a:pPr>
             <a:r>
-              <a:rPr lang="nb-NO" dirty="0"/>
+              <a:rPr lang="nb-NO"/>
               <a:t>§7f</a:t>
             </a:r>
             <a:r>
-              <a:rPr lang="en-GB" dirty="0"/>
+              <a:rPr lang="en-GB"/>
               <a:t> – </a:t>
             </a:r>
             <a:r>
-              <a:rPr lang="nb-NO" dirty="0"/>
+              <a:rPr lang="nb-NO"/>
               <a:t>Skriftlig valg</a:t>
             </a:r>
           </a:p>
@@ -17770,10 +17693,10 @@
               <a:buNone/>
             </a:pPr>
             <a:r>
-              <a:rPr lang="nb-NO" b="1" dirty="0"/>
+              <a:rPr lang="nb-NO" b="1"/>
               <a:t>Endre §7f fra:</a:t>
             </a:r>
-            <a:endParaRPr b="1" dirty="0"/>
+            <a:endParaRPr b="1"/>
           </a:p>
           <a:p>
             <a:pPr marL="0" lvl="0" indent="0" algn="l" rtl="0">
@@ -17786,7 +17709,7 @@
               <a:buNone/>
             </a:pPr>
             <a:r>
-              <a:rPr lang="nb-NO" i="1" dirty="0">
+              <a:rPr lang="nb-NO" i="1">
                 <a:solidFill>
                   <a:schemeClr val="tx1"/>
                 </a:solidFill>
@@ -17804,7 +17727,7 @@
               </a:spcAft>
               <a:buNone/>
             </a:pPr>
-            <a:endParaRPr lang="nb-NO" dirty="0">
+            <a:endParaRPr lang="nb-NO">
               <a:solidFill>
                 <a:schemeClr val="tx1"/>
               </a:solidFill>
@@ -17821,14 +17744,14 @@
               <a:buNone/>
             </a:pPr>
             <a:r>
-              <a:rPr lang="en-GB" b="1" dirty="0" err="1"/>
+              <a:rPr lang="en-GB" b="1" err="1"/>
               <a:t>til</a:t>
             </a:r>
             <a:r>
-              <a:rPr lang="en-GB" b="1" dirty="0"/>
+              <a:rPr lang="en-GB" b="1"/>
               <a:t>:</a:t>
             </a:r>
-            <a:endParaRPr b="1" dirty="0"/>
+            <a:endParaRPr b="1"/>
           </a:p>
           <a:p>
             <a:pPr marL="0" lvl="0" indent="0" algn="l" rtl="0">
@@ -17841,63 +17764,63 @@
               <a:buNone/>
             </a:pPr>
             <a:r>
-              <a:rPr lang="en-GB" i="1" dirty="0" err="1"/>
+              <a:rPr lang="en-GB" i="1" err="1"/>
               <a:t>Valg</a:t>
             </a:r>
             <a:r>
-              <a:rPr lang="en-GB" i="1" dirty="0"/>
+              <a:rPr lang="en-GB" i="1"/>
               <a:t> </a:t>
             </a:r>
             <a:r>
-              <a:rPr lang="en-GB" i="1" dirty="0" err="1"/>
+              <a:rPr lang="en-GB" i="1" err="1"/>
               <a:t>av</a:t>
             </a:r>
             <a:r>
-              <a:rPr lang="en-GB" i="1" dirty="0"/>
+              <a:rPr lang="en-GB" i="1"/>
               <a:t> </a:t>
             </a:r>
             <a:r>
-              <a:rPr lang="en-GB" i="1" dirty="0" err="1"/>
+              <a:rPr lang="en-GB" i="1" err="1"/>
               <a:t>styremedlemmer</a:t>
             </a:r>
             <a:r>
-              <a:rPr lang="en-GB" i="1" dirty="0"/>
+              <a:rPr lang="en-GB" i="1"/>
               <a:t> </a:t>
             </a:r>
             <a:r>
-              <a:rPr lang="en-GB" i="1" dirty="0" err="1"/>
+              <a:rPr lang="en-GB" i="1" err="1"/>
               <a:t>på</a:t>
             </a:r>
             <a:r>
-              <a:rPr lang="en-GB" i="1" dirty="0"/>
+              <a:rPr lang="en-GB" i="1"/>
               <a:t> </a:t>
             </a:r>
             <a:r>
-              <a:rPr lang="en-GB" i="1" dirty="0" err="1"/>
+              <a:rPr lang="en-GB" i="1" err="1"/>
               <a:t>generalforsamling</a:t>
             </a:r>
             <a:r>
-              <a:rPr lang="en-GB" i="1" dirty="0"/>
+              <a:rPr lang="en-GB" i="1"/>
               <a:t> </a:t>
             </a:r>
             <a:r>
-              <a:rPr lang="en-GB" i="1" dirty="0" err="1"/>
+              <a:rPr lang="en-GB" i="1" err="1"/>
               <a:t>foregår</a:t>
             </a:r>
             <a:r>
-              <a:rPr lang="en-GB" i="1" dirty="0"/>
+              <a:rPr lang="en-GB" i="1"/>
               <a:t> </a:t>
             </a:r>
             <a:r>
-              <a:rPr lang="en-GB" i="1" dirty="0" err="1"/>
+              <a:rPr lang="en-GB" i="1" err="1"/>
               <a:t>skriftlig</a:t>
             </a:r>
             <a:r>
-              <a:rPr lang="en-GB" i="1" dirty="0"/>
+              <a:rPr lang="en-GB" i="1"/>
               <a:t>, </a:t>
             </a:r>
             <a:r>
-              <a:rPr lang="en-GB" i="1" dirty="0" err="1">
+              <a:rPr lang="en-GB" i="1" err="1">
                 <a:solidFill>
                   <a:srgbClr val="92D050"/>
                 </a:solidFill>
@@ -17905,7 +17828,7 @@
               <a:t>selv</a:t>
             </a:r>
             <a:r>
-              <a:rPr lang="en-GB" i="1" dirty="0">
+              <a:rPr lang="en-GB" i="1">
                 <a:solidFill>
                   <a:srgbClr val="92D050"/>
                 </a:solidFill>
@@ -17913,7 +17836,7 @@
               <a:t> </a:t>
             </a:r>
             <a:r>
-              <a:rPr lang="en-GB" i="1" dirty="0" err="1">
+              <a:rPr lang="en-GB" i="1" err="1">
                 <a:solidFill>
                   <a:srgbClr val="92D050"/>
                 </a:solidFill>
@@ -17921,7 +17844,7 @@
               <a:t>ved</a:t>
             </a:r>
             <a:r>
-              <a:rPr lang="en-GB" i="1" dirty="0">
+              <a:rPr lang="en-GB" i="1">
                 <a:solidFill>
                   <a:srgbClr val="92D050"/>
                 </a:solidFill>
@@ -17929,7 +17852,7 @@
               <a:t> </a:t>
             </a:r>
             <a:r>
-              <a:rPr lang="en-GB" i="1" dirty="0" err="1">
+              <a:rPr lang="en-GB" i="1" err="1">
                 <a:solidFill>
                   <a:srgbClr val="92D050"/>
                 </a:solidFill>
@@ -17937,7 +17860,7 @@
               <a:t>én</a:t>
             </a:r>
             <a:r>
-              <a:rPr lang="en-GB" i="1" dirty="0">
+              <a:rPr lang="en-GB" i="1">
                 <a:solidFill>
                   <a:srgbClr val="92D050"/>
                 </a:solidFill>
@@ -17945,14 +17868,14 @@
               <a:t> </a:t>
             </a:r>
             <a:r>
-              <a:rPr lang="en-GB" i="1" dirty="0" err="1">
+              <a:rPr lang="en-GB" i="1" err="1">
                 <a:solidFill>
                   <a:srgbClr val="92D050"/>
                 </a:solidFill>
               </a:rPr>
               <a:t>kandidat</a:t>
             </a:r>
-            <a:endParaRPr lang="en-GB" i="1" dirty="0">
+            <a:endParaRPr lang="en-GB" i="1">
               <a:solidFill>
                 <a:srgbClr val="92D050"/>
               </a:solidFill>
@@ -18020,18 +17943,18 @@
               <a:buNone/>
             </a:pPr>
             <a:r>
-              <a:rPr lang="en-GB" dirty="0"/>
+              <a:rPr lang="en-GB"/>
               <a:t>§4 – </a:t>
             </a:r>
             <a:r>
-              <a:rPr lang="en-GB" dirty="0" err="1"/>
+              <a:rPr lang="en-GB" err="1"/>
               <a:t>Revisjon</a:t>
             </a:r>
             <a:r>
-              <a:rPr lang="en-GB" dirty="0"/>
+              <a:rPr lang="en-GB"/>
               <a:t> – Alt. 1</a:t>
             </a:r>
-            <a:endParaRPr dirty="0"/>
+            <a:endParaRPr/>
           </a:p>
         </p:txBody>
       </p:sp>
@@ -18070,7 +17993,7 @@
               <a:buNone/>
             </a:pPr>
             <a:r>
-              <a:rPr lang="nb-NO" i="1" dirty="0">
+              <a:rPr lang="nb-NO" i="1">
                 <a:solidFill>
                   <a:schemeClr val="tx1"/>
                 </a:solidFill>
@@ -18089,7 +18012,7 @@
               <a:buNone/>
             </a:pPr>
             <a:r>
-              <a:rPr lang="nb-NO" i="1" dirty="0">
+              <a:rPr lang="nb-NO" i="1">
                 <a:solidFill>
                   <a:schemeClr val="tx1"/>
                 </a:solidFill>
@@ -18159,18 +18082,18 @@
               <a:buNone/>
             </a:pPr>
             <a:r>
-              <a:rPr lang="en-GB" dirty="0"/>
+              <a:rPr lang="en-GB"/>
               <a:t>§4 – </a:t>
             </a:r>
             <a:r>
-              <a:rPr lang="en-GB" dirty="0" err="1"/>
+              <a:rPr lang="en-GB" err="1"/>
               <a:t>Revisjon</a:t>
             </a:r>
             <a:r>
-              <a:rPr lang="en-GB" dirty="0"/>
+              <a:rPr lang="en-GB"/>
               <a:t> – Alt. 2</a:t>
             </a:r>
-            <a:endParaRPr dirty="0"/>
+            <a:endParaRPr/>
           </a:p>
         </p:txBody>
       </p:sp>
@@ -18209,7 +18132,7 @@
               <a:buNone/>
             </a:pPr>
             <a:r>
-              <a:rPr lang="nb-NO" i="1" dirty="0">
+              <a:rPr lang="nb-NO" i="1">
                 <a:solidFill>
                   <a:schemeClr val="tx1"/>
                 </a:solidFill>
@@ -18217,7 +18140,7 @@
               <a:t>Forslag til §4a (legge til det i </a:t>
             </a:r>
             <a:r>
-              <a:rPr lang="nb-NO" i="1" dirty="0">
+              <a:rPr lang="nb-NO" i="1">
                 <a:solidFill>
                   <a:srgbClr val="92D050"/>
                 </a:solidFill>
@@ -18225,7 +18148,7 @@
               <a:t>grønt</a:t>
             </a:r>
             <a:r>
-              <a:rPr lang="nb-NO" i="1" dirty="0">
+              <a:rPr lang="nb-NO" i="1">
                 <a:solidFill>
                   <a:schemeClr val="tx1"/>
                 </a:solidFill>
@@ -18244,7 +18167,7 @@
               <a:buNone/>
             </a:pPr>
             <a:r>
-              <a:rPr lang="nb-NO" i="1" dirty="0">
+              <a:rPr lang="nb-NO" i="1">
                 <a:solidFill>
                   <a:schemeClr val="tx1"/>
                 </a:solidFill>
@@ -18252,7 +18175,7 @@
               <a:t>§4 a) Hovedstyret skal utnevne minst to personer for å revidere årsregnskapet. Personene kan ikke ha vært medlemmer av økonomigruppa eller innehatt styreverv i perioden som revideres. </a:t>
             </a:r>
             <a:r>
-              <a:rPr lang="nb-NO" i="1" dirty="0">
+              <a:rPr lang="nb-NO" i="1">
                 <a:solidFill>
                   <a:srgbClr val="92D050"/>
                 </a:solidFill>
@@ -18327,10 +18250,10 @@
               <a:buNone/>
             </a:pPr>
             <a:r>
-              <a:rPr lang="en-GB" dirty="0"/>
+              <a:rPr lang="en-GB"/>
               <a:t>§10 – Alt. 1</a:t>
             </a:r>
-            <a:endParaRPr dirty="0"/>
+            <a:endParaRPr/>
           </a:p>
         </p:txBody>
       </p:sp>
@@ -18369,7 +18292,7 @@
               <a:buNone/>
             </a:pPr>
             <a:r>
-              <a:rPr lang="nb-NO" i="1" dirty="0">
+              <a:rPr lang="nb-NO" i="1">
                 <a:solidFill>
                   <a:schemeClr val="tx1"/>
                 </a:solidFill>
@@ -18388,7 +18311,7 @@
               <a:buNone/>
             </a:pPr>
             <a:r>
-              <a:rPr lang="nb-NO" i="1" dirty="0">
+              <a:rPr lang="nb-NO" i="1">
                 <a:solidFill>
                   <a:schemeClr val="tx1"/>
                 </a:solidFill>
@@ -18396,7 +18319,7 @@
               <a:t>§10a) Hovedstyret kan med 3⁄4 flertall vedta eksklusjon av medlemmer </a:t>
             </a:r>
             <a:r>
-              <a:rPr lang="nb-NO" i="1" dirty="0">
+              <a:rPr lang="nb-NO" i="1">
                 <a:solidFill>
                   <a:srgbClr val="92D050"/>
                 </a:solidFill>
@@ -18471,22 +18394,22 @@
               <a:buNone/>
             </a:pPr>
             <a:r>
-              <a:rPr lang="nb-NO" dirty="0"/>
+              <a:rPr lang="nb-NO"/>
               <a:t>Valg</a:t>
             </a:r>
             <a:r>
-              <a:rPr lang="en-GB" dirty="0"/>
+              <a:rPr lang="en-GB"/>
               <a:t> </a:t>
             </a:r>
             <a:r>
-              <a:rPr lang="nb-NO" dirty="0"/>
+              <a:rPr lang="nb-NO"/>
               <a:t>av</a:t>
             </a:r>
             <a:r>
-              <a:rPr lang="en-GB" dirty="0"/>
+              <a:rPr lang="en-GB"/>
               <a:t> referent</a:t>
             </a:r>
-            <a:endParaRPr dirty="0"/>
+            <a:endParaRPr/>
           </a:p>
         </p:txBody>
       </p:sp>
@@ -18550,10 +18473,10 @@
               <a:buNone/>
             </a:pPr>
             <a:r>
-              <a:rPr lang="en-GB" dirty="0"/>
+              <a:rPr lang="en-GB"/>
               <a:t>§10 – Alt. 2</a:t>
             </a:r>
-            <a:endParaRPr dirty="0"/>
+            <a:endParaRPr/>
           </a:p>
         </p:txBody>
       </p:sp>
@@ -18592,7 +18515,7 @@
               <a:buNone/>
             </a:pPr>
             <a:r>
-              <a:rPr lang="nb-NO" i="1" dirty="0">
+              <a:rPr lang="nb-NO" i="1">
                 <a:solidFill>
                   <a:schemeClr val="tx1"/>
                 </a:solidFill>
@@ -18611,7 +18534,7 @@
               <a:buNone/>
             </a:pPr>
             <a:r>
-              <a:rPr lang="nb-NO" i="1" dirty="0">
+              <a:rPr lang="nb-NO" i="1">
                 <a:solidFill>
                   <a:schemeClr val="tx1"/>
                 </a:solidFill>
@@ -18619,7 +18542,7 @@
               <a:t>§10a) Hovedstyret kan med 3⁄4 flertall vedta eksklusjon av medlemmer</a:t>
             </a:r>
             <a:r>
-              <a:rPr lang="nb-NO" i="1" dirty="0">
+              <a:rPr lang="nb-NO" i="1">
                 <a:solidFill>
                   <a:srgbClr val="92D050"/>
                 </a:solidFill>
@@ -18694,10 +18617,10 @@
               <a:buNone/>
             </a:pPr>
             <a:r>
-              <a:rPr lang="en-GB" dirty="0"/>
+              <a:rPr lang="en-GB"/>
               <a:t>§10 – Alt. 3</a:t>
             </a:r>
-            <a:endParaRPr dirty="0"/>
+            <a:endParaRPr/>
           </a:p>
         </p:txBody>
       </p:sp>
@@ -18736,7 +18659,7 @@
               <a:buNone/>
             </a:pPr>
             <a:r>
-              <a:rPr lang="nb-NO" i="1" dirty="0">
+              <a:rPr lang="nb-NO" i="1">
                 <a:solidFill>
                   <a:schemeClr val="tx1"/>
                 </a:solidFill>
@@ -18755,7 +18678,7 @@
               <a:buNone/>
             </a:pPr>
             <a:r>
-              <a:rPr lang="nb-NO" i="1" dirty="0">
+              <a:rPr lang="nb-NO" i="1">
                 <a:solidFill>
                   <a:schemeClr val="tx1"/>
                 </a:solidFill>
@@ -18775,7 +18698,7 @@
               <a:buAutoNum type="alphaLcParenR"/>
             </a:pPr>
             <a:r>
-              <a:rPr lang="nb-NO" i="1" dirty="0">
+              <a:rPr lang="nb-NO" i="1">
                 <a:solidFill>
                   <a:schemeClr val="tx1"/>
                 </a:solidFill>
@@ -18795,7 +18718,7 @@
               <a:buAutoNum type="alphaLcParenR"/>
             </a:pPr>
             <a:r>
-              <a:rPr lang="nb-NO" i="1" dirty="0">
+              <a:rPr lang="nb-NO" i="1">
                 <a:solidFill>
                   <a:srgbClr val="92D050"/>
                 </a:solidFill>
@@ -18815,7 +18738,7 @@
               <a:buAutoNum type="alphaLcParenR"/>
             </a:pPr>
             <a:r>
-              <a:rPr lang="nb-NO" i="1" dirty="0">
+              <a:rPr lang="nb-NO" i="1">
                 <a:solidFill>
                   <a:schemeClr val="tx1"/>
                 </a:solidFill>
@@ -18890,23 +18813,23 @@
               <a:buNone/>
             </a:pPr>
             <a:r>
-              <a:rPr lang="nb-NO" sz="4400" dirty="0"/>
+              <a:rPr lang="nb-NO" sz="4400"/>
               <a:t>Utdeling</a:t>
             </a:r>
             <a:r>
-              <a:rPr lang="en-GB" sz="4400" dirty="0"/>
+              <a:rPr lang="en-GB" sz="4400"/>
               <a:t> </a:t>
             </a:r>
             <a:r>
-              <a:rPr lang="nb-NO" sz="4400" dirty="0"/>
+              <a:rPr lang="nb-NO" sz="4400"/>
               <a:t>av</a:t>
             </a:r>
             <a:r>
-              <a:rPr lang="en-GB" sz="4400" dirty="0"/>
+              <a:rPr lang="en-GB" sz="4400"/>
               <a:t> </a:t>
             </a:r>
             <a:r>
-              <a:rPr lang="nb-NO" sz="4400" dirty="0"/>
+              <a:rPr lang="nb-NO" sz="4400"/>
               <a:t>utmerkelser</a:t>
             </a:r>
           </a:p>
@@ -18972,22 +18895,22 @@
               <a:buNone/>
             </a:pPr>
             <a:r>
-              <a:rPr lang="nb-NO" dirty="0"/>
+              <a:rPr lang="nb-NO"/>
               <a:t>Takk</a:t>
             </a:r>
             <a:r>
-              <a:rPr lang="en-GB" dirty="0"/>
+              <a:rPr lang="en-GB"/>
               <a:t> for </a:t>
             </a:r>
             <a:r>
-              <a:rPr lang="nb-NO" dirty="0"/>
+              <a:rPr lang="nb-NO"/>
               <a:t>oppmøte</a:t>
             </a:r>
             <a:r>
-              <a:rPr lang="en-GB" dirty="0"/>
+              <a:rPr lang="en-GB"/>
               <a:t>!</a:t>
             </a:r>
-            <a:endParaRPr dirty="0"/>
+            <a:endParaRPr/>
           </a:p>
         </p:txBody>
       </p:sp>
@@ -19051,23 +18974,23 @@
               <a:buNone/>
             </a:pPr>
             <a:r>
-              <a:rPr lang="nb-NO" dirty="0"/>
+              <a:rPr lang="nb-NO"/>
               <a:t>Valg</a:t>
             </a:r>
             <a:r>
-              <a:rPr lang="en-GB" dirty="0"/>
+              <a:rPr lang="en-GB"/>
               <a:t> </a:t>
             </a:r>
             <a:r>
-              <a:rPr lang="nb-NO" dirty="0"/>
+              <a:rPr lang="nb-NO"/>
               <a:t>av</a:t>
             </a:r>
             <a:r>
-              <a:rPr lang="en-GB" dirty="0"/>
+              <a:rPr lang="en-GB"/>
               <a:t> </a:t>
             </a:r>
             <a:r>
-              <a:rPr lang="nb-NO" dirty="0"/>
+              <a:rPr lang="nb-NO"/>
               <a:t>protokollunderskrivere</a:t>
             </a:r>
           </a:p>
@@ -19133,23 +19056,23 @@
               <a:buNone/>
             </a:pPr>
             <a:r>
-              <a:rPr lang="nb-NO" dirty="0"/>
+              <a:rPr lang="nb-NO"/>
               <a:t>Valg</a:t>
             </a:r>
             <a:r>
-              <a:rPr lang="en-GB" dirty="0"/>
+              <a:rPr lang="en-GB"/>
               <a:t> </a:t>
             </a:r>
             <a:r>
-              <a:rPr lang="nb-NO" dirty="0"/>
+              <a:rPr lang="nb-NO"/>
               <a:t>av</a:t>
             </a:r>
             <a:r>
-              <a:rPr lang="en-GB" dirty="0"/>
+              <a:rPr lang="en-GB"/>
               <a:t> </a:t>
             </a:r>
             <a:r>
-              <a:rPr lang="nb-NO" dirty="0"/>
+              <a:rPr lang="nb-NO"/>
               <a:t>tellekorps</a:t>
             </a:r>
           </a:p>
@@ -19215,23 +19138,23 @@
               <a:buNone/>
             </a:pPr>
             <a:r>
-              <a:rPr lang="nb-NO" dirty="0"/>
+              <a:rPr lang="nb-NO"/>
               <a:t>Godkjenning</a:t>
             </a:r>
             <a:r>
-              <a:rPr lang="en-GB" dirty="0"/>
+              <a:rPr lang="en-GB"/>
               <a:t> </a:t>
             </a:r>
             <a:r>
-              <a:rPr lang="nb-NO" dirty="0"/>
+              <a:rPr lang="nb-NO"/>
               <a:t>av</a:t>
             </a:r>
             <a:r>
-              <a:rPr lang="en-GB" dirty="0"/>
+              <a:rPr lang="en-GB"/>
               <a:t> </a:t>
             </a:r>
             <a:r>
-              <a:rPr lang="nb-NO" dirty="0"/>
+              <a:rPr lang="nb-NO"/>
               <a:t>innkalling</a:t>
             </a:r>
           </a:p>
@@ -19297,23 +19220,23 @@
               <a:buNone/>
             </a:pPr>
             <a:r>
-              <a:rPr lang="nb-NO" dirty="0"/>
+              <a:rPr lang="nb-NO"/>
               <a:t>Godkjenning</a:t>
             </a:r>
             <a:r>
-              <a:rPr lang="en-GB" dirty="0"/>
+              <a:rPr lang="en-GB"/>
               <a:t> </a:t>
             </a:r>
             <a:r>
-              <a:rPr lang="nb-NO" dirty="0"/>
+              <a:rPr lang="nb-NO"/>
               <a:t>av</a:t>
             </a:r>
             <a:r>
-              <a:rPr lang="en-GB" dirty="0"/>
+              <a:rPr lang="en-GB"/>
               <a:t> </a:t>
             </a:r>
             <a:r>
-              <a:rPr lang="nb-NO" dirty="0"/>
+              <a:rPr lang="nb-NO"/>
               <a:t>dagsorden</a:t>
             </a:r>
           </a:p>
@@ -19379,7 +19302,7 @@
               <a:buNone/>
             </a:pPr>
             <a:r>
-              <a:rPr lang="nb-NO" dirty="0"/>
+              <a:rPr lang="nb-NO"/>
               <a:t>Semesterberetninger</a:t>
             </a:r>
           </a:p>
